--- a/Selenium.pptx
+++ b/Selenium.pptx
@@ -34,9 +34,18 @@
     <p:sldId id="287" r:id="rId28"/>
     <p:sldId id="284" r:id="rId29"/>
     <p:sldId id="286" r:id="rId30"/>
-    <p:sldId id="265" r:id="rId31"/>
-    <p:sldId id="266" r:id="rId32"/>
-    <p:sldId id="267" r:id="rId33"/>
+    <p:sldId id="289" r:id="rId31"/>
+    <p:sldId id="290" r:id="rId32"/>
+    <p:sldId id="291" r:id="rId33"/>
+    <p:sldId id="292" r:id="rId34"/>
+    <p:sldId id="293" r:id="rId35"/>
+    <p:sldId id="294" r:id="rId36"/>
+    <p:sldId id="297" r:id="rId37"/>
+    <p:sldId id="295" r:id="rId38"/>
+    <p:sldId id="296" r:id="rId39"/>
+    <p:sldId id="265" r:id="rId40"/>
+    <p:sldId id="266" r:id="rId41"/>
+    <p:sldId id="267" r:id="rId42"/>
   </p:sldIdLst>
   <p:sldSz cx="12192000" cy="6858000"/>
   <p:notesSz cx="6858000" cy="9144000"/>
@@ -148,7 +157,7 @@
   <pc:docChgLst>
     <pc:chgData name="Suraj Sundar" userId="21277d655284b0de" providerId="LiveId" clId="{EB36A9AD-9429-4AFA-A8A6-18EB4B94057B}"/>
     <pc:docChg chg="undo custSel addSld delSld modSld sldOrd">
-      <pc:chgData name="Suraj Sundar" userId="21277d655284b0de" providerId="LiveId" clId="{EB36A9AD-9429-4AFA-A8A6-18EB4B94057B}" dt="2023-12-10T07:17:00.266" v="2176" actId="20577"/>
+      <pc:chgData name="Suraj Sundar" userId="21277d655284b0de" providerId="LiveId" clId="{EB36A9AD-9429-4AFA-A8A6-18EB4B94057B}" dt="2023-12-16T10:08:59.302" v="2486" actId="20577"/>
       <pc:docMkLst>
         <pc:docMk/>
       </pc:docMkLst>
@@ -533,7 +542,7 @@
         </pc:spChg>
       </pc:sldChg>
       <pc:sldChg chg="addSp delSp modSp new mod ord">
-        <pc:chgData name="Suraj Sundar" userId="21277d655284b0de" providerId="LiveId" clId="{EB36A9AD-9429-4AFA-A8A6-18EB4B94057B}" dt="2023-12-10T07:04:31.223" v="2172" actId="14734"/>
+        <pc:chgData name="Suraj Sundar" userId="21277d655284b0de" providerId="LiveId" clId="{EB36A9AD-9429-4AFA-A8A6-18EB4B94057B}" dt="2023-12-16T09:35:45.216" v="2454" actId="14734"/>
         <pc:sldMkLst>
           <pc:docMk/>
           <pc:sldMk cId="3229436690" sldId="286"/>
@@ -547,7 +556,7 @@
           </ac:spMkLst>
         </pc:spChg>
         <pc:graphicFrameChg chg="add mod modGraphic">
-          <ac:chgData name="Suraj Sundar" userId="21277d655284b0de" providerId="LiveId" clId="{EB36A9AD-9429-4AFA-A8A6-18EB4B94057B}" dt="2023-12-10T07:04:31.223" v="2172" actId="14734"/>
+          <ac:chgData name="Suraj Sundar" userId="21277d655284b0de" providerId="LiveId" clId="{EB36A9AD-9429-4AFA-A8A6-18EB4B94057B}" dt="2023-12-16T09:35:45.216" v="2454" actId="14734"/>
           <ac:graphicFrameMkLst>
             <pc:docMk/>
             <pc:sldMk cId="3229436690" sldId="286"/>
@@ -592,6 +601,325 @@
             <ac:picMk id="3" creationId="{402B7647-2DE2-29FC-A70A-4C57FF1E2474}"/>
           </ac:picMkLst>
         </pc:picChg>
+      </pc:sldChg>
+      <pc:sldChg chg="addSp delSp modSp new mod">
+        <pc:chgData name="Suraj Sundar" userId="21277d655284b0de" providerId="LiveId" clId="{EB36A9AD-9429-4AFA-A8A6-18EB4B94057B}" dt="2023-12-16T08:10:48.998" v="2452" actId="6549"/>
+        <pc:sldMkLst>
+          <pc:docMk/>
+          <pc:sldMk cId="75166264" sldId="289"/>
+        </pc:sldMkLst>
+        <pc:spChg chg="add mod">
+          <ac:chgData name="Suraj Sundar" userId="21277d655284b0de" providerId="LiveId" clId="{EB36A9AD-9429-4AFA-A8A6-18EB4B94057B}" dt="2023-12-15T09:13:35.688" v="2285" actId="14100"/>
+          <ac:spMkLst>
+            <pc:docMk/>
+            <pc:sldMk cId="75166264" sldId="289"/>
+            <ac:spMk id="3" creationId="{B323392D-77EE-F3DF-E68B-49D38C8ED1ED}"/>
+          </ac:spMkLst>
+        </pc:spChg>
+        <pc:spChg chg="add del">
+          <ac:chgData name="Suraj Sundar" userId="21277d655284b0de" providerId="LiveId" clId="{EB36A9AD-9429-4AFA-A8A6-18EB4B94057B}" dt="2023-12-15T09:06:30.602" v="2183"/>
+          <ac:spMkLst>
+            <pc:docMk/>
+            <pc:sldMk cId="75166264" sldId="289"/>
+            <ac:spMk id="4" creationId="{63FD4A46-B282-036E-7F5E-3829A9CAE07D}"/>
+          </ac:spMkLst>
+        </pc:spChg>
+        <pc:spChg chg="add mod">
+          <ac:chgData name="Suraj Sundar" userId="21277d655284b0de" providerId="LiveId" clId="{EB36A9AD-9429-4AFA-A8A6-18EB4B94057B}" dt="2023-12-16T08:10:48.998" v="2452" actId="6549"/>
+          <ac:spMkLst>
+            <pc:docMk/>
+            <pc:sldMk cId="75166264" sldId="289"/>
+            <ac:spMk id="5" creationId="{689A843E-A144-74DF-01F4-918C93714462}"/>
+          </ac:spMkLst>
+        </pc:spChg>
+        <pc:spChg chg="add mod">
+          <ac:chgData name="Suraj Sundar" userId="21277d655284b0de" providerId="LiveId" clId="{EB36A9AD-9429-4AFA-A8A6-18EB4B94057B}" dt="2023-12-15T09:25:42.349" v="2295" actId="20577"/>
+          <ac:spMkLst>
+            <pc:docMk/>
+            <pc:sldMk cId="75166264" sldId="289"/>
+            <ac:spMk id="7" creationId="{E38FF8D2-20E6-78C1-DBB0-127301DA0573}"/>
+          </ac:spMkLst>
+        </pc:spChg>
+        <pc:spChg chg="add del mod">
+          <ac:chgData name="Suraj Sundar" userId="21277d655284b0de" providerId="LiveId" clId="{EB36A9AD-9429-4AFA-A8A6-18EB4B94057B}" dt="2023-12-15T09:07:52.335" v="2199" actId="21"/>
+          <ac:spMkLst>
+            <pc:docMk/>
+            <pc:sldMk cId="75166264" sldId="289"/>
+            <ac:spMk id="8" creationId="{A3D459C9-3E3F-3AED-C7A7-EDE9BDC7CDC7}"/>
+          </ac:spMkLst>
+        </pc:spChg>
+        <pc:spChg chg="add mod">
+          <ac:chgData name="Suraj Sundar" userId="21277d655284b0de" providerId="LiveId" clId="{EB36A9AD-9429-4AFA-A8A6-18EB4B94057B}" dt="2023-12-15T09:25:40.515" v="2294" actId="1076"/>
+          <ac:spMkLst>
+            <pc:docMk/>
+            <pc:sldMk cId="75166264" sldId="289"/>
+            <ac:spMk id="10" creationId="{CDC81AEA-1A05-00C3-F7BB-6C46B60A784E}"/>
+          </ac:spMkLst>
+        </pc:spChg>
+      </pc:sldChg>
+      <pc:sldChg chg="addSp delSp modSp new mod">
+        <pc:chgData name="Suraj Sundar" userId="21277d655284b0de" providerId="LiveId" clId="{EB36A9AD-9429-4AFA-A8A6-18EB4B94057B}" dt="2023-12-16T08:11:32.989" v="2453" actId="20577"/>
+        <pc:sldMkLst>
+          <pc:docMk/>
+          <pc:sldMk cId="1484033765" sldId="290"/>
+        </pc:sldMkLst>
+        <pc:spChg chg="add mod">
+          <ac:chgData name="Suraj Sundar" userId="21277d655284b0de" providerId="LiveId" clId="{EB36A9AD-9429-4AFA-A8A6-18EB4B94057B}" dt="2023-12-15T09:13:07.104" v="2282" actId="14100"/>
+          <ac:spMkLst>
+            <pc:docMk/>
+            <pc:sldMk cId="1484033765" sldId="290"/>
+            <ac:spMk id="3" creationId="{8048C927-B605-D404-FE40-0907B7620A09}"/>
+          </ac:spMkLst>
+        </pc:spChg>
+        <pc:spChg chg="add del">
+          <ac:chgData name="Suraj Sundar" userId="21277d655284b0de" providerId="LiveId" clId="{EB36A9AD-9429-4AFA-A8A6-18EB4B94057B}" dt="2023-12-15T09:10:48.189" v="2249"/>
+          <ac:spMkLst>
+            <pc:docMk/>
+            <pc:sldMk cId="1484033765" sldId="290"/>
+            <ac:spMk id="4" creationId="{090D340C-57DC-9DEA-09D2-8F9DF264C0D0}"/>
+          </ac:spMkLst>
+        </pc:spChg>
+        <pc:spChg chg="add mod">
+          <ac:chgData name="Suraj Sundar" userId="21277d655284b0de" providerId="LiveId" clId="{EB36A9AD-9429-4AFA-A8A6-18EB4B94057B}" dt="2023-12-16T08:11:32.989" v="2453" actId="20577"/>
+          <ac:spMkLst>
+            <pc:docMk/>
+            <pc:sldMk cId="1484033765" sldId="290"/>
+            <ac:spMk id="6" creationId="{A29592C6-4DAC-078E-748B-8D9240CC932E}"/>
+          </ac:spMkLst>
+        </pc:spChg>
+        <pc:spChg chg="add mod">
+          <ac:chgData name="Suraj Sundar" userId="21277d655284b0de" providerId="LiveId" clId="{EB36A9AD-9429-4AFA-A8A6-18EB4B94057B}" dt="2023-12-15T09:12:46.421" v="2277" actId="14100"/>
+          <ac:spMkLst>
+            <pc:docMk/>
+            <pc:sldMk cId="1484033765" sldId="290"/>
+            <ac:spMk id="8" creationId="{C36B9327-EB7A-54BF-ABF6-AB12236F12C1}"/>
+          </ac:spMkLst>
+        </pc:spChg>
+        <pc:spChg chg="add del mod">
+          <ac:chgData name="Suraj Sundar" userId="21277d655284b0de" providerId="LiveId" clId="{EB36A9AD-9429-4AFA-A8A6-18EB4B94057B}" dt="2023-12-15T09:12:41.862" v="2276" actId="22"/>
+          <ac:spMkLst>
+            <pc:docMk/>
+            <pc:sldMk cId="1484033765" sldId="290"/>
+            <ac:spMk id="10" creationId="{85457FE6-3407-C616-E6A6-A2D3BEA06769}"/>
+          </ac:spMkLst>
+        </pc:spChg>
+        <pc:spChg chg="add mod">
+          <ac:chgData name="Suraj Sundar" userId="21277d655284b0de" providerId="LiveId" clId="{EB36A9AD-9429-4AFA-A8A6-18EB4B94057B}" dt="2023-12-15T09:12:59.835" v="2281" actId="1076"/>
+          <ac:spMkLst>
+            <pc:docMk/>
+            <pc:sldMk cId="1484033765" sldId="290"/>
+            <ac:spMk id="12" creationId="{E668E608-B3A6-7CFD-36EA-8A930E080EB9}"/>
+          </ac:spMkLst>
+        </pc:spChg>
+      </pc:sldChg>
+      <pc:sldChg chg="addSp modSp new mod">
+        <pc:chgData name="Suraj Sundar" userId="21277d655284b0de" providerId="LiveId" clId="{EB36A9AD-9429-4AFA-A8A6-18EB4B94057B}" dt="2023-12-15T09:27:09.577" v="2319" actId="1076"/>
+        <pc:sldMkLst>
+          <pc:docMk/>
+          <pc:sldMk cId="2196382666" sldId="291"/>
+        </pc:sldMkLst>
+        <pc:spChg chg="add mod">
+          <ac:chgData name="Suraj Sundar" userId="21277d655284b0de" providerId="LiveId" clId="{EB36A9AD-9429-4AFA-A8A6-18EB4B94057B}" dt="2023-12-15T09:26:48.806" v="2317" actId="14100"/>
+          <ac:spMkLst>
+            <pc:docMk/>
+            <pc:sldMk cId="2196382666" sldId="291"/>
+            <ac:spMk id="3" creationId="{6E836F4E-A431-7E36-1FF9-B7B6D515C48F}"/>
+          </ac:spMkLst>
+        </pc:spChg>
+        <pc:spChg chg="add mod">
+          <ac:chgData name="Suraj Sundar" userId="21277d655284b0de" providerId="LiveId" clId="{EB36A9AD-9429-4AFA-A8A6-18EB4B94057B}" dt="2023-12-15T09:27:09.577" v="2319" actId="1076"/>
+          <ac:spMkLst>
+            <pc:docMk/>
+            <pc:sldMk cId="2196382666" sldId="291"/>
+            <ac:spMk id="5" creationId="{31B96742-82B9-E3C0-B1B0-D6D4D5E9733E}"/>
+          </ac:spMkLst>
+        </pc:spChg>
+      </pc:sldChg>
+      <pc:sldChg chg="addSp delSp modSp new mod">
+        <pc:chgData name="Suraj Sundar" userId="21277d655284b0de" providerId="LiveId" clId="{EB36A9AD-9429-4AFA-A8A6-18EB4B94057B}" dt="2023-12-16T10:05:07.932" v="2456" actId="255"/>
+        <pc:sldMkLst>
+          <pc:docMk/>
+          <pc:sldMk cId="959276890" sldId="292"/>
+        </pc:sldMkLst>
+        <pc:spChg chg="add mod">
+          <ac:chgData name="Suraj Sundar" userId="21277d655284b0de" providerId="LiveId" clId="{EB36A9AD-9429-4AFA-A8A6-18EB4B94057B}" dt="2023-12-15T09:28:41.990" v="2326" actId="20577"/>
+          <ac:spMkLst>
+            <pc:docMk/>
+            <pc:sldMk cId="959276890" sldId="292"/>
+            <ac:spMk id="3" creationId="{BD82AB02-2D58-7FF5-13B4-8B83B92DB99D}"/>
+          </ac:spMkLst>
+        </pc:spChg>
+        <pc:spChg chg="add del">
+          <ac:chgData name="Suraj Sundar" userId="21277d655284b0de" providerId="LiveId" clId="{EB36A9AD-9429-4AFA-A8A6-18EB4B94057B}" dt="2023-12-16T06:42:41.511" v="2332" actId="22"/>
+          <ac:spMkLst>
+            <pc:docMk/>
+            <pc:sldMk cId="959276890" sldId="292"/>
+            <ac:spMk id="4" creationId="{445DAAC3-954D-50C4-2F0A-09B1A7B0F162}"/>
+          </ac:spMkLst>
+        </pc:spChg>
+        <pc:spChg chg="add mod">
+          <ac:chgData name="Suraj Sundar" userId="21277d655284b0de" providerId="LiveId" clId="{EB36A9AD-9429-4AFA-A8A6-18EB4B94057B}" dt="2023-12-16T10:05:07.932" v="2456" actId="255"/>
+          <ac:spMkLst>
+            <pc:docMk/>
+            <pc:sldMk cId="959276890" sldId="292"/>
+            <ac:spMk id="6" creationId="{2B526D75-B79A-AF53-EA90-F00254256497}"/>
+          </ac:spMkLst>
+        </pc:spChg>
+      </pc:sldChg>
+      <pc:sldChg chg="addSp modSp new mod">
+        <pc:chgData name="Suraj Sundar" userId="21277d655284b0de" providerId="LiveId" clId="{EB36A9AD-9429-4AFA-A8A6-18EB4B94057B}" dt="2023-12-16T10:05:32.564" v="2459" actId="1076"/>
+        <pc:sldMkLst>
+          <pc:docMk/>
+          <pc:sldMk cId="363206712" sldId="293"/>
+        </pc:sldMkLst>
+        <pc:spChg chg="add mod">
+          <ac:chgData name="Suraj Sundar" userId="21277d655284b0de" providerId="LiveId" clId="{EB36A9AD-9429-4AFA-A8A6-18EB4B94057B}" dt="2023-12-15T09:29:27.850" v="2330" actId="14100"/>
+          <ac:spMkLst>
+            <pc:docMk/>
+            <pc:sldMk cId="363206712" sldId="293"/>
+            <ac:spMk id="3" creationId="{DFC90F36-4EAA-66C8-6E93-FC0C84E81AD2}"/>
+          </ac:spMkLst>
+        </pc:spChg>
+        <pc:spChg chg="add mod">
+          <ac:chgData name="Suraj Sundar" userId="21277d655284b0de" providerId="LiveId" clId="{EB36A9AD-9429-4AFA-A8A6-18EB4B94057B}" dt="2023-12-16T10:05:32.564" v="2459" actId="1076"/>
+          <ac:spMkLst>
+            <pc:docMk/>
+            <pc:sldMk cId="363206712" sldId="293"/>
+            <ac:spMk id="4" creationId="{D83FF54B-142D-7E79-E32B-41A2FE656EFB}"/>
+          </ac:spMkLst>
+        </pc:spChg>
+      </pc:sldChg>
+      <pc:sldChg chg="addSp delSp modSp new mod">
+        <pc:chgData name="Suraj Sundar" userId="21277d655284b0de" providerId="LiveId" clId="{EB36A9AD-9429-4AFA-A8A6-18EB4B94057B}" dt="2023-12-16T10:08:59.302" v="2486" actId="20577"/>
+        <pc:sldMkLst>
+          <pc:docMk/>
+          <pc:sldMk cId="2189013326" sldId="294"/>
+        </pc:sldMkLst>
+        <pc:spChg chg="add mod">
+          <ac:chgData name="Suraj Sundar" userId="21277d655284b0de" providerId="LiveId" clId="{EB36A9AD-9429-4AFA-A8A6-18EB4B94057B}" dt="2023-12-16T10:06:44.663" v="2467" actId="14100"/>
+          <ac:spMkLst>
+            <pc:docMk/>
+            <pc:sldMk cId="2189013326" sldId="294"/>
+            <ac:spMk id="3" creationId="{8A74053C-4C9D-0483-BB65-377161E31FE8}"/>
+          </ac:spMkLst>
+        </pc:spChg>
+        <pc:spChg chg="add del mod">
+          <ac:chgData name="Suraj Sundar" userId="21277d655284b0de" providerId="LiveId" clId="{EB36A9AD-9429-4AFA-A8A6-18EB4B94057B}" dt="2023-12-16T10:06:34.664" v="2464" actId="21"/>
+          <ac:spMkLst>
+            <pc:docMk/>
+            <pc:sldMk cId="2189013326" sldId="294"/>
+            <ac:spMk id="5" creationId="{FBBFCAE8-7D77-C5C1-AA5C-59E12518AC11}"/>
+          </ac:spMkLst>
+        </pc:spChg>
+        <pc:spChg chg="add mod">
+          <ac:chgData name="Suraj Sundar" userId="21277d655284b0de" providerId="LiveId" clId="{EB36A9AD-9429-4AFA-A8A6-18EB4B94057B}" dt="2023-12-16T10:08:59.302" v="2486" actId="20577"/>
+          <ac:spMkLst>
+            <pc:docMk/>
+            <pc:sldMk cId="2189013326" sldId="294"/>
+            <ac:spMk id="7" creationId="{7624623B-F030-8023-CD2B-A506D5CAC1F5}"/>
+          </ac:spMkLst>
+        </pc:spChg>
+      </pc:sldChg>
+      <pc:sldChg chg="addSp delSp modSp new mod">
+        <pc:chgData name="Suraj Sundar" userId="21277d655284b0de" providerId="LiveId" clId="{EB36A9AD-9429-4AFA-A8A6-18EB4B94057B}" dt="2023-12-16T06:48:16.124" v="2369" actId="1076"/>
+        <pc:sldMkLst>
+          <pc:docMk/>
+          <pc:sldMk cId="2307393591" sldId="295"/>
+        </pc:sldMkLst>
+        <pc:spChg chg="add mod">
+          <ac:chgData name="Suraj Sundar" userId="21277d655284b0de" providerId="LiveId" clId="{EB36A9AD-9429-4AFA-A8A6-18EB4B94057B}" dt="2023-12-16T06:48:16.124" v="2369" actId="1076"/>
+          <ac:spMkLst>
+            <pc:docMk/>
+            <pc:sldMk cId="2307393591" sldId="295"/>
+            <ac:spMk id="3" creationId="{06BFE256-135E-9B92-3437-C0D84985947F}"/>
+          </ac:spMkLst>
+        </pc:spChg>
+        <pc:spChg chg="add del">
+          <ac:chgData name="Suraj Sundar" userId="21277d655284b0de" providerId="LiveId" clId="{EB36A9AD-9429-4AFA-A8A6-18EB4B94057B}" dt="2023-12-16T06:45:28.399" v="2351" actId="22"/>
+          <ac:spMkLst>
+            <pc:docMk/>
+            <pc:sldMk cId="2307393591" sldId="295"/>
+            <ac:spMk id="5" creationId="{CFE5F224-B917-BFF5-383B-93F35DCFD5AA}"/>
+          </ac:spMkLst>
+        </pc:spChg>
+        <pc:spChg chg="add mod">
+          <ac:chgData name="Suraj Sundar" userId="21277d655284b0de" providerId="LiveId" clId="{EB36A9AD-9429-4AFA-A8A6-18EB4B94057B}" dt="2023-12-16T06:46:55.812" v="2365" actId="1076"/>
+          <ac:spMkLst>
+            <pc:docMk/>
+            <pc:sldMk cId="2307393591" sldId="295"/>
+            <ac:spMk id="7" creationId="{665BEC83-EB11-5508-6399-71D226D1B701}"/>
+          </ac:spMkLst>
+        </pc:spChg>
+        <pc:spChg chg="add mod">
+          <ac:chgData name="Suraj Sundar" userId="21277d655284b0de" providerId="LiveId" clId="{EB36A9AD-9429-4AFA-A8A6-18EB4B94057B}" dt="2023-12-16T06:46:53.542" v="2364" actId="1076"/>
+          <ac:spMkLst>
+            <pc:docMk/>
+            <pc:sldMk cId="2307393591" sldId="295"/>
+            <ac:spMk id="9" creationId="{37F460E7-8D43-A83C-8E61-AEA8DA27FBE1}"/>
+          </ac:spMkLst>
+        </pc:spChg>
+        <pc:spChg chg="add mod">
+          <ac:chgData name="Suraj Sundar" userId="21277d655284b0de" providerId="LiveId" clId="{EB36A9AD-9429-4AFA-A8A6-18EB4B94057B}" dt="2023-12-16T06:46:51.390" v="2363" actId="1076"/>
+          <ac:spMkLst>
+            <pc:docMk/>
+            <pc:sldMk cId="2307393591" sldId="295"/>
+            <ac:spMk id="11" creationId="{065DB6D2-05DE-F7A2-1BDD-5BD92C7C7517}"/>
+          </ac:spMkLst>
+        </pc:spChg>
+        <pc:spChg chg="add mod">
+          <ac:chgData name="Suraj Sundar" userId="21277d655284b0de" providerId="LiveId" clId="{EB36A9AD-9429-4AFA-A8A6-18EB4B94057B}" dt="2023-12-16T06:47:14.313" v="2368" actId="1076"/>
+          <ac:spMkLst>
+            <pc:docMk/>
+            <pc:sldMk cId="2307393591" sldId="295"/>
+            <ac:spMk id="13" creationId="{6E93B2D9-2CF8-AC46-D3D0-CF6C31DE280C}"/>
+          </ac:spMkLst>
+        </pc:spChg>
+      </pc:sldChg>
+      <pc:sldChg chg="addSp modSp new mod">
+        <pc:chgData name="Suraj Sundar" userId="21277d655284b0de" providerId="LiveId" clId="{EB36A9AD-9429-4AFA-A8A6-18EB4B94057B}" dt="2023-12-16T06:55:43.737" v="2450" actId="20577"/>
+        <pc:sldMkLst>
+          <pc:docMk/>
+          <pc:sldMk cId="2286785806" sldId="296"/>
+        </pc:sldMkLst>
+        <pc:spChg chg="add mod">
+          <ac:chgData name="Suraj Sundar" userId="21277d655284b0de" providerId="LiveId" clId="{EB36A9AD-9429-4AFA-A8A6-18EB4B94057B}" dt="2023-12-16T06:49:26.954" v="2372" actId="1076"/>
+          <ac:spMkLst>
+            <pc:docMk/>
+            <pc:sldMk cId="2286785806" sldId="296"/>
+            <ac:spMk id="3" creationId="{C0355ECF-53A3-424F-B939-29B4F75B140D}"/>
+          </ac:spMkLst>
+        </pc:spChg>
+        <pc:spChg chg="add mod">
+          <ac:chgData name="Suraj Sundar" userId="21277d655284b0de" providerId="LiveId" clId="{EB36A9AD-9429-4AFA-A8A6-18EB4B94057B}" dt="2023-12-16T06:55:43.737" v="2450" actId="20577"/>
+          <ac:spMkLst>
+            <pc:docMk/>
+            <pc:sldMk cId="2286785806" sldId="296"/>
+            <ac:spMk id="5" creationId="{FAFEB033-15DC-FBF1-67A7-BB3F390D4607}"/>
+          </ac:spMkLst>
+        </pc:spChg>
+      </pc:sldChg>
+      <pc:sldChg chg="addSp modSp new mod">
+        <pc:chgData name="Suraj Sundar" userId="21277d655284b0de" providerId="LiveId" clId="{EB36A9AD-9429-4AFA-A8A6-18EB4B94057B}" dt="2023-12-16T10:06:39.295" v="2466" actId="1076"/>
+        <pc:sldMkLst>
+          <pc:docMk/>
+          <pc:sldMk cId="2341520778" sldId="297"/>
+        </pc:sldMkLst>
+        <pc:spChg chg="add mod">
+          <ac:chgData name="Suraj Sundar" userId="21277d655284b0de" providerId="LiveId" clId="{EB36A9AD-9429-4AFA-A8A6-18EB4B94057B}" dt="2023-12-16T10:06:23.982" v="2463" actId="1076"/>
+          <ac:spMkLst>
+            <pc:docMk/>
+            <pc:sldMk cId="2341520778" sldId="297"/>
+            <ac:spMk id="3" creationId="{757DD0CA-2F02-D297-D46B-D1018D11A28D}"/>
+          </ac:spMkLst>
+        </pc:spChg>
+        <pc:spChg chg="add mod">
+          <ac:chgData name="Suraj Sundar" userId="21277d655284b0de" providerId="LiveId" clId="{EB36A9AD-9429-4AFA-A8A6-18EB4B94057B}" dt="2023-12-16T10:06:39.295" v="2466" actId="1076"/>
+          <ac:spMkLst>
+            <pc:docMk/>
+            <pc:sldMk cId="2341520778" sldId="297"/>
+            <ac:spMk id="4" creationId="{466A7621-3C2C-D511-02F1-BF76E383FF3C}"/>
+          </ac:spMkLst>
+        </pc:spChg>
       </pc:sldChg>
     </pc:docChg>
   </pc:docChgLst>
@@ -877,7 +1205,7 @@
           <a:p>
             <a:fld id="{168663A3-44DB-42D5-A5A8-89ADCC6CF7A6}" type="datetimeFigureOut">
               <a:rPr lang="en-IN" smtClean="0"/>
-              <a:t>10-12-2023</a:t>
+              <a:t>16-12-2023</a:t>
             </a:fld>
             <a:endParaRPr lang="en-IN"/>
           </a:p>
@@ -1077,7 +1405,7 @@
           <a:p>
             <a:fld id="{168663A3-44DB-42D5-A5A8-89ADCC6CF7A6}" type="datetimeFigureOut">
               <a:rPr lang="en-IN" smtClean="0"/>
-              <a:t>10-12-2023</a:t>
+              <a:t>16-12-2023</a:t>
             </a:fld>
             <a:endParaRPr lang="en-IN"/>
           </a:p>
@@ -1287,7 +1615,7 @@
           <a:p>
             <a:fld id="{168663A3-44DB-42D5-A5A8-89ADCC6CF7A6}" type="datetimeFigureOut">
               <a:rPr lang="en-IN" smtClean="0"/>
-              <a:t>10-12-2023</a:t>
+              <a:t>16-12-2023</a:t>
             </a:fld>
             <a:endParaRPr lang="en-IN"/>
           </a:p>
@@ -1487,7 +1815,7 @@
           <a:p>
             <a:fld id="{168663A3-44DB-42D5-A5A8-89ADCC6CF7A6}" type="datetimeFigureOut">
               <a:rPr lang="en-IN" smtClean="0"/>
-              <a:t>10-12-2023</a:t>
+              <a:t>16-12-2023</a:t>
             </a:fld>
             <a:endParaRPr lang="en-IN"/>
           </a:p>
@@ -1763,7 +2091,7 @@
           <a:p>
             <a:fld id="{168663A3-44DB-42D5-A5A8-89ADCC6CF7A6}" type="datetimeFigureOut">
               <a:rPr lang="en-IN" smtClean="0"/>
-              <a:t>10-12-2023</a:t>
+              <a:t>16-12-2023</a:t>
             </a:fld>
             <a:endParaRPr lang="en-IN"/>
           </a:p>
@@ -2031,7 +2359,7 @@
           <a:p>
             <a:fld id="{168663A3-44DB-42D5-A5A8-89ADCC6CF7A6}" type="datetimeFigureOut">
               <a:rPr lang="en-IN" smtClean="0"/>
-              <a:t>10-12-2023</a:t>
+              <a:t>16-12-2023</a:t>
             </a:fld>
             <a:endParaRPr lang="en-IN"/>
           </a:p>
@@ -2446,7 +2774,7 @@
           <a:p>
             <a:fld id="{168663A3-44DB-42D5-A5A8-89ADCC6CF7A6}" type="datetimeFigureOut">
               <a:rPr lang="en-IN" smtClean="0"/>
-              <a:t>10-12-2023</a:t>
+              <a:t>16-12-2023</a:t>
             </a:fld>
             <a:endParaRPr lang="en-IN"/>
           </a:p>
@@ -2588,7 +2916,7 @@
           <a:p>
             <a:fld id="{168663A3-44DB-42D5-A5A8-89ADCC6CF7A6}" type="datetimeFigureOut">
               <a:rPr lang="en-IN" smtClean="0"/>
-              <a:t>10-12-2023</a:t>
+              <a:t>16-12-2023</a:t>
             </a:fld>
             <a:endParaRPr lang="en-IN"/>
           </a:p>
@@ -2701,7 +3029,7 @@
           <a:p>
             <a:fld id="{168663A3-44DB-42D5-A5A8-89ADCC6CF7A6}" type="datetimeFigureOut">
               <a:rPr lang="en-IN" smtClean="0"/>
-              <a:t>10-12-2023</a:t>
+              <a:t>16-12-2023</a:t>
             </a:fld>
             <a:endParaRPr lang="en-IN"/>
           </a:p>
@@ -3014,7 +3342,7 @@
           <a:p>
             <a:fld id="{168663A3-44DB-42D5-A5A8-89ADCC6CF7A6}" type="datetimeFigureOut">
               <a:rPr lang="en-IN" smtClean="0"/>
-              <a:t>10-12-2023</a:t>
+              <a:t>16-12-2023</a:t>
             </a:fld>
             <a:endParaRPr lang="en-IN"/>
           </a:p>
@@ -3303,7 +3631,7 @@
           <a:p>
             <a:fld id="{168663A3-44DB-42D5-A5A8-89ADCC6CF7A6}" type="datetimeFigureOut">
               <a:rPr lang="en-IN" smtClean="0"/>
-              <a:t>10-12-2023</a:t>
+              <a:t>16-12-2023</a:t>
             </a:fld>
             <a:endParaRPr lang="en-IN"/>
           </a:p>
@@ -3546,7 +3874,7 @@
           <a:p>
             <a:fld id="{168663A3-44DB-42D5-A5A8-89ADCC6CF7A6}" type="datetimeFigureOut">
               <a:rPr lang="en-IN" smtClean="0"/>
-              <a:t>10-12-2023</a:t>
+              <a:t>16-12-2023</a:t>
             </a:fld>
             <a:endParaRPr lang="en-IN"/>
           </a:p>
@@ -12517,7 +12845,7 @@
           <p:nvPr>
             <p:extLst>
               <p:ext uri="{D42A27DB-BD31-4B8C-83A1-F6EECF244321}">
-                <p14:modId xmlns:p14="http://schemas.microsoft.com/office/powerpoint/2010/main" val="2334225245"/>
+                <p14:modId xmlns:p14="http://schemas.microsoft.com/office/powerpoint/2010/main" val="635653524"/>
               </p:ext>
             </p:extLst>
           </p:nvPr>
@@ -12531,14 +12859,14 @@
             <a:tbl>
               <a:tblPr/>
               <a:tblGrid>
-                <a:gridCol w="2371165">
+                <a:gridCol w="2469777">
                   <a:extLst>
                     <a:ext uri="{9D8B030D-6E8A-4147-A177-3AD203B41FA5}">
                       <a16:colId xmlns:a16="http://schemas.microsoft.com/office/drawing/2014/main" val="1086337447"/>
                     </a:ext>
                   </a:extLst>
                 </a:gridCol>
-                <a:gridCol w="1835075">
+                <a:gridCol w="1736463">
                   <a:extLst>
                     <a:ext uri="{9D8B030D-6E8A-4147-A177-3AD203B41FA5}">
                       <a16:colId xmlns:a16="http://schemas.microsoft.com/office/drawing/2014/main" val="1779563830"/>
@@ -12678,7 +13006,7 @@
                     <a:lstStyle/>
                     <a:p>
                       <a:r>
-                        <a:rPr lang="en-IN"/>
+                        <a:rPr lang="en-IN" dirty="0"/>
                         <a:t>outside package</a:t>
                       </a:r>
                     </a:p>
@@ -12711,10 +13039,10 @@
                     <a:lstStyle/>
                     <a:p>
                       <a:r>
-                        <a:rPr lang="en-IN" b="1"/>
+                        <a:rPr lang="en-IN" b="1" dirty="0"/>
                         <a:t>Private</a:t>
                       </a:r>
-                      <a:endParaRPr lang="en-IN"/>
+                      <a:endParaRPr lang="en-IN" dirty="0"/>
                     </a:p>
                   </a:txBody>
                   <a:tcPr anchor="ctr">
@@ -12764,7 +13092,7 @@
                     <a:lstStyle/>
                     <a:p>
                       <a:r>
-                        <a:rPr lang="en-IN"/>
+                        <a:rPr lang="en-IN" dirty="0"/>
                         <a:t>N</a:t>
                       </a:r>
                     </a:p>
@@ -12790,7 +13118,7 @@
                     <a:lstStyle/>
                     <a:p>
                       <a:r>
-                        <a:rPr lang="en-IN"/>
+                        <a:rPr lang="en-IN" dirty="0"/>
                         <a:t>N</a:t>
                       </a:r>
                     </a:p>
@@ -13204,7 +13532,7 @@
                     <a:lstStyle/>
                     <a:p>
                       <a:r>
-                        <a:rPr lang="en-IN"/>
+                        <a:rPr lang="en-IN" dirty="0"/>
                         <a:t>Y</a:t>
                       </a:r>
                     </a:p>
@@ -13451,20 +13779,20 @@
       </p:grpSpPr>
       <p:sp>
         <p:nvSpPr>
-          <p:cNvPr id="2" name="Rectangle 1">
+          <p:cNvPr id="3" name="TextBox 2">
             <a:extLst>
               <a:ext uri="{FF2B5EF4-FFF2-40B4-BE49-F238E27FC236}">
-                <a16:creationId xmlns:a16="http://schemas.microsoft.com/office/drawing/2014/main" id="{ECB21C35-D191-8AA6-BF9B-DB5370210A6C}"/>
+                <a16:creationId xmlns:a16="http://schemas.microsoft.com/office/drawing/2014/main" id="{B323392D-77EE-F3DF-E68B-49D38C8ED1ED}"/>
               </a:ext>
             </a:extLst>
           </p:cNvPr>
-          <p:cNvSpPr/>
+          <p:cNvSpPr txBox="1"/>
           <p:nvPr/>
         </p:nvSpPr>
         <p:spPr>
           <a:xfrm>
-            <a:off x="1004612" y="860902"/>
-            <a:ext cx="11032828" cy="4739759"/>
+            <a:off x="430306" y="417330"/>
+            <a:ext cx="5316070" cy="1754326"/>
           </a:xfrm>
           <a:prstGeom prst="rect">
             <a:avLst/>
@@ -13472,163 +13800,611 @@
           <a:noFill/>
         </p:spPr>
         <p:txBody>
-          <a:bodyPr wrap="none" lIns="91440" tIns="45720" rIns="91440" bIns="45720">
+          <a:bodyPr wrap="square">
             <a:spAutoFit/>
           </a:bodyPr>
           <a:lstStyle/>
           <a:p>
             <a:r>
               <a:rPr lang="en-US" b="1" dirty="0"/>
-              <a:t>What are Selenium Frameworks?</a:t>
-            </a:r>
-          </a:p>
-          <a:p>
-            <a:endParaRPr lang="en-US" sz="1400" b="1" dirty="0"/>
-          </a:p>
-          <a:p>
-            <a:endParaRPr lang="en-US" sz="1400" b="1" dirty="0"/>
-          </a:p>
-          <a:p>
-            <a:pPr marL="285750" indent="-285750">
+              <a:t>Static Variables:</a:t>
+            </a:r>
+            <a:endParaRPr lang="en-US" dirty="0"/>
+          </a:p>
+          <a:p>
+            <a:pPr>
               <a:buFont typeface="Arial" panose="020B0604020202020204" pitchFamily="34" charset="0"/>
               <a:buChar char="•"/>
             </a:pPr>
             <a:r>
-              <a:rPr lang="en-US" sz="1400" dirty="0"/>
-              <a:t>The </a:t>
-            </a:r>
-            <a:r>
-              <a:rPr lang="en-US" sz="1400" b="1" dirty="0">
-                <a:hlinkClick r:id="rId2"/>
-              </a:rPr>
-              <a:t>Selenium Framework</a:t>
-            </a:r>
-            <a:r>
-              <a:rPr lang="en-US" sz="1400" dirty="0"/>
-              <a:t> is a coding framework that simplifies and streamlines the process of code maintenance. </a:t>
-            </a:r>
-          </a:p>
-          <a:p>
-            <a:endParaRPr lang="en-US" sz="1400" dirty="0"/>
-          </a:p>
-          <a:p>
-            <a:pPr marL="285750" indent="-285750">
+              <a:rPr lang="en-US" dirty="0"/>
+              <a:t>A static variable belongs to the class rather than any specific instance of the class. It is shared among all instances of the class.</a:t>
+            </a:r>
+          </a:p>
+          <a:p>
+            <a:pPr>
               <a:buFont typeface="Arial" panose="020B0604020202020204" pitchFamily="34" charset="0"/>
               <a:buChar char="•"/>
             </a:pPr>
-            <a:r>
-              <a:rPr lang="en-US" sz="1400" dirty="0"/>
-              <a:t>Users may store “code” and “data” in the same area if frameworks are not used, making the code and data neither reusable nor understandable. </a:t>
-            </a:r>
-          </a:p>
-          <a:p>
-            <a:endParaRPr lang="en-US" sz="1400" dirty="0"/>
-          </a:p>
-          <a:p>
-            <a:pPr marL="285750" indent="-285750">
+            <a:endParaRPr lang="en-US" dirty="0"/>
+          </a:p>
+          <a:p>
+            <a:pPr>
               <a:buFont typeface="Arial" panose="020B0604020202020204" pitchFamily="34" charset="0"/>
               <a:buChar char="•"/>
             </a:pPr>
-            <a:r>
-              <a:rPr lang="en-US" sz="1400" dirty="0"/>
-              <a:t>In addition to producing desirable effects such as greater code reusability, increased portability, decreased script maintenance cost, </a:t>
-            </a:r>
-          </a:p>
-          <a:p>
-            <a:r>
-              <a:rPr lang="en-US" sz="1400" dirty="0"/>
-              <a:t>       and improved code readability, frameworks can cause negative consequences.</a:t>
-            </a:r>
-          </a:p>
-          <a:p>
+            <a:endParaRPr lang="en-US" dirty="0"/>
+          </a:p>
+        </p:txBody>
+      </p:sp>
+      <p:sp>
+        <p:nvSpPr>
+          <p:cNvPr id="5" name="Rectangle 2">
+            <a:extLst>
+              <a:ext uri="{FF2B5EF4-FFF2-40B4-BE49-F238E27FC236}">
+                <a16:creationId xmlns:a16="http://schemas.microsoft.com/office/drawing/2014/main" id="{689A843E-A144-74DF-01F4-918C93714462}"/>
+              </a:ext>
+            </a:extLst>
+          </p:cNvPr>
+          <p:cNvSpPr>
+            <a:spLocks noChangeArrowheads="1"/>
+          </p:cNvSpPr>
+          <p:nvPr/>
+        </p:nvSpPr>
+        <p:spPr bwMode="auto">
+          <a:xfrm>
+            <a:off x="5593976" y="709717"/>
+            <a:ext cx="6022033" cy="1169551"/>
+          </a:xfrm>
+          <a:prstGeom prst="rect">
+            <a:avLst/>
+          </a:prstGeom>
+          <a:noFill/>
+          <a:ln>
+            <a:noFill/>
+          </a:ln>
+          <a:effectLst/>
+          <a:extLst>
+            <a:ext uri="{909E8E84-426E-40DD-AFC4-6F175D3DCCD1}">
+              <a14:hiddenFill xmlns:a14="http://schemas.microsoft.com/office/drawing/2010/main">
+                <a:solidFill>
+                  <a:schemeClr val="accent1"/>
+                </a:solidFill>
+              </a14:hiddenFill>
+            </a:ext>
+            <a:ext uri="{91240B29-F687-4F45-9708-019B960494DF}">
+              <a14:hiddenLine xmlns:a14="http://schemas.microsoft.com/office/drawing/2010/main" w="9525">
+                <a:solidFill>
+                  <a:schemeClr val="tx1"/>
+                </a:solidFill>
+                <a:miter lim="800000"/>
+                <a:headEnd/>
+                <a:tailEnd/>
+              </a14:hiddenLine>
+            </a:ext>
+            <a:ext uri="{AF507438-7753-43E0-B8FC-AC1667EBCBE1}">
+              <a14:hiddenEffects xmlns:a14="http://schemas.microsoft.com/office/drawing/2010/main">
+                <a:effectLst>
+                  <a:outerShdw dist="35921" dir="2700000" algn="ctr" rotWithShape="0">
+                    <a:schemeClr val="bg2"/>
+                  </a:outerShdw>
+                </a:effectLst>
+              </a14:hiddenEffects>
+            </a:ext>
+          </a:extLst>
+        </p:spPr>
+        <p:txBody>
+          <a:bodyPr vert="horz" wrap="none" lIns="91440" tIns="45720" rIns="91440" bIns="45720" numCol="1" anchor="ctr" anchorCtr="0" compatLnSpc="1">
+            <a:prstTxWarp prst="textNoShape">
+              <a:avLst/>
+            </a:prstTxWarp>
+            <a:spAutoFit/>
+          </a:bodyPr>
+          <a:lstStyle/>
+          <a:p>
+            <a:pPr marL="0" marR="0" lvl="0" indent="0" algn="l" defTabSz="914400" rtl="0" eaLnBrk="0" fontAlgn="base" latinLnBrk="0" hangingPunct="0">
+              <a:lnSpc>
+                <a:spcPct val="100000"/>
+              </a:lnSpc>
+              <a:spcBef>
+                <a:spcPct val="0"/>
+              </a:spcBef>
+              <a:spcAft>
+                <a:spcPct val="0"/>
+              </a:spcAft>
+              <a:buClrTx/>
+              <a:buSzTx/>
+              <a:buFontTx/>
+              <a:buNone/>
+              <a:tabLst/>
+            </a:pPr>
+            <a:r>
+              <a:rPr lang="en-US" altLang="en-US" sz="1400" dirty="0">
+                <a:latin typeface="Arial Unicode MS"/>
+              </a:rPr>
+              <a:t>public class </a:t>
+            </a:r>
+            <a:r>
+              <a:rPr lang="en-US" altLang="en-US" sz="1400" dirty="0" err="1">
+                <a:latin typeface="Arial Unicode MS"/>
+              </a:rPr>
+              <a:t>MyClass</a:t>
+            </a:r>
+            <a:r>
+              <a:rPr lang="en-US" altLang="en-US" sz="1400" dirty="0">
+                <a:latin typeface="Arial Unicode MS"/>
+              </a:rPr>
+              <a:t> { </a:t>
+            </a:r>
+          </a:p>
+          <a:p>
+            <a:pPr marL="0" marR="0" lvl="0" indent="0" algn="l" defTabSz="914400" rtl="0" eaLnBrk="0" fontAlgn="base" latinLnBrk="0" hangingPunct="0">
+              <a:lnSpc>
+                <a:spcPct val="100000"/>
+              </a:lnSpc>
+              <a:spcBef>
+                <a:spcPct val="0"/>
+              </a:spcBef>
+              <a:spcAft>
+                <a:spcPct val="0"/>
+              </a:spcAft>
+              <a:buClrTx/>
+              <a:buSzTx/>
+              <a:buFontTx/>
+              <a:buNone/>
+              <a:tabLst/>
+            </a:pPr>
+            <a:r>
+              <a:rPr lang="en-US" altLang="en-US" sz="1400" dirty="0">
+                <a:latin typeface="Arial Unicode MS"/>
+              </a:rPr>
+              <a:t>         public static int </a:t>
+            </a:r>
+            <a:r>
+              <a:rPr lang="en-US" altLang="en-US" sz="1400" dirty="0" err="1">
+                <a:latin typeface="Arial Unicode MS"/>
+              </a:rPr>
+              <a:t>staticVariable</a:t>
+            </a:r>
+            <a:r>
+              <a:rPr lang="en-US" altLang="en-US" sz="1400" dirty="0">
+                <a:latin typeface="Arial Unicode MS"/>
+              </a:rPr>
+              <a:t> = 10; </a:t>
+            </a:r>
+          </a:p>
+          <a:p>
+            <a:pPr marL="0" marR="0" lvl="0" indent="0" algn="l" defTabSz="914400" rtl="0" eaLnBrk="0" fontAlgn="base" latinLnBrk="0" hangingPunct="0">
+              <a:lnSpc>
+                <a:spcPct val="100000"/>
+              </a:lnSpc>
+              <a:spcBef>
+                <a:spcPct val="0"/>
+              </a:spcBef>
+              <a:spcAft>
+                <a:spcPct val="0"/>
+              </a:spcAft>
+              <a:buClrTx/>
+              <a:buSzTx/>
+              <a:buFontTx/>
+              <a:buNone/>
+              <a:tabLst/>
+            </a:pPr>
+            <a:r>
+              <a:rPr lang="en-US" altLang="en-US" sz="1400" dirty="0">
+                <a:latin typeface="Arial Unicode MS"/>
+              </a:rPr>
+              <a:t>         public static void main(String[] </a:t>
+            </a:r>
+            <a:r>
+              <a:rPr lang="en-US" altLang="en-US" sz="1400" dirty="0" err="1">
+                <a:latin typeface="Arial Unicode MS"/>
+              </a:rPr>
+              <a:t>args</a:t>
+            </a:r>
+            <a:r>
+              <a:rPr lang="en-US" altLang="en-US" sz="1400" dirty="0">
+                <a:latin typeface="Arial Unicode MS"/>
+              </a:rPr>
+              <a:t>) { </a:t>
+            </a:r>
+          </a:p>
+          <a:p>
+            <a:pPr marL="0" marR="0" lvl="0" indent="0" algn="l" defTabSz="914400" rtl="0" eaLnBrk="0" fontAlgn="base" latinLnBrk="0" hangingPunct="0">
+              <a:lnSpc>
+                <a:spcPct val="100000"/>
+              </a:lnSpc>
+              <a:spcBef>
+                <a:spcPct val="0"/>
+              </a:spcBef>
+              <a:spcAft>
+                <a:spcPct val="0"/>
+              </a:spcAft>
+              <a:buClrTx/>
+              <a:buSzTx/>
+              <a:buFontTx/>
+              <a:buNone/>
+              <a:tabLst/>
+            </a:pPr>
+            <a:r>
+              <a:rPr lang="en-US" altLang="en-US" sz="1400" dirty="0">
+                <a:latin typeface="Arial Unicode MS"/>
+              </a:rPr>
+              <a:t>	</a:t>
+            </a:r>
+            <a:r>
+              <a:rPr lang="en-US" altLang="en-US" sz="1400" dirty="0" err="1">
+                <a:latin typeface="Arial Unicode MS"/>
+              </a:rPr>
+              <a:t>System.out.println</a:t>
+            </a:r>
+            <a:r>
+              <a:rPr lang="en-US" altLang="en-US" sz="1400" dirty="0">
+                <a:latin typeface="Arial Unicode MS"/>
+              </a:rPr>
+              <a:t>(</a:t>
+            </a:r>
+            <a:r>
+              <a:rPr lang="en-US" altLang="en-US" sz="1400" dirty="0" err="1">
+                <a:latin typeface="Arial Unicode MS"/>
+              </a:rPr>
+              <a:t>staticVariable</a:t>
+            </a:r>
+            <a:r>
+              <a:rPr lang="en-US" altLang="en-US" sz="1400" dirty="0">
+                <a:latin typeface="Arial Unicode MS"/>
+              </a:rPr>
+              <a:t>); // Accessing static variable </a:t>
+            </a:r>
+          </a:p>
+          <a:p>
+            <a:pPr marL="0" marR="0" lvl="0" indent="0" algn="l" defTabSz="914400" rtl="0" eaLnBrk="0" fontAlgn="base" latinLnBrk="0" hangingPunct="0">
+              <a:lnSpc>
+                <a:spcPct val="100000"/>
+              </a:lnSpc>
+              <a:spcBef>
+                <a:spcPct val="0"/>
+              </a:spcBef>
+              <a:spcAft>
+                <a:spcPct val="0"/>
+              </a:spcAft>
+              <a:buClrTx/>
+              <a:buSzTx/>
+              <a:buFontTx/>
+              <a:buNone/>
+              <a:tabLst/>
+            </a:pPr>
+            <a:r>
+              <a:rPr lang="en-US" altLang="en-US" sz="1400" dirty="0">
+                <a:latin typeface="Arial Unicode MS"/>
+              </a:rPr>
+              <a:t>} } </a:t>
+            </a:r>
+          </a:p>
+        </p:txBody>
+      </p:sp>
+      <p:sp>
+        <p:nvSpPr>
+          <p:cNvPr id="7" name="TextBox 6">
+            <a:extLst>
+              <a:ext uri="{FF2B5EF4-FFF2-40B4-BE49-F238E27FC236}">
+                <a16:creationId xmlns:a16="http://schemas.microsoft.com/office/drawing/2014/main" id="{E38FF8D2-20E6-78C1-DBB0-127301DA0573}"/>
+              </a:ext>
+            </a:extLst>
+          </p:cNvPr>
+          <p:cNvSpPr txBox="1"/>
+          <p:nvPr/>
+        </p:nvSpPr>
+        <p:spPr>
+          <a:xfrm>
+            <a:off x="430306" y="3641869"/>
+            <a:ext cx="6096000" cy="1477328"/>
+          </a:xfrm>
+          <a:prstGeom prst="rect">
+            <a:avLst/>
+          </a:prstGeom>
+          <a:noFill/>
+        </p:spPr>
+        <p:txBody>
+          <a:bodyPr wrap="square">
+            <a:spAutoFit/>
+          </a:bodyPr>
+          <a:lstStyle/>
+          <a:p>
+            <a:r>
+              <a:rPr lang="en-US" b="1" dirty="0"/>
+              <a:t>Static Methods:</a:t>
+            </a:r>
+            <a:endParaRPr lang="en-US" dirty="0"/>
+          </a:p>
+          <a:p>
+            <a:pPr>
+              <a:buFont typeface="Arial" panose="020B0604020202020204" pitchFamily="34" charset="0"/>
+              <a:buChar char="•"/>
+            </a:pPr>
+            <a:r>
+              <a:rPr lang="en-US" dirty="0"/>
+              <a:t>A static method belongs to the class rather than an instance.</a:t>
+            </a:r>
+          </a:p>
+          <a:p>
+            <a:pPr>
+              <a:buFont typeface="Arial" panose="020B0604020202020204" pitchFamily="34" charset="0"/>
+              <a:buChar char="•"/>
+            </a:pPr>
+            <a:r>
+              <a:rPr lang="en-US" dirty="0"/>
+              <a:t> It can be called without creating an object of the class.</a:t>
+            </a:r>
+          </a:p>
+          <a:p>
+            <a:pPr>
+              <a:buFont typeface="Arial" panose="020B0604020202020204" pitchFamily="34" charset="0"/>
+              <a:buChar char="•"/>
+            </a:pPr>
+            <a:endParaRPr lang="en-US" dirty="0"/>
+          </a:p>
+          <a:p>
+            <a:endParaRPr lang="en-US" dirty="0"/>
+          </a:p>
+        </p:txBody>
+      </p:sp>
+      <p:sp>
+        <p:nvSpPr>
+          <p:cNvPr id="10" name="TextBox 9">
+            <a:extLst>
+              <a:ext uri="{FF2B5EF4-FFF2-40B4-BE49-F238E27FC236}">
+                <a16:creationId xmlns:a16="http://schemas.microsoft.com/office/drawing/2014/main" id="{CDC81AEA-1A05-00C3-F7BB-6C46B60A784E}"/>
+              </a:ext>
+            </a:extLst>
+          </p:cNvPr>
+          <p:cNvSpPr txBox="1"/>
+          <p:nvPr/>
+        </p:nvSpPr>
+        <p:spPr>
+          <a:xfrm>
+            <a:off x="6615592" y="3812197"/>
+            <a:ext cx="6225988" cy="2092881"/>
+          </a:xfrm>
+          <a:prstGeom prst="rect">
+            <a:avLst/>
+          </a:prstGeom>
+          <a:noFill/>
+        </p:spPr>
+        <p:txBody>
+          <a:bodyPr wrap="square">
+            <a:spAutoFit/>
+          </a:bodyPr>
+          <a:lstStyle/>
+          <a:p>
+            <a:r>
+              <a:rPr kumimoji="0" lang="en-US" altLang="en-US" sz="1400" b="0" i="0" u="none" strike="noStrike" cap="none" normalizeH="0" baseline="0" dirty="0">
+                <a:ln>
+                  <a:noFill/>
+                </a:ln>
+                <a:solidFill>
+                  <a:schemeClr val="tx1"/>
+                </a:solidFill>
+                <a:effectLst/>
+                <a:latin typeface="Arial Unicode MS"/>
+              </a:rPr>
+              <a:t>public class </a:t>
+            </a:r>
+            <a:r>
+              <a:rPr kumimoji="0" lang="en-US" altLang="en-US" sz="1400" b="0" i="0" u="none" strike="noStrike" cap="none" normalizeH="0" baseline="0" dirty="0" err="1">
+                <a:ln>
+                  <a:noFill/>
+                </a:ln>
+                <a:solidFill>
+                  <a:schemeClr val="tx1"/>
+                </a:solidFill>
+                <a:effectLst/>
+                <a:latin typeface="Arial Unicode MS"/>
+              </a:rPr>
+              <a:t>MathUtils</a:t>
+            </a:r>
+            <a:r>
+              <a:rPr kumimoji="0" lang="en-US" altLang="en-US" sz="1400" b="0" i="0" u="none" strike="noStrike" cap="none" normalizeH="0" baseline="0" dirty="0">
+                <a:ln>
+                  <a:noFill/>
+                </a:ln>
+                <a:solidFill>
+                  <a:schemeClr val="tx1"/>
+                </a:solidFill>
+                <a:effectLst/>
+                <a:latin typeface="Arial Unicode MS"/>
+              </a:rPr>
+              <a:t> { </a:t>
+            </a:r>
+          </a:p>
+          <a:p>
+            <a:pPr lvl="1"/>
+            <a:r>
+              <a:rPr kumimoji="0" lang="en-US" altLang="en-US" sz="1400" b="0" i="0" u="none" strike="noStrike" cap="none" normalizeH="0" baseline="0" dirty="0">
+                <a:ln>
+                  <a:noFill/>
+                </a:ln>
+                <a:solidFill>
+                  <a:schemeClr val="tx1"/>
+                </a:solidFill>
+                <a:effectLst/>
+                <a:latin typeface="Arial Unicode MS"/>
+              </a:rPr>
+              <a:t>public static int add(int a, int b) { </a:t>
+            </a:r>
+          </a:p>
+          <a:p>
+            <a:pPr lvl="1"/>
+            <a:r>
+              <a:rPr kumimoji="0" lang="en-US" altLang="en-US" sz="1400" b="0" i="0" u="none" strike="noStrike" cap="none" normalizeH="0" baseline="0" dirty="0">
+                <a:ln>
+                  <a:noFill/>
+                </a:ln>
+                <a:solidFill>
+                  <a:schemeClr val="tx1"/>
+                </a:solidFill>
+                <a:effectLst/>
+                <a:latin typeface="Arial Unicode MS"/>
+              </a:rPr>
+              <a:t>	return a + b; </a:t>
+            </a:r>
+          </a:p>
+          <a:p>
+            <a:pPr lvl="1"/>
+            <a:r>
+              <a:rPr kumimoji="0" lang="en-US" altLang="en-US" sz="1400" b="0" i="0" u="none" strike="noStrike" cap="none" normalizeH="0" baseline="0" dirty="0">
+                <a:ln>
+                  <a:noFill/>
+                </a:ln>
+                <a:solidFill>
+                  <a:schemeClr val="tx1"/>
+                </a:solidFill>
+                <a:effectLst/>
+                <a:latin typeface="Arial Unicode MS"/>
+              </a:rPr>
+              <a:t>} </a:t>
+            </a:r>
+          </a:p>
+          <a:p>
+            <a:pPr lvl="1"/>
+            <a:r>
+              <a:rPr kumimoji="0" lang="en-US" altLang="en-US" sz="1400" b="0" i="0" u="none" strike="noStrike" cap="none" normalizeH="0" baseline="0" dirty="0">
+                <a:ln>
+                  <a:noFill/>
+                </a:ln>
+                <a:solidFill>
+                  <a:schemeClr val="tx1"/>
+                </a:solidFill>
+                <a:effectLst/>
+                <a:latin typeface="Arial Unicode MS"/>
+              </a:rPr>
+              <a:t>public static void main(String[] </a:t>
+            </a:r>
+            <a:r>
+              <a:rPr kumimoji="0" lang="en-US" altLang="en-US" sz="1400" b="0" i="0" u="none" strike="noStrike" cap="none" normalizeH="0" baseline="0" dirty="0" err="1">
+                <a:ln>
+                  <a:noFill/>
+                </a:ln>
+                <a:solidFill>
+                  <a:schemeClr val="tx1"/>
+                </a:solidFill>
+                <a:effectLst/>
+                <a:latin typeface="Arial Unicode MS"/>
+              </a:rPr>
+              <a:t>args</a:t>
+            </a:r>
+            <a:r>
+              <a:rPr kumimoji="0" lang="en-US" altLang="en-US" sz="1400" b="0" i="0" u="none" strike="noStrike" cap="none" normalizeH="0" baseline="0" dirty="0">
+                <a:ln>
+                  <a:noFill/>
+                </a:ln>
+                <a:solidFill>
+                  <a:schemeClr val="tx1"/>
+                </a:solidFill>
+                <a:effectLst/>
+                <a:latin typeface="Arial Unicode MS"/>
+              </a:rPr>
+              <a:t>) { </a:t>
+            </a:r>
+          </a:p>
+          <a:p>
+            <a:pPr lvl="1"/>
+            <a:r>
+              <a:rPr kumimoji="0" lang="en-US" altLang="en-US" sz="1400" b="0" i="0" u="none" strike="noStrike" cap="none" normalizeH="0" baseline="0" dirty="0">
+                <a:ln>
+                  <a:noFill/>
+                </a:ln>
+                <a:solidFill>
+                  <a:schemeClr val="tx1"/>
+                </a:solidFill>
+                <a:effectLst/>
+                <a:latin typeface="Arial Unicode MS"/>
+              </a:rPr>
+              <a:t>	int result = </a:t>
+            </a:r>
+            <a:r>
+              <a:rPr kumimoji="0" lang="en-US" altLang="en-US" sz="1400" b="0" i="0" u="none" strike="noStrike" cap="none" normalizeH="0" baseline="0" dirty="0" err="1">
+                <a:ln>
+                  <a:noFill/>
+                </a:ln>
+                <a:solidFill>
+                  <a:schemeClr val="tx1"/>
+                </a:solidFill>
+                <a:effectLst/>
+                <a:latin typeface="Arial Unicode MS"/>
+              </a:rPr>
+              <a:t>MathUtils.add</a:t>
+            </a:r>
+            <a:r>
+              <a:rPr kumimoji="0" lang="en-US" altLang="en-US" sz="1400" b="0" i="0" u="none" strike="noStrike" cap="none" normalizeH="0" baseline="0" dirty="0">
+                <a:ln>
+                  <a:noFill/>
+                </a:ln>
+                <a:solidFill>
+                  <a:schemeClr val="tx1"/>
+                </a:solidFill>
+                <a:effectLst/>
+                <a:latin typeface="Arial Unicode MS"/>
+              </a:rPr>
+              <a:t>(5, 3); // Calling static method 	</a:t>
+            </a:r>
+            <a:r>
+              <a:rPr kumimoji="0" lang="en-US" altLang="en-US" sz="1400" b="0" i="0" u="none" strike="noStrike" cap="none" normalizeH="0" baseline="0" dirty="0" err="1">
+                <a:ln>
+                  <a:noFill/>
+                </a:ln>
+                <a:solidFill>
+                  <a:schemeClr val="tx1"/>
+                </a:solidFill>
+                <a:effectLst/>
+                <a:latin typeface="Arial Unicode MS"/>
+              </a:rPr>
+              <a:t>System.out.println</a:t>
+            </a:r>
+            <a:r>
+              <a:rPr kumimoji="0" lang="en-US" altLang="en-US" sz="1400" b="0" i="0" u="none" strike="noStrike" cap="none" normalizeH="0" baseline="0" dirty="0">
+                <a:ln>
+                  <a:noFill/>
+                </a:ln>
+                <a:solidFill>
+                  <a:schemeClr val="tx1"/>
+                </a:solidFill>
+                <a:effectLst/>
+                <a:latin typeface="Arial Unicode MS"/>
+              </a:rPr>
+              <a:t>(result); </a:t>
+            </a:r>
+          </a:p>
+          <a:p>
+            <a:pPr lvl="1"/>
+            <a:r>
+              <a:rPr kumimoji="0" lang="en-US" altLang="en-US" sz="1400" b="0" i="0" u="none" strike="noStrike" cap="none" normalizeH="0" baseline="0" dirty="0">
+                <a:ln>
+                  <a:noFill/>
+                </a:ln>
+                <a:solidFill>
+                  <a:schemeClr val="tx1"/>
+                </a:solidFill>
+                <a:effectLst/>
+                <a:latin typeface="Arial Unicode MS"/>
+              </a:rPr>
+              <a:t>}</a:t>
+            </a:r>
             <a:endParaRPr lang="en-US" sz="1400" dirty="0"/>
           </a:p>
           <a:p>
-            <a:endParaRPr lang="en-US" sz="1400" dirty="0"/>
-          </a:p>
-          <a:p>
-            <a:r>
-              <a:rPr lang="en-US" b="1" dirty="0"/>
-              <a:t>Types</a:t>
-            </a:r>
-            <a:r>
-              <a:rPr lang="en-US" sz="1400" dirty="0"/>
-              <a:t>:</a:t>
-            </a:r>
-          </a:p>
-          <a:p>
-            <a:endParaRPr lang="en-US" sz="1400" dirty="0"/>
-          </a:p>
-          <a:p>
-            <a:pPr marL="342900" indent="-342900">
-              <a:buFont typeface="+mj-lt"/>
-              <a:buAutoNum type="arabicPeriod"/>
-            </a:pPr>
-            <a:r>
-              <a:rPr lang="en-IN" sz="1400" dirty="0"/>
-              <a:t>Data-driven Framework</a:t>
-            </a:r>
-          </a:p>
-          <a:p>
-            <a:pPr marL="342900" indent="-342900">
-              <a:buFont typeface="+mj-lt"/>
-              <a:buAutoNum type="arabicPeriod"/>
-            </a:pPr>
-            <a:endParaRPr lang="en-US" sz="1400" dirty="0"/>
-          </a:p>
-          <a:p>
-            <a:pPr marL="342900" indent="-342900">
-              <a:buFont typeface="+mj-lt"/>
-              <a:buAutoNum type="arabicPeriod"/>
-            </a:pPr>
-            <a:r>
-              <a:rPr lang="en-IN" sz="1400" dirty="0"/>
-              <a:t>Keyword Driven Testing Framework</a:t>
-            </a:r>
-          </a:p>
-          <a:p>
-            <a:pPr marL="342900" indent="-342900">
-              <a:buFont typeface="+mj-lt"/>
-              <a:buAutoNum type="arabicPeriod"/>
-            </a:pPr>
-            <a:endParaRPr lang="en-US" sz="1400" dirty="0"/>
-          </a:p>
-          <a:p>
-            <a:pPr marL="342900" indent="-342900">
-              <a:buFont typeface="+mj-lt"/>
-              <a:buAutoNum type="arabicPeriod"/>
-            </a:pPr>
-            <a:r>
-              <a:rPr lang="en-IN" sz="1400" dirty="0"/>
-              <a:t>Hybrid Driven Testing Framework</a:t>
-            </a:r>
-          </a:p>
-          <a:p>
-            <a:pPr marL="342900" indent="-342900">
-              <a:buFont typeface="+mj-lt"/>
-              <a:buAutoNum type="arabicPeriod"/>
-            </a:pPr>
-            <a:endParaRPr lang="en-US" sz="1400" dirty="0"/>
-          </a:p>
-          <a:p>
-            <a:pPr marL="342900" indent="-342900">
-              <a:buFont typeface="+mj-lt"/>
-              <a:buAutoNum type="arabicPeriod"/>
-            </a:pPr>
-            <a:r>
-              <a:rPr lang="en-US" sz="1400" dirty="0"/>
-              <a:t>Behavior Driven Development Testing Framework</a:t>
-            </a:r>
-          </a:p>
-          <a:p>
-            <a:endParaRPr lang="en-US" sz="1400" dirty="0"/>
+            <a:r>
+              <a:rPr lang="en-US" dirty="0"/>
+              <a:t>}</a:t>
+            </a:r>
+            <a:endParaRPr lang="en-IN" dirty="0"/>
           </a:p>
         </p:txBody>
       </p:sp>
     </p:spTree>
     <p:extLst>
       <p:ext uri="{BB962C8B-B14F-4D97-AF65-F5344CB8AC3E}">
-        <p14:creationId xmlns:p14="http://schemas.microsoft.com/office/powerpoint/2010/main" val="1297286529"/>
+        <p14:creationId xmlns:p14="http://schemas.microsoft.com/office/powerpoint/2010/main" val="75166264"/>
       </p:ext>
     </p:extLst>
   </p:cSld>
@@ -13657,20 +14433,20 @@
       </p:grpSpPr>
       <p:sp>
         <p:nvSpPr>
-          <p:cNvPr id="2" name="Rectangle 1">
+          <p:cNvPr id="3" name="TextBox 2">
             <a:extLst>
               <a:ext uri="{FF2B5EF4-FFF2-40B4-BE49-F238E27FC236}">
-                <a16:creationId xmlns:a16="http://schemas.microsoft.com/office/drawing/2014/main" id="{76677099-EEE8-9984-C00C-BEB82F324B94}"/>
+                <a16:creationId xmlns:a16="http://schemas.microsoft.com/office/drawing/2014/main" id="{8048C927-B605-D404-FE40-0907B7620A09}"/>
               </a:ext>
             </a:extLst>
           </p:cNvPr>
-          <p:cNvSpPr/>
+          <p:cNvSpPr txBox="1"/>
           <p:nvPr/>
         </p:nvSpPr>
         <p:spPr>
           <a:xfrm>
-            <a:off x="694108" y="878558"/>
-            <a:ext cx="8524449" cy="2246769"/>
+            <a:off x="582705" y="609617"/>
+            <a:ext cx="5235389" cy="923330"/>
           </a:xfrm>
           <a:prstGeom prst="rect">
             <a:avLst/>
@@ -13678,82 +14454,301 @@
           <a:noFill/>
         </p:spPr>
         <p:txBody>
-          <a:bodyPr wrap="none" lIns="91440" tIns="45720" rIns="91440" bIns="45720">
+          <a:bodyPr wrap="square">
             <a:spAutoFit/>
           </a:bodyPr>
           <a:lstStyle/>
           <a:p>
             <a:r>
-              <a:rPr lang="en-IN" sz="1400" b="1" dirty="0"/>
-              <a:t>Design Patterns in Selenium:</a:t>
-            </a:r>
-          </a:p>
-          <a:p>
-            <a:endParaRPr lang="en-IN" sz="1400" b="1" dirty="0"/>
-          </a:p>
-          <a:p>
-            <a:r>
-              <a:rPr lang="en-US" sz="1400" b="0" dirty="0">
-                <a:effectLst/>
-                <a:hlinkClick r:id="rId2" tooltip="Design Patterns in Automation Framework"/>
-              </a:rPr>
-              <a:t>Design patterns</a:t>
-            </a:r>
-            <a:r>
-              <a:rPr lang="en-US" sz="1400" b="0" dirty="0">
-                <a:effectLst/>
-              </a:rPr>
-              <a:t>  are reusable solutions that can be reused on to problems that frequently arise in software design.</a:t>
-            </a:r>
-          </a:p>
-          <a:p>
-            <a:r>
-              <a:rPr lang="en-US" sz="1400" b="0" dirty="0">
-                <a:effectLst/>
-              </a:rPr>
+              <a:rPr lang="en-US" b="1" dirty="0"/>
+              <a:t>Default Constructor:</a:t>
+            </a:r>
+            <a:endParaRPr lang="en-US" dirty="0"/>
+          </a:p>
+          <a:p>
+            <a:pPr>
+              <a:buFont typeface="Arial" panose="020B0604020202020204" pitchFamily="34" charset="0"/>
+              <a:buChar char="•"/>
+            </a:pPr>
+            <a:r>
+              <a:rPr lang="en-US" dirty="0"/>
+              <a:t>If a class doesn't explicitly define a constructor, Java provides a default constructor with no parameters.</a:t>
+            </a:r>
+          </a:p>
+        </p:txBody>
+      </p:sp>
+      <p:sp>
+        <p:nvSpPr>
+          <p:cNvPr id="6" name="TextBox 5">
+            <a:extLst>
+              <a:ext uri="{FF2B5EF4-FFF2-40B4-BE49-F238E27FC236}">
+                <a16:creationId xmlns:a16="http://schemas.microsoft.com/office/drawing/2014/main" id="{A29592C6-4DAC-078E-748B-8D9240CC932E}"/>
+              </a:ext>
+            </a:extLst>
+          </p:cNvPr>
+          <p:cNvSpPr txBox="1"/>
+          <p:nvPr/>
+        </p:nvSpPr>
+        <p:spPr>
+          <a:xfrm>
+            <a:off x="6248400" y="631466"/>
+            <a:ext cx="6096000" cy="1169551"/>
+          </a:xfrm>
+          <a:prstGeom prst="rect">
+            <a:avLst/>
+          </a:prstGeom>
+          <a:noFill/>
+        </p:spPr>
+        <p:txBody>
+          <a:bodyPr wrap="square">
+            <a:spAutoFit/>
+          </a:bodyPr>
+          <a:lstStyle/>
+          <a:p>
+            <a:r>
+              <a:rPr lang="en-IN" sz="1400" dirty="0"/>
+              <a:t>public class </a:t>
+            </a:r>
+            <a:r>
+              <a:rPr lang="en-IN" sz="1400" dirty="0" err="1"/>
+              <a:t>MyClass</a:t>
+            </a:r>
+            <a:r>
+              <a:rPr lang="en-IN" sz="1400" dirty="0"/>
+              <a:t> {</a:t>
+            </a:r>
+          </a:p>
+          <a:p>
+            <a:r>
+              <a:rPr lang="en-IN" sz="1400" dirty="0"/>
+              <a:t>public static void main(String[] </a:t>
+            </a:r>
+            <a:r>
+              <a:rPr lang="en-IN" sz="1400" dirty="0" err="1"/>
+              <a:t>args</a:t>
+            </a:r>
+            <a:r>
+              <a:rPr lang="en-IN" sz="1400" dirty="0"/>
+              <a:t>) {</a:t>
+            </a:r>
+          </a:p>
+          <a:p>
+            <a:r>
+              <a:rPr lang="en-IN" sz="1400" dirty="0"/>
+              <a:t>        </a:t>
+            </a:r>
+            <a:r>
+              <a:rPr lang="en-IN" sz="1400" dirty="0" err="1"/>
+              <a:t>MyClass</a:t>
+            </a:r>
+            <a:r>
+              <a:rPr lang="en-IN" sz="1400" dirty="0"/>
               <a:t> </a:t>
             </a:r>
-          </a:p>
-          <a:p>
-            <a:r>
-              <a:rPr lang="en-US" sz="1400" b="0" dirty="0">
-                <a:effectLst/>
-              </a:rPr>
-              <a:t>They serve as a common vocabulary and a shared understanding of best practices among the developers. </a:t>
-            </a:r>
-          </a:p>
-          <a:p>
-            <a:endParaRPr lang="en-US" sz="1400" dirty="0"/>
-          </a:p>
-          <a:p>
-            <a:endParaRPr lang="en-US" sz="1400" b="1" dirty="0"/>
-          </a:p>
-          <a:p>
-            <a:r>
-              <a:rPr lang="en-US" sz="1400" b="1" dirty="0"/>
-              <a:t>Types:</a:t>
-            </a:r>
-          </a:p>
-          <a:p>
-            <a:endParaRPr lang="en-US" sz="1400" dirty="0"/>
-          </a:p>
-          <a:p>
-            <a:pPr marL="342900" indent="-342900">
-              <a:buFont typeface="+mj-lt"/>
-              <a:buAutoNum type="arabicPeriod"/>
-            </a:pPr>
-            <a:r>
-              <a:rPr lang="en-US" sz="1400" dirty="0"/>
-              <a:t>POM</a:t>
-            </a:r>
+            <a:r>
+              <a:rPr lang="en-IN" sz="1400" dirty="0" err="1"/>
+              <a:t>obj</a:t>
+            </a:r>
+            <a:r>
+              <a:rPr lang="en-IN" sz="1400" dirty="0"/>
+              <a:t> = new </a:t>
+            </a:r>
+            <a:r>
+              <a:rPr lang="en-IN" sz="1400" dirty="0" err="1"/>
+              <a:t>MyClass</a:t>
+            </a:r>
+            <a:r>
+              <a:rPr lang="en-IN" sz="1400" dirty="0"/>
+              <a:t>(); // Creating an instance, calls the default constructor</a:t>
+            </a:r>
+          </a:p>
+          <a:p>
+            <a:r>
+              <a:rPr lang="en-IN" sz="1400" dirty="0"/>
+              <a:t>    }</a:t>
+            </a:r>
+          </a:p>
+        </p:txBody>
+      </p:sp>
+      <p:sp>
+        <p:nvSpPr>
+          <p:cNvPr id="8" name="TextBox 7">
+            <a:extLst>
+              <a:ext uri="{FF2B5EF4-FFF2-40B4-BE49-F238E27FC236}">
+                <a16:creationId xmlns:a16="http://schemas.microsoft.com/office/drawing/2014/main" id="{C36B9327-EB7A-54BF-ABF6-AB12236F12C1}"/>
+              </a:ext>
+            </a:extLst>
+          </p:cNvPr>
+          <p:cNvSpPr txBox="1"/>
+          <p:nvPr/>
+        </p:nvSpPr>
+        <p:spPr>
+          <a:xfrm>
+            <a:off x="582705" y="3496252"/>
+            <a:ext cx="5665695" cy="923330"/>
+          </a:xfrm>
+          <a:prstGeom prst="rect">
+            <a:avLst/>
+          </a:prstGeom>
+          <a:noFill/>
+        </p:spPr>
+        <p:txBody>
+          <a:bodyPr wrap="square">
+            <a:spAutoFit/>
+          </a:bodyPr>
+          <a:lstStyle/>
+          <a:p>
+            <a:r>
+              <a:rPr lang="en-US" b="1" dirty="0"/>
+              <a:t>Parameterized Constructor:</a:t>
+            </a:r>
+            <a:endParaRPr lang="en-US" dirty="0"/>
+          </a:p>
+          <a:p>
+            <a:pPr>
+              <a:buFont typeface="Arial" panose="020B0604020202020204" pitchFamily="34" charset="0"/>
+              <a:buChar char="•"/>
+            </a:pPr>
+            <a:r>
+              <a:rPr lang="en-US" dirty="0"/>
+              <a:t>A constructor with parameters allows initializing object properties during object creation.</a:t>
+            </a:r>
+          </a:p>
+        </p:txBody>
+      </p:sp>
+      <p:sp>
+        <p:nvSpPr>
+          <p:cNvPr id="12" name="TextBox 11">
+            <a:extLst>
+              <a:ext uri="{FF2B5EF4-FFF2-40B4-BE49-F238E27FC236}">
+                <a16:creationId xmlns:a16="http://schemas.microsoft.com/office/drawing/2014/main" id="{E668E608-B3A6-7CFD-36EA-8A930E080EB9}"/>
+              </a:ext>
+            </a:extLst>
+          </p:cNvPr>
+          <p:cNvSpPr txBox="1"/>
+          <p:nvPr/>
+        </p:nvSpPr>
+        <p:spPr>
+          <a:xfrm>
+            <a:off x="6248400" y="3429000"/>
+            <a:ext cx="6096000" cy="3539430"/>
+          </a:xfrm>
+          <a:prstGeom prst="rect">
+            <a:avLst/>
+          </a:prstGeom>
+          <a:noFill/>
+        </p:spPr>
+        <p:txBody>
+          <a:bodyPr wrap="square">
+            <a:spAutoFit/>
+          </a:bodyPr>
+          <a:lstStyle/>
+          <a:p>
+            <a:r>
+              <a:rPr lang="en-IN" sz="1400" dirty="0"/>
+              <a:t>public class Person {</a:t>
+            </a:r>
+          </a:p>
+          <a:p>
+            <a:r>
+              <a:rPr lang="en-IN" sz="1400" dirty="0"/>
+              <a:t>    String name;</a:t>
+            </a:r>
+          </a:p>
+          <a:p>
+            <a:r>
+              <a:rPr lang="en-IN" sz="1400" dirty="0"/>
+              <a:t>    int age;</a:t>
+            </a:r>
+          </a:p>
+          <a:p>
             <a:endParaRPr lang="en-IN" sz="1400" dirty="0"/>
+          </a:p>
+          <a:p>
+            <a:r>
+              <a:rPr lang="en-IN" sz="1400" dirty="0"/>
+              <a:t>    // Parameterized constructor</a:t>
+            </a:r>
+          </a:p>
+          <a:p>
+            <a:r>
+              <a:rPr lang="en-IN" sz="1400" dirty="0"/>
+              <a:t>    public Person(String n, int a) {</a:t>
+            </a:r>
+          </a:p>
+          <a:p>
+            <a:r>
+              <a:rPr lang="en-IN" sz="1400" dirty="0"/>
+              <a:t>        name = n;</a:t>
+            </a:r>
+          </a:p>
+          <a:p>
+            <a:r>
+              <a:rPr lang="en-IN" sz="1400" dirty="0"/>
+              <a:t>        age = a;</a:t>
+            </a:r>
+          </a:p>
+          <a:p>
+            <a:r>
+              <a:rPr lang="en-IN" sz="1400" dirty="0"/>
+              <a:t>    }</a:t>
+            </a:r>
+          </a:p>
+          <a:p>
+            <a:endParaRPr lang="en-IN" sz="1400" dirty="0"/>
+          </a:p>
+          <a:p>
+            <a:r>
+              <a:rPr lang="en-IN" sz="1400" dirty="0"/>
+              <a:t>    public static void main(String[] </a:t>
+            </a:r>
+            <a:r>
+              <a:rPr lang="en-IN" sz="1400" dirty="0" err="1"/>
+              <a:t>args</a:t>
+            </a:r>
+            <a:r>
+              <a:rPr lang="en-IN" sz="1400" dirty="0"/>
+              <a:t>) {</a:t>
+            </a:r>
+          </a:p>
+          <a:p>
+            <a:r>
+              <a:rPr lang="en-IN" sz="1400" dirty="0"/>
+              <a:t>        Person person1 = new Person("John", 25); // Creating an instance with parameters</a:t>
+            </a:r>
+          </a:p>
+          <a:p>
+            <a:r>
+              <a:rPr lang="en-IN" sz="1400" dirty="0"/>
+              <a:t>        </a:t>
+            </a:r>
+            <a:r>
+              <a:rPr lang="en-IN" sz="1400" dirty="0" err="1"/>
+              <a:t>System.out.println</a:t>
+            </a:r>
+            <a:r>
+              <a:rPr lang="en-IN" sz="1400" dirty="0"/>
+              <a:t>(person1.name + " is " + person1.age + " years old.");</a:t>
+            </a:r>
+          </a:p>
+          <a:p>
+            <a:r>
+              <a:rPr lang="en-IN" sz="1400" dirty="0"/>
+              <a:t>    }</a:t>
+            </a:r>
+          </a:p>
+          <a:p>
+            <a:r>
+              <a:rPr lang="en-IN" sz="1400" dirty="0"/>
+              <a:t>}</a:t>
+            </a:r>
           </a:p>
         </p:txBody>
       </p:sp>
     </p:spTree>
     <p:extLst>
       <p:ext uri="{BB962C8B-B14F-4D97-AF65-F5344CB8AC3E}">
-        <p14:creationId xmlns:p14="http://schemas.microsoft.com/office/powerpoint/2010/main" val="2048242346"/>
+        <p14:creationId xmlns:p14="http://schemas.microsoft.com/office/powerpoint/2010/main" val="1484033765"/>
       </p:ext>
     </p:extLst>
   </p:cSld>
@@ -13782,10 +14777,6761 @@
       </p:grpSpPr>
       <p:sp>
         <p:nvSpPr>
+          <p:cNvPr id="3" name="TextBox 2">
+            <a:extLst>
+              <a:ext uri="{FF2B5EF4-FFF2-40B4-BE49-F238E27FC236}">
+                <a16:creationId xmlns:a16="http://schemas.microsoft.com/office/drawing/2014/main" id="{6E836F4E-A431-7E36-1FF9-B7B6D515C48F}"/>
+              </a:ext>
+            </a:extLst>
+          </p:cNvPr>
+          <p:cNvSpPr txBox="1"/>
+          <p:nvPr/>
+        </p:nvSpPr>
+        <p:spPr>
+          <a:xfrm>
+            <a:off x="358589" y="326776"/>
+            <a:ext cx="5423646" cy="646331"/>
+          </a:xfrm>
+          <a:prstGeom prst="rect">
+            <a:avLst/>
+          </a:prstGeom>
+          <a:noFill/>
+        </p:spPr>
+        <p:txBody>
+          <a:bodyPr wrap="square">
+            <a:spAutoFit/>
+          </a:bodyPr>
+          <a:lstStyle/>
+          <a:p>
+            <a:r>
+              <a:rPr lang="en-US" b="1" dirty="0"/>
+              <a:t>Inheritance</a:t>
+            </a:r>
+            <a:r>
+              <a:rPr lang="en-US" dirty="0"/>
+              <a:t>: A class can inherit properties and behaviors </a:t>
+            </a:r>
+          </a:p>
+          <a:p>
+            <a:r>
+              <a:rPr lang="en-US" dirty="0"/>
+              <a:t>from only one superclass in Java.</a:t>
+            </a:r>
+            <a:endParaRPr lang="en-IN" dirty="0"/>
+          </a:p>
+        </p:txBody>
+      </p:sp>
+      <p:sp>
+        <p:nvSpPr>
+          <p:cNvPr id="5" name="TextBox 4">
+            <a:extLst>
+              <a:ext uri="{FF2B5EF4-FFF2-40B4-BE49-F238E27FC236}">
+                <a16:creationId xmlns:a16="http://schemas.microsoft.com/office/drawing/2014/main" id="{31B96742-82B9-E3C0-B1B0-D6D4D5E9733E}"/>
+              </a:ext>
+            </a:extLst>
+          </p:cNvPr>
+          <p:cNvSpPr txBox="1"/>
+          <p:nvPr/>
+        </p:nvSpPr>
+        <p:spPr>
+          <a:xfrm>
+            <a:off x="1568824" y="1631193"/>
+            <a:ext cx="6096000" cy="3416320"/>
+          </a:xfrm>
+          <a:prstGeom prst="rect">
+            <a:avLst/>
+          </a:prstGeom>
+          <a:noFill/>
+        </p:spPr>
+        <p:txBody>
+          <a:bodyPr wrap="square">
+            <a:spAutoFit/>
+          </a:bodyPr>
+          <a:lstStyle/>
+          <a:p>
+            <a:r>
+              <a:rPr lang="en-IN" dirty="0"/>
+              <a:t>public class Animal {</a:t>
+            </a:r>
+          </a:p>
+          <a:p>
+            <a:r>
+              <a:rPr lang="en-IN" dirty="0"/>
+              <a:t>    public void eat() {</a:t>
+            </a:r>
+          </a:p>
+          <a:p>
+            <a:r>
+              <a:rPr lang="en-IN" dirty="0"/>
+              <a:t>        </a:t>
+            </a:r>
+            <a:r>
+              <a:rPr lang="en-IN" dirty="0" err="1"/>
+              <a:t>System.out.println</a:t>
+            </a:r>
+            <a:r>
+              <a:rPr lang="en-IN" dirty="0"/>
+              <a:t>("Animal is eating");</a:t>
+            </a:r>
+          </a:p>
+          <a:p>
+            <a:r>
+              <a:rPr lang="en-IN" dirty="0"/>
+              <a:t>    }</a:t>
+            </a:r>
+          </a:p>
+          <a:p>
+            <a:r>
+              <a:rPr lang="en-IN" dirty="0"/>
+              <a:t>}</a:t>
+            </a:r>
+          </a:p>
+          <a:p>
+            <a:endParaRPr lang="en-IN" dirty="0"/>
+          </a:p>
+          <a:p>
+            <a:r>
+              <a:rPr lang="en-IN" dirty="0"/>
+              <a:t>// Subclass inheriting from Animal</a:t>
+            </a:r>
+          </a:p>
+          <a:p>
+            <a:r>
+              <a:rPr lang="en-IN" dirty="0"/>
+              <a:t>public class Dog extends Animal {</a:t>
+            </a:r>
+          </a:p>
+          <a:p>
+            <a:r>
+              <a:rPr lang="en-IN" dirty="0"/>
+              <a:t>    public void bark() {</a:t>
+            </a:r>
+          </a:p>
+          <a:p>
+            <a:r>
+              <a:rPr lang="en-IN" dirty="0"/>
+              <a:t>        </a:t>
+            </a:r>
+            <a:r>
+              <a:rPr lang="en-IN" dirty="0" err="1"/>
+              <a:t>System.out.println</a:t>
+            </a:r>
+            <a:r>
+              <a:rPr lang="en-IN" dirty="0"/>
+              <a:t>("Dog is barking");</a:t>
+            </a:r>
+          </a:p>
+          <a:p>
+            <a:r>
+              <a:rPr lang="en-IN" dirty="0"/>
+              <a:t>    }</a:t>
+            </a:r>
+          </a:p>
+          <a:p>
+            <a:r>
+              <a:rPr lang="en-IN" dirty="0"/>
+              <a:t>}</a:t>
+            </a:r>
+          </a:p>
+        </p:txBody>
+      </p:sp>
+    </p:spTree>
+    <p:extLst>
+      <p:ext uri="{BB962C8B-B14F-4D97-AF65-F5344CB8AC3E}">
+        <p14:creationId xmlns:p14="http://schemas.microsoft.com/office/powerpoint/2010/main" val="2196382666"/>
+      </p:ext>
+    </p:extLst>
+  </p:cSld>
+  <p:clrMapOvr>
+    <a:masterClrMapping/>
+  </p:clrMapOvr>
+</p:sld>
+</file>
+
+<file path=ppt/slides/slide33.xml><?xml version="1.0" encoding="utf-8"?>
+<p:sld xmlns:a="http://schemas.openxmlformats.org/drawingml/2006/main" xmlns:r="http://schemas.openxmlformats.org/officeDocument/2006/relationships" xmlns:p="http://schemas.openxmlformats.org/presentationml/2006/main">
+  <p:cSld>
+    <p:spTree>
+      <p:nvGrpSpPr>
+        <p:cNvPr id="1" name=""/>
+        <p:cNvGrpSpPr/>
+        <p:nvPr/>
+      </p:nvGrpSpPr>
+      <p:grpSpPr>
+        <a:xfrm>
+          <a:off x="0" y="0"/>
+          <a:ext cx="0" cy="0"/>
+          <a:chOff x="0" y="0"/>
+          <a:chExt cx="0" cy="0"/>
+        </a:xfrm>
+      </p:grpSpPr>
+      <p:sp>
+        <p:nvSpPr>
+          <p:cNvPr id="3" name="TextBox 2">
+            <a:extLst>
+              <a:ext uri="{FF2B5EF4-FFF2-40B4-BE49-F238E27FC236}">
+                <a16:creationId xmlns:a16="http://schemas.microsoft.com/office/drawing/2014/main" id="{BD82AB02-2D58-7FF5-13B4-8B83B92DB99D}"/>
+              </a:ext>
+            </a:extLst>
+          </p:cNvPr>
+          <p:cNvSpPr txBox="1"/>
+          <p:nvPr/>
+        </p:nvSpPr>
+        <p:spPr>
+          <a:xfrm>
+            <a:off x="349623" y="373413"/>
+            <a:ext cx="4715436" cy="2031325"/>
+          </a:xfrm>
+          <a:prstGeom prst="rect">
+            <a:avLst/>
+          </a:prstGeom>
+          <a:noFill/>
+        </p:spPr>
+        <p:txBody>
+          <a:bodyPr wrap="square">
+            <a:spAutoFit/>
+          </a:bodyPr>
+          <a:lstStyle/>
+          <a:p>
+            <a:r>
+              <a:rPr lang="en-US" b="1" dirty="0"/>
+              <a:t>Encapsulation:</a:t>
+            </a:r>
+          </a:p>
+          <a:p>
+            <a:endParaRPr lang="en-US" dirty="0"/>
+          </a:p>
+          <a:p>
+            <a:pPr>
+              <a:buFont typeface="Arial" panose="020B0604020202020204" pitchFamily="34" charset="0"/>
+              <a:buChar char="•"/>
+            </a:pPr>
+            <a:r>
+              <a:rPr lang="en-US" b="1" dirty="0"/>
+              <a:t>Definition:</a:t>
+            </a:r>
+            <a:r>
+              <a:rPr lang="en-US" dirty="0"/>
+              <a:t> Encapsulation is the concept of bundling data (attributes) and methods (functions). It involves hiding the internal state of an object and requiring all interactions to occur through an object's methods.</a:t>
+            </a:r>
+          </a:p>
+        </p:txBody>
+      </p:sp>
+      <p:sp>
+        <p:nvSpPr>
+          <p:cNvPr id="6" name="TextBox 5">
+            <a:extLst>
+              <a:ext uri="{FF2B5EF4-FFF2-40B4-BE49-F238E27FC236}">
+                <a16:creationId xmlns:a16="http://schemas.microsoft.com/office/drawing/2014/main" id="{2B526D75-B79A-AF53-EA90-F00254256497}"/>
+              </a:ext>
+            </a:extLst>
+          </p:cNvPr>
+          <p:cNvSpPr txBox="1"/>
+          <p:nvPr/>
+        </p:nvSpPr>
+        <p:spPr>
+          <a:xfrm>
+            <a:off x="5405718" y="634402"/>
+            <a:ext cx="6096000" cy="4832092"/>
+          </a:xfrm>
+          <a:prstGeom prst="rect">
+            <a:avLst/>
+          </a:prstGeom>
+          <a:noFill/>
+        </p:spPr>
+        <p:txBody>
+          <a:bodyPr wrap="square">
+            <a:spAutoFit/>
+          </a:bodyPr>
+          <a:lstStyle/>
+          <a:p>
+            <a:pPr marL="0" marR="0">
+              <a:spcBef>
+                <a:spcPts val="0"/>
+              </a:spcBef>
+              <a:spcAft>
+                <a:spcPts val="0"/>
+              </a:spcAft>
+            </a:pPr>
+            <a:r>
+              <a:rPr lang="en-IN" sz="1400" b="1" dirty="0">
+                <a:solidFill>
+                  <a:srgbClr val="7F0055"/>
+                </a:solidFill>
+                <a:effectLst/>
+                <a:latin typeface="Courier New" panose="02070309020205020404" pitchFamily="49" charset="0"/>
+              </a:rPr>
+              <a:t>public</a:t>
+            </a:r>
+            <a:r>
+              <a:rPr lang="en-IN" sz="1400" dirty="0">
+                <a:solidFill>
+                  <a:srgbClr val="000000"/>
+                </a:solidFill>
+                <a:effectLst/>
+                <a:latin typeface="Courier New" panose="02070309020205020404" pitchFamily="49" charset="0"/>
+              </a:rPr>
+              <a:t> </a:t>
+            </a:r>
+            <a:r>
+              <a:rPr lang="en-IN" sz="1400" b="1" dirty="0">
+                <a:solidFill>
+                  <a:srgbClr val="7F0055"/>
+                </a:solidFill>
+                <a:effectLst/>
+                <a:latin typeface="Courier New" panose="02070309020205020404" pitchFamily="49" charset="0"/>
+              </a:rPr>
+              <a:t>class</a:t>
+            </a:r>
+            <a:r>
+              <a:rPr lang="en-IN" sz="1400" dirty="0">
+                <a:solidFill>
+                  <a:srgbClr val="000000"/>
+                </a:solidFill>
+                <a:effectLst/>
+                <a:latin typeface="Courier New" panose="02070309020205020404" pitchFamily="49" charset="0"/>
+              </a:rPr>
+              <a:t> encapsulation {</a:t>
+            </a:r>
+          </a:p>
+          <a:p>
+            <a:pPr marL="0" marR="0">
+              <a:spcBef>
+                <a:spcPts val="0"/>
+              </a:spcBef>
+              <a:spcAft>
+                <a:spcPts val="0"/>
+              </a:spcAft>
+            </a:pPr>
+            <a:r>
+              <a:rPr lang="en-IN" sz="1400" b="1" dirty="0">
+                <a:solidFill>
+                  <a:srgbClr val="7F0055"/>
+                </a:solidFill>
+                <a:effectLst/>
+                <a:latin typeface="Courier New" panose="02070309020205020404" pitchFamily="49" charset="0"/>
+              </a:rPr>
+              <a:t>public</a:t>
+            </a:r>
+            <a:r>
+              <a:rPr lang="en-IN" sz="1400" dirty="0">
+                <a:solidFill>
+                  <a:srgbClr val="000000"/>
+                </a:solidFill>
+                <a:effectLst/>
+                <a:latin typeface="Courier New" panose="02070309020205020404" pitchFamily="49" charset="0"/>
+              </a:rPr>
+              <a:t> </a:t>
+            </a:r>
+            <a:r>
+              <a:rPr lang="en-IN" sz="1400" b="1" dirty="0">
+                <a:solidFill>
+                  <a:srgbClr val="7F0055"/>
+                </a:solidFill>
+                <a:effectLst/>
+                <a:latin typeface="Courier New" panose="02070309020205020404" pitchFamily="49" charset="0"/>
+              </a:rPr>
+              <a:t>static</a:t>
+            </a:r>
+            <a:r>
+              <a:rPr lang="en-IN" sz="1400" dirty="0">
+                <a:solidFill>
+                  <a:srgbClr val="000000"/>
+                </a:solidFill>
+                <a:effectLst/>
+                <a:latin typeface="Courier New" panose="02070309020205020404" pitchFamily="49" charset="0"/>
+              </a:rPr>
+              <a:t> </a:t>
+            </a:r>
+            <a:r>
+              <a:rPr lang="en-IN" sz="1400" b="1" dirty="0">
+                <a:solidFill>
+                  <a:srgbClr val="7F0055"/>
+                </a:solidFill>
+                <a:effectLst/>
+                <a:latin typeface="Courier New" panose="02070309020205020404" pitchFamily="49" charset="0"/>
+              </a:rPr>
+              <a:t>void</a:t>
+            </a:r>
+            <a:r>
+              <a:rPr lang="en-IN" sz="1400" dirty="0">
+                <a:solidFill>
+                  <a:srgbClr val="000000"/>
+                </a:solidFill>
+                <a:effectLst/>
+                <a:latin typeface="Courier New" panose="02070309020205020404" pitchFamily="49" charset="0"/>
+              </a:rPr>
+              <a:t> main(String[] </a:t>
+            </a:r>
+            <a:r>
+              <a:rPr lang="en-IN" sz="1400" dirty="0" err="1">
+                <a:solidFill>
+                  <a:srgbClr val="6A3E3E"/>
+                </a:solidFill>
+                <a:effectLst/>
+                <a:latin typeface="Courier New" panose="02070309020205020404" pitchFamily="49" charset="0"/>
+              </a:rPr>
+              <a:t>args</a:t>
+            </a:r>
+            <a:r>
+              <a:rPr lang="en-IN" sz="1400" dirty="0">
+                <a:solidFill>
+                  <a:srgbClr val="000000"/>
+                </a:solidFill>
+                <a:effectLst/>
+                <a:latin typeface="Courier New" panose="02070309020205020404" pitchFamily="49" charset="0"/>
+              </a:rPr>
+              <a:t>) {</a:t>
+            </a:r>
+          </a:p>
+          <a:p>
+            <a:pPr marL="0" marR="0">
+              <a:spcBef>
+                <a:spcPts val="0"/>
+              </a:spcBef>
+              <a:spcAft>
+                <a:spcPts val="0"/>
+              </a:spcAft>
+            </a:pPr>
+            <a:r>
+              <a:rPr lang="en-IN" sz="1400" dirty="0" err="1">
+                <a:solidFill>
+                  <a:srgbClr val="000000"/>
+                </a:solidFill>
+                <a:effectLst/>
+                <a:latin typeface="Courier New" panose="02070309020205020404" pitchFamily="49" charset="0"/>
+              </a:rPr>
+              <a:t>classa</a:t>
+            </a:r>
+            <a:r>
+              <a:rPr lang="en-IN" sz="1400" dirty="0">
+                <a:solidFill>
+                  <a:srgbClr val="000000"/>
+                </a:solidFill>
+                <a:effectLst/>
+                <a:latin typeface="Courier New" panose="02070309020205020404" pitchFamily="49" charset="0"/>
+              </a:rPr>
+              <a:t> </a:t>
+            </a:r>
+            <a:r>
+              <a:rPr lang="en-IN" sz="1400" dirty="0" err="1">
+                <a:solidFill>
+                  <a:srgbClr val="6A3E3E"/>
+                </a:solidFill>
+                <a:effectLst/>
+                <a:latin typeface="Courier New" panose="02070309020205020404" pitchFamily="49" charset="0"/>
+              </a:rPr>
+              <a:t>obj</a:t>
+            </a:r>
+            <a:r>
+              <a:rPr lang="en-IN" sz="1400" dirty="0">
+                <a:solidFill>
+                  <a:srgbClr val="000000"/>
+                </a:solidFill>
+                <a:effectLst/>
+                <a:latin typeface="Courier New" panose="02070309020205020404" pitchFamily="49" charset="0"/>
+              </a:rPr>
+              <a:t> = </a:t>
+            </a:r>
+            <a:r>
+              <a:rPr lang="en-IN" sz="1400" b="1" dirty="0">
+                <a:solidFill>
+                  <a:srgbClr val="7F0055"/>
+                </a:solidFill>
+                <a:effectLst/>
+                <a:latin typeface="Courier New" panose="02070309020205020404" pitchFamily="49" charset="0"/>
+              </a:rPr>
+              <a:t>new</a:t>
+            </a:r>
+            <a:r>
+              <a:rPr lang="en-IN" sz="1400" dirty="0">
+                <a:solidFill>
+                  <a:srgbClr val="000000"/>
+                </a:solidFill>
+                <a:effectLst/>
+                <a:latin typeface="Courier New" panose="02070309020205020404" pitchFamily="49" charset="0"/>
+              </a:rPr>
+              <a:t> </a:t>
+            </a:r>
+            <a:r>
+              <a:rPr lang="en-IN" sz="1400" dirty="0" err="1">
+                <a:solidFill>
+                  <a:srgbClr val="000000"/>
+                </a:solidFill>
+                <a:effectLst/>
+                <a:latin typeface="Courier New" panose="02070309020205020404" pitchFamily="49" charset="0"/>
+              </a:rPr>
+              <a:t>classa</a:t>
+            </a:r>
+            <a:r>
+              <a:rPr lang="en-IN" sz="1400" dirty="0">
+                <a:solidFill>
+                  <a:srgbClr val="000000"/>
+                </a:solidFill>
+                <a:effectLst/>
+                <a:latin typeface="Courier New" panose="02070309020205020404" pitchFamily="49" charset="0"/>
+              </a:rPr>
+              <a:t>();</a:t>
+            </a:r>
+          </a:p>
+          <a:p>
+            <a:pPr marL="0" marR="0">
+              <a:spcBef>
+                <a:spcPts val="0"/>
+              </a:spcBef>
+              <a:spcAft>
+                <a:spcPts val="0"/>
+              </a:spcAft>
+            </a:pPr>
+            <a:r>
+              <a:rPr lang="en-IN" sz="1400" dirty="0" err="1">
+                <a:solidFill>
+                  <a:srgbClr val="6A3E3E"/>
+                </a:solidFill>
+                <a:effectLst/>
+                <a:latin typeface="Courier New" panose="02070309020205020404" pitchFamily="49" charset="0"/>
+              </a:rPr>
+              <a:t>obj</a:t>
+            </a:r>
+            <a:r>
+              <a:rPr lang="en-IN" sz="1400" dirty="0" err="1">
+                <a:solidFill>
+                  <a:srgbClr val="000000"/>
+                </a:solidFill>
+                <a:effectLst/>
+                <a:latin typeface="Courier New" panose="02070309020205020404" pitchFamily="49" charset="0"/>
+              </a:rPr>
+              <a:t>.setstudentName</a:t>
+            </a:r>
+            <a:r>
+              <a:rPr lang="en-IN" sz="1400" dirty="0">
+                <a:solidFill>
+                  <a:srgbClr val="000000"/>
+                </a:solidFill>
+                <a:effectLst/>
+                <a:latin typeface="Courier New" panose="02070309020205020404" pitchFamily="49" charset="0"/>
+              </a:rPr>
+              <a:t>(</a:t>
+            </a:r>
+            <a:r>
+              <a:rPr lang="en-IN" sz="1400" dirty="0">
+                <a:solidFill>
+                  <a:srgbClr val="2A00FF"/>
+                </a:solidFill>
+                <a:effectLst/>
+                <a:latin typeface="Courier New" panose="02070309020205020404" pitchFamily="49" charset="0"/>
+              </a:rPr>
+              <a:t>"Suraj"</a:t>
+            </a:r>
+            <a:r>
+              <a:rPr lang="en-IN" sz="1400" dirty="0">
+                <a:solidFill>
+                  <a:srgbClr val="000000"/>
+                </a:solidFill>
+                <a:effectLst/>
+                <a:latin typeface="Courier New" panose="02070309020205020404" pitchFamily="49" charset="0"/>
+              </a:rPr>
+              <a:t>);</a:t>
+            </a:r>
+          </a:p>
+          <a:p>
+            <a:pPr marL="0" marR="0">
+              <a:spcBef>
+                <a:spcPts val="0"/>
+              </a:spcBef>
+              <a:spcAft>
+                <a:spcPts val="0"/>
+              </a:spcAft>
+            </a:pPr>
+            <a:r>
+              <a:rPr lang="en-IN" sz="1400" dirty="0" err="1">
+                <a:solidFill>
+                  <a:srgbClr val="000000"/>
+                </a:solidFill>
+                <a:effectLst/>
+                <a:latin typeface="Courier New" panose="02070309020205020404" pitchFamily="49" charset="0"/>
+              </a:rPr>
+              <a:t>System.</a:t>
+            </a:r>
+            <a:r>
+              <a:rPr lang="en-IN" sz="1400" b="1" i="1" dirty="0" err="1">
+                <a:solidFill>
+                  <a:srgbClr val="0000C0"/>
+                </a:solidFill>
+                <a:effectLst/>
+                <a:latin typeface="Courier New" panose="02070309020205020404" pitchFamily="49" charset="0"/>
+              </a:rPr>
+              <a:t>out</a:t>
+            </a:r>
+            <a:r>
+              <a:rPr lang="en-IN" sz="1400" dirty="0" err="1">
+                <a:solidFill>
+                  <a:srgbClr val="000000"/>
+                </a:solidFill>
+                <a:effectLst/>
+                <a:latin typeface="Courier New" panose="02070309020205020404" pitchFamily="49" charset="0"/>
+              </a:rPr>
+              <a:t>.println</a:t>
+            </a:r>
+            <a:r>
+              <a:rPr lang="en-IN" sz="1400" dirty="0">
+                <a:solidFill>
+                  <a:srgbClr val="000000"/>
+                </a:solidFill>
+                <a:effectLst/>
+                <a:latin typeface="Courier New" panose="02070309020205020404" pitchFamily="49" charset="0"/>
+              </a:rPr>
+              <a:t>(</a:t>
+            </a:r>
+            <a:r>
+              <a:rPr lang="en-IN" sz="1400" dirty="0" err="1">
+                <a:solidFill>
+                  <a:srgbClr val="6A3E3E"/>
+                </a:solidFill>
+                <a:effectLst/>
+                <a:latin typeface="Courier New" panose="02070309020205020404" pitchFamily="49" charset="0"/>
+              </a:rPr>
+              <a:t>obj</a:t>
+            </a:r>
+            <a:r>
+              <a:rPr lang="en-IN" sz="1400" dirty="0" err="1">
+                <a:solidFill>
+                  <a:srgbClr val="000000"/>
+                </a:solidFill>
+                <a:effectLst/>
+                <a:latin typeface="Courier New" panose="02070309020205020404" pitchFamily="49" charset="0"/>
+              </a:rPr>
+              <a:t>.getstudentName</a:t>
+            </a:r>
+            <a:r>
+              <a:rPr lang="en-IN" sz="1400" dirty="0">
+                <a:solidFill>
+                  <a:srgbClr val="000000"/>
+                </a:solidFill>
+                <a:effectLst/>
+                <a:latin typeface="Courier New" panose="02070309020205020404" pitchFamily="49" charset="0"/>
+              </a:rPr>
+              <a:t>());</a:t>
+            </a:r>
+          </a:p>
+          <a:p>
+            <a:pPr marL="0" marR="0">
+              <a:spcBef>
+                <a:spcPts val="0"/>
+              </a:spcBef>
+              <a:spcAft>
+                <a:spcPts val="0"/>
+              </a:spcAft>
+            </a:pPr>
+            <a:r>
+              <a:rPr lang="en-IN" sz="1400" dirty="0">
+                <a:solidFill>
+                  <a:srgbClr val="000000"/>
+                </a:solidFill>
+                <a:effectLst/>
+                <a:latin typeface="Courier New" panose="02070309020205020404" pitchFamily="49" charset="0"/>
+              </a:rPr>
+              <a:t>}</a:t>
+            </a:r>
+          </a:p>
+          <a:p>
+            <a:pPr marL="0" marR="0">
+              <a:spcBef>
+                <a:spcPts val="0"/>
+              </a:spcBef>
+              <a:spcAft>
+                <a:spcPts val="0"/>
+              </a:spcAft>
+            </a:pPr>
+            <a:r>
+              <a:rPr lang="en-IN" sz="1400" dirty="0">
+                <a:solidFill>
+                  <a:srgbClr val="000000"/>
+                </a:solidFill>
+                <a:effectLst/>
+                <a:latin typeface="Courier New" panose="02070309020205020404" pitchFamily="49" charset="0"/>
+              </a:rPr>
+              <a:t>}</a:t>
+            </a:r>
+          </a:p>
+          <a:p>
+            <a:pPr marL="0" marR="0">
+              <a:spcBef>
+                <a:spcPts val="0"/>
+              </a:spcBef>
+              <a:spcAft>
+                <a:spcPts val="0"/>
+              </a:spcAft>
+            </a:pPr>
+            <a:br>
+              <a:rPr lang="en-IN" sz="1400" dirty="0">
+                <a:solidFill>
+                  <a:srgbClr val="000000"/>
+                </a:solidFill>
+                <a:effectLst/>
+                <a:latin typeface="Courier New" panose="02070309020205020404" pitchFamily="49" charset="0"/>
+              </a:rPr>
+            </a:br>
+            <a:endParaRPr lang="en-IN" sz="1400" dirty="0">
+              <a:solidFill>
+                <a:srgbClr val="000000"/>
+              </a:solidFill>
+              <a:effectLst/>
+              <a:latin typeface="Courier New" panose="02070309020205020404" pitchFamily="49" charset="0"/>
+            </a:endParaRPr>
+          </a:p>
+          <a:p>
+            <a:pPr marL="0" marR="0">
+              <a:spcBef>
+                <a:spcPts val="0"/>
+              </a:spcBef>
+              <a:spcAft>
+                <a:spcPts val="0"/>
+              </a:spcAft>
+            </a:pPr>
+            <a:br>
+              <a:rPr lang="en-IN" sz="1400" dirty="0">
+                <a:solidFill>
+                  <a:srgbClr val="000000"/>
+                </a:solidFill>
+                <a:effectLst/>
+                <a:latin typeface="Courier New" panose="02070309020205020404" pitchFamily="49" charset="0"/>
+              </a:rPr>
+            </a:br>
+            <a:endParaRPr lang="en-IN" sz="1400" dirty="0">
+              <a:solidFill>
+                <a:srgbClr val="000000"/>
+              </a:solidFill>
+              <a:effectLst/>
+              <a:latin typeface="Courier New" panose="02070309020205020404" pitchFamily="49" charset="0"/>
+            </a:endParaRPr>
+          </a:p>
+          <a:p>
+            <a:pPr marL="0" marR="0">
+              <a:spcBef>
+                <a:spcPts val="0"/>
+              </a:spcBef>
+              <a:spcAft>
+                <a:spcPts val="0"/>
+              </a:spcAft>
+            </a:pPr>
+            <a:r>
+              <a:rPr lang="en-IN" sz="1400" b="1" dirty="0">
+                <a:solidFill>
+                  <a:srgbClr val="7F0055"/>
+                </a:solidFill>
+                <a:effectLst/>
+                <a:latin typeface="Courier New" panose="02070309020205020404" pitchFamily="49" charset="0"/>
+              </a:rPr>
+              <a:t>class</a:t>
+            </a:r>
+            <a:r>
+              <a:rPr lang="en-IN" sz="1400" dirty="0">
+                <a:solidFill>
+                  <a:srgbClr val="000000"/>
+                </a:solidFill>
+                <a:effectLst/>
+                <a:latin typeface="Courier New" panose="02070309020205020404" pitchFamily="49" charset="0"/>
+              </a:rPr>
+              <a:t> </a:t>
+            </a:r>
+            <a:r>
+              <a:rPr lang="en-IN" sz="1400" dirty="0" err="1">
+                <a:solidFill>
+                  <a:srgbClr val="000000"/>
+                </a:solidFill>
+                <a:effectLst/>
+                <a:latin typeface="Courier New" panose="02070309020205020404" pitchFamily="49" charset="0"/>
+              </a:rPr>
+              <a:t>classa</a:t>
+            </a:r>
+            <a:r>
+              <a:rPr lang="en-IN" sz="1400" dirty="0">
+                <a:solidFill>
+                  <a:srgbClr val="000000"/>
+                </a:solidFill>
+                <a:effectLst/>
+                <a:latin typeface="Courier New" panose="02070309020205020404" pitchFamily="49" charset="0"/>
+              </a:rPr>
+              <a:t>{</a:t>
+            </a:r>
+          </a:p>
+          <a:p>
+            <a:pPr marL="0" marR="0">
+              <a:spcBef>
+                <a:spcPts val="0"/>
+              </a:spcBef>
+              <a:spcAft>
+                <a:spcPts val="0"/>
+              </a:spcAft>
+            </a:pPr>
+            <a:r>
+              <a:rPr lang="en-IN" sz="1400" b="1" dirty="0">
+                <a:solidFill>
+                  <a:srgbClr val="7F0055"/>
+                </a:solidFill>
+                <a:effectLst/>
+                <a:latin typeface="Courier New" panose="02070309020205020404" pitchFamily="49" charset="0"/>
+              </a:rPr>
+              <a:t>private</a:t>
+            </a:r>
+            <a:r>
+              <a:rPr lang="en-IN" sz="1400" dirty="0">
+                <a:solidFill>
+                  <a:srgbClr val="000000"/>
+                </a:solidFill>
+                <a:effectLst/>
+                <a:latin typeface="Courier New" panose="02070309020205020404" pitchFamily="49" charset="0"/>
+              </a:rPr>
+              <a:t> String </a:t>
+            </a:r>
+            <a:r>
+              <a:rPr lang="en-IN" sz="1400" dirty="0" err="1">
+                <a:solidFill>
+                  <a:srgbClr val="0000C0"/>
+                </a:solidFill>
+                <a:effectLst/>
+                <a:latin typeface="Courier New" panose="02070309020205020404" pitchFamily="49" charset="0"/>
+              </a:rPr>
+              <a:t>studentName</a:t>
+            </a:r>
+            <a:r>
+              <a:rPr lang="en-IN" sz="1400" dirty="0">
+                <a:solidFill>
+                  <a:srgbClr val="000000"/>
+                </a:solidFill>
+                <a:effectLst/>
+                <a:latin typeface="Courier New" panose="02070309020205020404" pitchFamily="49" charset="0"/>
+              </a:rPr>
+              <a:t>;</a:t>
+            </a:r>
+          </a:p>
+          <a:p>
+            <a:pPr marL="0" marR="0">
+              <a:spcBef>
+                <a:spcPts val="0"/>
+              </a:spcBef>
+              <a:spcAft>
+                <a:spcPts val="0"/>
+              </a:spcAft>
+            </a:pPr>
+            <a:r>
+              <a:rPr lang="en-IN" sz="1400" b="1" dirty="0">
+                <a:solidFill>
+                  <a:srgbClr val="7F0055"/>
+                </a:solidFill>
+                <a:effectLst/>
+                <a:latin typeface="Courier New" panose="02070309020205020404" pitchFamily="49" charset="0"/>
+              </a:rPr>
+              <a:t>public</a:t>
+            </a:r>
+            <a:r>
+              <a:rPr lang="en-IN" sz="1400" dirty="0">
+                <a:solidFill>
+                  <a:srgbClr val="000000"/>
+                </a:solidFill>
+                <a:effectLst/>
+                <a:latin typeface="Courier New" panose="02070309020205020404" pitchFamily="49" charset="0"/>
+              </a:rPr>
+              <a:t> </a:t>
+            </a:r>
+            <a:r>
+              <a:rPr lang="en-IN" sz="1400" b="1" dirty="0">
+                <a:solidFill>
+                  <a:srgbClr val="7F0055"/>
+                </a:solidFill>
+                <a:effectLst/>
+                <a:latin typeface="Courier New" panose="02070309020205020404" pitchFamily="49" charset="0"/>
+              </a:rPr>
+              <a:t>void</a:t>
+            </a:r>
+            <a:r>
+              <a:rPr lang="en-IN" sz="1400" dirty="0">
+                <a:solidFill>
+                  <a:srgbClr val="000000"/>
+                </a:solidFill>
+                <a:effectLst/>
+                <a:latin typeface="Courier New" panose="02070309020205020404" pitchFamily="49" charset="0"/>
+              </a:rPr>
+              <a:t> </a:t>
+            </a:r>
+            <a:r>
+              <a:rPr lang="en-IN" sz="1400" dirty="0" err="1">
+                <a:solidFill>
+                  <a:srgbClr val="000000"/>
+                </a:solidFill>
+                <a:effectLst/>
+                <a:latin typeface="Courier New" panose="02070309020205020404" pitchFamily="49" charset="0"/>
+              </a:rPr>
+              <a:t>setstudentName</a:t>
+            </a:r>
+            <a:r>
+              <a:rPr lang="en-IN" sz="1400" dirty="0">
+                <a:solidFill>
+                  <a:srgbClr val="000000"/>
+                </a:solidFill>
+                <a:effectLst/>
+                <a:latin typeface="Courier New" panose="02070309020205020404" pitchFamily="49" charset="0"/>
+              </a:rPr>
+              <a:t>(String </a:t>
+            </a:r>
+            <a:r>
+              <a:rPr lang="en-IN" sz="1400" dirty="0" err="1">
+                <a:solidFill>
+                  <a:srgbClr val="6A3E3E"/>
+                </a:solidFill>
+                <a:effectLst/>
+                <a:latin typeface="Courier New" panose="02070309020205020404" pitchFamily="49" charset="0"/>
+              </a:rPr>
+              <a:t>studentName</a:t>
+            </a:r>
+            <a:r>
+              <a:rPr lang="en-IN" sz="1400" dirty="0">
+                <a:solidFill>
+                  <a:srgbClr val="000000"/>
+                </a:solidFill>
+                <a:effectLst/>
+                <a:latin typeface="Courier New" panose="02070309020205020404" pitchFamily="49" charset="0"/>
+              </a:rPr>
+              <a:t>) {</a:t>
+            </a:r>
+          </a:p>
+          <a:p>
+            <a:pPr marL="0" marR="0">
+              <a:spcBef>
+                <a:spcPts val="0"/>
+              </a:spcBef>
+              <a:spcAft>
+                <a:spcPts val="0"/>
+              </a:spcAft>
+            </a:pPr>
+            <a:r>
+              <a:rPr lang="en-IN" sz="1400" b="1" dirty="0" err="1">
+                <a:solidFill>
+                  <a:srgbClr val="7F0055"/>
+                </a:solidFill>
+                <a:effectLst/>
+                <a:latin typeface="Courier New" panose="02070309020205020404" pitchFamily="49" charset="0"/>
+              </a:rPr>
+              <a:t>this</a:t>
+            </a:r>
+            <a:r>
+              <a:rPr lang="en-IN" sz="1400" dirty="0" err="1">
+                <a:solidFill>
+                  <a:srgbClr val="000000"/>
+                </a:solidFill>
+                <a:effectLst/>
+                <a:latin typeface="Courier New" panose="02070309020205020404" pitchFamily="49" charset="0"/>
+              </a:rPr>
+              <a:t>.</a:t>
+            </a:r>
+            <a:r>
+              <a:rPr lang="en-IN" sz="1400" dirty="0" err="1">
+                <a:solidFill>
+                  <a:srgbClr val="0000C0"/>
+                </a:solidFill>
+                <a:effectLst/>
+                <a:latin typeface="Courier New" panose="02070309020205020404" pitchFamily="49" charset="0"/>
+              </a:rPr>
+              <a:t>studentName</a:t>
+            </a:r>
+            <a:r>
+              <a:rPr lang="en-IN" sz="1400" dirty="0">
+                <a:solidFill>
+                  <a:srgbClr val="000000"/>
+                </a:solidFill>
+                <a:effectLst/>
+                <a:latin typeface="Courier New" panose="02070309020205020404" pitchFamily="49" charset="0"/>
+              </a:rPr>
+              <a:t> = </a:t>
+            </a:r>
+            <a:r>
+              <a:rPr lang="en-IN" sz="1400" dirty="0" err="1">
+                <a:solidFill>
+                  <a:srgbClr val="6A3E3E"/>
+                </a:solidFill>
+                <a:effectLst/>
+                <a:latin typeface="Courier New" panose="02070309020205020404" pitchFamily="49" charset="0"/>
+              </a:rPr>
+              <a:t>studentName</a:t>
+            </a:r>
+            <a:r>
+              <a:rPr lang="en-IN" sz="1400" dirty="0">
+                <a:solidFill>
+                  <a:srgbClr val="000000"/>
+                </a:solidFill>
+                <a:effectLst/>
+                <a:latin typeface="Courier New" panose="02070309020205020404" pitchFamily="49" charset="0"/>
+              </a:rPr>
+              <a:t>;</a:t>
+            </a:r>
+          </a:p>
+          <a:p>
+            <a:pPr marL="0" marR="0">
+              <a:spcBef>
+                <a:spcPts val="0"/>
+              </a:spcBef>
+              <a:spcAft>
+                <a:spcPts val="0"/>
+              </a:spcAft>
+            </a:pPr>
+            <a:r>
+              <a:rPr lang="en-IN" sz="1400" dirty="0">
+                <a:solidFill>
+                  <a:srgbClr val="000000"/>
+                </a:solidFill>
+                <a:effectLst/>
+                <a:latin typeface="Courier New" panose="02070309020205020404" pitchFamily="49" charset="0"/>
+              </a:rPr>
+              <a:t>}</a:t>
+            </a:r>
+          </a:p>
+          <a:p>
+            <a:pPr marL="0" marR="0">
+              <a:spcBef>
+                <a:spcPts val="0"/>
+              </a:spcBef>
+              <a:spcAft>
+                <a:spcPts val="0"/>
+              </a:spcAft>
+            </a:pPr>
+            <a:r>
+              <a:rPr lang="en-IN" sz="1400" b="1" dirty="0">
+                <a:solidFill>
+                  <a:srgbClr val="7F0055"/>
+                </a:solidFill>
+                <a:effectLst/>
+                <a:latin typeface="Courier New" panose="02070309020205020404" pitchFamily="49" charset="0"/>
+              </a:rPr>
+              <a:t>public</a:t>
+            </a:r>
+            <a:r>
+              <a:rPr lang="en-IN" sz="1400" dirty="0">
+                <a:solidFill>
+                  <a:srgbClr val="000000"/>
+                </a:solidFill>
+                <a:effectLst/>
+                <a:latin typeface="Courier New" panose="02070309020205020404" pitchFamily="49" charset="0"/>
+              </a:rPr>
+              <a:t> String </a:t>
+            </a:r>
+            <a:r>
+              <a:rPr lang="en-IN" sz="1400" dirty="0" err="1">
+                <a:solidFill>
+                  <a:srgbClr val="000000"/>
+                </a:solidFill>
+                <a:effectLst/>
+                <a:latin typeface="Courier New" panose="02070309020205020404" pitchFamily="49" charset="0"/>
+              </a:rPr>
+              <a:t>getstudentName</a:t>
+            </a:r>
+            <a:r>
+              <a:rPr lang="en-IN" sz="1400" dirty="0">
+                <a:solidFill>
+                  <a:srgbClr val="000000"/>
+                </a:solidFill>
+                <a:effectLst/>
+                <a:latin typeface="Courier New" panose="02070309020205020404" pitchFamily="49" charset="0"/>
+              </a:rPr>
+              <a:t>() {</a:t>
+            </a:r>
+          </a:p>
+          <a:p>
+            <a:pPr marL="0" marR="0">
+              <a:spcBef>
+                <a:spcPts val="0"/>
+              </a:spcBef>
+              <a:spcAft>
+                <a:spcPts val="0"/>
+              </a:spcAft>
+            </a:pPr>
+            <a:r>
+              <a:rPr lang="en-IN" sz="1400" b="1" dirty="0">
+                <a:solidFill>
+                  <a:srgbClr val="7F0055"/>
+                </a:solidFill>
+                <a:effectLst/>
+                <a:latin typeface="Courier New" panose="02070309020205020404" pitchFamily="49" charset="0"/>
+              </a:rPr>
+              <a:t>return</a:t>
+            </a:r>
+            <a:r>
+              <a:rPr lang="en-IN" sz="1400" dirty="0">
+                <a:solidFill>
+                  <a:srgbClr val="000000"/>
+                </a:solidFill>
+                <a:effectLst/>
+                <a:latin typeface="Courier New" panose="02070309020205020404" pitchFamily="49" charset="0"/>
+              </a:rPr>
+              <a:t> </a:t>
+            </a:r>
+            <a:r>
+              <a:rPr lang="en-IN" sz="1400" dirty="0" err="1">
+                <a:solidFill>
+                  <a:srgbClr val="0000C0"/>
+                </a:solidFill>
+                <a:effectLst/>
+                <a:latin typeface="Courier New" panose="02070309020205020404" pitchFamily="49" charset="0"/>
+              </a:rPr>
+              <a:t>studentName</a:t>
+            </a:r>
+            <a:r>
+              <a:rPr lang="en-IN" sz="1400" dirty="0">
+                <a:solidFill>
+                  <a:srgbClr val="000000"/>
+                </a:solidFill>
+                <a:effectLst/>
+                <a:latin typeface="Courier New" panose="02070309020205020404" pitchFamily="49" charset="0"/>
+              </a:rPr>
+              <a:t>;</a:t>
+            </a:r>
+          </a:p>
+          <a:p>
+            <a:pPr marL="0" marR="0">
+              <a:spcBef>
+                <a:spcPts val="0"/>
+              </a:spcBef>
+              <a:spcAft>
+                <a:spcPts val="0"/>
+              </a:spcAft>
+            </a:pPr>
+            <a:r>
+              <a:rPr lang="en-IN" sz="1400" dirty="0">
+                <a:solidFill>
+                  <a:srgbClr val="000000"/>
+                </a:solidFill>
+                <a:effectLst/>
+                <a:latin typeface="Courier New" panose="02070309020205020404" pitchFamily="49" charset="0"/>
+              </a:rPr>
+              <a:t>}</a:t>
+            </a:r>
+          </a:p>
+          <a:p>
+            <a:pPr marL="0" marR="0">
+              <a:spcBef>
+                <a:spcPts val="0"/>
+              </a:spcBef>
+              <a:spcAft>
+                <a:spcPts val="0"/>
+              </a:spcAft>
+            </a:pPr>
+            <a:br>
+              <a:rPr lang="en-IN" sz="1400" dirty="0">
+                <a:solidFill>
+                  <a:srgbClr val="000000"/>
+                </a:solidFill>
+                <a:effectLst/>
+                <a:latin typeface="Courier New" panose="02070309020205020404" pitchFamily="49" charset="0"/>
+              </a:rPr>
+            </a:br>
+            <a:endParaRPr lang="en-IN" sz="1400" dirty="0">
+              <a:solidFill>
+                <a:srgbClr val="000000"/>
+              </a:solidFill>
+              <a:effectLst/>
+              <a:latin typeface="Courier New" panose="02070309020205020404" pitchFamily="49" charset="0"/>
+            </a:endParaRPr>
+          </a:p>
+          <a:p>
+            <a:pPr marL="0" marR="0">
+              <a:spcBef>
+                <a:spcPts val="0"/>
+              </a:spcBef>
+              <a:spcAft>
+                <a:spcPts val="0"/>
+              </a:spcAft>
+            </a:pPr>
+            <a:r>
+              <a:rPr lang="en-IN" sz="1400" dirty="0">
+                <a:solidFill>
+                  <a:srgbClr val="000000"/>
+                </a:solidFill>
+                <a:effectLst/>
+                <a:latin typeface="Courier New" panose="02070309020205020404" pitchFamily="49" charset="0"/>
+              </a:rPr>
+              <a:t>}</a:t>
+            </a:r>
+          </a:p>
+        </p:txBody>
+      </p:sp>
+    </p:spTree>
+    <p:extLst>
+      <p:ext uri="{BB962C8B-B14F-4D97-AF65-F5344CB8AC3E}">
+        <p14:creationId xmlns:p14="http://schemas.microsoft.com/office/powerpoint/2010/main" val="959276890"/>
+      </p:ext>
+    </p:extLst>
+  </p:cSld>
+  <p:clrMapOvr>
+    <a:masterClrMapping/>
+  </p:clrMapOvr>
+</p:sld>
+</file>
+
+<file path=ppt/slides/slide34.xml><?xml version="1.0" encoding="utf-8"?>
+<p:sld xmlns:a="http://schemas.openxmlformats.org/drawingml/2006/main" xmlns:r="http://schemas.openxmlformats.org/officeDocument/2006/relationships" xmlns:p="http://schemas.openxmlformats.org/presentationml/2006/main">
+  <p:cSld>
+    <p:spTree>
+      <p:nvGrpSpPr>
+        <p:cNvPr id="1" name=""/>
+        <p:cNvGrpSpPr/>
+        <p:nvPr/>
+      </p:nvGrpSpPr>
+      <p:grpSpPr>
+        <a:xfrm>
+          <a:off x="0" y="0"/>
+          <a:ext cx="0" cy="0"/>
+          <a:chOff x="0" y="0"/>
+          <a:chExt cx="0" cy="0"/>
+        </a:xfrm>
+      </p:grpSpPr>
+      <p:sp>
+        <p:nvSpPr>
+          <p:cNvPr id="3" name="TextBox 2">
+            <a:extLst>
+              <a:ext uri="{FF2B5EF4-FFF2-40B4-BE49-F238E27FC236}">
+                <a16:creationId xmlns:a16="http://schemas.microsoft.com/office/drawing/2014/main" id="{DFC90F36-4EAA-66C8-6E93-FC0C84E81AD2}"/>
+              </a:ext>
+            </a:extLst>
+          </p:cNvPr>
+          <p:cNvSpPr txBox="1"/>
+          <p:nvPr/>
+        </p:nvSpPr>
+        <p:spPr>
+          <a:xfrm>
+            <a:off x="259976" y="520877"/>
+            <a:ext cx="3998259" cy="2031325"/>
+          </a:xfrm>
+          <a:prstGeom prst="rect">
+            <a:avLst/>
+          </a:prstGeom>
+          <a:noFill/>
+        </p:spPr>
+        <p:txBody>
+          <a:bodyPr wrap="square">
+            <a:spAutoFit/>
+          </a:bodyPr>
+          <a:lstStyle/>
+          <a:p>
+            <a:r>
+              <a:rPr lang="en-US" b="1" dirty="0"/>
+              <a:t>Polymorphism:</a:t>
+            </a:r>
+            <a:endParaRPr lang="en-US" dirty="0"/>
+          </a:p>
+          <a:p>
+            <a:pPr>
+              <a:buFont typeface="Arial" panose="020B0604020202020204" pitchFamily="34" charset="0"/>
+              <a:buChar char="•"/>
+            </a:pPr>
+            <a:r>
+              <a:rPr lang="en-US" b="1" dirty="0"/>
+              <a:t>Definition:</a:t>
+            </a:r>
+            <a:r>
+              <a:rPr lang="en-US" dirty="0"/>
+              <a:t> Polymorphism allows objects of different types to be treated as objects of a common type. There are two types of polymorphism in Java: compile-time (method overloading) and runtime (method overriding).</a:t>
+            </a:r>
+          </a:p>
+        </p:txBody>
+      </p:sp>
+      <p:sp>
+        <p:nvSpPr>
+          <p:cNvPr id="4" name="TextBox 3">
+            <a:extLst>
+              <a:ext uri="{FF2B5EF4-FFF2-40B4-BE49-F238E27FC236}">
+                <a16:creationId xmlns:a16="http://schemas.microsoft.com/office/drawing/2014/main" id="{D83FF54B-142D-7E79-E32B-41A2FE656EFB}"/>
+              </a:ext>
+            </a:extLst>
+          </p:cNvPr>
+          <p:cNvSpPr txBox="1"/>
+          <p:nvPr/>
+        </p:nvSpPr>
+        <p:spPr>
+          <a:xfrm>
+            <a:off x="5002306" y="416127"/>
+            <a:ext cx="6096000" cy="5632311"/>
+          </a:xfrm>
+          <a:prstGeom prst="rect">
+            <a:avLst/>
+          </a:prstGeom>
+          <a:noFill/>
+        </p:spPr>
+        <p:txBody>
+          <a:bodyPr wrap="square">
+            <a:spAutoFit/>
+          </a:bodyPr>
+          <a:lstStyle/>
+          <a:p>
+            <a:pPr marL="0" marR="0">
+              <a:spcBef>
+                <a:spcPts val="0"/>
+              </a:spcBef>
+              <a:spcAft>
+                <a:spcPts val="0"/>
+              </a:spcAft>
+            </a:pPr>
+            <a:r>
+              <a:rPr lang="en-IN" sz="1200" b="1" dirty="0">
+                <a:solidFill>
+                  <a:srgbClr val="7F0055"/>
+                </a:solidFill>
+                <a:effectLst/>
+                <a:latin typeface="Courier New" panose="02070309020205020404" pitchFamily="49" charset="0"/>
+              </a:rPr>
+              <a:t>public</a:t>
+            </a:r>
+            <a:r>
+              <a:rPr lang="en-IN" sz="1200" dirty="0">
+                <a:solidFill>
+                  <a:srgbClr val="000000"/>
+                </a:solidFill>
+                <a:effectLst/>
+                <a:latin typeface="Courier New" panose="02070309020205020404" pitchFamily="49" charset="0"/>
+              </a:rPr>
+              <a:t> </a:t>
+            </a:r>
+            <a:r>
+              <a:rPr lang="en-IN" sz="1200" b="1" dirty="0">
+                <a:solidFill>
+                  <a:srgbClr val="7F0055"/>
+                </a:solidFill>
+                <a:effectLst/>
+                <a:latin typeface="Courier New" panose="02070309020205020404" pitchFamily="49" charset="0"/>
+              </a:rPr>
+              <a:t>class</a:t>
+            </a:r>
+            <a:r>
+              <a:rPr lang="en-IN" sz="1200" dirty="0">
+                <a:solidFill>
+                  <a:srgbClr val="000000"/>
+                </a:solidFill>
+                <a:effectLst/>
+                <a:latin typeface="Courier New" panose="02070309020205020404" pitchFamily="49" charset="0"/>
+              </a:rPr>
+              <a:t> polymorph {</a:t>
+            </a:r>
+          </a:p>
+          <a:p>
+            <a:pPr marL="0" marR="0">
+              <a:spcBef>
+                <a:spcPts val="0"/>
+              </a:spcBef>
+              <a:spcAft>
+                <a:spcPts val="0"/>
+              </a:spcAft>
+            </a:pPr>
+            <a:r>
+              <a:rPr lang="en-IN" sz="1200" b="1" dirty="0">
+                <a:solidFill>
+                  <a:srgbClr val="7F0055"/>
+                </a:solidFill>
+                <a:effectLst/>
+                <a:latin typeface="Courier New" panose="02070309020205020404" pitchFamily="49" charset="0"/>
+              </a:rPr>
+              <a:t>public</a:t>
+            </a:r>
+            <a:r>
+              <a:rPr lang="en-IN" sz="1200" dirty="0">
+                <a:solidFill>
+                  <a:srgbClr val="000000"/>
+                </a:solidFill>
+                <a:effectLst/>
+                <a:latin typeface="Courier New" panose="02070309020205020404" pitchFamily="49" charset="0"/>
+              </a:rPr>
+              <a:t> </a:t>
+            </a:r>
+            <a:r>
+              <a:rPr lang="en-IN" sz="1200" b="1" dirty="0">
+                <a:solidFill>
+                  <a:srgbClr val="7F0055"/>
+                </a:solidFill>
+                <a:effectLst/>
+                <a:latin typeface="Courier New" panose="02070309020205020404" pitchFamily="49" charset="0"/>
+              </a:rPr>
+              <a:t>static</a:t>
+            </a:r>
+            <a:r>
+              <a:rPr lang="en-IN" sz="1200" dirty="0">
+                <a:solidFill>
+                  <a:srgbClr val="000000"/>
+                </a:solidFill>
+                <a:effectLst/>
+                <a:latin typeface="Courier New" panose="02070309020205020404" pitchFamily="49" charset="0"/>
+              </a:rPr>
+              <a:t> </a:t>
+            </a:r>
+            <a:r>
+              <a:rPr lang="en-IN" sz="1200" b="1" dirty="0">
+                <a:solidFill>
+                  <a:srgbClr val="7F0055"/>
+                </a:solidFill>
+                <a:effectLst/>
+                <a:latin typeface="Courier New" panose="02070309020205020404" pitchFamily="49" charset="0"/>
+              </a:rPr>
+              <a:t>void</a:t>
+            </a:r>
+            <a:r>
+              <a:rPr lang="en-IN" sz="1200" dirty="0">
+                <a:solidFill>
+                  <a:srgbClr val="000000"/>
+                </a:solidFill>
+                <a:effectLst/>
+                <a:latin typeface="Courier New" panose="02070309020205020404" pitchFamily="49" charset="0"/>
+              </a:rPr>
+              <a:t> main(String[] </a:t>
+            </a:r>
+            <a:r>
+              <a:rPr lang="en-IN" sz="1200" dirty="0" err="1">
+                <a:solidFill>
+                  <a:srgbClr val="6A3E3E"/>
+                </a:solidFill>
+                <a:effectLst/>
+                <a:latin typeface="Courier New" panose="02070309020205020404" pitchFamily="49" charset="0"/>
+              </a:rPr>
+              <a:t>args</a:t>
+            </a:r>
+            <a:r>
+              <a:rPr lang="en-IN" sz="1200" dirty="0">
+                <a:solidFill>
+                  <a:srgbClr val="000000"/>
+                </a:solidFill>
+                <a:effectLst/>
+                <a:latin typeface="Courier New" panose="02070309020205020404" pitchFamily="49" charset="0"/>
+              </a:rPr>
+              <a:t>) {</a:t>
+            </a:r>
+          </a:p>
+          <a:p>
+            <a:pPr marL="0" marR="0">
+              <a:spcBef>
+                <a:spcPts val="0"/>
+              </a:spcBef>
+              <a:spcAft>
+                <a:spcPts val="0"/>
+              </a:spcAft>
+            </a:pPr>
+            <a:r>
+              <a:rPr lang="en-IN" sz="1200" dirty="0">
+                <a:solidFill>
+                  <a:srgbClr val="000000"/>
+                </a:solidFill>
+                <a:effectLst/>
+                <a:latin typeface="Courier New" panose="02070309020205020404" pitchFamily="49" charset="0"/>
+              </a:rPr>
+              <a:t>String </a:t>
+            </a:r>
+            <a:r>
+              <a:rPr lang="en-IN" sz="1200" u="sng" dirty="0">
+                <a:solidFill>
+                  <a:srgbClr val="6A3E3E"/>
+                </a:solidFill>
+                <a:effectLst/>
+                <a:latin typeface="Courier New" panose="02070309020205020404" pitchFamily="49" charset="0"/>
+              </a:rPr>
+              <a:t>data</a:t>
+            </a:r>
+            <a:r>
+              <a:rPr lang="en-IN" sz="1200" dirty="0">
+                <a:solidFill>
+                  <a:srgbClr val="000000"/>
+                </a:solidFill>
+                <a:effectLst/>
+                <a:latin typeface="Courier New" panose="02070309020205020404" pitchFamily="49" charset="0"/>
+              </a:rPr>
+              <a:t> = </a:t>
+            </a:r>
+            <a:r>
+              <a:rPr lang="en-IN" sz="1200" dirty="0">
+                <a:solidFill>
+                  <a:srgbClr val="2A00FF"/>
+                </a:solidFill>
+                <a:effectLst/>
+                <a:latin typeface="Courier New" panose="02070309020205020404" pitchFamily="49" charset="0"/>
+              </a:rPr>
+              <a:t>"123"</a:t>
+            </a:r>
+            <a:r>
+              <a:rPr lang="en-IN" sz="1200" dirty="0">
+                <a:solidFill>
+                  <a:srgbClr val="000000"/>
+                </a:solidFill>
+                <a:effectLst/>
+                <a:latin typeface="Courier New" panose="02070309020205020404" pitchFamily="49" charset="0"/>
+              </a:rPr>
+              <a:t>;</a:t>
+            </a:r>
+          </a:p>
+          <a:p>
+            <a:pPr marL="0" marR="0">
+              <a:spcBef>
+                <a:spcPts val="0"/>
+              </a:spcBef>
+              <a:spcAft>
+                <a:spcPts val="0"/>
+              </a:spcAft>
+            </a:pPr>
+            <a:r>
+              <a:rPr lang="en-IN" sz="1200" b="1" dirty="0">
+                <a:solidFill>
+                  <a:srgbClr val="7F0055"/>
+                </a:solidFill>
+                <a:effectLst/>
+                <a:latin typeface="Courier New" panose="02070309020205020404" pitchFamily="49" charset="0"/>
+              </a:rPr>
+              <a:t>int</a:t>
+            </a:r>
+            <a:r>
+              <a:rPr lang="en-IN" sz="1200" dirty="0">
+                <a:solidFill>
+                  <a:srgbClr val="000000"/>
+                </a:solidFill>
+                <a:effectLst/>
+                <a:latin typeface="Courier New" panose="02070309020205020404" pitchFamily="49" charset="0"/>
+              </a:rPr>
+              <a:t> </a:t>
+            </a:r>
+            <a:r>
+              <a:rPr lang="en-IN" sz="1200" dirty="0" err="1">
+                <a:solidFill>
+                  <a:srgbClr val="6A3E3E"/>
+                </a:solidFill>
+                <a:effectLst/>
+                <a:latin typeface="Courier New" panose="02070309020205020404" pitchFamily="49" charset="0"/>
+              </a:rPr>
+              <a:t>i</a:t>
+            </a:r>
+            <a:r>
+              <a:rPr lang="en-IN" sz="1200" dirty="0">
+                <a:solidFill>
+                  <a:srgbClr val="000000"/>
+                </a:solidFill>
+                <a:effectLst/>
+                <a:latin typeface="Courier New" panose="02070309020205020404" pitchFamily="49" charset="0"/>
+              </a:rPr>
+              <a:t> = 10;</a:t>
+            </a:r>
+          </a:p>
+          <a:p>
+            <a:pPr marL="0" marR="0">
+              <a:spcBef>
+                <a:spcPts val="0"/>
+              </a:spcBef>
+              <a:spcAft>
+                <a:spcPts val="0"/>
+              </a:spcAft>
+            </a:pPr>
+            <a:r>
+              <a:rPr lang="en-IN" sz="1200" dirty="0" err="1">
+                <a:solidFill>
+                  <a:srgbClr val="000000"/>
+                </a:solidFill>
+                <a:effectLst/>
+                <a:latin typeface="Courier New" panose="02070309020205020404" pitchFamily="49" charset="0"/>
+              </a:rPr>
+              <a:t>System.</a:t>
+            </a:r>
+            <a:r>
+              <a:rPr lang="en-IN" sz="1200" b="1" i="1" dirty="0" err="1">
+                <a:solidFill>
+                  <a:srgbClr val="0000C0"/>
+                </a:solidFill>
+                <a:effectLst/>
+                <a:latin typeface="Courier New" panose="02070309020205020404" pitchFamily="49" charset="0"/>
+              </a:rPr>
+              <a:t>out</a:t>
+            </a:r>
+            <a:r>
+              <a:rPr lang="en-IN" sz="1200" dirty="0" err="1">
+                <a:solidFill>
+                  <a:srgbClr val="000000"/>
+                </a:solidFill>
+                <a:effectLst/>
+                <a:latin typeface="Courier New" panose="02070309020205020404" pitchFamily="49" charset="0"/>
+              </a:rPr>
+              <a:t>.println</a:t>
+            </a:r>
+            <a:r>
+              <a:rPr lang="en-IN" sz="1200" dirty="0">
+                <a:solidFill>
+                  <a:srgbClr val="000000"/>
+                </a:solidFill>
+                <a:effectLst/>
+                <a:latin typeface="Courier New" panose="02070309020205020404" pitchFamily="49" charset="0"/>
+              </a:rPr>
+              <a:t>(</a:t>
+            </a:r>
+            <a:r>
+              <a:rPr lang="en-IN" sz="1200" dirty="0">
+                <a:solidFill>
+                  <a:srgbClr val="6A3E3E"/>
+                </a:solidFill>
+                <a:effectLst/>
+                <a:latin typeface="Courier New" panose="02070309020205020404" pitchFamily="49" charset="0"/>
+              </a:rPr>
+              <a:t>i</a:t>
+            </a:r>
+            <a:r>
+              <a:rPr lang="en-IN" sz="1200" dirty="0">
+                <a:solidFill>
+                  <a:srgbClr val="000000"/>
+                </a:solidFill>
+                <a:effectLst/>
+                <a:latin typeface="Courier New" panose="02070309020205020404" pitchFamily="49" charset="0"/>
+              </a:rPr>
+              <a:t>+123);</a:t>
+            </a:r>
+          </a:p>
+          <a:p>
+            <a:pPr marL="0" marR="0">
+              <a:spcBef>
+                <a:spcPts val="0"/>
+              </a:spcBef>
+              <a:spcAft>
+                <a:spcPts val="0"/>
+              </a:spcAft>
+            </a:pPr>
+            <a:r>
+              <a:rPr lang="en-IN" sz="1200" dirty="0">
+                <a:solidFill>
+                  <a:srgbClr val="000000"/>
+                </a:solidFill>
+                <a:effectLst/>
+                <a:latin typeface="Courier New" panose="02070309020205020404" pitchFamily="49" charset="0"/>
+              </a:rPr>
+              <a:t>polymorph </a:t>
+            </a:r>
+            <a:r>
+              <a:rPr lang="en-IN" sz="1200" dirty="0">
+                <a:solidFill>
+                  <a:srgbClr val="6A3E3E"/>
+                </a:solidFill>
+                <a:effectLst/>
+                <a:latin typeface="Courier New" panose="02070309020205020404" pitchFamily="49" charset="0"/>
+              </a:rPr>
+              <a:t>poly</a:t>
+            </a:r>
+            <a:r>
+              <a:rPr lang="en-IN" sz="1200" dirty="0">
+                <a:solidFill>
+                  <a:srgbClr val="000000"/>
+                </a:solidFill>
+                <a:effectLst/>
+                <a:latin typeface="Courier New" panose="02070309020205020404" pitchFamily="49" charset="0"/>
+              </a:rPr>
+              <a:t> = </a:t>
+            </a:r>
+            <a:r>
+              <a:rPr lang="en-IN" sz="1200" b="1" dirty="0">
+                <a:solidFill>
+                  <a:srgbClr val="7F0055"/>
+                </a:solidFill>
+                <a:effectLst/>
+                <a:latin typeface="Courier New" panose="02070309020205020404" pitchFamily="49" charset="0"/>
+              </a:rPr>
+              <a:t>new</a:t>
+            </a:r>
+            <a:r>
+              <a:rPr lang="en-IN" sz="1200" dirty="0">
+                <a:solidFill>
+                  <a:srgbClr val="000000"/>
+                </a:solidFill>
+                <a:effectLst/>
+                <a:latin typeface="Courier New" panose="02070309020205020404" pitchFamily="49" charset="0"/>
+              </a:rPr>
+              <a:t> polymorph();</a:t>
+            </a:r>
+          </a:p>
+          <a:p>
+            <a:pPr marL="0" marR="0">
+              <a:spcBef>
+                <a:spcPts val="0"/>
+              </a:spcBef>
+              <a:spcAft>
+                <a:spcPts val="0"/>
+              </a:spcAft>
+            </a:pPr>
+            <a:r>
+              <a:rPr lang="en-IN" sz="1200" dirty="0" err="1">
+                <a:solidFill>
+                  <a:srgbClr val="6A3E3E"/>
+                </a:solidFill>
+                <a:effectLst/>
+                <a:latin typeface="Courier New" panose="02070309020205020404" pitchFamily="49" charset="0"/>
+              </a:rPr>
+              <a:t>poly</a:t>
+            </a:r>
+            <a:r>
+              <a:rPr lang="en-IN" sz="1200" dirty="0" err="1">
+                <a:solidFill>
+                  <a:srgbClr val="000000"/>
+                </a:solidFill>
+                <a:effectLst/>
+                <a:latin typeface="Courier New" panose="02070309020205020404" pitchFamily="49" charset="0"/>
+              </a:rPr>
+              <a:t>.getData</a:t>
+            </a:r>
+            <a:r>
+              <a:rPr lang="en-IN" sz="1200" dirty="0">
+                <a:solidFill>
+                  <a:srgbClr val="000000"/>
+                </a:solidFill>
+                <a:effectLst/>
+                <a:latin typeface="Courier New" panose="02070309020205020404" pitchFamily="49" charset="0"/>
+              </a:rPr>
+              <a:t>();</a:t>
+            </a:r>
+          </a:p>
+          <a:p>
+            <a:pPr marL="0" marR="0">
+              <a:spcBef>
+                <a:spcPts val="0"/>
+              </a:spcBef>
+              <a:spcAft>
+                <a:spcPts val="0"/>
+              </a:spcAft>
+            </a:pPr>
+            <a:r>
+              <a:rPr lang="en-IN" sz="1200" dirty="0">
+                <a:solidFill>
+                  <a:srgbClr val="000000"/>
+                </a:solidFill>
+                <a:effectLst/>
+                <a:latin typeface="Courier New" panose="02070309020205020404" pitchFamily="49" charset="0"/>
+              </a:rPr>
+              <a:t>polymorph </a:t>
+            </a:r>
+            <a:r>
+              <a:rPr lang="en-IN" sz="1200" dirty="0">
+                <a:solidFill>
+                  <a:srgbClr val="6A3E3E"/>
+                </a:solidFill>
+                <a:effectLst/>
+                <a:latin typeface="Courier New" panose="02070309020205020404" pitchFamily="49" charset="0"/>
+              </a:rPr>
+              <a:t>info</a:t>
+            </a:r>
+            <a:r>
+              <a:rPr lang="en-IN" sz="1200" dirty="0">
+                <a:solidFill>
+                  <a:srgbClr val="000000"/>
+                </a:solidFill>
+                <a:effectLst/>
+                <a:latin typeface="Courier New" panose="02070309020205020404" pitchFamily="49" charset="0"/>
+              </a:rPr>
+              <a:t> = </a:t>
+            </a:r>
+            <a:r>
+              <a:rPr lang="en-IN" sz="1200" b="1" dirty="0">
+                <a:solidFill>
+                  <a:srgbClr val="7F0055"/>
+                </a:solidFill>
+                <a:effectLst/>
+                <a:latin typeface="Courier New" panose="02070309020205020404" pitchFamily="49" charset="0"/>
+              </a:rPr>
+              <a:t>new</a:t>
+            </a:r>
+            <a:r>
+              <a:rPr lang="en-IN" sz="1200" dirty="0">
+                <a:solidFill>
+                  <a:srgbClr val="000000"/>
+                </a:solidFill>
+                <a:effectLst/>
+                <a:latin typeface="Courier New" panose="02070309020205020404" pitchFamily="49" charset="0"/>
+              </a:rPr>
+              <a:t> </a:t>
+            </a:r>
+            <a:r>
+              <a:rPr lang="en-IN" sz="1200" dirty="0" err="1">
+                <a:solidFill>
+                  <a:srgbClr val="000000"/>
+                </a:solidFill>
+                <a:effectLst/>
+                <a:latin typeface="Courier New" panose="02070309020205020404" pitchFamily="49" charset="0"/>
+              </a:rPr>
+              <a:t>infosys</a:t>
+            </a:r>
+            <a:r>
+              <a:rPr lang="en-IN" sz="1200" dirty="0">
+                <a:solidFill>
+                  <a:srgbClr val="000000"/>
+                </a:solidFill>
+                <a:effectLst/>
+                <a:latin typeface="Courier New" panose="02070309020205020404" pitchFamily="49" charset="0"/>
+              </a:rPr>
+              <a:t>();</a:t>
+            </a:r>
+          </a:p>
+          <a:p>
+            <a:pPr marL="0" marR="0">
+              <a:spcBef>
+                <a:spcPts val="0"/>
+              </a:spcBef>
+              <a:spcAft>
+                <a:spcPts val="0"/>
+              </a:spcAft>
+            </a:pPr>
+            <a:r>
+              <a:rPr lang="en-IN" sz="1200" dirty="0" err="1">
+                <a:solidFill>
+                  <a:srgbClr val="6A3E3E"/>
+                </a:solidFill>
+                <a:effectLst/>
+                <a:latin typeface="Courier New" panose="02070309020205020404" pitchFamily="49" charset="0"/>
+              </a:rPr>
+              <a:t>info</a:t>
+            </a:r>
+            <a:r>
+              <a:rPr lang="en-IN" sz="1200" dirty="0" err="1">
+                <a:solidFill>
+                  <a:srgbClr val="000000"/>
+                </a:solidFill>
+                <a:effectLst/>
+                <a:latin typeface="Courier New" panose="02070309020205020404" pitchFamily="49" charset="0"/>
+              </a:rPr>
+              <a:t>.getData</a:t>
+            </a:r>
+            <a:r>
+              <a:rPr lang="en-IN" sz="1200" dirty="0">
+                <a:solidFill>
+                  <a:srgbClr val="000000"/>
+                </a:solidFill>
+                <a:effectLst/>
+                <a:latin typeface="Courier New" panose="02070309020205020404" pitchFamily="49" charset="0"/>
+              </a:rPr>
+              <a:t>();</a:t>
+            </a:r>
+          </a:p>
+          <a:p>
+            <a:pPr marL="0" marR="0">
+              <a:spcBef>
+                <a:spcPts val="0"/>
+              </a:spcBef>
+              <a:spcAft>
+                <a:spcPts val="0"/>
+              </a:spcAft>
+            </a:pPr>
+            <a:r>
+              <a:rPr lang="en-IN" sz="1200" dirty="0">
+                <a:solidFill>
+                  <a:srgbClr val="000000"/>
+                </a:solidFill>
+                <a:effectLst/>
+                <a:latin typeface="Courier New" panose="02070309020205020404" pitchFamily="49" charset="0"/>
+              </a:rPr>
+              <a:t>}</a:t>
+            </a:r>
+          </a:p>
+          <a:p>
+            <a:pPr marL="0" marR="0">
+              <a:spcBef>
+                <a:spcPts val="0"/>
+              </a:spcBef>
+              <a:spcAft>
+                <a:spcPts val="0"/>
+              </a:spcAft>
+            </a:pPr>
+            <a:r>
+              <a:rPr lang="en-IN" sz="1200" dirty="0">
+                <a:solidFill>
+                  <a:srgbClr val="3F7F5F"/>
+                </a:solidFill>
+                <a:effectLst/>
+                <a:latin typeface="Courier New" panose="02070309020205020404" pitchFamily="49" charset="0"/>
+              </a:rPr>
+              <a:t>//method overloading</a:t>
+            </a:r>
+            <a:endParaRPr lang="en-IN" sz="1200" dirty="0">
+              <a:solidFill>
+                <a:srgbClr val="000000"/>
+              </a:solidFill>
+              <a:effectLst/>
+              <a:latin typeface="Courier New" panose="02070309020205020404" pitchFamily="49" charset="0"/>
+            </a:endParaRPr>
+          </a:p>
+          <a:p>
+            <a:pPr marL="0" marR="0">
+              <a:spcBef>
+                <a:spcPts val="0"/>
+              </a:spcBef>
+              <a:spcAft>
+                <a:spcPts val="0"/>
+              </a:spcAft>
+            </a:pPr>
+            <a:r>
+              <a:rPr lang="en-IN" sz="1200" b="1" dirty="0">
+                <a:solidFill>
+                  <a:srgbClr val="7F0055"/>
+                </a:solidFill>
+                <a:effectLst/>
+                <a:latin typeface="Courier New" panose="02070309020205020404" pitchFamily="49" charset="0"/>
+              </a:rPr>
+              <a:t>public</a:t>
+            </a:r>
+            <a:r>
+              <a:rPr lang="en-IN" sz="1200" dirty="0">
+                <a:solidFill>
+                  <a:srgbClr val="000000"/>
+                </a:solidFill>
+                <a:effectLst/>
+                <a:latin typeface="Courier New" panose="02070309020205020404" pitchFamily="49" charset="0"/>
+              </a:rPr>
+              <a:t> </a:t>
+            </a:r>
+            <a:r>
+              <a:rPr lang="en-IN" sz="1200" b="1" dirty="0">
+                <a:solidFill>
+                  <a:srgbClr val="7F0055"/>
+                </a:solidFill>
+                <a:effectLst/>
+                <a:latin typeface="Courier New" panose="02070309020205020404" pitchFamily="49" charset="0"/>
+              </a:rPr>
+              <a:t>void</a:t>
+            </a:r>
+            <a:r>
+              <a:rPr lang="en-IN" sz="1200" dirty="0">
+                <a:solidFill>
+                  <a:srgbClr val="000000"/>
+                </a:solidFill>
+                <a:effectLst/>
+                <a:latin typeface="Courier New" panose="02070309020205020404" pitchFamily="49" charset="0"/>
+              </a:rPr>
+              <a:t> </a:t>
+            </a:r>
+            <a:r>
+              <a:rPr lang="en-IN" sz="1200" dirty="0" err="1">
+                <a:solidFill>
+                  <a:srgbClr val="000000"/>
+                </a:solidFill>
+                <a:effectLst/>
+                <a:latin typeface="Courier New" panose="02070309020205020404" pitchFamily="49" charset="0"/>
+              </a:rPr>
+              <a:t>getData</a:t>
+            </a:r>
+            <a:r>
+              <a:rPr lang="en-IN" sz="1200" dirty="0">
+                <a:solidFill>
+                  <a:srgbClr val="000000"/>
+                </a:solidFill>
+                <a:effectLst/>
+                <a:latin typeface="Courier New" panose="02070309020205020404" pitchFamily="49" charset="0"/>
+              </a:rPr>
+              <a:t>() {</a:t>
+            </a:r>
+          </a:p>
+          <a:p>
+            <a:pPr marL="0" marR="0">
+              <a:spcBef>
+                <a:spcPts val="0"/>
+              </a:spcBef>
+              <a:spcAft>
+                <a:spcPts val="0"/>
+              </a:spcAft>
+            </a:pPr>
+            <a:r>
+              <a:rPr lang="en-IN" sz="1200" dirty="0" err="1">
+                <a:solidFill>
+                  <a:srgbClr val="000000"/>
+                </a:solidFill>
+                <a:effectLst/>
+                <a:latin typeface="Courier New" panose="02070309020205020404" pitchFamily="49" charset="0"/>
+              </a:rPr>
+              <a:t>System.</a:t>
+            </a:r>
+            <a:r>
+              <a:rPr lang="en-IN" sz="1200" b="1" i="1" dirty="0" err="1">
+                <a:solidFill>
+                  <a:srgbClr val="0000C0"/>
+                </a:solidFill>
+                <a:effectLst/>
+                <a:latin typeface="Courier New" panose="02070309020205020404" pitchFamily="49" charset="0"/>
+              </a:rPr>
+              <a:t>out</a:t>
+            </a:r>
+            <a:r>
+              <a:rPr lang="en-IN" sz="1200" dirty="0" err="1">
+                <a:solidFill>
+                  <a:srgbClr val="000000"/>
+                </a:solidFill>
+                <a:effectLst/>
+                <a:latin typeface="Courier New" panose="02070309020205020404" pitchFamily="49" charset="0"/>
+              </a:rPr>
+              <a:t>.println</a:t>
+            </a:r>
+            <a:r>
+              <a:rPr lang="en-IN" sz="1200" dirty="0">
+                <a:solidFill>
+                  <a:srgbClr val="000000"/>
+                </a:solidFill>
+                <a:effectLst/>
+                <a:latin typeface="Courier New" panose="02070309020205020404" pitchFamily="49" charset="0"/>
+              </a:rPr>
+              <a:t>(</a:t>
+            </a:r>
+            <a:r>
+              <a:rPr lang="en-IN" sz="1200" dirty="0">
+                <a:solidFill>
+                  <a:srgbClr val="2A00FF"/>
+                </a:solidFill>
+                <a:effectLst/>
+                <a:latin typeface="Courier New" panose="02070309020205020404" pitchFamily="49" charset="0"/>
+              </a:rPr>
+              <a:t>"This is my data"</a:t>
+            </a:r>
+            <a:r>
+              <a:rPr lang="en-IN" sz="1200" dirty="0">
+                <a:solidFill>
+                  <a:srgbClr val="000000"/>
+                </a:solidFill>
+                <a:effectLst/>
+                <a:latin typeface="Courier New" panose="02070309020205020404" pitchFamily="49" charset="0"/>
+              </a:rPr>
+              <a:t>);</a:t>
+            </a:r>
+          </a:p>
+          <a:p>
+            <a:pPr marL="0" marR="0">
+              <a:spcBef>
+                <a:spcPts val="0"/>
+              </a:spcBef>
+              <a:spcAft>
+                <a:spcPts val="0"/>
+              </a:spcAft>
+            </a:pPr>
+            <a:r>
+              <a:rPr lang="en-IN" sz="1200" dirty="0">
+                <a:solidFill>
+                  <a:srgbClr val="000000"/>
+                </a:solidFill>
+                <a:effectLst/>
+                <a:latin typeface="Courier New" panose="02070309020205020404" pitchFamily="49" charset="0"/>
+              </a:rPr>
+              <a:t>}</a:t>
+            </a:r>
+          </a:p>
+          <a:p>
+            <a:pPr marL="0" marR="0">
+              <a:spcBef>
+                <a:spcPts val="0"/>
+              </a:spcBef>
+              <a:spcAft>
+                <a:spcPts val="0"/>
+              </a:spcAft>
+            </a:pPr>
+            <a:r>
+              <a:rPr lang="en-IN" sz="1200" b="1" dirty="0">
+                <a:solidFill>
+                  <a:srgbClr val="7F0055"/>
+                </a:solidFill>
+                <a:effectLst/>
+                <a:latin typeface="Courier New" panose="02070309020205020404" pitchFamily="49" charset="0"/>
+              </a:rPr>
+              <a:t>public</a:t>
+            </a:r>
+            <a:r>
+              <a:rPr lang="en-IN" sz="1200" dirty="0">
+                <a:solidFill>
+                  <a:srgbClr val="000000"/>
+                </a:solidFill>
+                <a:effectLst/>
+                <a:latin typeface="Courier New" panose="02070309020205020404" pitchFamily="49" charset="0"/>
+              </a:rPr>
+              <a:t> </a:t>
+            </a:r>
+            <a:r>
+              <a:rPr lang="en-IN" sz="1200" b="1" dirty="0">
+                <a:solidFill>
+                  <a:srgbClr val="7F0055"/>
+                </a:solidFill>
+                <a:effectLst/>
+                <a:latin typeface="Courier New" panose="02070309020205020404" pitchFamily="49" charset="0"/>
+              </a:rPr>
+              <a:t>void</a:t>
+            </a:r>
+            <a:r>
+              <a:rPr lang="en-IN" sz="1200" dirty="0">
+                <a:solidFill>
+                  <a:srgbClr val="000000"/>
+                </a:solidFill>
+                <a:effectLst/>
+                <a:latin typeface="Courier New" panose="02070309020205020404" pitchFamily="49" charset="0"/>
+              </a:rPr>
+              <a:t> </a:t>
+            </a:r>
+            <a:r>
+              <a:rPr lang="en-IN" sz="1200" dirty="0" err="1">
+                <a:solidFill>
+                  <a:srgbClr val="000000"/>
+                </a:solidFill>
+                <a:effectLst/>
+                <a:latin typeface="Courier New" panose="02070309020205020404" pitchFamily="49" charset="0"/>
+              </a:rPr>
+              <a:t>getData</a:t>
+            </a:r>
+            <a:r>
+              <a:rPr lang="en-IN" sz="1200" dirty="0">
+                <a:solidFill>
+                  <a:srgbClr val="000000"/>
+                </a:solidFill>
+                <a:effectLst/>
+                <a:latin typeface="Courier New" panose="02070309020205020404" pitchFamily="49" charset="0"/>
+              </a:rPr>
+              <a:t>(</a:t>
+            </a:r>
+            <a:r>
+              <a:rPr lang="en-IN" sz="1200" b="1" dirty="0">
+                <a:solidFill>
+                  <a:srgbClr val="7F0055"/>
+                </a:solidFill>
+                <a:effectLst/>
+                <a:latin typeface="Courier New" panose="02070309020205020404" pitchFamily="49" charset="0"/>
+              </a:rPr>
+              <a:t>int</a:t>
+            </a:r>
+            <a:r>
+              <a:rPr lang="en-IN" sz="1200" dirty="0">
+                <a:solidFill>
+                  <a:srgbClr val="000000"/>
+                </a:solidFill>
+                <a:effectLst/>
+                <a:latin typeface="Courier New" panose="02070309020205020404" pitchFamily="49" charset="0"/>
+              </a:rPr>
+              <a:t> </a:t>
+            </a:r>
+            <a:r>
+              <a:rPr lang="en-IN" sz="1200" dirty="0">
+                <a:solidFill>
+                  <a:srgbClr val="6A3E3E"/>
+                </a:solidFill>
+                <a:effectLst/>
+                <a:latin typeface="Courier New" panose="02070309020205020404" pitchFamily="49" charset="0"/>
+              </a:rPr>
+              <a:t>data</a:t>
+            </a:r>
+            <a:r>
+              <a:rPr lang="en-IN" sz="1200" dirty="0">
+                <a:solidFill>
+                  <a:srgbClr val="000000"/>
+                </a:solidFill>
+                <a:effectLst/>
+                <a:latin typeface="Courier New" panose="02070309020205020404" pitchFamily="49" charset="0"/>
+              </a:rPr>
+              <a:t>) {</a:t>
+            </a:r>
+          </a:p>
+          <a:p>
+            <a:pPr marL="0" marR="0">
+              <a:spcBef>
+                <a:spcPts val="0"/>
+              </a:spcBef>
+              <a:spcAft>
+                <a:spcPts val="0"/>
+              </a:spcAft>
+            </a:pPr>
+            <a:r>
+              <a:rPr lang="en-IN" sz="1200" dirty="0" err="1">
+                <a:solidFill>
+                  <a:srgbClr val="000000"/>
+                </a:solidFill>
+                <a:effectLst/>
+                <a:latin typeface="Courier New" panose="02070309020205020404" pitchFamily="49" charset="0"/>
+              </a:rPr>
+              <a:t>System.</a:t>
+            </a:r>
+            <a:r>
+              <a:rPr lang="en-IN" sz="1200" b="1" i="1" dirty="0" err="1">
+                <a:solidFill>
+                  <a:srgbClr val="0000C0"/>
+                </a:solidFill>
+                <a:effectLst/>
+                <a:latin typeface="Courier New" panose="02070309020205020404" pitchFamily="49" charset="0"/>
+              </a:rPr>
+              <a:t>out</a:t>
+            </a:r>
+            <a:r>
+              <a:rPr lang="en-IN" sz="1200" dirty="0" err="1">
+                <a:solidFill>
+                  <a:srgbClr val="000000"/>
+                </a:solidFill>
+                <a:effectLst/>
+                <a:latin typeface="Courier New" panose="02070309020205020404" pitchFamily="49" charset="0"/>
+              </a:rPr>
+              <a:t>.println</a:t>
+            </a:r>
+            <a:r>
+              <a:rPr lang="en-IN" sz="1200" dirty="0">
+                <a:solidFill>
+                  <a:srgbClr val="000000"/>
+                </a:solidFill>
+                <a:effectLst/>
+                <a:latin typeface="Courier New" panose="02070309020205020404" pitchFamily="49" charset="0"/>
+              </a:rPr>
+              <a:t>(</a:t>
+            </a:r>
+            <a:r>
+              <a:rPr lang="en-IN" sz="1200" dirty="0">
+                <a:solidFill>
+                  <a:srgbClr val="2A00FF"/>
+                </a:solidFill>
+                <a:effectLst/>
+                <a:latin typeface="Courier New" panose="02070309020205020404" pitchFamily="49" charset="0"/>
+              </a:rPr>
+              <a:t>"This is my data"</a:t>
+            </a:r>
+            <a:r>
+              <a:rPr lang="en-IN" sz="1200" dirty="0">
+                <a:solidFill>
+                  <a:srgbClr val="000000"/>
+                </a:solidFill>
+                <a:effectLst/>
+                <a:latin typeface="Courier New" panose="02070309020205020404" pitchFamily="49" charset="0"/>
+              </a:rPr>
+              <a:t>);</a:t>
+            </a:r>
+          </a:p>
+          <a:p>
+            <a:pPr marL="0" marR="0">
+              <a:spcBef>
+                <a:spcPts val="0"/>
+              </a:spcBef>
+              <a:spcAft>
+                <a:spcPts val="0"/>
+              </a:spcAft>
+            </a:pPr>
+            <a:r>
+              <a:rPr lang="en-IN" sz="1200" dirty="0">
+                <a:solidFill>
+                  <a:srgbClr val="000000"/>
+                </a:solidFill>
+                <a:effectLst/>
+                <a:latin typeface="Courier New" panose="02070309020205020404" pitchFamily="49" charset="0"/>
+              </a:rPr>
+              <a:t>}</a:t>
+            </a:r>
+          </a:p>
+          <a:p>
+            <a:pPr marL="0" marR="0">
+              <a:spcBef>
+                <a:spcPts val="0"/>
+              </a:spcBef>
+              <a:spcAft>
+                <a:spcPts val="0"/>
+              </a:spcAft>
+            </a:pPr>
+            <a:r>
+              <a:rPr lang="en-IN" sz="1200" b="1" dirty="0">
+                <a:solidFill>
+                  <a:srgbClr val="7F0055"/>
+                </a:solidFill>
+                <a:effectLst/>
+                <a:latin typeface="Courier New" panose="02070309020205020404" pitchFamily="49" charset="0"/>
+              </a:rPr>
+              <a:t>public</a:t>
+            </a:r>
+            <a:r>
+              <a:rPr lang="en-IN" sz="1200" dirty="0">
+                <a:solidFill>
+                  <a:srgbClr val="000000"/>
+                </a:solidFill>
+                <a:effectLst/>
+                <a:latin typeface="Courier New" panose="02070309020205020404" pitchFamily="49" charset="0"/>
+              </a:rPr>
+              <a:t> </a:t>
+            </a:r>
+            <a:r>
+              <a:rPr lang="en-IN" sz="1200" b="1" dirty="0">
+                <a:solidFill>
+                  <a:srgbClr val="7F0055"/>
+                </a:solidFill>
+                <a:effectLst/>
+                <a:latin typeface="Courier New" panose="02070309020205020404" pitchFamily="49" charset="0"/>
+              </a:rPr>
+              <a:t>void</a:t>
+            </a:r>
+            <a:r>
+              <a:rPr lang="en-IN" sz="1200" dirty="0">
+                <a:solidFill>
+                  <a:srgbClr val="000000"/>
+                </a:solidFill>
+                <a:effectLst/>
+                <a:latin typeface="Courier New" panose="02070309020205020404" pitchFamily="49" charset="0"/>
+              </a:rPr>
+              <a:t> </a:t>
+            </a:r>
+            <a:r>
+              <a:rPr lang="en-IN" sz="1200" dirty="0" err="1">
+                <a:solidFill>
+                  <a:srgbClr val="000000"/>
+                </a:solidFill>
+                <a:effectLst/>
+                <a:latin typeface="Courier New" panose="02070309020205020404" pitchFamily="49" charset="0"/>
+              </a:rPr>
+              <a:t>getData</a:t>
+            </a:r>
+            <a:r>
+              <a:rPr lang="en-IN" sz="1200" dirty="0">
+                <a:solidFill>
+                  <a:srgbClr val="000000"/>
+                </a:solidFill>
+                <a:effectLst/>
+                <a:latin typeface="Courier New" panose="02070309020205020404" pitchFamily="49" charset="0"/>
+              </a:rPr>
+              <a:t>(String </a:t>
+            </a:r>
+            <a:r>
+              <a:rPr lang="en-IN" sz="1200" dirty="0">
+                <a:solidFill>
+                  <a:srgbClr val="6A3E3E"/>
+                </a:solidFill>
+                <a:effectLst/>
+                <a:latin typeface="Courier New" panose="02070309020205020404" pitchFamily="49" charset="0"/>
+              </a:rPr>
+              <a:t>data</a:t>
+            </a:r>
+            <a:r>
+              <a:rPr lang="en-IN" sz="1200" dirty="0">
+                <a:solidFill>
+                  <a:srgbClr val="000000"/>
+                </a:solidFill>
+                <a:effectLst/>
+                <a:latin typeface="Courier New" panose="02070309020205020404" pitchFamily="49" charset="0"/>
+              </a:rPr>
+              <a:t>) {</a:t>
+            </a:r>
+          </a:p>
+          <a:p>
+            <a:pPr marL="0" marR="0">
+              <a:spcBef>
+                <a:spcPts val="0"/>
+              </a:spcBef>
+              <a:spcAft>
+                <a:spcPts val="0"/>
+              </a:spcAft>
+            </a:pPr>
+            <a:r>
+              <a:rPr lang="en-IN" sz="1200" dirty="0" err="1">
+                <a:solidFill>
+                  <a:srgbClr val="000000"/>
+                </a:solidFill>
+                <a:effectLst/>
+                <a:latin typeface="Courier New" panose="02070309020205020404" pitchFamily="49" charset="0"/>
+              </a:rPr>
+              <a:t>System.</a:t>
+            </a:r>
+            <a:r>
+              <a:rPr lang="en-IN" sz="1200" b="1" i="1" dirty="0" err="1">
+                <a:solidFill>
+                  <a:srgbClr val="0000C0"/>
+                </a:solidFill>
+                <a:effectLst/>
+                <a:latin typeface="Courier New" panose="02070309020205020404" pitchFamily="49" charset="0"/>
+              </a:rPr>
+              <a:t>out</a:t>
+            </a:r>
+            <a:r>
+              <a:rPr lang="en-IN" sz="1200" dirty="0" err="1">
+                <a:solidFill>
+                  <a:srgbClr val="000000"/>
+                </a:solidFill>
+                <a:effectLst/>
+                <a:latin typeface="Courier New" panose="02070309020205020404" pitchFamily="49" charset="0"/>
+              </a:rPr>
+              <a:t>.println</a:t>
+            </a:r>
+            <a:r>
+              <a:rPr lang="en-IN" sz="1200" dirty="0">
+                <a:solidFill>
+                  <a:srgbClr val="000000"/>
+                </a:solidFill>
+                <a:effectLst/>
+                <a:latin typeface="Courier New" panose="02070309020205020404" pitchFamily="49" charset="0"/>
+              </a:rPr>
+              <a:t>(</a:t>
+            </a:r>
+            <a:r>
+              <a:rPr lang="en-IN" sz="1200" dirty="0">
+                <a:solidFill>
+                  <a:srgbClr val="2A00FF"/>
+                </a:solidFill>
+                <a:effectLst/>
+                <a:latin typeface="Courier New" panose="02070309020205020404" pitchFamily="49" charset="0"/>
+              </a:rPr>
+              <a:t>"This is my data"</a:t>
+            </a:r>
+            <a:r>
+              <a:rPr lang="en-IN" sz="1200" dirty="0">
+                <a:solidFill>
+                  <a:srgbClr val="000000"/>
+                </a:solidFill>
+                <a:effectLst/>
+                <a:latin typeface="Courier New" panose="02070309020205020404" pitchFamily="49" charset="0"/>
+              </a:rPr>
+              <a:t>);</a:t>
+            </a:r>
+          </a:p>
+          <a:p>
+            <a:pPr marL="0" marR="0">
+              <a:spcBef>
+                <a:spcPts val="0"/>
+              </a:spcBef>
+              <a:spcAft>
+                <a:spcPts val="0"/>
+              </a:spcAft>
+            </a:pPr>
+            <a:r>
+              <a:rPr lang="en-IN" sz="1200" dirty="0">
+                <a:solidFill>
+                  <a:srgbClr val="000000"/>
+                </a:solidFill>
+                <a:effectLst/>
+                <a:latin typeface="Courier New" panose="02070309020205020404" pitchFamily="49" charset="0"/>
+              </a:rPr>
+              <a:t>}</a:t>
+            </a:r>
+          </a:p>
+          <a:p>
+            <a:pPr marL="0" marR="0">
+              <a:spcBef>
+                <a:spcPts val="0"/>
+              </a:spcBef>
+              <a:spcAft>
+                <a:spcPts val="0"/>
+              </a:spcAft>
+            </a:pPr>
+            <a:r>
+              <a:rPr lang="en-IN" sz="1200" dirty="0">
+                <a:solidFill>
+                  <a:srgbClr val="000000"/>
+                </a:solidFill>
+                <a:effectLst/>
+                <a:latin typeface="Courier New" panose="02070309020205020404" pitchFamily="49" charset="0"/>
+              </a:rPr>
+              <a:t>}</a:t>
+            </a:r>
+          </a:p>
+          <a:p>
+            <a:pPr marL="0" marR="0">
+              <a:spcBef>
+                <a:spcPts val="0"/>
+              </a:spcBef>
+              <a:spcAft>
+                <a:spcPts val="0"/>
+              </a:spcAft>
+            </a:pPr>
+            <a:br>
+              <a:rPr lang="en-IN" sz="1200" dirty="0">
+                <a:solidFill>
+                  <a:srgbClr val="000000"/>
+                </a:solidFill>
+                <a:effectLst/>
+                <a:latin typeface="Courier New" panose="02070309020205020404" pitchFamily="49" charset="0"/>
+              </a:rPr>
+            </a:br>
+            <a:endParaRPr lang="en-IN" sz="1200" dirty="0">
+              <a:solidFill>
+                <a:srgbClr val="000000"/>
+              </a:solidFill>
+              <a:effectLst/>
+              <a:latin typeface="Courier New" panose="02070309020205020404" pitchFamily="49" charset="0"/>
+            </a:endParaRPr>
+          </a:p>
+          <a:p>
+            <a:pPr marL="0" marR="0">
+              <a:spcBef>
+                <a:spcPts val="0"/>
+              </a:spcBef>
+              <a:spcAft>
+                <a:spcPts val="0"/>
+              </a:spcAft>
+            </a:pPr>
+            <a:br>
+              <a:rPr lang="en-IN" sz="1200" dirty="0">
+                <a:solidFill>
+                  <a:srgbClr val="000000"/>
+                </a:solidFill>
+                <a:effectLst/>
+                <a:latin typeface="Courier New" panose="02070309020205020404" pitchFamily="49" charset="0"/>
+              </a:rPr>
+            </a:br>
+            <a:endParaRPr lang="en-IN" sz="1200" dirty="0">
+              <a:solidFill>
+                <a:srgbClr val="000000"/>
+              </a:solidFill>
+              <a:effectLst/>
+              <a:latin typeface="Courier New" panose="02070309020205020404" pitchFamily="49" charset="0"/>
+            </a:endParaRPr>
+          </a:p>
+          <a:p>
+            <a:pPr marL="0" marR="0">
+              <a:spcBef>
+                <a:spcPts val="0"/>
+              </a:spcBef>
+              <a:spcAft>
+                <a:spcPts val="0"/>
+              </a:spcAft>
+            </a:pPr>
+            <a:r>
+              <a:rPr lang="en-IN" sz="1200" b="1" dirty="0">
+                <a:solidFill>
+                  <a:srgbClr val="7F0055"/>
+                </a:solidFill>
+                <a:effectLst/>
+                <a:latin typeface="Courier New" panose="02070309020205020404" pitchFamily="49" charset="0"/>
+              </a:rPr>
+              <a:t>class</a:t>
+            </a:r>
+            <a:r>
+              <a:rPr lang="en-IN" sz="1200" dirty="0">
+                <a:solidFill>
+                  <a:srgbClr val="000000"/>
+                </a:solidFill>
+                <a:effectLst/>
+                <a:latin typeface="Courier New" panose="02070309020205020404" pitchFamily="49" charset="0"/>
+              </a:rPr>
+              <a:t> </a:t>
+            </a:r>
+            <a:r>
+              <a:rPr lang="en-IN" sz="1200" dirty="0" err="1">
+                <a:solidFill>
+                  <a:srgbClr val="000000"/>
+                </a:solidFill>
+                <a:effectLst/>
+                <a:latin typeface="Courier New" panose="02070309020205020404" pitchFamily="49" charset="0"/>
+              </a:rPr>
+              <a:t>infosys</a:t>
+            </a:r>
+            <a:r>
+              <a:rPr lang="en-IN" sz="1200" dirty="0">
+                <a:solidFill>
+                  <a:srgbClr val="000000"/>
+                </a:solidFill>
+                <a:effectLst/>
+                <a:latin typeface="Courier New" panose="02070309020205020404" pitchFamily="49" charset="0"/>
+              </a:rPr>
+              <a:t> </a:t>
+            </a:r>
+            <a:r>
+              <a:rPr lang="en-IN" sz="1200" b="1" dirty="0">
+                <a:solidFill>
+                  <a:srgbClr val="7F0055"/>
+                </a:solidFill>
+                <a:effectLst/>
+                <a:latin typeface="Courier New" panose="02070309020205020404" pitchFamily="49" charset="0"/>
+              </a:rPr>
+              <a:t>extends</a:t>
+            </a:r>
+            <a:r>
+              <a:rPr lang="en-IN" sz="1200" dirty="0">
+                <a:solidFill>
+                  <a:srgbClr val="000000"/>
+                </a:solidFill>
+                <a:effectLst/>
+                <a:latin typeface="Courier New" panose="02070309020205020404" pitchFamily="49" charset="0"/>
+              </a:rPr>
+              <a:t> polymorph{</a:t>
+            </a:r>
+          </a:p>
+          <a:p>
+            <a:pPr marL="0" marR="0">
+              <a:spcBef>
+                <a:spcPts val="0"/>
+              </a:spcBef>
+              <a:spcAft>
+                <a:spcPts val="0"/>
+              </a:spcAft>
+            </a:pPr>
+            <a:r>
+              <a:rPr lang="en-IN" sz="1200" b="1" dirty="0">
+                <a:solidFill>
+                  <a:srgbClr val="7F0055"/>
+                </a:solidFill>
+                <a:effectLst/>
+                <a:latin typeface="Courier New" panose="02070309020205020404" pitchFamily="49" charset="0"/>
+              </a:rPr>
+              <a:t>public</a:t>
+            </a:r>
+            <a:r>
+              <a:rPr lang="en-IN" sz="1200" dirty="0">
+                <a:solidFill>
+                  <a:srgbClr val="000000"/>
+                </a:solidFill>
+                <a:effectLst/>
+                <a:latin typeface="Courier New" panose="02070309020205020404" pitchFamily="49" charset="0"/>
+              </a:rPr>
+              <a:t> </a:t>
+            </a:r>
+            <a:r>
+              <a:rPr lang="en-IN" sz="1200" b="1" dirty="0">
+                <a:solidFill>
+                  <a:srgbClr val="7F0055"/>
+                </a:solidFill>
+                <a:effectLst/>
+                <a:latin typeface="Courier New" panose="02070309020205020404" pitchFamily="49" charset="0"/>
+              </a:rPr>
+              <a:t>void</a:t>
+            </a:r>
+            <a:r>
+              <a:rPr lang="en-IN" sz="1200" dirty="0">
+                <a:solidFill>
+                  <a:srgbClr val="000000"/>
+                </a:solidFill>
+                <a:effectLst/>
+                <a:latin typeface="Courier New" panose="02070309020205020404" pitchFamily="49" charset="0"/>
+              </a:rPr>
+              <a:t> </a:t>
+            </a:r>
+            <a:r>
+              <a:rPr lang="en-IN" sz="1200" dirty="0" err="1">
+                <a:solidFill>
+                  <a:srgbClr val="000000"/>
+                </a:solidFill>
+                <a:effectLst/>
+                <a:latin typeface="Courier New" panose="02070309020205020404" pitchFamily="49" charset="0"/>
+              </a:rPr>
+              <a:t>getData</a:t>
+            </a:r>
+            <a:r>
+              <a:rPr lang="en-IN" sz="1200" dirty="0">
+                <a:solidFill>
+                  <a:srgbClr val="000000"/>
+                </a:solidFill>
+                <a:effectLst/>
+                <a:latin typeface="Courier New" panose="02070309020205020404" pitchFamily="49" charset="0"/>
+              </a:rPr>
+              <a:t>() {</a:t>
+            </a:r>
+          </a:p>
+          <a:p>
+            <a:pPr marL="0" marR="0">
+              <a:spcBef>
+                <a:spcPts val="0"/>
+              </a:spcBef>
+              <a:spcAft>
+                <a:spcPts val="0"/>
+              </a:spcAft>
+            </a:pPr>
+            <a:r>
+              <a:rPr lang="en-IN" sz="1200" dirty="0" err="1">
+                <a:solidFill>
+                  <a:srgbClr val="000000"/>
+                </a:solidFill>
+                <a:effectLst/>
+                <a:latin typeface="Courier New" panose="02070309020205020404" pitchFamily="49" charset="0"/>
+              </a:rPr>
+              <a:t>System.</a:t>
+            </a:r>
+            <a:r>
+              <a:rPr lang="en-IN" sz="1200" b="1" i="1" dirty="0" err="1">
+                <a:solidFill>
+                  <a:srgbClr val="0000C0"/>
+                </a:solidFill>
+                <a:effectLst/>
+                <a:latin typeface="Courier New" panose="02070309020205020404" pitchFamily="49" charset="0"/>
+              </a:rPr>
+              <a:t>out</a:t>
+            </a:r>
+            <a:r>
+              <a:rPr lang="en-IN" sz="1200" dirty="0" err="1">
+                <a:solidFill>
+                  <a:srgbClr val="000000"/>
+                </a:solidFill>
+                <a:effectLst/>
+                <a:latin typeface="Courier New" panose="02070309020205020404" pitchFamily="49" charset="0"/>
+              </a:rPr>
+              <a:t>.println</a:t>
+            </a:r>
+            <a:r>
+              <a:rPr lang="en-IN" sz="1200" dirty="0">
+                <a:solidFill>
+                  <a:srgbClr val="000000"/>
+                </a:solidFill>
+                <a:effectLst/>
+                <a:latin typeface="Courier New" panose="02070309020205020404" pitchFamily="49" charset="0"/>
+              </a:rPr>
+              <a:t>(</a:t>
+            </a:r>
+            <a:r>
+              <a:rPr lang="en-IN" sz="1200" dirty="0">
+                <a:solidFill>
+                  <a:srgbClr val="2A00FF"/>
+                </a:solidFill>
+                <a:effectLst/>
+                <a:latin typeface="Courier New" panose="02070309020205020404" pitchFamily="49" charset="0"/>
+              </a:rPr>
+              <a:t>"This is my friend's data"</a:t>
+            </a:r>
+            <a:r>
+              <a:rPr lang="en-IN" sz="1200" dirty="0">
+                <a:solidFill>
+                  <a:srgbClr val="000000"/>
+                </a:solidFill>
+                <a:effectLst/>
+                <a:latin typeface="Courier New" panose="02070309020205020404" pitchFamily="49" charset="0"/>
+              </a:rPr>
+              <a:t>);</a:t>
+            </a:r>
+          </a:p>
+          <a:p>
+            <a:pPr marL="0" marR="0">
+              <a:spcBef>
+                <a:spcPts val="0"/>
+              </a:spcBef>
+              <a:spcAft>
+                <a:spcPts val="0"/>
+              </a:spcAft>
+            </a:pPr>
+            <a:r>
+              <a:rPr lang="en-IN" sz="1200" dirty="0">
+                <a:solidFill>
+                  <a:srgbClr val="000000"/>
+                </a:solidFill>
+                <a:effectLst/>
+                <a:latin typeface="Courier New" panose="02070309020205020404" pitchFamily="49" charset="0"/>
+              </a:rPr>
+              <a:t>}</a:t>
+            </a:r>
+          </a:p>
+          <a:p>
+            <a:pPr marL="0" marR="0">
+              <a:spcBef>
+                <a:spcPts val="0"/>
+              </a:spcBef>
+              <a:spcAft>
+                <a:spcPts val="0"/>
+              </a:spcAft>
+            </a:pPr>
+            <a:r>
+              <a:rPr lang="en-IN" sz="1200" dirty="0">
+                <a:solidFill>
+                  <a:srgbClr val="000000"/>
+                </a:solidFill>
+                <a:effectLst/>
+                <a:latin typeface="Courier New" panose="02070309020205020404" pitchFamily="49" charset="0"/>
+              </a:rPr>
+              <a:t>}</a:t>
+            </a:r>
+          </a:p>
+        </p:txBody>
+      </p:sp>
+    </p:spTree>
+    <p:extLst>
+      <p:ext uri="{BB962C8B-B14F-4D97-AF65-F5344CB8AC3E}">
+        <p14:creationId xmlns:p14="http://schemas.microsoft.com/office/powerpoint/2010/main" val="363206712"/>
+      </p:ext>
+    </p:extLst>
+  </p:cSld>
+  <p:clrMapOvr>
+    <a:masterClrMapping/>
+  </p:clrMapOvr>
+</p:sld>
+</file>
+
+<file path=ppt/slides/slide35.xml><?xml version="1.0" encoding="utf-8"?>
+<p:sld xmlns:a="http://schemas.openxmlformats.org/drawingml/2006/main" xmlns:r="http://schemas.openxmlformats.org/officeDocument/2006/relationships" xmlns:p="http://schemas.openxmlformats.org/presentationml/2006/main">
+  <p:cSld>
+    <p:spTree>
+      <p:nvGrpSpPr>
+        <p:cNvPr id="1" name=""/>
+        <p:cNvGrpSpPr/>
+        <p:nvPr/>
+      </p:nvGrpSpPr>
+      <p:grpSpPr>
+        <a:xfrm>
+          <a:off x="0" y="0"/>
+          <a:ext cx="0" cy="0"/>
+          <a:chOff x="0" y="0"/>
+          <a:chExt cx="0" cy="0"/>
+        </a:xfrm>
+      </p:grpSpPr>
+      <p:sp>
+        <p:nvSpPr>
+          <p:cNvPr id="3" name="TextBox 2">
+            <a:extLst>
+              <a:ext uri="{FF2B5EF4-FFF2-40B4-BE49-F238E27FC236}">
+                <a16:creationId xmlns:a16="http://schemas.microsoft.com/office/drawing/2014/main" id="{8A74053C-4C9D-0483-BB65-377161E31FE8}"/>
+              </a:ext>
+            </a:extLst>
+          </p:cNvPr>
+          <p:cNvSpPr txBox="1"/>
+          <p:nvPr/>
+        </p:nvSpPr>
+        <p:spPr>
+          <a:xfrm>
+            <a:off x="349623" y="578695"/>
+            <a:ext cx="4589930" cy="1477328"/>
+          </a:xfrm>
+          <a:prstGeom prst="rect">
+            <a:avLst/>
+          </a:prstGeom>
+          <a:noFill/>
+        </p:spPr>
+        <p:txBody>
+          <a:bodyPr wrap="square">
+            <a:spAutoFit/>
+          </a:bodyPr>
+          <a:lstStyle/>
+          <a:p>
+            <a:r>
+              <a:rPr lang="en-US" b="1" dirty="0"/>
+              <a:t>Abstraction</a:t>
+            </a:r>
+            <a:r>
+              <a:rPr lang="en-US" dirty="0"/>
+              <a:t> is the process of hiding the complex implementation details and showing only the essential features of an object. Abstract classes and interfaces are used to achieve abstraction in Java.</a:t>
+            </a:r>
+            <a:endParaRPr lang="en-IN" dirty="0"/>
+          </a:p>
+        </p:txBody>
+      </p:sp>
+      <p:sp>
+        <p:nvSpPr>
+          <p:cNvPr id="7" name="TextBox 6">
+            <a:extLst>
+              <a:ext uri="{FF2B5EF4-FFF2-40B4-BE49-F238E27FC236}">
+                <a16:creationId xmlns:a16="http://schemas.microsoft.com/office/drawing/2014/main" id="{7624623B-F030-8023-CD2B-A506D5CAC1F5}"/>
+              </a:ext>
+            </a:extLst>
+          </p:cNvPr>
+          <p:cNvSpPr txBox="1"/>
+          <p:nvPr/>
+        </p:nvSpPr>
+        <p:spPr>
+          <a:xfrm>
+            <a:off x="5665694" y="0"/>
+            <a:ext cx="6096000" cy="7109639"/>
+          </a:xfrm>
+          <a:prstGeom prst="rect">
+            <a:avLst/>
+          </a:prstGeom>
+          <a:noFill/>
+        </p:spPr>
+        <p:txBody>
+          <a:bodyPr wrap="square">
+            <a:spAutoFit/>
+          </a:bodyPr>
+          <a:lstStyle/>
+          <a:p>
+            <a:pPr marL="0" marR="0">
+              <a:spcBef>
+                <a:spcPts val="0"/>
+              </a:spcBef>
+              <a:spcAft>
+                <a:spcPts val="0"/>
+              </a:spcAft>
+            </a:pPr>
+            <a:r>
+              <a:rPr lang="en-IN" sz="1200" b="1" dirty="0">
+                <a:solidFill>
+                  <a:srgbClr val="7F0055"/>
+                </a:solidFill>
+                <a:effectLst/>
+                <a:latin typeface="Courier New" panose="02070309020205020404" pitchFamily="49" charset="0"/>
+              </a:rPr>
+              <a:t>abstract</a:t>
+            </a:r>
+            <a:r>
+              <a:rPr lang="en-IN" sz="1200" dirty="0">
+                <a:solidFill>
+                  <a:srgbClr val="000000"/>
+                </a:solidFill>
+                <a:effectLst/>
+                <a:latin typeface="Courier New" panose="02070309020205020404" pitchFamily="49" charset="0"/>
+              </a:rPr>
+              <a:t> </a:t>
+            </a:r>
+            <a:r>
+              <a:rPr lang="en-IN" sz="1200" b="1" dirty="0">
+                <a:solidFill>
+                  <a:srgbClr val="7F0055"/>
+                </a:solidFill>
+                <a:effectLst/>
+                <a:latin typeface="Courier New" panose="02070309020205020404" pitchFamily="49" charset="0"/>
+              </a:rPr>
+              <a:t>class</a:t>
+            </a:r>
+            <a:r>
+              <a:rPr lang="en-IN" sz="1200" dirty="0">
+                <a:solidFill>
+                  <a:srgbClr val="000000"/>
+                </a:solidFill>
+                <a:effectLst/>
+                <a:latin typeface="Courier New" panose="02070309020205020404" pitchFamily="49" charset="0"/>
+              </a:rPr>
+              <a:t> car {</a:t>
+            </a:r>
+          </a:p>
+          <a:p>
+            <a:pPr marL="0" marR="0">
+              <a:spcBef>
+                <a:spcPts val="0"/>
+              </a:spcBef>
+              <a:spcAft>
+                <a:spcPts val="0"/>
+              </a:spcAft>
+            </a:pPr>
+            <a:r>
+              <a:rPr lang="en-IN" sz="1200" b="1" dirty="0">
+                <a:solidFill>
+                  <a:srgbClr val="7F0055"/>
+                </a:solidFill>
+                <a:effectLst/>
+                <a:latin typeface="Courier New" panose="02070309020205020404" pitchFamily="49" charset="0"/>
+              </a:rPr>
+              <a:t>final</a:t>
+            </a:r>
+            <a:r>
+              <a:rPr lang="en-IN" sz="1200" dirty="0">
+                <a:solidFill>
+                  <a:srgbClr val="000000"/>
+                </a:solidFill>
+                <a:effectLst/>
+                <a:latin typeface="Courier New" panose="02070309020205020404" pitchFamily="49" charset="0"/>
+              </a:rPr>
+              <a:t> </a:t>
+            </a:r>
+            <a:r>
+              <a:rPr lang="en-IN" sz="1200" b="1" dirty="0">
+                <a:solidFill>
+                  <a:srgbClr val="7F0055"/>
+                </a:solidFill>
+                <a:effectLst/>
+                <a:latin typeface="Courier New" panose="02070309020205020404" pitchFamily="49" charset="0"/>
+              </a:rPr>
+              <a:t>static</a:t>
+            </a:r>
+            <a:r>
+              <a:rPr lang="en-IN" sz="1200" dirty="0">
+                <a:solidFill>
+                  <a:srgbClr val="000000"/>
+                </a:solidFill>
+                <a:effectLst/>
+                <a:latin typeface="Courier New" panose="02070309020205020404" pitchFamily="49" charset="0"/>
+              </a:rPr>
+              <a:t> </a:t>
+            </a:r>
+            <a:r>
+              <a:rPr lang="en-IN" sz="1200" b="1" dirty="0">
+                <a:solidFill>
+                  <a:srgbClr val="7F0055"/>
+                </a:solidFill>
+                <a:effectLst/>
+                <a:latin typeface="Courier New" panose="02070309020205020404" pitchFamily="49" charset="0"/>
+              </a:rPr>
+              <a:t>int</a:t>
+            </a:r>
+            <a:r>
+              <a:rPr lang="en-IN" sz="1200" dirty="0">
+                <a:solidFill>
+                  <a:srgbClr val="000000"/>
+                </a:solidFill>
+                <a:effectLst/>
+                <a:latin typeface="Courier New" panose="02070309020205020404" pitchFamily="49" charset="0"/>
+              </a:rPr>
+              <a:t> </a:t>
+            </a:r>
+            <a:r>
+              <a:rPr lang="en-IN" sz="1200" b="1" i="1" dirty="0">
+                <a:solidFill>
+                  <a:srgbClr val="0000C0"/>
+                </a:solidFill>
+                <a:effectLst/>
+                <a:latin typeface="Courier New" panose="02070309020205020404" pitchFamily="49" charset="0"/>
+              </a:rPr>
+              <a:t>age</a:t>
+            </a:r>
+            <a:r>
+              <a:rPr lang="en-IN" sz="1200" dirty="0">
+                <a:solidFill>
+                  <a:srgbClr val="000000"/>
+                </a:solidFill>
+                <a:effectLst/>
+                <a:latin typeface="Courier New" panose="02070309020205020404" pitchFamily="49" charset="0"/>
+              </a:rPr>
+              <a:t> = 10; </a:t>
+            </a:r>
+            <a:r>
+              <a:rPr lang="en-IN" sz="1200" dirty="0">
+                <a:solidFill>
+                  <a:srgbClr val="3F7F5F"/>
+                </a:solidFill>
+                <a:effectLst/>
+                <a:latin typeface="Courier New" panose="02070309020205020404" pitchFamily="49" charset="0"/>
+              </a:rPr>
+              <a:t>//not final and not static</a:t>
+            </a:r>
+            <a:endParaRPr lang="en-IN" sz="1200" dirty="0">
+              <a:solidFill>
+                <a:srgbClr val="000000"/>
+              </a:solidFill>
+              <a:effectLst/>
+              <a:latin typeface="Courier New" panose="02070309020205020404" pitchFamily="49" charset="0"/>
+            </a:endParaRPr>
+          </a:p>
+          <a:p>
+            <a:pPr marL="0" marR="0">
+              <a:spcBef>
+                <a:spcPts val="0"/>
+              </a:spcBef>
+              <a:spcAft>
+                <a:spcPts val="0"/>
+              </a:spcAft>
+            </a:pPr>
+            <a:r>
+              <a:rPr lang="en-IN" sz="1200" b="1" dirty="0">
+                <a:solidFill>
+                  <a:srgbClr val="7F0055"/>
+                </a:solidFill>
+                <a:effectLst/>
+                <a:latin typeface="Courier New" panose="02070309020205020404" pitchFamily="49" charset="0"/>
+              </a:rPr>
+              <a:t>public</a:t>
+            </a:r>
+            <a:r>
+              <a:rPr lang="en-IN" sz="1200" dirty="0">
+                <a:solidFill>
+                  <a:srgbClr val="000000"/>
+                </a:solidFill>
+                <a:effectLst/>
+                <a:latin typeface="Courier New" panose="02070309020205020404" pitchFamily="49" charset="0"/>
+              </a:rPr>
+              <a:t> </a:t>
+            </a:r>
+            <a:r>
+              <a:rPr lang="en-IN" sz="1200" b="1" dirty="0">
+                <a:solidFill>
+                  <a:srgbClr val="7F0055"/>
+                </a:solidFill>
+                <a:effectLst/>
+                <a:latin typeface="Courier New" panose="02070309020205020404" pitchFamily="49" charset="0"/>
+              </a:rPr>
+              <a:t>static</a:t>
+            </a:r>
+            <a:r>
+              <a:rPr lang="en-IN" sz="1200" dirty="0">
+                <a:solidFill>
+                  <a:srgbClr val="000000"/>
+                </a:solidFill>
+                <a:effectLst/>
+                <a:latin typeface="Courier New" panose="02070309020205020404" pitchFamily="49" charset="0"/>
+              </a:rPr>
+              <a:t> </a:t>
+            </a:r>
+            <a:r>
+              <a:rPr lang="en-IN" sz="1200" b="1" dirty="0">
+                <a:solidFill>
+                  <a:srgbClr val="7F0055"/>
+                </a:solidFill>
+                <a:effectLst/>
+                <a:latin typeface="Courier New" panose="02070309020205020404" pitchFamily="49" charset="0"/>
+              </a:rPr>
+              <a:t>void</a:t>
+            </a:r>
+            <a:r>
+              <a:rPr lang="en-IN" sz="1200" dirty="0">
+                <a:solidFill>
+                  <a:srgbClr val="000000"/>
+                </a:solidFill>
+                <a:effectLst/>
+                <a:latin typeface="Courier New" panose="02070309020205020404" pitchFamily="49" charset="0"/>
+              </a:rPr>
+              <a:t> main(String[] </a:t>
+            </a:r>
+            <a:r>
+              <a:rPr lang="en-IN" sz="1200" dirty="0" err="1">
+                <a:solidFill>
+                  <a:srgbClr val="6A3E3E"/>
+                </a:solidFill>
+                <a:effectLst/>
+                <a:latin typeface="Courier New" panose="02070309020205020404" pitchFamily="49" charset="0"/>
+              </a:rPr>
+              <a:t>args</a:t>
+            </a:r>
+            <a:r>
+              <a:rPr lang="en-IN" sz="1200" dirty="0">
+                <a:solidFill>
+                  <a:srgbClr val="000000"/>
+                </a:solidFill>
+                <a:effectLst/>
+                <a:latin typeface="Courier New" panose="02070309020205020404" pitchFamily="49" charset="0"/>
+              </a:rPr>
+              <a:t>) {</a:t>
+            </a:r>
+          </a:p>
+          <a:p>
+            <a:pPr marL="0" marR="0">
+              <a:spcBef>
+                <a:spcPts val="0"/>
+              </a:spcBef>
+              <a:spcAft>
+                <a:spcPts val="0"/>
+              </a:spcAft>
+            </a:pPr>
+            <a:r>
+              <a:rPr lang="en-IN" sz="1200" dirty="0">
+                <a:solidFill>
+                  <a:srgbClr val="000000"/>
+                </a:solidFill>
+                <a:effectLst/>
+                <a:latin typeface="Courier New" panose="02070309020205020404" pitchFamily="49" charset="0"/>
+              </a:rPr>
+              <a:t>car </a:t>
+            </a:r>
+            <a:r>
+              <a:rPr lang="en-IN" sz="1200" dirty="0">
+                <a:solidFill>
+                  <a:srgbClr val="6A3E3E"/>
+                </a:solidFill>
+                <a:effectLst/>
+                <a:latin typeface="Courier New" panose="02070309020205020404" pitchFamily="49" charset="0"/>
+              </a:rPr>
+              <a:t>obj1</a:t>
+            </a:r>
+            <a:r>
+              <a:rPr lang="en-IN" sz="1200" dirty="0">
+                <a:solidFill>
+                  <a:srgbClr val="000000"/>
+                </a:solidFill>
+                <a:effectLst/>
+                <a:latin typeface="Courier New" panose="02070309020205020404" pitchFamily="49" charset="0"/>
+              </a:rPr>
+              <a:t> = </a:t>
+            </a:r>
+            <a:r>
+              <a:rPr lang="en-IN" sz="1200" b="1" dirty="0">
+                <a:solidFill>
+                  <a:srgbClr val="7F0055"/>
+                </a:solidFill>
+                <a:effectLst/>
+                <a:latin typeface="Courier New" panose="02070309020205020404" pitchFamily="49" charset="0"/>
+              </a:rPr>
+              <a:t>new</a:t>
+            </a:r>
+            <a:r>
+              <a:rPr lang="en-IN" sz="1200" dirty="0">
+                <a:solidFill>
+                  <a:srgbClr val="000000"/>
+                </a:solidFill>
+                <a:effectLst/>
+                <a:latin typeface="Courier New" panose="02070309020205020404" pitchFamily="49" charset="0"/>
+              </a:rPr>
+              <a:t> </a:t>
+            </a:r>
+            <a:r>
+              <a:rPr lang="en-IN" sz="1200" dirty="0" err="1">
+                <a:solidFill>
+                  <a:srgbClr val="000000"/>
+                </a:solidFill>
+                <a:effectLst/>
+                <a:latin typeface="Courier New" panose="02070309020205020404" pitchFamily="49" charset="0"/>
+              </a:rPr>
+              <a:t>benz</a:t>
+            </a:r>
+            <a:r>
+              <a:rPr lang="en-IN" sz="1200" dirty="0">
+                <a:solidFill>
+                  <a:srgbClr val="000000"/>
+                </a:solidFill>
+                <a:effectLst/>
+                <a:latin typeface="Courier New" panose="02070309020205020404" pitchFamily="49" charset="0"/>
+              </a:rPr>
+              <a:t>();</a:t>
+            </a:r>
+          </a:p>
+          <a:p>
+            <a:pPr marL="0" marR="0">
+              <a:spcBef>
+                <a:spcPts val="0"/>
+              </a:spcBef>
+              <a:spcAft>
+                <a:spcPts val="0"/>
+              </a:spcAft>
+            </a:pPr>
+            <a:r>
+              <a:rPr lang="en-IN" sz="1200" dirty="0">
+                <a:solidFill>
+                  <a:srgbClr val="6A3E3E"/>
+                </a:solidFill>
+                <a:effectLst/>
+                <a:latin typeface="Courier New" panose="02070309020205020404" pitchFamily="49" charset="0"/>
+              </a:rPr>
+              <a:t>obj1</a:t>
+            </a:r>
+            <a:r>
+              <a:rPr lang="en-IN" sz="1200" dirty="0">
+                <a:solidFill>
+                  <a:srgbClr val="000000"/>
+                </a:solidFill>
+                <a:effectLst/>
+                <a:latin typeface="Courier New" panose="02070309020205020404" pitchFamily="49" charset="0"/>
+              </a:rPr>
+              <a:t>.engine(</a:t>
+            </a:r>
+            <a:r>
+              <a:rPr lang="en-IN" sz="1200" dirty="0">
+                <a:solidFill>
+                  <a:srgbClr val="2A00FF"/>
+                </a:solidFill>
+                <a:effectLst/>
+                <a:latin typeface="Courier New" panose="02070309020205020404" pitchFamily="49" charset="0"/>
+              </a:rPr>
+              <a:t>"Benz"</a:t>
+            </a:r>
+            <a:r>
+              <a:rPr lang="en-IN" sz="1200" dirty="0">
+                <a:solidFill>
+                  <a:srgbClr val="000000"/>
+                </a:solidFill>
+                <a:effectLst/>
+                <a:latin typeface="Courier New" panose="02070309020205020404" pitchFamily="49" charset="0"/>
+              </a:rPr>
+              <a:t>);</a:t>
+            </a:r>
+          </a:p>
+          <a:p>
+            <a:pPr marL="0" marR="0">
+              <a:spcBef>
+                <a:spcPts val="0"/>
+              </a:spcBef>
+              <a:spcAft>
+                <a:spcPts val="0"/>
+              </a:spcAft>
+            </a:pPr>
+            <a:r>
+              <a:rPr lang="en-IN" sz="1200" dirty="0">
+                <a:solidFill>
+                  <a:srgbClr val="6A3E3E"/>
+                </a:solidFill>
+                <a:effectLst/>
+                <a:latin typeface="Courier New" panose="02070309020205020404" pitchFamily="49" charset="0"/>
+              </a:rPr>
+              <a:t>obj1</a:t>
+            </a:r>
+            <a:r>
+              <a:rPr lang="en-IN" sz="1200" dirty="0">
+                <a:solidFill>
+                  <a:srgbClr val="000000"/>
+                </a:solidFill>
+                <a:effectLst/>
+                <a:latin typeface="Courier New" panose="02070309020205020404" pitchFamily="49" charset="0"/>
+              </a:rPr>
+              <a:t>.breakFunction();</a:t>
+            </a:r>
+          </a:p>
+          <a:p>
+            <a:pPr marL="0" marR="0">
+              <a:spcBef>
+                <a:spcPts val="0"/>
+              </a:spcBef>
+              <a:spcAft>
+                <a:spcPts val="0"/>
+              </a:spcAft>
+            </a:pPr>
+            <a:r>
+              <a:rPr lang="en-IN" sz="1200" dirty="0">
+                <a:solidFill>
+                  <a:srgbClr val="6A3E3E"/>
+                </a:solidFill>
+                <a:effectLst/>
+                <a:latin typeface="Courier New" panose="02070309020205020404" pitchFamily="49" charset="0"/>
+              </a:rPr>
+              <a:t>obj1</a:t>
+            </a:r>
+            <a:r>
+              <a:rPr lang="en-IN" sz="1200" dirty="0">
+                <a:solidFill>
+                  <a:srgbClr val="000000"/>
+                </a:solidFill>
+                <a:effectLst/>
+                <a:latin typeface="Courier New" panose="02070309020205020404" pitchFamily="49" charset="0"/>
+              </a:rPr>
+              <a:t>.doors();</a:t>
+            </a:r>
+          </a:p>
+          <a:p>
+            <a:pPr marL="0" marR="0">
+              <a:spcBef>
+                <a:spcPts val="0"/>
+              </a:spcBef>
+              <a:spcAft>
+                <a:spcPts val="0"/>
+              </a:spcAft>
+            </a:pPr>
+            <a:r>
+              <a:rPr lang="en-IN" sz="1200" dirty="0">
+                <a:solidFill>
+                  <a:srgbClr val="000000"/>
+                </a:solidFill>
+                <a:effectLst/>
+                <a:latin typeface="Courier New" panose="02070309020205020404" pitchFamily="49" charset="0"/>
+              </a:rPr>
+              <a:t>car </a:t>
+            </a:r>
+            <a:r>
+              <a:rPr lang="en-IN" sz="1200" dirty="0">
+                <a:solidFill>
+                  <a:srgbClr val="6A3E3E"/>
+                </a:solidFill>
+                <a:effectLst/>
+                <a:latin typeface="Courier New" panose="02070309020205020404" pitchFamily="49" charset="0"/>
+              </a:rPr>
+              <a:t>obj2</a:t>
+            </a:r>
+            <a:r>
+              <a:rPr lang="en-IN" sz="1200" dirty="0">
+                <a:solidFill>
+                  <a:srgbClr val="000000"/>
+                </a:solidFill>
+                <a:effectLst/>
+                <a:latin typeface="Courier New" panose="02070309020205020404" pitchFamily="49" charset="0"/>
+              </a:rPr>
+              <a:t> = </a:t>
+            </a:r>
+            <a:r>
+              <a:rPr lang="en-IN" sz="1200" b="1" dirty="0">
+                <a:solidFill>
+                  <a:srgbClr val="7F0055"/>
+                </a:solidFill>
+                <a:effectLst/>
+                <a:latin typeface="Courier New" panose="02070309020205020404" pitchFamily="49" charset="0"/>
+              </a:rPr>
+              <a:t>new</a:t>
+            </a:r>
+            <a:r>
+              <a:rPr lang="en-IN" sz="1200" dirty="0">
+                <a:solidFill>
+                  <a:srgbClr val="000000"/>
+                </a:solidFill>
+                <a:effectLst/>
+                <a:latin typeface="Courier New" panose="02070309020205020404" pitchFamily="49" charset="0"/>
+              </a:rPr>
+              <a:t> </a:t>
+            </a:r>
+            <a:r>
+              <a:rPr lang="en-IN" sz="1200" dirty="0" err="1">
+                <a:solidFill>
+                  <a:srgbClr val="000000"/>
+                </a:solidFill>
+                <a:effectLst/>
+                <a:latin typeface="Courier New" panose="02070309020205020404" pitchFamily="49" charset="0"/>
+              </a:rPr>
+              <a:t>audi</a:t>
+            </a:r>
+            <a:r>
+              <a:rPr lang="en-IN" sz="1200" dirty="0">
+                <a:solidFill>
+                  <a:srgbClr val="000000"/>
+                </a:solidFill>
+                <a:effectLst/>
+                <a:latin typeface="Courier New" panose="02070309020205020404" pitchFamily="49" charset="0"/>
+              </a:rPr>
+              <a:t>();</a:t>
+            </a:r>
+          </a:p>
+          <a:p>
+            <a:pPr marL="0" marR="0">
+              <a:spcBef>
+                <a:spcPts val="0"/>
+              </a:spcBef>
+              <a:spcAft>
+                <a:spcPts val="0"/>
+              </a:spcAft>
+            </a:pPr>
+            <a:r>
+              <a:rPr lang="en-IN" sz="1200" dirty="0">
+                <a:solidFill>
+                  <a:srgbClr val="6A3E3E"/>
+                </a:solidFill>
+                <a:effectLst/>
+                <a:latin typeface="Courier New" panose="02070309020205020404" pitchFamily="49" charset="0"/>
+              </a:rPr>
+              <a:t>obj2</a:t>
+            </a:r>
+            <a:r>
+              <a:rPr lang="en-IN" sz="1200" dirty="0">
+                <a:solidFill>
+                  <a:srgbClr val="000000"/>
+                </a:solidFill>
+                <a:effectLst/>
+                <a:latin typeface="Courier New" panose="02070309020205020404" pitchFamily="49" charset="0"/>
+              </a:rPr>
+              <a:t>.engine(</a:t>
+            </a:r>
+            <a:r>
+              <a:rPr lang="en-IN" sz="1200" dirty="0">
+                <a:solidFill>
+                  <a:srgbClr val="2A00FF"/>
+                </a:solidFill>
+                <a:effectLst/>
+                <a:latin typeface="Courier New" panose="02070309020205020404" pitchFamily="49" charset="0"/>
+              </a:rPr>
+              <a:t>"Benz"</a:t>
+            </a:r>
+            <a:r>
+              <a:rPr lang="en-IN" sz="1200" dirty="0">
+                <a:solidFill>
+                  <a:srgbClr val="000000"/>
+                </a:solidFill>
+                <a:effectLst/>
+                <a:latin typeface="Courier New" panose="02070309020205020404" pitchFamily="49" charset="0"/>
+              </a:rPr>
+              <a:t>);</a:t>
+            </a:r>
+          </a:p>
+          <a:p>
+            <a:pPr marL="0" marR="0">
+              <a:spcBef>
+                <a:spcPts val="0"/>
+              </a:spcBef>
+              <a:spcAft>
+                <a:spcPts val="0"/>
+              </a:spcAft>
+            </a:pPr>
+            <a:r>
+              <a:rPr lang="en-IN" sz="1200" dirty="0">
+                <a:solidFill>
+                  <a:srgbClr val="6A3E3E"/>
+                </a:solidFill>
+                <a:effectLst/>
+                <a:latin typeface="Courier New" panose="02070309020205020404" pitchFamily="49" charset="0"/>
+              </a:rPr>
+              <a:t>obj2</a:t>
+            </a:r>
+            <a:r>
+              <a:rPr lang="en-IN" sz="1200" dirty="0">
+                <a:solidFill>
+                  <a:srgbClr val="000000"/>
+                </a:solidFill>
+                <a:effectLst/>
+                <a:latin typeface="Courier New" panose="02070309020205020404" pitchFamily="49" charset="0"/>
+              </a:rPr>
+              <a:t>.breakFunction();</a:t>
+            </a:r>
+          </a:p>
+          <a:p>
+            <a:pPr marL="0" marR="0">
+              <a:spcBef>
+                <a:spcPts val="0"/>
+              </a:spcBef>
+              <a:spcAft>
+                <a:spcPts val="0"/>
+              </a:spcAft>
+            </a:pPr>
+            <a:r>
+              <a:rPr lang="en-IN" sz="1200" dirty="0">
+                <a:solidFill>
+                  <a:srgbClr val="6A3E3E"/>
+                </a:solidFill>
+                <a:effectLst/>
+                <a:latin typeface="Courier New" panose="02070309020205020404" pitchFamily="49" charset="0"/>
+              </a:rPr>
+              <a:t>obj2</a:t>
+            </a:r>
+            <a:r>
+              <a:rPr lang="en-IN" sz="1200" dirty="0">
+                <a:solidFill>
+                  <a:srgbClr val="000000"/>
+                </a:solidFill>
+                <a:effectLst/>
+                <a:latin typeface="Courier New" panose="02070309020205020404" pitchFamily="49" charset="0"/>
+              </a:rPr>
+              <a:t>.doors();</a:t>
+            </a:r>
+          </a:p>
+          <a:p>
+            <a:pPr marL="0" marR="0">
+              <a:spcBef>
+                <a:spcPts val="0"/>
+              </a:spcBef>
+              <a:spcAft>
+                <a:spcPts val="0"/>
+              </a:spcAft>
+            </a:pPr>
+            <a:r>
+              <a:rPr lang="en-IN" sz="1200" dirty="0" err="1">
+                <a:solidFill>
+                  <a:srgbClr val="000000"/>
+                </a:solidFill>
+                <a:effectLst/>
+                <a:latin typeface="Courier New" panose="02070309020205020404" pitchFamily="49" charset="0"/>
+              </a:rPr>
+              <a:t>System.</a:t>
+            </a:r>
+            <a:r>
+              <a:rPr lang="en-IN" sz="1200" b="1" i="1" dirty="0" err="1">
+                <a:solidFill>
+                  <a:srgbClr val="0000C0"/>
+                </a:solidFill>
+                <a:effectLst/>
+                <a:latin typeface="Courier New" panose="02070309020205020404" pitchFamily="49" charset="0"/>
+              </a:rPr>
+              <a:t>out</a:t>
+            </a:r>
+            <a:r>
+              <a:rPr lang="en-IN" sz="1200" dirty="0" err="1">
+                <a:solidFill>
+                  <a:srgbClr val="000000"/>
+                </a:solidFill>
+                <a:effectLst/>
+                <a:latin typeface="Courier New" panose="02070309020205020404" pitchFamily="49" charset="0"/>
+              </a:rPr>
+              <a:t>.println</a:t>
+            </a:r>
+            <a:r>
+              <a:rPr lang="en-IN" sz="1200" dirty="0">
+                <a:solidFill>
+                  <a:srgbClr val="000000"/>
+                </a:solidFill>
+                <a:effectLst/>
+                <a:latin typeface="Courier New" panose="02070309020205020404" pitchFamily="49" charset="0"/>
+              </a:rPr>
+              <a:t>(</a:t>
+            </a:r>
+            <a:r>
+              <a:rPr lang="en-IN" sz="1200" b="1" i="1" dirty="0">
+                <a:solidFill>
+                  <a:srgbClr val="0000C0"/>
+                </a:solidFill>
+                <a:effectLst/>
+                <a:latin typeface="Courier New" panose="02070309020205020404" pitchFamily="49" charset="0"/>
+              </a:rPr>
+              <a:t>age</a:t>
+            </a:r>
+            <a:r>
+              <a:rPr lang="en-IN" sz="1200" dirty="0">
+                <a:solidFill>
+                  <a:srgbClr val="000000"/>
+                </a:solidFill>
+                <a:effectLst/>
+                <a:latin typeface="Courier New" panose="02070309020205020404" pitchFamily="49" charset="0"/>
+              </a:rPr>
+              <a:t>);</a:t>
+            </a:r>
+          </a:p>
+          <a:p>
+            <a:pPr marL="0" marR="0">
+              <a:spcBef>
+                <a:spcPts val="0"/>
+              </a:spcBef>
+              <a:spcAft>
+                <a:spcPts val="0"/>
+              </a:spcAft>
+            </a:pPr>
+            <a:r>
+              <a:rPr lang="en-IN" sz="1200" dirty="0">
+                <a:solidFill>
+                  <a:srgbClr val="000000"/>
+                </a:solidFill>
+                <a:effectLst/>
+                <a:latin typeface="Courier New" panose="02070309020205020404" pitchFamily="49" charset="0"/>
+              </a:rPr>
+              <a:t>}</a:t>
+            </a:r>
+          </a:p>
+          <a:p>
+            <a:pPr marL="0" marR="0">
+              <a:spcBef>
+                <a:spcPts val="0"/>
+              </a:spcBef>
+              <a:spcAft>
+                <a:spcPts val="0"/>
+              </a:spcAft>
+            </a:pPr>
+            <a:r>
+              <a:rPr lang="en-IN" sz="1200" b="1" dirty="0">
+                <a:solidFill>
+                  <a:srgbClr val="7F0055"/>
+                </a:solidFill>
+                <a:effectLst/>
+                <a:latin typeface="Courier New" panose="02070309020205020404" pitchFamily="49" charset="0"/>
+              </a:rPr>
+              <a:t>abstract</a:t>
+            </a:r>
+            <a:r>
+              <a:rPr lang="en-IN" sz="1200" dirty="0">
+                <a:solidFill>
+                  <a:srgbClr val="000000"/>
+                </a:solidFill>
+                <a:effectLst/>
+                <a:latin typeface="Courier New" panose="02070309020205020404" pitchFamily="49" charset="0"/>
+              </a:rPr>
+              <a:t> </a:t>
+            </a:r>
+            <a:r>
+              <a:rPr lang="en-IN" sz="1200" b="1" dirty="0">
+                <a:solidFill>
+                  <a:srgbClr val="7F0055"/>
+                </a:solidFill>
+                <a:effectLst/>
+                <a:latin typeface="Courier New" panose="02070309020205020404" pitchFamily="49" charset="0"/>
+              </a:rPr>
+              <a:t>void</a:t>
+            </a:r>
+            <a:r>
+              <a:rPr lang="en-IN" sz="1200" dirty="0">
+                <a:solidFill>
+                  <a:srgbClr val="000000"/>
+                </a:solidFill>
+                <a:effectLst/>
+                <a:latin typeface="Courier New" panose="02070309020205020404" pitchFamily="49" charset="0"/>
+              </a:rPr>
+              <a:t> engine(String </a:t>
+            </a:r>
+            <a:r>
+              <a:rPr lang="en-IN" sz="1200" dirty="0" err="1">
+                <a:solidFill>
+                  <a:srgbClr val="6A3E3E"/>
+                </a:solidFill>
+                <a:effectLst/>
+                <a:latin typeface="Courier New" panose="02070309020205020404" pitchFamily="49" charset="0"/>
+              </a:rPr>
+              <a:t>carname</a:t>
+            </a:r>
+            <a:r>
+              <a:rPr lang="en-IN" sz="1200" dirty="0">
+                <a:solidFill>
+                  <a:srgbClr val="000000"/>
+                </a:solidFill>
+                <a:effectLst/>
+                <a:latin typeface="Courier New" panose="02070309020205020404" pitchFamily="49" charset="0"/>
+              </a:rPr>
+              <a:t>);</a:t>
+            </a:r>
+          </a:p>
+          <a:p>
+            <a:pPr marL="0" marR="0">
+              <a:spcBef>
+                <a:spcPts val="0"/>
+              </a:spcBef>
+              <a:spcAft>
+                <a:spcPts val="0"/>
+              </a:spcAft>
+            </a:pPr>
+            <a:r>
+              <a:rPr lang="en-IN" sz="1200" b="1" dirty="0">
+                <a:solidFill>
+                  <a:srgbClr val="7F0055"/>
+                </a:solidFill>
+                <a:effectLst/>
+                <a:latin typeface="Courier New" panose="02070309020205020404" pitchFamily="49" charset="0"/>
+              </a:rPr>
+              <a:t>abstract</a:t>
+            </a:r>
+            <a:r>
+              <a:rPr lang="en-IN" sz="1200" dirty="0">
+                <a:solidFill>
+                  <a:srgbClr val="000000"/>
+                </a:solidFill>
+                <a:effectLst/>
+                <a:latin typeface="Courier New" panose="02070309020205020404" pitchFamily="49" charset="0"/>
+              </a:rPr>
+              <a:t> </a:t>
+            </a:r>
+            <a:r>
+              <a:rPr lang="en-IN" sz="1200" b="1" dirty="0">
+                <a:solidFill>
+                  <a:srgbClr val="7F0055"/>
+                </a:solidFill>
+                <a:effectLst/>
+                <a:latin typeface="Courier New" panose="02070309020205020404" pitchFamily="49" charset="0"/>
+              </a:rPr>
+              <a:t>void</a:t>
+            </a:r>
+            <a:r>
+              <a:rPr lang="en-IN" sz="1200" dirty="0">
+                <a:solidFill>
+                  <a:srgbClr val="000000"/>
+                </a:solidFill>
+                <a:effectLst/>
+                <a:latin typeface="Courier New" panose="02070309020205020404" pitchFamily="49" charset="0"/>
+              </a:rPr>
+              <a:t> </a:t>
+            </a:r>
+            <a:r>
+              <a:rPr lang="en-IN" sz="1200" dirty="0" err="1">
+                <a:solidFill>
+                  <a:srgbClr val="000000"/>
+                </a:solidFill>
+                <a:effectLst/>
+                <a:latin typeface="Courier New" panose="02070309020205020404" pitchFamily="49" charset="0"/>
+              </a:rPr>
+              <a:t>breakFunction</a:t>
+            </a:r>
+            <a:r>
+              <a:rPr lang="en-IN" sz="1200" dirty="0">
+                <a:solidFill>
+                  <a:srgbClr val="000000"/>
+                </a:solidFill>
+                <a:effectLst/>
+                <a:latin typeface="Courier New" panose="02070309020205020404" pitchFamily="49" charset="0"/>
+              </a:rPr>
+              <a:t>() ;</a:t>
+            </a:r>
+          </a:p>
+          <a:p>
+            <a:pPr marL="0" marR="0">
+              <a:spcBef>
+                <a:spcPts val="0"/>
+              </a:spcBef>
+              <a:spcAft>
+                <a:spcPts val="0"/>
+              </a:spcAft>
+            </a:pPr>
+            <a:r>
+              <a:rPr lang="en-IN" sz="1200" b="1" dirty="0">
+                <a:solidFill>
+                  <a:srgbClr val="7F0055"/>
+                </a:solidFill>
+                <a:effectLst/>
+                <a:latin typeface="Courier New" panose="02070309020205020404" pitchFamily="49" charset="0"/>
+              </a:rPr>
+              <a:t>abstract</a:t>
+            </a:r>
+            <a:r>
+              <a:rPr lang="en-IN" sz="1200" dirty="0">
+                <a:solidFill>
+                  <a:srgbClr val="000000"/>
+                </a:solidFill>
+                <a:effectLst/>
+                <a:latin typeface="Courier New" panose="02070309020205020404" pitchFamily="49" charset="0"/>
+              </a:rPr>
+              <a:t> </a:t>
+            </a:r>
+            <a:r>
+              <a:rPr lang="en-IN" sz="1200" b="1" dirty="0">
+                <a:solidFill>
+                  <a:srgbClr val="7F0055"/>
+                </a:solidFill>
+                <a:effectLst/>
+                <a:latin typeface="Courier New" panose="02070309020205020404" pitchFamily="49" charset="0"/>
+              </a:rPr>
+              <a:t>void</a:t>
+            </a:r>
+            <a:r>
+              <a:rPr lang="en-IN" sz="1200" dirty="0">
+                <a:solidFill>
+                  <a:srgbClr val="000000"/>
+                </a:solidFill>
+                <a:effectLst/>
+                <a:latin typeface="Courier New" panose="02070309020205020404" pitchFamily="49" charset="0"/>
+              </a:rPr>
+              <a:t> doors() ;</a:t>
+            </a:r>
+          </a:p>
+          <a:p>
+            <a:pPr marL="0" marR="0">
+              <a:spcBef>
+                <a:spcPts val="0"/>
+              </a:spcBef>
+              <a:spcAft>
+                <a:spcPts val="0"/>
+              </a:spcAft>
+            </a:pPr>
+            <a:r>
+              <a:rPr lang="en-IN" sz="1200" dirty="0">
+                <a:solidFill>
+                  <a:srgbClr val="000000"/>
+                </a:solidFill>
+                <a:effectLst/>
+                <a:latin typeface="Courier New" panose="02070309020205020404" pitchFamily="49" charset="0"/>
+              </a:rPr>
+              <a:t>}</a:t>
+            </a:r>
+          </a:p>
+          <a:p>
+            <a:pPr marL="0" marR="0">
+              <a:spcBef>
+                <a:spcPts val="0"/>
+              </a:spcBef>
+              <a:spcAft>
+                <a:spcPts val="0"/>
+              </a:spcAft>
+            </a:pPr>
+            <a:endParaRPr lang="en-IN" sz="1200" dirty="0">
+              <a:solidFill>
+                <a:srgbClr val="000000"/>
+              </a:solidFill>
+              <a:effectLst/>
+              <a:latin typeface="Courier New" panose="02070309020205020404" pitchFamily="49" charset="0"/>
+            </a:endParaRPr>
+          </a:p>
+          <a:p>
+            <a:pPr marL="0" marR="0">
+              <a:spcBef>
+                <a:spcPts val="0"/>
+              </a:spcBef>
+              <a:spcAft>
+                <a:spcPts val="0"/>
+              </a:spcAft>
+            </a:pPr>
+            <a:r>
+              <a:rPr lang="en-IN" sz="1200" b="1" dirty="0">
+                <a:solidFill>
+                  <a:srgbClr val="7F0055"/>
+                </a:solidFill>
+                <a:effectLst/>
+                <a:latin typeface="Courier New" panose="02070309020205020404" pitchFamily="49" charset="0"/>
+              </a:rPr>
+              <a:t>class</a:t>
+            </a:r>
+            <a:r>
+              <a:rPr lang="en-IN" sz="1200" dirty="0">
+                <a:solidFill>
+                  <a:srgbClr val="000000"/>
+                </a:solidFill>
+                <a:effectLst/>
+                <a:latin typeface="Courier New" panose="02070309020205020404" pitchFamily="49" charset="0"/>
+              </a:rPr>
+              <a:t> </a:t>
+            </a:r>
+            <a:r>
+              <a:rPr lang="en-IN" sz="1200" dirty="0" err="1">
+                <a:solidFill>
+                  <a:srgbClr val="000000"/>
+                </a:solidFill>
+                <a:effectLst/>
+                <a:latin typeface="Courier New" panose="02070309020205020404" pitchFamily="49" charset="0"/>
+              </a:rPr>
+              <a:t>benz</a:t>
+            </a:r>
+            <a:r>
+              <a:rPr lang="en-IN" sz="1200" dirty="0">
+                <a:solidFill>
+                  <a:srgbClr val="000000"/>
+                </a:solidFill>
+                <a:effectLst/>
+                <a:latin typeface="Courier New" panose="02070309020205020404" pitchFamily="49" charset="0"/>
+              </a:rPr>
+              <a:t> </a:t>
+            </a:r>
+            <a:r>
+              <a:rPr lang="en-IN" sz="1200" b="1" dirty="0">
+                <a:solidFill>
+                  <a:srgbClr val="7F0055"/>
+                </a:solidFill>
+                <a:effectLst/>
+                <a:latin typeface="Courier New" panose="02070309020205020404" pitchFamily="49" charset="0"/>
+              </a:rPr>
+              <a:t>extends</a:t>
+            </a:r>
+            <a:r>
+              <a:rPr lang="en-IN" sz="1200" dirty="0">
+                <a:solidFill>
+                  <a:srgbClr val="000000"/>
+                </a:solidFill>
+                <a:effectLst/>
+                <a:latin typeface="Courier New" panose="02070309020205020404" pitchFamily="49" charset="0"/>
+              </a:rPr>
+              <a:t> car{</a:t>
+            </a:r>
+          </a:p>
+          <a:p>
+            <a:pPr marL="0" marR="0">
+              <a:spcBef>
+                <a:spcPts val="0"/>
+              </a:spcBef>
+              <a:spcAft>
+                <a:spcPts val="0"/>
+              </a:spcAft>
+            </a:pPr>
+            <a:r>
+              <a:rPr lang="en-IN" sz="1200" b="1" dirty="0">
+                <a:solidFill>
+                  <a:srgbClr val="7F0055"/>
+                </a:solidFill>
+                <a:effectLst/>
+                <a:latin typeface="Courier New" panose="02070309020205020404" pitchFamily="49" charset="0"/>
+              </a:rPr>
+              <a:t>void</a:t>
+            </a:r>
+            <a:r>
+              <a:rPr lang="en-IN" sz="1200" dirty="0">
+                <a:solidFill>
+                  <a:srgbClr val="000000"/>
+                </a:solidFill>
+                <a:effectLst/>
+                <a:latin typeface="Courier New" panose="02070309020205020404" pitchFamily="49" charset="0"/>
+              </a:rPr>
+              <a:t> engine(String </a:t>
+            </a:r>
+            <a:r>
+              <a:rPr lang="en-IN" sz="1200" dirty="0" err="1">
+                <a:solidFill>
+                  <a:srgbClr val="6A3E3E"/>
+                </a:solidFill>
+                <a:effectLst/>
+                <a:latin typeface="Courier New" panose="02070309020205020404" pitchFamily="49" charset="0"/>
+              </a:rPr>
+              <a:t>carname</a:t>
+            </a:r>
+            <a:r>
+              <a:rPr lang="en-IN" sz="1200" dirty="0">
+                <a:solidFill>
+                  <a:srgbClr val="000000"/>
+                </a:solidFill>
+                <a:effectLst/>
+                <a:latin typeface="Courier New" panose="02070309020205020404" pitchFamily="49" charset="0"/>
+              </a:rPr>
+              <a:t>) {</a:t>
+            </a:r>
+          </a:p>
+          <a:p>
+            <a:pPr marL="0" marR="0">
+              <a:spcBef>
+                <a:spcPts val="0"/>
+              </a:spcBef>
+              <a:spcAft>
+                <a:spcPts val="0"/>
+              </a:spcAft>
+            </a:pPr>
+            <a:r>
+              <a:rPr lang="en-IN" sz="1200" dirty="0" err="1">
+                <a:solidFill>
+                  <a:srgbClr val="000000"/>
+                </a:solidFill>
+                <a:effectLst/>
+                <a:latin typeface="Courier New" panose="02070309020205020404" pitchFamily="49" charset="0"/>
+              </a:rPr>
+              <a:t>System.</a:t>
+            </a:r>
+            <a:r>
+              <a:rPr lang="en-IN" sz="1200" b="1" i="1" dirty="0" err="1">
+                <a:solidFill>
+                  <a:srgbClr val="0000C0"/>
+                </a:solidFill>
+                <a:effectLst/>
+                <a:latin typeface="Courier New" panose="02070309020205020404" pitchFamily="49" charset="0"/>
+              </a:rPr>
+              <a:t>out</a:t>
+            </a:r>
+            <a:r>
+              <a:rPr lang="en-IN" sz="1200" dirty="0" err="1">
+                <a:solidFill>
+                  <a:srgbClr val="000000"/>
+                </a:solidFill>
+                <a:effectLst/>
+                <a:latin typeface="Courier New" panose="02070309020205020404" pitchFamily="49" charset="0"/>
+              </a:rPr>
+              <a:t>.println</a:t>
+            </a:r>
+            <a:r>
+              <a:rPr lang="en-IN" sz="1200" dirty="0">
+                <a:solidFill>
+                  <a:srgbClr val="000000"/>
+                </a:solidFill>
+                <a:effectLst/>
+                <a:latin typeface="Courier New" panose="02070309020205020404" pitchFamily="49" charset="0"/>
+              </a:rPr>
+              <a:t>(</a:t>
+            </a:r>
+            <a:r>
+              <a:rPr lang="en-IN" sz="1200" dirty="0">
+                <a:solidFill>
+                  <a:srgbClr val="2A00FF"/>
+                </a:solidFill>
+                <a:effectLst/>
+                <a:latin typeface="Courier New" panose="02070309020205020404" pitchFamily="49" charset="0"/>
+              </a:rPr>
+              <a:t>"Engine is implemented by BENZ"</a:t>
+            </a:r>
+            <a:r>
+              <a:rPr lang="en-IN" sz="1200" dirty="0">
+                <a:solidFill>
+                  <a:srgbClr val="000000"/>
+                </a:solidFill>
+                <a:effectLst/>
+                <a:latin typeface="Courier New" panose="02070309020205020404" pitchFamily="49" charset="0"/>
+              </a:rPr>
+              <a:t>);</a:t>
+            </a:r>
+          </a:p>
+          <a:p>
+            <a:pPr marL="0" marR="0">
+              <a:spcBef>
+                <a:spcPts val="0"/>
+              </a:spcBef>
+              <a:spcAft>
+                <a:spcPts val="0"/>
+              </a:spcAft>
+            </a:pPr>
+            <a:r>
+              <a:rPr lang="en-IN" sz="1200" dirty="0">
+                <a:solidFill>
+                  <a:srgbClr val="000000"/>
+                </a:solidFill>
+                <a:effectLst/>
+                <a:latin typeface="Courier New" panose="02070309020205020404" pitchFamily="49" charset="0"/>
+              </a:rPr>
+              <a:t>}</a:t>
+            </a:r>
+          </a:p>
+          <a:p>
+            <a:pPr marL="0" marR="0">
+              <a:spcBef>
+                <a:spcPts val="0"/>
+              </a:spcBef>
+              <a:spcAft>
+                <a:spcPts val="0"/>
+              </a:spcAft>
+            </a:pPr>
+            <a:r>
+              <a:rPr lang="en-IN" sz="1200" b="1" dirty="0">
+                <a:solidFill>
+                  <a:srgbClr val="7F0055"/>
+                </a:solidFill>
+                <a:effectLst/>
+                <a:latin typeface="Courier New" panose="02070309020205020404" pitchFamily="49" charset="0"/>
+              </a:rPr>
+              <a:t>void</a:t>
+            </a:r>
+            <a:r>
+              <a:rPr lang="en-IN" sz="1200" dirty="0">
+                <a:solidFill>
+                  <a:srgbClr val="000000"/>
+                </a:solidFill>
+                <a:effectLst/>
+                <a:latin typeface="Courier New" panose="02070309020205020404" pitchFamily="49" charset="0"/>
+              </a:rPr>
+              <a:t> </a:t>
+            </a:r>
+            <a:r>
+              <a:rPr lang="en-IN" sz="1200" dirty="0" err="1">
+                <a:solidFill>
+                  <a:srgbClr val="000000"/>
+                </a:solidFill>
+                <a:effectLst/>
+                <a:latin typeface="Courier New" panose="02070309020205020404" pitchFamily="49" charset="0"/>
+              </a:rPr>
+              <a:t>breakFunction</a:t>
+            </a:r>
+            <a:r>
+              <a:rPr lang="en-IN" sz="1200" dirty="0">
+                <a:solidFill>
+                  <a:srgbClr val="000000"/>
+                </a:solidFill>
+                <a:effectLst/>
+                <a:latin typeface="Courier New" panose="02070309020205020404" pitchFamily="49" charset="0"/>
+              </a:rPr>
+              <a:t>() {</a:t>
+            </a:r>
+          </a:p>
+          <a:p>
+            <a:pPr marL="0" marR="0">
+              <a:spcBef>
+                <a:spcPts val="0"/>
+              </a:spcBef>
+              <a:spcAft>
+                <a:spcPts val="0"/>
+              </a:spcAft>
+            </a:pPr>
+            <a:r>
+              <a:rPr lang="en-IN" sz="1200" dirty="0" err="1">
+                <a:solidFill>
+                  <a:srgbClr val="000000"/>
+                </a:solidFill>
+                <a:effectLst/>
+                <a:latin typeface="Courier New" panose="02070309020205020404" pitchFamily="49" charset="0"/>
+              </a:rPr>
+              <a:t>System.</a:t>
+            </a:r>
+            <a:r>
+              <a:rPr lang="en-IN" sz="1200" b="1" i="1" dirty="0" err="1">
+                <a:solidFill>
+                  <a:srgbClr val="0000C0"/>
+                </a:solidFill>
+                <a:effectLst/>
+                <a:latin typeface="Courier New" panose="02070309020205020404" pitchFamily="49" charset="0"/>
+              </a:rPr>
+              <a:t>out</a:t>
+            </a:r>
+            <a:r>
+              <a:rPr lang="en-IN" sz="1200" dirty="0" err="1">
+                <a:solidFill>
+                  <a:srgbClr val="000000"/>
+                </a:solidFill>
+                <a:effectLst/>
+                <a:latin typeface="Courier New" panose="02070309020205020404" pitchFamily="49" charset="0"/>
+              </a:rPr>
+              <a:t>.println</a:t>
+            </a:r>
+            <a:r>
+              <a:rPr lang="en-IN" sz="1200" dirty="0">
+                <a:solidFill>
+                  <a:srgbClr val="000000"/>
+                </a:solidFill>
+                <a:effectLst/>
+                <a:latin typeface="Courier New" panose="02070309020205020404" pitchFamily="49" charset="0"/>
+              </a:rPr>
+              <a:t>(</a:t>
+            </a:r>
+            <a:r>
+              <a:rPr lang="en-IN" sz="1200" dirty="0">
+                <a:solidFill>
+                  <a:srgbClr val="2A00FF"/>
+                </a:solidFill>
+                <a:effectLst/>
+                <a:latin typeface="Courier New" panose="02070309020205020404" pitchFamily="49" charset="0"/>
+              </a:rPr>
+              <a:t>"</a:t>
+            </a:r>
+            <a:r>
+              <a:rPr lang="en-IN" sz="1200" dirty="0" err="1">
+                <a:solidFill>
+                  <a:srgbClr val="2A00FF"/>
+                </a:solidFill>
+                <a:effectLst/>
+                <a:latin typeface="Courier New" panose="02070309020205020404" pitchFamily="49" charset="0"/>
+              </a:rPr>
+              <a:t>breakFunction</a:t>
+            </a:r>
+            <a:r>
+              <a:rPr lang="en-IN" sz="1200" dirty="0">
+                <a:solidFill>
+                  <a:srgbClr val="2A00FF"/>
+                </a:solidFill>
+                <a:effectLst/>
+                <a:latin typeface="Courier New" panose="02070309020205020404" pitchFamily="49" charset="0"/>
+              </a:rPr>
+              <a:t> is implemented by BENZ"</a:t>
+            </a:r>
+            <a:r>
+              <a:rPr lang="en-IN" sz="1200" dirty="0">
+                <a:solidFill>
+                  <a:srgbClr val="000000"/>
+                </a:solidFill>
+                <a:effectLst/>
+                <a:latin typeface="Courier New" panose="02070309020205020404" pitchFamily="49" charset="0"/>
+              </a:rPr>
+              <a:t>);</a:t>
+            </a:r>
+          </a:p>
+          <a:p>
+            <a:pPr marL="0" marR="0">
+              <a:spcBef>
+                <a:spcPts val="0"/>
+              </a:spcBef>
+              <a:spcAft>
+                <a:spcPts val="0"/>
+              </a:spcAft>
+            </a:pPr>
+            <a:r>
+              <a:rPr lang="en-IN" sz="1200" dirty="0">
+                <a:solidFill>
+                  <a:srgbClr val="000000"/>
+                </a:solidFill>
+                <a:effectLst/>
+                <a:latin typeface="Courier New" panose="02070309020205020404" pitchFamily="49" charset="0"/>
+              </a:rPr>
+              <a:t>}</a:t>
+            </a:r>
+          </a:p>
+          <a:p>
+            <a:pPr marL="0" marR="0">
+              <a:spcBef>
+                <a:spcPts val="0"/>
+              </a:spcBef>
+              <a:spcAft>
+                <a:spcPts val="0"/>
+              </a:spcAft>
+            </a:pPr>
+            <a:r>
+              <a:rPr lang="en-IN" sz="1200" b="1" dirty="0">
+                <a:solidFill>
+                  <a:srgbClr val="7F0055"/>
+                </a:solidFill>
+                <a:effectLst/>
+                <a:latin typeface="Courier New" panose="02070309020205020404" pitchFamily="49" charset="0"/>
+              </a:rPr>
+              <a:t>void</a:t>
+            </a:r>
+            <a:r>
+              <a:rPr lang="en-IN" sz="1200" dirty="0">
+                <a:solidFill>
+                  <a:srgbClr val="000000"/>
+                </a:solidFill>
+                <a:effectLst/>
+                <a:latin typeface="Courier New" panose="02070309020205020404" pitchFamily="49" charset="0"/>
+              </a:rPr>
+              <a:t> doors() {</a:t>
+            </a:r>
+          </a:p>
+          <a:p>
+            <a:pPr marL="0" marR="0">
+              <a:spcBef>
+                <a:spcPts val="0"/>
+              </a:spcBef>
+              <a:spcAft>
+                <a:spcPts val="0"/>
+              </a:spcAft>
+            </a:pPr>
+            <a:r>
+              <a:rPr lang="en-IN" sz="1200" dirty="0" err="1">
+                <a:solidFill>
+                  <a:srgbClr val="000000"/>
+                </a:solidFill>
+                <a:effectLst/>
+                <a:latin typeface="Courier New" panose="02070309020205020404" pitchFamily="49" charset="0"/>
+              </a:rPr>
+              <a:t>System.</a:t>
+            </a:r>
+            <a:r>
+              <a:rPr lang="en-IN" sz="1200" b="1" i="1" dirty="0" err="1">
+                <a:solidFill>
+                  <a:srgbClr val="0000C0"/>
+                </a:solidFill>
+                <a:effectLst/>
+                <a:latin typeface="Courier New" panose="02070309020205020404" pitchFamily="49" charset="0"/>
+              </a:rPr>
+              <a:t>out</a:t>
+            </a:r>
+            <a:r>
+              <a:rPr lang="en-IN" sz="1200" dirty="0" err="1">
+                <a:solidFill>
+                  <a:srgbClr val="000000"/>
+                </a:solidFill>
+                <a:effectLst/>
+                <a:latin typeface="Courier New" panose="02070309020205020404" pitchFamily="49" charset="0"/>
+              </a:rPr>
+              <a:t>.println</a:t>
+            </a:r>
+            <a:r>
+              <a:rPr lang="en-IN" sz="1200" dirty="0">
+                <a:solidFill>
+                  <a:srgbClr val="000000"/>
+                </a:solidFill>
+                <a:effectLst/>
+                <a:latin typeface="Courier New" panose="02070309020205020404" pitchFamily="49" charset="0"/>
+              </a:rPr>
+              <a:t>(</a:t>
+            </a:r>
+            <a:r>
+              <a:rPr lang="en-IN" sz="1200" dirty="0">
+                <a:solidFill>
+                  <a:srgbClr val="2A00FF"/>
+                </a:solidFill>
+                <a:effectLst/>
+                <a:latin typeface="Courier New" panose="02070309020205020404" pitchFamily="49" charset="0"/>
+              </a:rPr>
+              <a:t>"doors is implemented by BENZ"</a:t>
+            </a:r>
+            <a:r>
+              <a:rPr lang="en-IN" sz="1200" dirty="0">
+                <a:solidFill>
+                  <a:srgbClr val="000000"/>
+                </a:solidFill>
+                <a:effectLst/>
+                <a:latin typeface="Courier New" panose="02070309020205020404" pitchFamily="49" charset="0"/>
+              </a:rPr>
+              <a:t>); </a:t>
+            </a:r>
+          </a:p>
+          <a:p>
+            <a:pPr marL="0" marR="0">
+              <a:spcBef>
+                <a:spcPts val="0"/>
+              </a:spcBef>
+              <a:spcAft>
+                <a:spcPts val="0"/>
+              </a:spcAft>
+            </a:pPr>
+            <a:r>
+              <a:rPr lang="en-IN" sz="1200" dirty="0">
+                <a:solidFill>
+                  <a:srgbClr val="000000"/>
+                </a:solidFill>
+                <a:effectLst/>
+                <a:latin typeface="Courier New" panose="02070309020205020404" pitchFamily="49" charset="0"/>
+              </a:rPr>
+              <a:t>}</a:t>
+            </a:r>
+          </a:p>
+          <a:p>
+            <a:pPr marL="0" marR="0">
+              <a:spcBef>
+                <a:spcPts val="0"/>
+              </a:spcBef>
+              <a:spcAft>
+                <a:spcPts val="0"/>
+              </a:spcAft>
+            </a:pPr>
+            <a:r>
+              <a:rPr lang="en-IN" sz="1200" dirty="0">
+                <a:solidFill>
+                  <a:srgbClr val="000000"/>
+                </a:solidFill>
+                <a:effectLst/>
+                <a:latin typeface="Courier New" panose="02070309020205020404" pitchFamily="49" charset="0"/>
+              </a:rPr>
+              <a:t>}</a:t>
+            </a:r>
+          </a:p>
+          <a:p>
+            <a:pPr marL="0" marR="0">
+              <a:spcBef>
+                <a:spcPts val="0"/>
+              </a:spcBef>
+              <a:spcAft>
+                <a:spcPts val="0"/>
+              </a:spcAft>
+            </a:pPr>
+            <a:br>
+              <a:rPr lang="en-IN" sz="1200" dirty="0">
+                <a:solidFill>
+                  <a:srgbClr val="000000"/>
+                </a:solidFill>
+                <a:effectLst/>
+                <a:latin typeface="Courier New" panose="02070309020205020404" pitchFamily="49" charset="0"/>
+              </a:rPr>
+            </a:br>
+            <a:r>
+              <a:rPr lang="en-IN" sz="1200" b="1" dirty="0">
+                <a:solidFill>
+                  <a:srgbClr val="7F0055"/>
+                </a:solidFill>
+                <a:effectLst/>
+                <a:latin typeface="Courier New" panose="02070309020205020404" pitchFamily="49" charset="0"/>
+              </a:rPr>
+              <a:t>class</a:t>
+            </a:r>
+            <a:r>
+              <a:rPr lang="en-IN" sz="1200" dirty="0">
+                <a:solidFill>
+                  <a:srgbClr val="000000"/>
+                </a:solidFill>
+                <a:effectLst/>
+                <a:latin typeface="Courier New" panose="02070309020205020404" pitchFamily="49" charset="0"/>
+              </a:rPr>
+              <a:t> </a:t>
+            </a:r>
+            <a:r>
+              <a:rPr lang="en-IN" sz="1200" dirty="0" err="1">
+                <a:solidFill>
+                  <a:srgbClr val="000000"/>
+                </a:solidFill>
+                <a:effectLst/>
+                <a:latin typeface="Courier New" panose="02070309020205020404" pitchFamily="49" charset="0"/>
+              </a:rPr>
+              <a:t>audi</a:t>
+            </a:r>
+            <a:r>
+              <a:rPr lang="en-IN" sz="1200" dirty="0">
+                <a:solidFill>
+                  <a:srgbClr val="000000"/>
+                </a:solidFill>
+                <a:effectLst/>
+                <a:latin typeface="Courier New" panose="02070309020205020404" pitchFamily="49" charset="0"/>
+              </a:rPr>
+              <a:t> </a:t>
+            </a:r>
+            <a:r>
+              <a:rPr lang="en-IN" sz="1200" b="1" dirty="0">
+                <a:solidFill>
+                  <a:srgbClr val="7F0055"/>
+                </a:solidFill>
+                <a:effectLst/>
+                <a:latin typeface="Courier New" panose="02070309020205020404" pitchFamily="49" charset="0"/>
+              </a:rPr>
+              <a:t>extends</a:t>
+            </a:r>
+            <a:r>
+              <a:rPr lang="en-IN" sz="1200" dirty="0">
+                <a:solidFill>
+                  <a:srgbClr val="000000"/>
+                </a:solidFill>
+                <a:effectLst/>
+                <a:latin typeface="Courier New" panose="02070309020205020404" pitchFamily="49" charset="0"/>
+              </a:rPr>
+              <a:t> car{</a:t>
+            </a:r>
+          </a:p>
+          <a:p>
+            <a:pPr marL="0" marR="0">
+              <a:spcBef>
+                <a:spcPts val="0"/>
+              </a:spcBef>
+              <a:spcAft>
+                <a:spcPts val="0"/>
+              </a:spcAft>
+            </a:pPr>
+            <a:r>
+              <a:rPr lang="en-IN" sz="1200" b="1" dirty="0">
+                <a:solidFill>
+                  <a:srgbClr val="7F0055"/>
+                </a:solidFill>
+                <a:effectLst/>
+                <a:latin typeface="Courier New" panose="02070309020205020404" pitchFamily="49" charset="0"/>
+              </a:rPr>
+              <a:t>void</a:t>
+            </a:r>
+            <a:r>
+              <a:rPr lang="en-IN" sz="1200" dirty="0">
+                <a:solidFill>
+                  <a:srgbClr val="000000"/>
+                </a:solidFill>
+                <a:effectLst/>
+                <a:latin typeface="Courier New" panose="02070309020205020404" pitchFamily="49" charset="0"/>
+              </a:rPr>
+              <a:t> engine(String </a:t>
+            </a:r>
+            <a:r>
+              <a:rPr lang="en-IN" sz="1200" dirty="0" err="1">
+                <a:solidFill>
+                  <a:srgbClr val="6A3E3E"/>
+                </a:solidFill>
+                <a:effectLst/>
+                <a:latin typeface="Courier New" panose="02070309020205020404" pitchFamily="49" charset="0"/>
+              </a:rPr>
+              <a:t>carname</a:t>
+            </a:r>
+            <a:r>
+              <a:rPr lang="en-IN" sz="1200" dirty="0">
+                <a:solidFill>
+                  <a:srgbClr val="000000"/>
+                </a:solidFill>
+                <a:effectLst/>
+                <a:latin typeface="Courier New" panose="02070309020205020404" pitchFamily="49" charset="0"/>
+              </a:rPr>
+              <a:t>) {</a:t>
+            </a:r>
+          </a:p>
+          <a:p>
+            <a:pPr marL="0" marR="0">
+              <a:spcBef>
+                <a:spcPts val="0"/>
+              </a:spcBef>
+              <a:spcAft>
+                <a:spcPts val="0"/>
+              </a:spcAft>
+            </a:pPr>
+            <a:r>
+              <a:rPr lang="en-IN" sz="1200" dirty="0" err="1">
+                <a:solidFill>
+                  <a:srgbClr val="000000"/>
+                </a:solidFill>
+                <a:effectLst/>
+                <a:latin typeface="Courier New" panose="02070309020205020404" pitchFamily="49" charset="0"/>
+              </a:rPr>
+              <a:t>System.</a:t>
+            </a:r>
+            <a:r>
+              <a:rPr lang="en-IN" sz="1200" b="1" i="1" dirty="0" err="1">
+                <a:solidFill>
+                  <a:srgbClr val="0000C0"/>
+                </a:solidFill>
+                <a:effectLst/>
+                <a:latin typeface="Courier New" panose="02070309020205020404" pitchFamily="49" charset="0"/>
+              </a:rPr>
+              <a:t>out</a:t>
+            </a:r>
+            <a:r>
+              <a:rPr lang="en-IN" sz="1200" dirty="0" err="1">
+                <a:solidFill>
+                  <a:srgbClr val="000000"/>
+                </a:solidFill>
+                <a:effectLst/>
+                <a:latin typeface="Courier New" panose="02070309020205020404" pitchFamily="49" charset="0"/>
+              </a:rPr>
+              <a:t>.println</a:t>
+            </a:r>
+            <a:r>
+              <a:rPr lang="en-IN" sz="1200" dirty="0">
+                <a:solidFill>
+                  <a:srgbClr val="000000"/>
+                </a:solidFill>
+                <a:effectLst/>
+                <a:latin typeface="Courier New" panose="02070309020205020404" pitchFamily="49" charset="0"/>
+              </a:rPr>
+              <a:t>(</a:t>
+            </a:r>
+            <a:r>
+              <a:rPr lang="en-IN" sz="1200" dirty="0">
+                <a:solidFill>
+                  <a:srgbClr val="2A00FF"/>
+                </a:solidFill>
+                <a:effectLst/>
+                <a:latin typeface="Courier New" panose="02070309020205020404" pitchFamily="49" charset="0"/>
+              </a:rPr>
+              <a:t>"Engine is implemented by </a:t>
+            </a:r>
+            <a:r>
+              <a:rPr lang="en-IN" sz="1200" dirty="0" err="1">
+                <a:solidFill>
+                  <a:srgbClr val="2A00FF"/>
+                </a:solidFill>
+                <a:effectLst/>
+                <a:latin typeface="Courier New" panose="02070309020205020404" pitchFamily="49" charset="0"/>
+              </a:rPr>
+              <a:t>audi</a:t>
+            </a:r>
+            <a:r>
+              <a:rPr lang="en-IN" sz="1200" dirty="0">
+                <a:solidFill>
+                  <a:srgbClr val="2A00FF"/>
+                </a:solidFill>
+                <a:effectLst/>
+                <a:latin typeface="Courier New" panose="02070309020205020404" pitchFamily="49" charset="0"/>
+              </a:rPr>
+              <a:t>"</a:t>
+            </a:r>
+            <a:r>
+              <a:rPr lang="en-IN" sz="1200" dirty="0">
+                <a:solidFill>
+                  <a:srgbClr val="000000"/>
+                </a:solidFill>
+                <a:effectLst/>
+                <a:latin typeface="Courier New" panose="02070309020205020404" pitchFamily="49" charset="0"/>
+              </a:rPr>
+              <a:t>);</a:t>
+            </a:r>
+          </a:p>
+          <a:p>
+            <a:pPr marL="0" marR="0">
+              <a:spcBef>
+                <a:spcPts val="0"/>
+              </a:spcBef>
+              <a:spcAft>
+                <a:spcPts val="0"/>
+              </a:spcAft>
+            </a:pPr>
+            <a:r>
+              <a:rPr lang="en-IN" sz="1200" dirty="0">
+                <a:solidFill>
+                  <a:srgbClr val="000000"/>
+                </a:solidFill>
+                <a:effectLst/>
+                <a:latin typeface="Courier New" panose="02070309020205020404" pitchFamily="49" charset="0"/>
+              </a:rPr>
+              <a:t>}</a:t>
+            </a:r>
+          </a:p>
+          <a:p>
+            <a:pPr marL="0" marR="0">
+              <a:spcBef>
+                <a:spcPts val="0"/>
+              </a:spcBef>
+              <a:spcAft>
+                <a:spcPts val="0"/>
+              </a:spcAft>
+            </a:pPr>
+            <a:r>
+              <a:rPr lang="en-IN" sz="1200" b="1" dirty="0">
+                <a:solidFill>
+                  <a:srgbClr val="7F0055"/>
+                </a:solidFill>
+                <a:effectLst/>
+                <a:latin typeface="Courier New" panose="02070309020205020404" pitchFamily="49" charset="0"/>
+              </a:rPr>
+              <a:t>void</a:t>
+            </a:r>
+            <a:r>
+              <a:rPr lang="en-IN" sz="1200" dirty="0">
+                <a:solidFill>
+                  <a:srgbClr val="000000"/>
+                </a:solidFill>
+                <a:effectLst/>
+                <a:latin typeface="Courier New" panose="02070309020205020404" pitchFamily="49" charset="0"/>
+              </a:rPr>
+              <a:t> </a:t>
+            </a:r>
+            <a:r>
+              <a:rPr lang="en-IN" sz="1200" dirty="0" err="1">
+                <a:solidFill>
+                  <a:srgbClr val="000000"/>
+                </a:solidFill>
+                <a:effectLst/>
+                <a:latin typeface="Courier New" panose="02070309020205020404" pitchFamily="49" charset="0"/>
+              </a:rPr>
+              <a:t>breakFunction</a:t>
+            </a:r>
+            <a:r>
+              <a:rPr lang="en-IN" sz="1200" dirty="0">
+                <a:solidFill>
+                  <a:srgbClr val="000000"/>
+                </a:solidFill>
+                <a:effectLst/>
+                <a:latin typeface="Courier New" panose="02070309020205020404" pitchFamily="49" charset="0"/>
+              </a:rPr>
+              <a:t>() {</a:t>
+            </a:r>
+          </a:p>
+          <a:p>
+            <a:pPr marL="0" marR="0">
+              <a:spcBef>
+                <a:spcPts val="0"/>
+              </a:spcBef>
+              <a:spcAft>
+                <a:spcPts val="0"/>
+              </a:spcAft>
+            </a:pPr>
+            <a:r>
+              <a:rPr lang="en-IN" sz="1200" dirty="0" err="1">
+                <a:solidFill>
+                  <a:srgbClr val="000000"/>
+                </a:solidFill>
+                <a:effectLst/>
+                <a:latin typeface="Courier New" panose="02070309020205020404" pitchFamily="49" charset="0"/>
+              </a:rPr>
+              <a:t>System.</a:t>
+            </a:r>
+            <a:r>
+              <a:rPr lang="en-IN" sz="1200" b="1" i="1" dirty="0" err="1">
+                <a:solidFill>
+                  <a:srgbClr val="0000C0"/>
+                </a:solidFill>
+                <a:effectLst/>
+                <a:latin typeface="Courier New" panose="02070309020205020404" pitchFamily="49" charset="0"/>
+              </a:rPr>
+              <a:t>out</a:t>
+            </a:r>
+            <a:r>
+              <a:rPr lang="en-IN" sz="1200" dirty="0" err="1">
+                <a:solidFill>
+                  <a:srgbClr val="000000"/>
+                </a:solidFill>
+                <a:effectLst/>
+                <a:latin typeface="Courier New" panose="02070309020205020404" pitchFamily="49" charset="0"/>
+              </a:rPr>
+              <a:t>.println</a:t>
+            </a:r>
+            <a:r>
+              <a:rPr lang="en-IN" sz="1200" dirty="0">
+                <a:solidFill>
+                  <a:srgbClr val="000000"/>
+                </a:solidFill>
+                <a:effectLst/>
+                <a:latin typeface="Courier New" panose="02070309020205020404" pitchFamily="49" charset="0"/>
+              </a:rPr>
+              <a:t>(</a:t>
+            </a:r>
+            <a:r>
+              <a:rPr lang="en-IN" sz="1200" dirty="0">
+                <a:solidFill>
+                  <a:srgbClr val="2A00FF"/>
+                </a:solidFill>
+                <a:effectLst/>
+                <a:latin typeface="Courier New" panose="02070309020205020404" pitchFamily="49" charset="0"/>
+              </a:rPr>
+              <a:t>"</a:t>
+            </a:r>
+            <a:r>
+              <a:rPr lang="en-IN" sz="1200" dirty="0" err="1">
+                <a:solidFill>
+                  <a:srgbClr val="2A00FF"/>
+                </a:solidFill>
+                <a:effectLst/>
+                <a:latin typeface="Courier New" panose="02070309020205020404" pitchFamily="49" charset="0"/>
+              </a:rPr>
+              <a:t>breakFunction</a:t>
+            </a:r>
+            <a:r>
+              <a:rPr lang="en-IN" sz="1200" dirty="0">
+                <a:solidFill>
+                  <a:srgbClr val="2A00FF"/>
+                </a:solidFill>
+                <a:effectLst/>
+                <a:latin typeface="Courier New" panose="02070309020205020404" pitchFamily="49" charset="0"/>
+              </a:rPr>
+              <a:t> is implemented by </a:t>
+            </a:r>
+            <a:r>
+              <a:rPr lang="en-IN" sz="1200" dirty="0" err="1">
+                <a:solidFill>
+                  <a:srgbClr val="2A00FF"/>
+                </a:solidFill>
+                <a:effectLst/>
+                <a:latin typeface="Courier New" panose="02070309020205020404" pitchFamily="49" charset="0"/>
+              </a:rPr>
+              <a:t>audi</a:t>
+            </a:r>
+            <a:r>
+              <a:rPr lang="en-IN" sz="1200">
+                <a:solidFill>
+                  <a:srgbClr val="2A00FF"/>
+                </a:solidFill>
+                <a:effectLst/>
+                <a:latin typeface="Courier New" panose="02070309020205020404" pitchFamily="49" charset="0"/>
+              </a:rPr>
+              <a:t>"</a:t>
+            </a:r>
+            <a:r>
+              <a:rPr lang="en-IN" sz="1200">
+                <a:solidFill>
+                  <a:srgbClr val="000000"/>
+                </a:solidFill>
+                <a:effectLst/>
+                <a:latin typeface="Courier New" panose="02070309020205020404" pitchFamily="49" charset="0"/>
+              </a:rPr>
+              <a:t>);}</a:t>
+            </a:r>
+            <a:endParaRPr lang="en-IN" sz="1200" dirty="0">
+              <a:solidFill>
+                <a:srgbClr val="000000"/>
+              </a:solidFill>
+              <a:effectLst/>
+              <a:latin typeface="Courier New" panose="02070309020205020404" pitchFamily="49" charset="0"/>
+            </a:endParaRPr>
+          </a:p>
+          <a:p>
+            <a:pPr marL="0" marR="0">
+              <a:spcBef>
+                <a:spcPts val="0"/>
+              </a:spcBef>
+              <a:spcAft>
+                <a:spcPts val="0"/>
+              </a:spcAft>
+            </a:pPr>
+            <a:r>
+              <a:rPr lang="en-IN" sz="1200" dirty="0">
+                <a:solidFill>
+                  <a:srgbClr val="000000"/>
+                </a:solidFill>
+                <a:effectLst/>
+                <a:latin typeface="Courier New" panose="02070309020205020404" pitchFamily="49" charset="0"/>
+              </a:rPr>
+              <a:t>}</a:t>
+            </a:r>
+          </a:p>
+        </p:txBody>
+      </p:sp>
+    </p:spTree>
+    <p:extLst>
+      <p:ext uri="{BB962C8B-B14F-4D97-AF65-F5344CB8AC3E}">
+        <p14:creationId xmlns:p14="http://schemas.microsoft.com/office/powerpoint/2010/main" val="2189013326"/>
+      </p:ext>
+    </p:extLst>
+  </p:cSld>
+  <p:clrMapOvr>
+    <a:masterClrMapping/>
+  </p:clrMapOvr>
+</p:sld>
+</file>
+
+<file path=ppt/slides/slide36.xml><?xml version="1.0" encoding="utf-8"?>
+<p:sld xmlns:a="http://schemas.openxmlformats.org/drawingml/2006/main" xmlns:r="http://schemas.openxmlformats.org/officeDocument/2006/relationships" xmlns:p="http://schemas.openxmlformats.org/presentationml/2006/main">
+  <p:cSld>
+    <p:spTree>
+      <p:nvGrpSpPr>
+        <p:cNvPr id="1" name=""/>
+        <p:cNvGrpSpPr/>
+        <p:nvPr/>
+      </p:nvGrpSpPr>
+      <p:grpSpPr>
+        <a:xfrm>
+          <a:off x="0" y="0"/>
+          <a:ext cx="0" cy="0"/>
+          <a:chOff x="0" y="0"/>
+          <a:chExt cx="0" cy="0"/>
+        </a:xfrm>
+      </p:grpSpPr>
+      <p:sp>
+        <p:nvSpPr>
+          <p:cNvPr id="3" name="TextBox 2">
+            <a:extLst>
+              <a:ext uri="{FF2B5EF4-FFF2-40B4-BE49-F238E27FC236}">
+                <a16:creationId xmlns:a16="http://schemas.microsoft.com/office/drawing/2014/main" id="{757DD0CA-2F02-D297-D46B-D1018D11A28D}"/>
+              </a:ext>
+            </a:extLst>
+          </p:cNvPr>
+          <p:cNvSpPr txBox="1"/>
+          <p:nvPr/>
+        </p:nvSpPr>
+        <p:spPr>
+          <a:xfrm>
+            <a:off x="6096000" y="361031"/>
+            <a:ext cx="6096000" cy="6370975"/>
+          </a:xfrm>
+          <a:prstGeom prst="rect">
+            <a:avLst/>
+          </a:prstGeom>
+          <a:noFill/>
+        </p:spPr>
+        <p:txBody>
+          <a:bodyPr wrap="square">
+            <a:spAutoFit/>
+          </a:bodyPr>
+          <a:lstStyle/>
+          <a:p>
+            <a:pPr marL="0" marR="0">
+              <a:spcBef>
+                <a:spcPts val="0"/>
+              </a:spcBef>
+              <a:spcAft>
+                <a:spcPts val="0"/>
+              </a:spcAft>
+            </a:pPr>
+            <a:r>
+              <a:rPr lang="en-IN" sz="1200" b="1" dirty="0">
+                <a:solidFill>
+                  <a:srgbClr val="7F0055"/>
+                </a:solidFill>
+                <a:effectLst/>
+                <a:latin typeface="Courier New" panose="02070309020205020404" pitchFamily="49" charset="0"/>
+              </a:rPr>
+              <a:t>interface</a:t>
+            </a:r>
+            <a:r>
+              <a:rPr lang="en-IN" sz="1200" dirty="0">
+                <a:solidFill>
+                  <a:srgbClr val="000000"/>
+                </a:solidFill>
+                <a:effectLst/>
+                <a:latin typeface="Courier New" panose="02070309020205020404" pitchFamily="49" charset="0"/>
+              </a:rPr>
+              <a:t> </a:t>
+            </a:r>
+            <a:r>
+              <a:rPr lang="en-IN" sz="1200" dirty="0" err="1">
+                <a:solidFill>
+                  <a:srgbClr val="000000"/>
+                </a:solidFill>
+                <a:effectLst/>
+                <a:latin typeface="Courier New" panose="02070309020205020404" pitchFamily="49" charset="0"/>
+              </a:rPr>
+              <a:t>carInterface</a:t>
+            </a:r>
+            <a:r>
+              <a:rPr lang="en-IN" sz="1200" dirty="0">
+                <a:solidFill>
+                  <a:srgbClr val="000000"/>
+                </a:solidFill>
+                <a:effectLst/>
+                <a:latin typeface="Courier New" panose="02070309020205020404" pitchFamily="49" charset="0"/>
+              </a:rPr>
+              <a:t> {</a:t>
+            </a:r>
+          </a:p>
+          <a:p>
+            <a:pPr marL="0" marR="0">
+              <a:spcBef>
+                <a:spcPts val="0"/>
+              </a:spcBef>
+              <a:spcAft>
+                <a:spcPts val="0"/>
+              </a:spcAft>
+            </a:pPr>
+            <a:r>
+              <a:rPr lang="en-IN" sz="1200" b="1" dirty="0">
+                <a:solidFill>
+                  <a:srgbClr val="7F0055"/>
+                </a:solidFill>
+                <a:effectLst/>
+                <a:latin typeface="Courier New" panose="02070309020205020404" pitchFamily="49" charset="0"/>
+              </a:rPr>
+              <a:t>int</a:t>
+            </a:r>
+            <a:r>
+              <a:rPr lang="en-IN" sz="1200" dirty="0">
+                <a:solidFill>
+                  <a:srgbClr val="000000"/>
+                </a:solidFill>
+                <a:effectLst/>
+                <a:latin typeface="Courier New" panose="02070309020205020404" pitchFamily="49" charset="0"/>
+              </a:rPr>
+              <a:t> </a:t>
+            </a:r>
+            <a:r>
+              <a:rPr lang="en-IN" sz="1200" b="1" i="1" dirty="0">
+                <a:solidFill>
+                  <a:srgbClr val="0000C0"/>
+                </a:solidFill>
+                <a:effectLst/>
+                <a:latin typeface="Courier New" panose="02070309020205020404" pitchFamily="49" charset="0"/>
+              </a:rPr>
+              <a:t>age</a:t>
+            </a:r>
+            <a:r>
+              <a:rPr lang="en-IN" sz="1200" dirty="0">
+                <a:solidFill>
+                  <a:srgbClr val="000000"/>
+                </a:solidFill>
+                <a:effectLst/>
+                <a:latin typeface="Courier New" panose="02070309020205020404" pitchFamily="49" charset="0"/>
+              </a:rPr>
+              <a:t>=10; </a:t>
+            </a:r>
+            <a:r>
+              <a:rPr lang="en-IN" sz="1200" dirty="0">
+                <a:solidFill>
+                  <a:srgbClr val="3F7F5F"/>
+                </a:solidFill>
+                <a:effectLst/>
+                <a:latin typeface="Courier New" panose="02070309020205020404" pitchFamily="49" charset="0"/>
+              </a:rPr>
+              <a:t>//final and static</a:t>
+            </a:r>
+            <a:endParaRPr lang="en-IN" sz="1200" dirty="0">
+              <a:solidFill>
+                <a:srgbClr val="000000"/>
+              </a:solidFill>
+              <a:effectLst/>
+              <a:latin typeface="Courier New" panose="02070309020205020404" pitchFamily="49" charset="0"/>
+            </a:endParaRPr>
+          </a:p>
+          <a:p>
+            <a:pPr marL="0" marR="0">
+              <a:spcBef>
+                <a:spcPts val="0"/>
+              </a:spcBef>
+              <a:spcAft>
+                <a:spcPts val="0"/>
+              </a:spcAft>
+            </a:pPr>
+            <a:r>
+              <a:rPr lang="en-IN" sz="1200" b="1" dirty="0">
+                <a:solidFill>
+                  <a:srgbClr val="7F0055"/>
+                </a:solidFill>
+                <a:effectLst/>
+                <a:latin typeface="Courier New" panose="02070309020205020404" pitchFamily="49" charset="0"/>
+              </a:rPr>
+              <a:t>public</a:t>
+            </a:r>
+            <a:r>
+              <a:rPr lang="en-IN" sz="1200" dirty="0">
+                <a:solidFill>
+                  <a:srgbClr val="000000"/>
+                </a:solidFill>
+                <a:effectLst/>
+                <a:latin typeface="Courier New" panose="02070309020205020404" pitchFamily="49" charset="0"/>
+              </a:rPr>
+              <a:t> </a:t>
+            </a:r>
+            <a:r>
+              <a:rPr lang="en-IN" sz="1200" b="1" dirty="0">
+                <a:solidFill>
+                  <a:srgbClr val="7F0055"/>
+                </a:solidFill>
+                <a:effectLst/>
+                <a:latin typeface="Courier New" panose="02070309020205020404" pitchFamily="49" charset="0"/>
+              </a:rPr>
+              <a:t>static</a:t>
+            </a:r>
+            <a:r>
+              <a:rPr lang="en-IN" sz="1200" dirty="0">
+                <a:solidFill>
+                  <a:srgbClr val="000000"/>
+                </a:solidFill>
+                <a:effectLst/>
+                <a:latin typeface="Courier New" panose="02070309020205020404" pitchFamily="49" charset="0"/>
+              </a:rPr>
+              <a:t> </a:t>
+            </a:r>
+            <a:r>
+              <a:rPr lang="en-IN" sz="1200" b="1" dirty="0">
+                <a:solidFill>
+                  <a:srgbClr val="7F0055"/>
+                </a:solidFill>
+                <a:effectLst/>
+                <a:latin typeface="Courier New" panose="02070309020205020404" pitchFamily="49" charset="0"/>
+              </a:rPr>
+              <a:t>void</a:t>
+            </a:r>
+            <a:r>
+              <a:rPr lang="en-IN" sz="1200" dirty="0">
+                <a:solidFill>
+                  <a:srgbClr val="000000"/>
+                </a:solidFill>
+                <a:effectLst/>
+                <a:latin typeface="Courier New" panose="02070309020205020404" pitchFamily="49" charset="0"/>
+              </a:rPr>
+              <a:t> main(String[] </a:t>
+            </a:r>
+            <a:r>
+              <a:rPr lang="en-IN" sz="1200" dirty="0" err="1">
+                <a:solidFill>
+                  <a:srgbClr val="6A3E3E"/>
+                </a:solidFill>
+                <a:effectLst/>
+                <a:latin typeface="Courier New" panose="02070309020205020404" pitchFamily="49" charset="0"/>
+              </a:rPr>
+              <a:t>args</a:t>
+            </a:r>
+            <a:r>
+              <a:rPr lang="en-IN" sz="1200" dirty="0">
+                <a:solidFill>
+                  <a:srgbClr val="000000"/>
+                </a:solidFill>
+                <a:effectLst/>
+                <a:latin typeface="Courier New" panose="02070309020205020404" pitchFamily="49" charset="0"/>
+              </a:rPr>
+              <a:t>) {</a:t>
+            </a:r>
+          </a:p>
+          <a:p>
+            <a:pPr marL="0" marR="0">
+              <a:spcBef>
+                <a:spcPts val="0"/>
+              </a:spcBef>
+              <a:spcAft>
+                <a:spcPts val="0"/>
+              </a:spcAft>
+            </a:pPr>
+            <a:r>
+              <a:rPr lang="en-IN" sz="1200" dirty="0" err="1">
+                <a:solidFill>
+                  <a:srgbClr val="000000"/>
+                </a:solidFill>
+                <a:effectLst/>
+                <a:latin typeface="Courier New" panose="02070309020205020404" pitchFamily="49" charset="0"/>
+              </a:rPr>
+              <a:t>carInterface</a:t>
+            </a:r>
+            <a:r>
+              <a:rPr lang="en-IN" sz="1200" dirty="0">
+                <a:solidFill>
+                  <a:srgbClr val="000000"/>
+                </a:solidFill>
+                <a:effectLst/>
+                <a:latin typeface="Courier New" panose="02070309020205020404" pitchFamily="49" charset="0"/>
+              </a:rPr>
+              <a:t> </a:t>
+            </a:r>
+            <a:r>
+              <a:rPr lang="en-IN" sz="1200" dirty="0" err="1">
+                <a:solidFill>
+                  <a:srgbClr val="6A3E3E"/>
+                </a:solidFill>
+                <a:effectLst/>
+                <a:latin typeface="Courier New" panose="02070309020205020404" pitchFamily="49" charset="0"/>
+              </a:rPr>
+              <a:t>obj</a:t>
+            </a:r>
+            <a:r>
+              <a:rPr lang="en-IN" sz="1200" dirty="0">
+                <a:solidFill>
+                  <a:srgbClr val="000000"/>
+                </a:solidFill>
+                <a:effectLst/>
+                <a:latin typeface="Courier New" panose="02070309020205020404" pitchFamily="49" charset="0"/>
+              </a:rPr>
+              <a:t> = </a:t>
+            </a:r>
+            <a:r>
+              <a:rPr lang="en-IN" sz="1200" b="1" dirty="0">
+                <a:solidFill>
+                  <a:srgbClr val="7F0055"/>
+                </a:solidFill>
+                <a:effectLst/>
+                <a:latin typeface="Courier New" panose="02070309020205020404" pitchFamily="49" charset="0"/>
+              </a:rPr>
+              <a:t>new</a:t>
+            </a:r>
+            <a:r>
+              <a:rPr lang="en-IN" sz="1200" dirty="0">
+                <a:solidFill>
+                  <a:srgbClr val="000000"/>
+                </a:solidFill>
+                <a:effectLst/>
+                <a:latin typeface="Courier New" panose="02070309020205020404" pitchFamily="49" charset="0"/>
+              </a:rPr>
+              <a:t> </a:t>
+            </a:r>
+            <a:r>
+              <a:rPr lang="en-IN" sz="1200" dirty="0" err="1">
+                <a:solidFill>
+                  <a:srgbClr val="000000"/>
+                </a:solidFill>
+                <a:effectLst/>
+                <a:latin typeface="Courier New" panose="02070309020205020404" pitchFamily="49" charset="0"/>
+              </a:rPr>
+              <a:t>benzInterface</a:t>
+            </a:r>
+            <a:r>
+              <a:rPr lang="en-IN" sz="1200" dirty="0">
+                <a:solidFill>
+                  <a:srgbClr val="000000"/>
+                </a:solidFill>
+                <a:effectLst/>
+                <a:latin typeface="Courier New" panose="02070309020205020404" pitchFamily="49" charset="0"/>
+              </a:rPr>
+              <a:t>();</a:t>
+            </a:r>
+          </a:p>
+          <a:p>
+            <a:pPr marL="0" marR="0">
+              <a:spcBef>
+                <a:spcPts val="0"/>
+              </a:spcBef>
+              <a:spcAft>
+                <a:spcPts val="0"/>
+              </a:spcAft>
+            </a:pPr>
+            <a:r>
+              <a:rPr lang="en-IN" sz="1200" dirty="0" err="1">
+                <a:solidFill>
+                  <a:srgbClr val="6A3E3E"/>
+                </a:solidFill>
+                <a:effectLst/>
+                <a:latin typeface="Courier New" panose="02070309020205020404" pitchFamily="49" charset="0"/>
+              </a:rPr>
+              <a:t>obj</a:t>
+            </a:r>
+            <a:r>
+              <a:rPr lang="en-IN" sz="1200" dirty="0" err="1">
+                <a:solidFill>
+                  <a:srgbClr val="000000"/>
+                </a:solidFill>
+                <a:effectLst/>
+                <a:latin typeface="Courier New" panose="02070309020205020404" pitchFamily="49" charset="0"/>
+              </a:rPr>
+              <a:t>.breakFunction</a:t>
+            </a:r>
+            <a:r>
+              <a:rPr lang="en-IN" sz="1200" dirty="0">
+                <a:solidFill>
+                  <a:srgbClr val="000000"/>
+                </a:solidFill>
+                <a:effectLst/>
+                <a:latin typeface="Courier New" panose="02070309020205020404" pitchFamily="49" charset="0"/>
+              </a:rPr>
+              <a:t>();</a:t>
+            </a:r>
+          </a:p>
+          <a:p>
+            <a:pPr marL="0" marR="0">
+              <a:spcBef>
+                <a:spcPts val="0"/>
+              </a:spcBef>
+              <a:spcAft>
+                <a:spcPts val="0"/>
+              </a:spcAft>
+            </a:pPr>
+            <a:r>
+              <a:rPr lang="en-IN" sz="1200" dirty="0" err="1">
+                <a:solidFill>
+                  <a:srgbClr val="6A3E3E"/>
+                </a:solidFill>
+                <a:effectLst/>
+                <a:latin typeface="Courier New" panose="02070309020205020404" pitchFamily="49" charset="0"/>
+              </a:rPr>
+              <a:t>obj</a:t>
+            </a:r>
+            <a:r>
+              <a:rPr lang="en-IN" sz="1200" dirty="0" err="1">
+                <a:solidFill>
+                  <a:srgbClr val="000000"/>
+                </a:solidFill>
+                <a:effectLst/>
+                <a:latin typeface="Courier New" panose="02070309020205020404" pitchFamily="49" charset="0"/>
+              </a:rPr>
+              <a:t>.doors</a:t>
+            </a:r>
+            <a:r>
+              <a:rPr lang="en-IN" sz="1200" dirty="0">
+                <a:solidFill>
+                  <a:srgbClr val="000000"/>
+                </a:solidFill>
+                <a:effectLst/>
+                <a:latin typeface="Courier New" panose="02070309020205020404" pitchFamily="49" charset="0"/>
+              </a:rPr>
+              <a:t>();</a:t>
+            </a:r>
+          </a:p>
+          <a:p>
+            <a:pPr marL="0" marR="0">
+              <a:spcBef>
+                <a:spcPts val="0"/>
+              </a:spcBef>
+              <a:spcAft>
+                <a:spcPts val="0"/>
+              </a:spcAft>
+            </a:pPr>
+            <a:r>
+              <a:rPr lang="en-IN" sz="1200" dirty="0" err="1">
+                <a:solidFill>
+                  <a:srgbClr val="6A3E3E"/>
+                </a:solidFill>
+                <a:effectLst/>
+                <a:latin typeface="Courier New" panose="02070309020205020404" pitchFamily="49" charset="0"/>
+              </a:rPr>
+              <a:t>obj</a:t>
+            </a:r>
+            <a:r>
+              <a:rPr lang="en-IN" sz="1200" dirty="0" err="1">
+                <a:solidFill>
+                  <a:srgbClr val="000000"/>
+                </a:solidFill>
+                <a:effectLst/>
+                <a:latin typeface="Courier New" panose="02070309020205020404" pitchFamily="49" charset="0"/>
+              </a:rPr>
+              <a:t>.engine</a:t>
+            </a:r>
+            <a:r>
+              <a:rPr lang="en-IN" sz="1200" dirty="0">
+                <a:solidFill>
+                  <a:srgbClr val="000000"/>
+                </a:solidFill>
+                <a:effectLst/>
+                <a:latin typeface="Courier New" panose="02070309020205020404" pitchFamily="49" charset="0"/>
+              </a:rPr>
+              <a:t>();</a:t>
+            </a:r>
+          </a:p>
+          <a:p>
+            <a:pPr marL="0" marR="0">
+              <a:spcBef>
+                <a:spcPts val="0"/>
+              </a:spcBef>
+              <a:spcAft>
+                <a:spcPts val="0"/>
+              </a:spcAft>
+            </a:pPr>
+            <a:r>
+              <a:rPr lang="en-IN" sz="1200" dirty="0" err="1">
+                <a:solidFill>
+                  <a:srgbClr val="000000"/>
+                </a:solidFill>
+                <a:effectLst/>
+                <a:latin typeface="Courier New" panose="02070309020205020404" pitchFamily="49" charset="0"/>
+              </a:rPr>
+              <a:t>System.</a:t>
+            </a:r>
+            <a:r>
+              <a:rPr lang="en-IN" sz="1200" b="1" i="1" dirty="0" err="1">
+                <a:solidFill>
+                  <a:srgbClr val="0000C0"/>
+                </a:solidFill>
+                <a:effectLst/>
+                <a:latin typeface="Courier New" panose="02070309020205020404" pitchFamily="49" charset="0"/>
+              </a:rPr>
+              <a:t>out</a:t>
+            </a:r>
+            <a:r>
+              <a:rPr lang="en-IN" sz="1200" dirty="0" err="1">
+                <a:solidFill>
+                  <a:srgbClr val="000000"/>
+                </a:solidFill>
+                <a:effectLst/>
+                <a:latin typeface="Courier New" panose="02070309020205020404" pitchFamily="49" charset="0"/>
+              </a:rPr>
+              <a:t>.println</a:t>
+            </a:r>
+            <a:r>
+              <a:rPr lang="en-IN" sz="1200" dirty="0">
+                <a:solidFill>
+                  <a:srgbClr val="000000"/>
+                </a:solidFill>
+                <a:effectLst/>
+                <a:latin typeface="Courier New" panose="02070309020205020404" pitchFamily="49" charset="0"/>
+              </a:rPr>
+              <a:t>(</a:t>
+            </a:r>
+            <a:r>
+              <a:rPr lang="en-IN" sz="1200" b="1" i="1" dirty="0">
+                <a:solidFill>
+                  <a:srgbClr val="0000C0"/>
+                </a:solidFill>
+                <a:effectLst/>
+                <a:latin typeface="Courier New" panose="02070309020205020404" pitchFamily="49" charset="0"/>
+              </a:rPr>
+              <a:t>age</a:t>
+            </a:r>
+            <a:r>
+              <a:rPr lang="en-IN" sz="1200" dirty="0">
+                <a:solidFill>
+                  <a:srgbClr val="000000"/>
+                </a:solidFill>
+                <a:effectLst/>
+                <a:latin typeface="Courier New" panose="02070309020205020404" pitchFamily="49" charset="0"/>
+              </a:rPr>
+              <a:t>);</a:t>
+            </a:r>
+          </a:p>
+          <a:p>
+            <a:pPr marL="0" marR="0">
+              <a:spcBef>
+                <a:spcPts val="0"/>
+              </a:spcBef>
+              <a:spcAft>
+                <a:spcPts val="0"/>
+              </a:spcAft>
+            </a:pPr>
+            <a:r>
+              <a:rPr lang="en-IN" sz="1200" dirty="0">
+                <a:solidFill>
+                  <a:srgbClr val="000000"/>
+                </a:solidFill>
+                <a:effectLst/>
+                <a:latin typeface="Courier New" panose="02070309020205020404" pitchFamily="49" charset="0"/>
+              </a:rPr>
+              <a:t>}</a:t>
+            </a:r>
+          </a:p>
+          <a:p>
+            <a:pPr marL="0" marR="0">
+              <a:spcBef>
+                <a:spcPts val="0"/>
+              </a:spcBef>
+              <a:spcAft>
+                <a:spcPts val="0"/>
+              </a:spcAft>
+            </a:pPr>
+            <a:r>
+              <a:rPr lang="en-IN" sz="1200" b="1" dirty="0">
+                <a:solidFill>
+                  <a:srgbClr val="7F0055"/>
+                </a:solidFill>
+                <a:effectLst/>
+                <a:latin typeface="Courier New" panose="02070309020205020404" pitchFamily="49" charset="0"/>
+              </a:rPr>
+              <a:t>void</a:t>
+            </a:r>
+            <a:r>
+              <a:rPr lang="en-IN" sz="1200" dirty="0">
+                <a:solidFill>
+                  <a:srgbClr val="000000"/>
+                </a:solidFill>
+                <a:effectLst/>
+                <a:latin typeface="Courier New" panose="02070309020205020404" pitchFamily="49" charset="0"/>
+              </a:rPr>
+              <a:t> engine();</a:t>
+            </a:r>
+          </a:p>
+          <a:p>
+            <a:pPr marL="0" marR="0">
+              <a:spcBef>
+                <a:spcPts val="0"/>
+              </a:spcBef>
+              <a:spcAft>
+                <a:spcPts val="0"/>
+              </a:spcAft>
+            </a:pPr>
+            <a:r>
+              <a:rPr lang="en-IN" sz="1200" b="1" dirty="0">
+                <a:solidFill>
+                  <a:srgbClr val="7F0055"/>
+                </a:solidFill>
+                <a:effectLst/>
+                <a:latin typeface="Courier New" panose="02070309020205020404" pitchFamily="49" charset="0"/>
+              </a:rPr>
+              <a:t>void</a:t>
+            </a:r>
+            <a:r>
+              <a:rPr lang="en-IN" sz="1200" dirty="0">
+                <a:solidFill>
+                  <a:srgbClr val="000000"/>
+                </a:solidFill>
+                <a:effectLst/>
+                <a:latin typeface="Courier New" panose="02070309020205020404" pitchFamily="49" charset="0"/>
+              </a:rPr>
+              <a:t> </a:t>
+            </a:r>
+            <a:r>
+              <a:rPr lang="en-IN" sz="1200" dirty="0" err="1">
+                <a:solidFill>
+                  <a:srgbClr val="000000"/>
+                </a:solidFill>
+                <a:effectLst/>
+                <a:latin typeface="Courier New" panose="02070309020205020404" pitchFamily="49" charset="0"/>
+              </a:rPr>
+              <a:t>breakFunction</a:t>
+            </a:r>
+            <a:r>
+              <a:rPr lang="en-IN" sz="1200" dirty="0">
+                <a:solidFill>
+                  <a:srgbClr val="000000"/>
+                </a:solidFill>
+                <a:effectLst/>
+                <a:latin typeface="Courier New" panose="02070309020205020404" pitchFamily="49" charset="0"/>
+              </a:rPr>
+              <a:t>() ;</a:t>
+            </a:r>
+          </a:p>
+          <a:p>
+            <a:pPr marL="0" marR="0">
+              <a:spcBef>
+                <a:spcPts val="0"/>
+              </a:spcBef>
+              <a:spcAft>
+                <a:spcPts val="0"/>
+              </a:spcAft>
+            </a:pPr>
+            <a:r>
+              <a:rPr lang="en-IN" sz="1200" b="1" dirty="0">
+                <a:solidFill>
+                  <a:srgbClr val="7F0055"/>
+                </a:solidFill>
+                <a:effectLst/>
+                <a:latin typeface="Courier New" panose="02070309020205020404" pitchFamily="49" charset="0"/>
+              </a:rPr>
+              <a:t>void</a:t>
+            </a:r>
+            <a:r>
+              <a:rPr lang="en-IN" sz="1200" dirty="0">
+                <a:solidFill>
+                  <a:srgbClr val="000000"/>
+                </a:solidFill>
+                <a:effectLst/>
+                <a:latin typeface="Courier New" panose="02070309020205020404" pitchFamily="49" charset="0"/>
+              </a:rPr>
+              <a:t> doors() ;</a:t>
+            </a:r>
+          </a:p>
+          <a:p>
+            <a:pPr marL="0" marR="0">
+              <a:spcBef>
+                <a:spcPts val="0"/>
+              </a:spcBef>
+              <a:spcAft>
+                <a:spcPts val="0"/>
+              </a:spcAft>
+            </a:pPr>
+            <a:r>
+              <a:rPr lang="en-IN" sz="1200" dirty="0">
+                <a:solidFill>
+                  <a:srgbClr val="000000"/>
+                </a:solidFill>
+                <a:effectLst/>
+                <a:latin typeface="Courier New" panose="02070309020205020404" pitchFamily="49" charset="0"/>
+              </a:rPr>
+              <a:t>}</a:t>
+            </a:r>
+          </a:p>
+          <a:p>
+            <a:pPr marL="0" marR="0">
+              <a:spcBef>
+                <a:spcPts val="0"/>
+              </a:spcBef>
+              <a:spcAft>
+                <a:spcPts val="0"/>
+              </a:spcAft>
+            </a:pPr>
+            <a:br>
+              <a:rPr lang="en-IN" sz="1200" dirty="0">
+                <a:solidFill>
+                  <a:srgbClr val="000000"/>
+                </a:solidFill>
+                <a:effectLst/>
+                <a:latin typeface="Courier New" panose="02070309020205020404" pitchFamily="49" charset="0"/>
+              </a:rPr>
+            </a:br>
+            <a:endParaRPr lang="en-IN" sz="1200" dirty="0">
+              <a:solidFill>
+                <a:srgbClr val="000000"/>
+              </a:solidFill>
+              <a:effectLst/>
+              <a:latin typeface="Courier New" panose="02070309020205020404" pitchFamily="49" charset="0"/>
+            </a:endParaRPr>
+          </a:p>
+          <a:p>
+            <a:pPr marL="0" marR="0">
+              <a:spcBef>
+                <a:spcPts val="0"/>
+              </a:spcBef>
+              <a:spcAft>
+                <a:spcPts val="0"/>
+              </a:spcAft>
+            </a:pPr>
+            <a:r>
+              <a:rPr lang="en-IN" sz="1200" b="1" dirty="0">
+                <a:solidFill>
+                  <a:srgbClr val="7F0055"/>
+                </a:solidFill>
+                <a:effectLst/>
+                <a:latin typeface="Courier New" panose="02070309020205020404" pitchFamily="49" charset="0"/>
+              </a:rPr>
+              <a:t>class</a:t>
+            </a:r>
+            <a:r>
+              <a:rPr lang="en-IN" sz="1200" dirty="0">
+                <a:solidFill>
+                  <a:srgbClr val="000000"/>
+                </a:solidFill>
+                <a:effectLst/>
+                <a:latin typeface="Courier New" panose="02070309020205020404" pitchFamily="49" charset="0"/>
+              </a:rPr>
+              <a:t> </a:t>
+            </a:r>
+            <a:r>
+              <a:rPr lang="en-IN" sz="1200" dirty="0" err="1">
+                <a:solidFill>
+                  <a:srgbClr val="000000"/>
+                </a:solidFill>
+                <a:effectLst/>
+                <a:latin typeface="Courier New" panose="02070309020205020404" pitchFamily="49" charset="0"/>
+              </a:rPr>
+              <a:t>benzInterface</a:t>
+            </a:r>
+            <a:r>
+              <a:rPr lang="en-IN" sz="1200" dirty="0">
+                <a:solidFill>
+                  <a:srgbClr val="000000"/>
+                </a:solidFill>
+                <a:effectLst/>
+                <a:latin typeface="Courier New" panose="02070309020205020404" pitchFamily="49" charset="0"/>
+              </a:rPr>
+              <a:t> </a:t>
+            </a:r>
+            <a:r>
+              <a:rPr lang="en-IN" sz="1200" b="1" dirty="0">
+                <a:solidFill>
+                  <a:srgbClr val="7F0055"/>
+                </a:solidFill>
+                <a:effectLst/>
+                <a:latin typeface="Courier New" panose="02070309020205020404" pitchFamily="49" charset="0"/>
+              </a:rPr>
+              <a:t>implements</a:t>
+            </a:r>
+            <a:r>
+              <a:rPr lang="en-IN" sz="1200" dirty="0">
+                <a:solidFill>
+                  <a:srgbClr val="000000"/>
+                </a:solidFill>
+                <a:effectLst/>
+                <a:latin typeface="Courier New" panose="02070309020205020404" pitchFamily="49" charset="0"/>
+              </a:rPr>
+              <a:t> </a:t>
+            </a:r>
+            <a:r>
+              <a:rPr lang="en-IN" sz="1200" dirty="0" err="1">
+                <a:solidFill>
+                  <a:srgbClr val="000000"/>
+                </a:solidFill>
+                <a:effectLst/>
+                <a:latin typeface="Courier New" panose="02070309020205020404" pitchFamily="49" charset="0"/>
+              </a:rPr>
+              <a:t>carInterface</a:t>
+            </a:r>
+            <a:r>
+              <a:rPr lang="en-IN" sz="1200" dirty="0">
+                <a:solidFill>
+                  <a:srgbClr val="000000"/>
+                </a:solidFill>
+                <a:effectLst/>
+                <a:latin typeface="Courier New" panose="02070309020205020404" pitchFamily="49" charset="0"/>
+              </a:rPr>
+              <a:t>{</a:t>
+            </a:r>
+          </a:p>
+          <a:p>
+            <a:pPr marL="0" marR="0">
+              <a:spcBef>
+                <a:spcPts val="0"/>
+              </a:spcBef>
+              <a:spcAft>
+                <a:spcPts val="0"/>
+              </a:spcAft>
+            </a:pPr>
+            <a:br>
+              <a:rPr lang="en-IN" sz="1200" dirty="0">
+                <a:solidFill>
+                  <a:srgbClr val="000000"/>
+                </a:solidFill>
+                <a:effectLst/>
+                <a:latin typeface="Courier New" panose="02070309020205020404" pitchFamily="49" charset="0"/>
+              </a:rPr>
+            </a:br>
+            <a:endParaRPr lang="en-IN" sz="1200" dirty="0">
+              <a:solidFill>
+                <a:srgbClr val="000000"/>
+              </a:solidFill>
+              <a:effectLst/>
+              <a:latin typeface="Courier New" panose="02070309020205020404" pitchFamily="49" charset="0"/>
+            </a:endParaRPr>
+          </a:p>
+          <a:p>
+            <a:pPr marL="0" marR="0">
+              <a:spcBef>
+                <a:spcPts val="0"/>
+              </a:spcBef>
+              <a:spcAft>
+                <a:spcPts val="0"/>
+              </a:spcAft>
+            </a:pPr>
+            <a:br>
+              <a:rPr lang="en-IN" sz="1200" dirty="0">
+                <a:solidFill>
+                  <a:srgbClr val="000000"/>
+                </a:solidFill>
+                <a:effectLst/>
+                <a:latin typeface="Courier New" panose="02070309020205020404" pitchFamily="49" charset="0"/>
+              </a:rPr>
+            </a:br>
+            <a:endParaRPr lang="en-IN" sz="1200" dirty="0">
+              <a:solidFill>
+                <a:srgbClr val="000000"/>
+              </a:solidFill>
+              <a:effectLst/>
+              <a:latin typeface="Courier New" panose="02070309020205020404" pitchFamily="49" charset="0"/>
+            </a:endParaRPr>
+          </a:p>
+          <a:p>
+            <a:pPr marL="0" marR="0">
+              <a:spcBef>
+                <a:spcPts val="0"/>
+              </a:spcBef>
+              <a:spcAft>
+                <a:spcPts val="0"/>
+              </a:spcAft>
+            </a:pPr>
+            <a:r>
+              <a:rPr lang="en-IN" sz="1200" b="1" dirty="0">
+                <a:solidFill>
+                  <a:srgbClr val="7F0055"/>
+                </a:solidFill>
+                <a:effectLst/>
+                <a:latin typeface="Courier New" panose="02070309020205020404" pitchFamily="49" charset="0"/>
+              </a:rPr>
+              <a:t>public</a:t>
+            </a:r>
+            <a:r>
+              <a:rPr lang="en-IN" sz="1200" dirty="0">
+                <a:solidFill>
+                  <a:srgbClr val="000000"/>
+                </a:solidFill>
+                <a:effectLst/>
+                <a:latin typeface="Courier New" panose="02070309020205020404" pitchFamily="49" charset="0"/>
+              </a:rPr>
+              <a:t> </a:t>
+            </a:r>
+            <a:r>
+              <a:rPr lang="en-IN" sz="1200" b="1" dirty="0">
+                <a:solidFill>
+                  <a:srgbClr val="7F0055"/>
+                </a:solidFill>
+                <a:effectLst/>
+                <a:latin typeface="Courier New" panose="02070309020205020404" pitchFamily="49" charset="0"/>
+              </a:rPr>
+              <a:t>void</a:t>
+            </a:r>
+            <a:r>
+              <a:rPr lang="en-IN" sz="1200" dirty="0">
+                <a:solidFill>
+                  <a:srgbClr val="000000"/>
+                </a:solidFill>
+                <a:effectLst/>
+                <a:latin typeface="Courier New" panose="02070309020205020404" pitchFamily="49" charset="0"/>
+              </a:rPr>
+              <a:t> engine() {</a:t>
+            </a:r>
+          </a:p>
+          <a:p>
+            <a:pPr marL="0" marR="0">
+              <a:spcBef>
+                <a:spcPts val="0"/>
+              </a:spcBef>
+              <a:spcAft>
+                <a:spcPts val="0"/>
+              </a:spcAft>
+            </a:pPr>
+            <a:r>
+              <a:rPr lang="en-IN" sz="1200" dirty="0" err="1">
+                <a:solidFill>
+                  <a:srgbClr val="000000"/>
+                </a:solidFill>
+                <a:effectLst/>
+                <a:latin typeface="Courier New" panose="02070309020205020404" pitchFamily="49" charset="0"/>
+              </a:rPr>
+              <a:t>System.</a:t>
+            </a:r>
+            <a:r>
+              <a:rPr lang="en-IN" sz="1200" b="1" i="1" dirty="0" err="1">
+                <a:solidFill>
+                  <a:srgbClr val="0000C0"/>
+                </a:solidFill>
+                <a:effectLst/>
+                <a:latin typeface="Courier New" panose="02070309020205020404" pitchFamily="49" charset="0"/>
+              </a:rPr>
+              <a:t>out</a:t>
+            </a:r>
+            <a:r>
+              <a:rPr lang="en-IN" sz="1200" dirty="0" err="1">
+                <a:solidFill>
+                  <a:srgbClr val="000000"/>
+                </a:solidFill>
+                <a:effectLst/>
+                <a:latin typeface="Courier New" panose="02070309020205020404" pitchFamily="49" charset="0"/>
+              </a:rPr>
+              <a:t>.println</a:t>
+            </a:r>
+            <a:r>
+              <a:rPr lang="en-IN" sz="1200" dirty="0">
+                <a:solidFill>
+                  <a:srgbClr val="000000"/>
+                </a:solidFill>
+                <a:effectLst/>
+                <a:latin typeface="Courier New" panose="02070309020205020404" pitchFamily="49" charset="0"/>
+              </a:rPr>
+              <a:t>(</a:t>
+            </a:r>
+            <a:r>
+              <a:rPr lang="en-IN" sz="1200" dirty="0">
+                <a:solidFill>
+                  <a:srgbClr val="2A00FF"/>
+                </a:solidFill>
+                <a:effectLst/>
+                <a:latin typeface="Courier New" panose="02070309020205020404" pitchFamily="49" charset="0"/>
+              </a:rPr>
+              <a:t>"Engine is implemented by BENZ"</a:t>
+            </a:r>
+            <a:r>
+              <a:rPr lang="en-IN" sz="1200" dirty="0">
+                <a:solidFill>
+                  <a:srgbClr val="000000"/>
+                </a:solidFill>
+                <a:effectLst/>
+                <a:latin typeface="Courier New" panose="02070309020205020404" pitchFamily="49" charset="0"/>
+              </a:rPr>
+              <a:t>);</a:t>
+            </a:r>
+          </a:p>
+          <a:p>
+            <a:pPr marL="0" marR="0">
+              <a:spcBef>
+                <a:spcPts val="0"/>
+              </a:spcBef>
+              <a:spcAft>
+                <a:spcPts val="0"/>
+              </a:spcAft>
+            </a:pPr>
+            <a:r>
+              <a:rPr lang="en-IN" sz="1200" dirty="0">
+                <a:solidFill>
+                  <a:srgbClr val="000000"/>
+                </a:solidFill>
+                <a:effectLst/>
+                <a:latin typeface="Courier New" panose="02070309020205020404" pitchFamily="49" charset="0"/>
+              </a:rPr>
+              <a:t>}</a:t>
+            </a:r>
+          </a:p>
+          <a:p>
+            <a:pPr marL="0" marR="0">
+              <a:spcBef>
+                <a:spcPts val="0"/>
+              </a:spcBef>
+              <a:spcAft>
+                <a:spcPts val="0"/>
+              </a:spcAft>
+            </a:pPr>
+            <a:br>
+              <a:rPr lang="en-IN" sz="1200" dirty="0">
+                <a:solidFill>
+                  <a:srgbClr val="000000"/>
+                </a:solidFill>
+                <a:effectLst/>
+                <a:latin typeface="Courier New" panose="02070309020205020404" pitchFamily="49" charset="0"/>
+              </a:rPr>
+            </a:br>
+            <a:endParaRPr lang="en-IN" sz="1200" dirty="0">
+              <a:solidFill>
+                <a:srgbClr val="000000"/>
+              </a:solidFill>
+              <a:effectLst/>
+              <a:latin typeface="Courier New" panose="02070309020205020404" pitchFamily="49" charset="0"/>
+            </a:endParaRPr>
+          </a:p>
+          <a:p>
+            <a:pPr marL="0" marR="0">
+              <a:spcBef>
+                <a:spcPts val="0"/>
+              </a:spcBef>
+              <a:spcAft>
+                <a:spcPts val="0"/>
+              </a:spcAft>
+            </a:pPr>
+            <a:r>
+              <a:rPr lang="en-IN" sz="1200" b="1" dirty="0">
+                <a:solidFill>
+                  <a:srgbClr val="7F0055"/>
+                </a:solidFill>
+                <a:effectLst/>
+                <a:latin typeface="Courier New" panose="02070309020205020404" pitchFamily="49" charset="0"/>
+              </a:rPr>
+              <a:t>public</a:t>
+            </a:r>
+            <a:r>
+              <a:rPr lang="en-IN" sz="1200" dirty="0">
+                <a:solidFill>
+                  <a:srgbClr val="000000"/>
+                </a:solidFill>
+                <a:effectLst/>
+                <a:latin typeface="Courier New" panose="02070309020205020404" pitchFamily="49" charset="0"/>
+              </a:rPr>
+              <a:t> </a:t>
+            </a:r>
+            <a:r>
+              <a:rPr lang="en-IN" sz="1200" b="1" dirty="0">
+                <a:solidFill>
+                  <a:srgbClr val="7F0055"/>
+                </a:solidFill>
+                <a:effectLst/>
+                <a:latin typeface="Courier New" panose="02070309020205020404" pitchFamily="49" charset="0"/>
+              </a:rPr>
+              <a:t>void</a:t>
+            </a:r>
+            <a:r>
+              <a:rPr lang="en-IN" sz="1200" dirty="0">
+                <a:solidFill>
+                  <a:srgbClr val="000000"/>
+                </a:solidFill>
+                <a:effectLst/>
+                <a:latin typeface="Courier New" panose="02070309020205020404" pitchFamily="49" charset="0"/>
+              </a:rPr>
+              <a:t> </a:t>
+            </a:r>
+            <a:r>
+              <a:rPr lang="en-IN" sz="1200" dirty="0" err="1">
+                <a:solidFill>
+                  <a:srgbClr val="000000"/>
+                </a:solidFill>
+                <a:effectLst/>
+                <a:latin typeface="Courier New" panose="02070309020205020404" pitchFamily="49" charset="0"/>
+              </a:rPr>
+              <a:t>breakFunction</a:t>
+            </a:r>
+            <a:r>
+              <a:rPr lang="en-IN" sz="1200" dirty="0">
+                <a:solidFill>
+                  <a:srgbClr val="000000"/>
+                </a:solidFill>
+                <a:effectLst/>
+                <a:latin typeface="Courier New" panose="02070309020205020404" pitchFamily="49" charset="0"/>
+              </a:rPr>
+              <a:t>() {</a:t>
+            </a:r>
+          </a:p>
+          <a:p>
+            <a:pPr marL="0" marR="0">
+              <a:spcBef>
+                <a:spcPts val="0"/>
+              </a:spcBef>
+              <a:spcAft>
+                <a:spcPts val="0"/>
+              </a:spcAft>
+            </a:pPr>
+            <a:r>
+              <a:rPr lang="en-IN" sz="1200" dirty="0" err="1">
+                <a:solidFill>
+                  <a:srgbClr val="000000"/>
+                </a:solidFill>
+                <a:effectLst/>
+                <a:latin typeface="Courier New" panose="02070309020205020404" pitchFamily="49" charset="0"/>
+              </a:rPr>
+              <a:t>System.</a:t>
+            </a:r>
+            <a:r>
+              <a:rPr lang="en-IN" sz="1200" b="1" i="1" dirty="0" err="1">
+                <a:solidFill>
+                  <a:srgbClr val="0000C0"/>
+                </a:solidFill>
+                <a:effectLst/>
+                <a:latin typeface="Courier New" panose="02070309020205020404" pitchFamily="49" charset="0"/>
+              </a:rPr>
+              <a:t>out</a:t>
+            </a:r>
+            <a:r>
+              <a:rPr lang="en-IN" sz="1200" dirty="0" err="1">
+                <a:solidFill>
+                  <a:srgbClr val="000000"/>
+                </a:solidFill>
+                <a:effectLst/>
+                <a:latin typeface="Courier New" panose="02070309020205020404" pitchFamily="49" charset="0"/>
+              </a:rPr>
+              <a:t>.println</a:t>
+            </a:r>
+            <a:r>
+              <a:rPr lang="en-IN" sz="1200" dirty="0">
+                <a:solidFill>
+                  <a:srgbClr val="000000"/>
+                </a:solidFill>
+                <a:effectLst/>
+                <a:latin typeface="Courier New" panose="02070309020205020404" pitchFamily="49" charset="0"/>
+              </a:rPr>
+              <a:t>(</a:t>
+            </a:r>
+            <a:r>
+              <a:rPr lang="en-IN" sz="1200" dirty="0">
+                <a:solidFill>
+                  <a:srgbClr val="2A00FF"/>
+                </a:solidFill>
+                <a:effectLst/>
+                <a:latin typeface="Courier New" panose="02070309020205020404" pitchFamily="49" charset="0"/>
+              </a:rPr>
+              <a:t>"</a:t>
+            </a:r>
+            <a:r>
+              <a:rPr lang="en-IN" sz="1200" dirty="0" err="1">
+                <a:solidFill>
+                  <a:srgbClr val="2A00FF"/>
+                </a:solidFill>
+                <a:effectLst/>
+                <a:latin typeface="Courier New" panose="02070309020205020404" pitchFamily="49" charset="0"/>
+              </a:rPr>
+              <a:t>breakFunction</a:t>
+            </a:r>
+            <a:r>
+              <a:rPr lang="en-IN" sz="1200" dirty="0">
+                <a:solidFill>
+                  <a:srgbClr val="2A00FF"/>
+                </a:solidFill>
+                <a:effectLst/>
+                <a:latin typeface="Courier New" panose="02070309020205020404" pitchFamily="49" charset="0"/>
+              </a:rPr>
+              <a:t> is implemented by BENZ"</a:t>
+            </a:r>
+            <a:r>
+              <a:rPr lang="en-IN" sz="1200" dirty="0">
+                <a:solidFill>
+                  <a:srgbClr val="000000"/>
+                </a:solidFill>
+                <a:effectLst/>
+                <a:latin typeface="Courier New" panose="02070309020205020404" pitchFamily="49" charset="0"/>
+              </a:rPr>
+              <a:t>);</a:t>
+            </a:r>
+          </a:p>
+          <a:p>
+            <a:pPr marL="0" marR="0">
+              <a:spcBef>
+                <a:spcPts val="0"/>
+              </a:spcBef>
+              <a:spcAft>
+                <a:spcPts val="0"/>
+              </a:spcAft>
+            </a:pPr>
+            <a:r>
+              <a:rPr lang="en-IN" sz="1200" dirty="0">
+                <a:solidFill>
+                  <a:srgbClr val="000000"/>
+                </a:solidFill>
+                <a:effectLst/>
+                <a:latin typeface="Courier New" panose="02070309020205020404" pitchFamily="49" charset="0"/>
+              </a:rPr>
+              <a:t>}</a:t>
+            </a:r>
+          </a:p>
+          <a:p>
+            <a:pPr marL="0" marR="0">
+              <a:spcBef>
+                <a:spcPts val="0"/>
+              </a:spcBef>
+              <a:spcAft>
+                <a:spcPts val="0"/>
+              </a:spcAft>
+            </a:pPr>
+            <a:br>
+              <a:rPr lang="en-IN" sz="1200" dirty="0">
+                <a:solidFill>
+                  <a:srgbClr val="000000"/>
+                </a:solidFill>
+                <a:effectLst/>
+                <a:latin typeface="Courier New" panose="02070309020205020404" pitchFamily="49" charset="0"/>
+              </a:rPr>
+            </a:br>
+            <a:endParaRPr lang="en-IN" sz="1200" dirty="0">
+              <a:solidFill>
+                <a:srgbClr val="000000"/>
+              </a:solidFill>
+              <a:effectLst/>
+              <a:latin typeface="Courier New" panose="02070309020205020404" pitchFamily="49" charset="0"/>
+            </a:endParaRPr>
+          </a:p>
+          <a:p>
+            <a:pPr marL="0" marR="0">
+              <a:spcBef>
+                <a:spcPts val="0"/>
+              </a:spcBef>
+              <a:spcAft>
+                <a:spcPts val="0"/>
+              </a:spcAft>
+            </a:pPr>
+            <a:r>
+              <a:rPr lang="en-IN" sz="1200" b="1" dirty="0">
+                <a:solidFill>
+                  <a:srgbClr val="7F0055"/>
+                </a:solidFill>
+                <a:effectLst/>
+                <a:latin typeface="Courier New" panose="02070309020205020404" pitchFamily="49" charset="0"/>
+              </a:rPr>
+              <a:t>public</a:t>
+            </a:r>
+            <a:r>
+              <a:rPr lang="en-IN" sz="1200" dirty="0">
+                <a:solidFill>
+                  <a:srgbClr val="000000"/>
+                </a:solidFill>
+                <a:effectLst/>
+                <a:latin typeface="Courier New" panose="02070309020205020404" pitchFamily="49" charset="0"/>
+              </a:rPr>
+              <a:t> </a:t>
+            </a:r>
+            <a:r>
+              <a:rPr lang="en-IN" sz="1200" b="1" dirty="0">
+                <a:solidFill>
+                  <a:srgbClr val="7F0055"/>
+                </a:solidFill>
+                <a:effectLst/>
+                <a:latin typeface="Courier New" panose="02070309020205020404" pitchFamily="49" charset="0"/>
+              </a:rPr>
+              <a:t>void</a:t>
+            </a:r>
+            <a:r>
+              <a:rPr lang="en-IN" sz="1200" dirty="0">
+                <a:solidFill>
+                  <a:srgbClr val="000000"/>
+                </a:solidFill>
+                <a:effectLst/>
+                <a:latin typeface="Courier New" panose="02070309020205020404" pitchFamily="49" charset="0"/>
+              </a:rPr>
+              <a:t> doors() {</a:t>
+            </a:r>
+          </a:p>
+          <a:p>
+            <a:pPr marL="0" marR="0">
+              <a:spcBef>
+                <a:spcPts val="0"/>
+              </a:spcBef>
+              <a:spcAft>
+                <a:spcPts val="0"/>
+              </a:spcAft>
+            </a:pPr>
+            <a:r>
+              <a:rPr lang="en-IN" sz="1200" dirty="0" err="1">
+                <a:solidFill>
+                  <a:srgbClr val="000000"/>
+                </a:solidFill>
+                <a:effectLst/>
+                <a:latin typeface="Courier New" panose="02070309020205020404" pitchFamily="49" charset="0"/>
+              </a:rPr>
+              <a:t>System.</a:t>
+            </a:r>
+            <a:r>
+              <a:rPr lang="en-IN" sz="1200" b="1" i="1" dirty="0" err="1">
+                <a:solidFill>
+                  <a:srgbClr val="0000C0"/>
+                </a:solidFill>
+                <a:effectLst/>
+                <a:latin typeface="Courier New" panose="02070309020205020404" pitchFamily="49" charset="0"/>
+              </a:rPr>
+              <a:t>out</a:t>
+            </a:r>
+            <a:r>
+              <a:rPr lang="en-IN" sz="1200" dirty="0" err="1">
+                <a:solidFill>
+                  <a:srgbClr val="000000"/>
+                </a:solidFill>
+                <a:effectLst/>
+                <a:latin typeface="Courier New" panose="02070309020205020404" pitchFamily="49" charset="0"/>
+              </a:rPr>
+              <a:t>.println</a:t>
+            </a:r>
+            <a:r>
+              <a:rPr lang="en-IN" sz="1200" dirty="0">
+                <a:solidFill>
+                  <a:srgbClr val="000000"/>
+                </a:solidFill>
+                <a:effectLst/>
+                <a:latin typeface="Courier New" panose="02070309020205020404" pitchFamily="49" charset="0"/>
+              </a:rPr>
+              <a:t>(</a:t>
+            </a:r>
+            <a:r>
+              <a:rPr lang="en-IN" sz="1200" dirty="0">
+                <a:solidFill>
+                  <a:srgbClr val="2A00FF"/>
+                </a:solidFill>
+                <a:effectLst/>
+                <a:latin typeface="Courier New" panose="02070309020205020404" pitchFamily="49" charset="0"/>
+              </a:rPr>
+              <a:t>"doors is implemented by BENZ"</a:t>
+            </a:r>
+            <a:r>
+              <a:rPr lang="en-IN" sz="1200" dirty="0">
+                <a:solidFill>
+                  <a:srgbClr val="000000"/>
+                </a:solidFill>
+                <a:effectLst/>
+                <a:latin typeface="Courier New" panose="02070309020205020404" pitchFamily="49" charset="0"/>
+              </a:rPr>
+              <a:t>); </a:t>
+            </a:r>
+          </a:p>
+          <a:p>
+            <a:pPr marL="0" marR="0">
+              <a:spcBef>
+                <a:spcPts val="0"/>
+              </a:spcBef>
+              <a:spcAft>
+                <a:spcPts val="0"/>
+              </a:spcAft>
+            </a:pPr>
+            <a:r>
+              <a:rPr lang="en-IN" sz="1200" dirty="0">
+                <a:solidFill>
+                  <a:srgbClr val="000000"/>
+                </a:solidFill>
+                <a:effectLst/>
+                <a:latin typeface="Courier New" panose="02070309020205020404" pitchFamily="49" charset="0"/>
+              </a:rPr>
+              <a:t>}</a:t>
+            </a:r>
+          </a:p>
+          <a:p>
+            <a:pPr marL="0" marR="0">
+              <a:spcBef>
+                <a:spcPts val="0"/>
+              </a:spcBef>
+              <a:spcAft>
+                <a:spcPts val="0"/>
+              </a:spcAft>
+            </a:pPr>
+            <a:r>
+              <a:rPr lang="en-IN" sz="1200" dirty="0">
+                <a:solidFill>
+                  <a:srgbClr val="000000"/>
+                </a:solidFill>
+                <a:effectLst/>
+                <a:latin typeface="Courier New" panose="02070309020205020404" pitchFamily="49" charset="0"/>
+              </a:rPr>
+              <a:t>}</a:t>
+            </a:r>
+          </a:p>
+        </p:txBody>
+      </p:sp>
+      <p:sp>
+        <p:nvSpPr>
+          <p:cNvPr id="4" name="TextBox 3">
+            <a:extLst>
+              <a:ext uri="{FF2B5EF4-FFF2-40B4-BE49-F238E27FC236}">
+                <a16:creationId xmlns:a16="http://schemas.microsoft.com/office/drawing/2014/main" id="{466A7621-3C2C-D511-02F1-BF76E383FF3C}"/>
+              </a:ext>
+            </a:extLst>
+          </p:cNvPr>
+          <p:cNvSpPr txBox="1"/>
+          <p:nvPr/>
+        </p:nvSpPr>
+        <p:spPr>
+          <a:xfrm>
+            <a:off x="215153" y="1546883"/>
+            <a:ext cx="6096000" cy="1200329"/>
+          </a:xfrm>
+          <a:prstGeom prst="rect">
+            <a:avLst/>
+          </a:prstGeom>
+          <a:noFill/>
+        </p:spPr>
+        <p:txBody>
+          <a:bodyPr wrap="square">
+            <a:spAutoFit/>
+          </a:bodyPr>
+          <a:lstStyle/>
+          <a:p>
+            <a:r>
+              <a:rPr lang="en-US" b="1" dirty="0"/>
+              <a:t>interface</a:t>
+            </a:r>
+            <a:r>
+              <a:rPr lang="en-US" dirty="0"/>
+              <a:t> is a reference type that is similar to a class. It is a collection of abstract methods. When a class implements an interface, it inherits the abstract methods defined by the interface. </a:t>
+            </a:r>
+            <a:endParaRPr lang="en-IN" dirty="0"/>
+          </a:p>
+        </p:txBody>
+      </p:sp>
+    </p:spTree>
+    <p:extLst>
+      <p:ext uri="{BB962C8B-B14F-4D97-AF65-F5344CB8AC3E}">
+        <p14:creationId xmlns:p14="http://schemas.microsoft.com/office/powerpoint/2010/main" val="2341520778"/>
+      </p:ext>
+    </p:extLst>
+  </p:cSld>
+  <p:clrMapOvr>
+    <a:masterClrMapping/>
+  </p:clrMapOvr>
+</p:sld>
+</file>
+
+<file path=ppt/slides/slide37.xml><?xml version="1.0" encoding="utf-8"?>
+<p:sld xmlns:a="http://schemas.openxmlformats.org/drawingml/2006/main" xmlns:r="http://schemas.openxmlformats.org/officeDocument/2006/relationships" xmlns:p="http://schemas.openxmlformats.org/presentationml/2006/main">
+  <p:cSld>
+    <p:spTree>
+      <p:nvGrpSpPr>
+        <p:cNvPr id="1" name=""/>
+        <p:cNvGrpSpPr/>
+        <p:nvPr/>
+      </p:nvGrpSpPr>
+      <p:grpSpPr>
+        <a:xfrm>
+          <a:off x="0" y="0"/>
+          <a:ext cx="0" cy="0"/>
+          <a:chOff x="0" y="0"/>
+          <a:chExt cx="0" cy="0"/>
+        </a:xfrm>
+      </p:grpSpPr>
+      <p:sp>
+        <p:nvSpPr>
+          <p:cNvPr id="3" name="TextBox 2">
+            <a:extLst>
+              <a:ext uri="{FF2B5EF4-FFF2-40B4-BE49-F238E27FC236}">
+                <a16:creationId xmlns:a16="http://schemas.microsoft.com/office/drawing/2014/main" id="{06BFE256-135E-9B92-3437-C0D84985947F}"/>
+              </a:ext>
+            </a:extLst>
+          </p:cNvPr>
+          <p:cNvSpPr txBox="1"/>
+          <p:nvPr/>
+        </p:nvSpPr>
+        <p:spPr>
+          <a:xfrm>
+            <a:off x="3164542" y="194582"/>
+            <a:ext cx="6096000" cy="646331"/>
+          </a:xfrm>
+          <a:prstGeom prst="rect">
+            <a:avLst/>
+          </a:prstGeom>
+          <a:noFill/>
+        </p:spPr>
+        <p:txBody>
+          <a:bodyPr wrap="square">
+            <a:spAutoFit/>
+          </a:bodyPr>
+          <a:lstStyle/>
+          <a:p>
+            <a:r>
+              <a:rPr lang="en-US" b="1" dirty="0"/>
+              <a:t>Exceptions</a:t>
+            </a:r>
+            <a:r>
+              <a:rPr lang="en-US" dirty="0"/>
+              <a:t> are events that occur during the execution of a program that disrupt the normal flow of instructions.</a:t>
+            </a:r>
+            <a:endParaRPr lang="en-IN" dirty="0"/>
+          </a:p>
+        </p:txBody>
+      </p:sp>
+      <p:sp>
+        <p:nvSpPr>
+          <p:cNvPr id="7" name="TextBox 6">
+            <a:extLst>
+              <a:ext uri="{FF2B5EF4-FFF2-40B4-BE49-F238E27FC236}">
+                <a16:creationId xmlns:a16="http://schemas.microsoft.com/office/drawing/2014/main" id="{665BEC83-EB11-5508-6399-71D226D1B701}"/>
+              </a:ext>
+            </a:extLst>
+          </p:cNvPr>
+          <p:cNvSpPr txBox="1"/>
+          <p:nvPr/>
+        </p:nvSpPr>
+        <p:spPr>
+          <a:xfrm>
+            <a:off x="295836" y="2376171"/>
+            <a:ext cx="6096000" cy="3970318"/>
+          </a:xfrm>
+          <a:prstGeom prst="rect">
+            <a:avLst/>
+          </a:prstGeom>
+          <a:noFill/>
+        </p:spPr>
+        <p:txBody>
+          <a:bodyPr wrap="square">
+            <a:spAutoFit/>
+          </a:bodyPr>
+          <a:lstStyle/>
+          <a:p>
+            <a:r>
+              <a:rPr lang="en-IN" dirty="0"/>
+              <a:t>import </a:t>
+            </a:r>
+            <a:r>
+              <a:rPr lang="en-IN" dirty="0" err="1"/>
+              <a:t>java.io.FileReader</a:t>
+            </a:r>
+            <a:r>
+              <a:rPr lang="en-IN" dirty="0"/>
+              <a:t>;</a:t>
+            </a:r>
+          </a:p>
+          <a:p>
+            <a:r>
+              <a:rPr lang="en-IN" dirty="0"/>
+              <a:t>import </a:t>
+            </a:r>
+            <a:r>
+              <a:rPr lang="en-IN" dirty="0" err="1"/>
+              <a:t>java.io.IOException</a:t>
+            </a:r>
+            <a:r>
+              <a:rPr lang="en-IN" dirty="0"/>
+              <a:t>;</a:t>
+            </a:r>
+          </a:p>
+          <a:p>
+            <a:endParaRPr lang="en-IN" dirty="0"/>
+          </a:p>
+          <a:p>
+            <a:r>
+              <a:rPr lang="en-IN" dirty="0"/>
+              <a:t>public class Example {</a:t>
+            </a:r>
+          </a:p>
+          <a:p>
+            <a:r>
+              <a:rPr lang="en-IN" dirty="0"/>
+              <a:t>    public static void main(String[] </a:t>
+            </a:r>
+            <a:r>
+              <a:rPr lang="en-IN" dirty="0" err="1"/>
+              <a:t>args</a:t>
+            </a:r>
+            <a:r>
+              <a:rPr lang="en-IN" dirty="0"/>
+              <a:t>) {</a:t>
+            </a:r>
+          </a:p>
+          <a:p>
+            <a:r>
+              <a:rPr lang="en-IN" dirty="0"/>
+              <a:t>        try {</a:t>
+            </a:r>
+          </a:p>
+          <a:p>
+            <a:r>
+              <a:rPr lang="en-IN" dirty="0"/>
+              <a:t>            </a:t>
+            </a:r>
+            <a:r>
+              <a:rPr lang="en-IN" dirty="0" err="1"/>
+              <a:t>FileReader</a:t>
+            </a:r>
+            <a:r>
+              <a:rPr lang="en-IN" dirty="0"/>
+              <a:t> file = new </a:t>
+            </a:r>
+            <a:r>
+              <a:rPr lang="en-IN" dirty="0" err="1"/>
+              <a:t>FileReader</a:t>
+            </a:r>
+            <a:r>
+              <a:rPr lang="en-IN" dirty="0"/>
+              <a:t>("example.txt");</a:t>
+            </a:r>
+          </a:p>
+          <a:p>
+            <a:r>
+              <a:rPr lang="en-IN" dirty="0"/>
+              <a:t>            // Code that may throw </a:t>
+            </a:r>
+            <a:r>
+              <a:rPr lang="en-IN" dirty="0" err="1"/>
+              <a:t>IOException</a:t>
+            </a:r>
+            <a:endParaRPr lang="en-IN" dirty="0"/>
+          </a:p>
+          <a:p>
+            <a:r>
+              <a:rPr lang="en-IN" dirty="0"/>
+              <a:t>        } catch (</a:t>
+            </a:r>
+            <a:r>
+              <a:rPr lang="en-IN" dirty="0" err="1"/>
+              <a:t>IOException</a:t>
+            </a:r>
+            <a:r>
+              <a:rPr lang="en-IN" dirty="0"/>
+              <a:t> e) {</a:t>
+            </a:r>
+          </a:p>
+          <a:p>
+            <a:r>
+              <a:rPr lang="en-IN" dirty="0"/>
+              <a:t>            // Handle the exception</a:t>
+            </a:r>
+          </a:p>
+          <a:p>
+            <a:r>
+              <a:rPr lang="en-IN" dirty="0"/>
+              <a:t>            </a:t>
+            </a:r>
+            <a:r>
+              <a:rPr lang="en-IN" dirty="0" err="1"/>
+              <a:t>e.printStackTrace</a:t>
+            </a:r>
+            <a:r>
+              <a:rPr lang="en-IN" dirty="0"/>
+              <a:t>();</a:t>
+            </a:r>
+          </a:p>
+          <a:p>
+            <a:r>
+              <a:rPr lang="en-IN" dirty="0"/>
+              <a:t>        }</a:t>
+            </a:r>
+          </a:p>
+          <a:p>
+            <a:r>
+              <a:rPr lang="en-IN" dirty="0"/>
+              <a:t>    }</a:t>
+            </a:r>
+          </a:p>
+          <a:p>
+            <a:r>
+              <a:rPr lang="en-IN" dirty="0"/>
+              <a:t>}</a:t>
+            </a:r>
+          </a:p>
+        </p:txBody>
+      </p:sp>
+      <p:sp>
+        <p:nvSpPr>
+          <p:cNvPr id="9" name="TextBox 8">
+            <a:extLst>
+              <a:ext uri="{FF2B5EF4-FFF2-40B4-BE49-F238E27FC236}">
+                <a16:creationId xmlns:a16="http://schemas.microsoft.com/office/drawing/2014/main" id="{37F460E7-8D43-A83C-8E61-AEA8DA27FBE1}"/>
+              </a:ext>
+            </a:extLst>
+          </p:cNvPr>
+          <p:cNvSpPr txBox="1"/>
+          <p:nvPr/>
+        </p:nvSpPr>
+        <p:spPr>
+          <a:xfrm>
+            <a:off x="295836" y="1247473"/>
+            <a:ext cx="6096000" cy="646331"/>
+          </a:xfrm>
+          <a:prstGeom prst="rect">
+            <a:avLst/>
+          </a:prstGeom>
+          <a:noFill/>
+        </p:spPr>
+        <p:txBody>
+          <a:bodyPr wrap="square">
+            <a:spAutoFit/>
+          </a:bodyPr>
+          <a:lstStyle/>
+          <a:p>
+            <a:r>
+              <a:rPr lang="en-US" b="1" dirty="0"/>
+              <a:t>Checked Exceptions:</a:t>
+            </a:r>
+            <a:endParaRPr lang="en-US" dirty="0"/>
+          </a:p>
+          <a:p>
+            <a:pPr>
+              <a:buFont typeface="Arial" panose="020B0604020202020204" pitchFamily="34" charset="0"/>
+              <a:buChar char="•"/>
+            </a:pPr>
+            <a:r>
+              <a:rPr lang="en-US" dirty="0"/>
+              <a:t>These are exceptions that are checked at compile time.</a:t>
+            </a:r>
+          </a:p>
+        </p:txBody>
+      </p:sp>
+      <p:sp>
+        <p:nvSpPr>
+          <p:cNvPr id="11" name="TextBox 10">
+            <a:extLst>
+              <a:ext uri="{FF2B5EF4-FFF2-40B4-BE49-F238E27FC236}">
+                <a16:creationId xmlns:a16="http://schemas.microsoft.com/office/drawing/2014/main" id="{065DB6D2-05DE-F7A2-1BDD-5BD92C7C7517}"/>
+              </a:ext>
+            </a:extLst>
+          </p:cNvPr>
+          <p:cNvSpPr txBox="1"/>
+          <p:nvPr/>
+        </p:nvSpPr>
+        <p:spPr>
+          <a:xfrm>
+            <a:off x="6212542" y="1080684"/>
+            <a:ext cx="6096000" cy="923330"/>
+          </a:xfrm>
+          <a:prstGeom prst="rect">
+            <a:avLst/>
+          </a:prstGeom>
+          <a:noFill/>
+        </p:spPr>
+        <p:txBody>
+          <a:bodyPr wrap="square">
+            <a:spAutoFit/>
+          </a:bodyPr>
+          <a:lstStyle/>
+          <a:p>
+            <a:r>
+              <a:rPr lang="en-US" b="1" dirty="0"/>
+              <a:t>Unchecked Exceptions (</a:t>
+            </a:r>
+            <a:r>
+              <a:rPr lang="en-US" b="1" dirty="0" err="1"/>
+              <a:t>RuntimeException</a:t>
+            </a:r>
+            <a:r>
+              <a:rPr lang="en-US" b="1" dirty="0"/>
+              <a:t>):</a:t>
+            </a:r>
+            <a:endParaRPr lang="en-US" dirty="0"/>
+          </a:p>
+          <a:p>
+            <a:pPr>
+              <a:buFont typeface="Arial" panose="020B0604020202020204" pitchFamily="34" charset="0"/>
+              <a:buChar char="•"/>
+            </a:pPr>
+            <a:r>
+              <a:rPr lang="en-US" dirty="0"/>
+              <a:t>These exceptions are not checked at compile time; they occur at runtime.</a:t>
+            </a:r>
+          </a:p>
+        </p:txBody>
+      </p:sp>
+      <p:sp>
+        <p:nvSpPr>
+          <p:cNvPr id="13" name="TextBox 12">
+            <a:extLst>
+              <a:ext uri="{FF2B5EF4-FFF2-40B4-BE49-F238E27FC236}">
+                <a16:creationId xmlns:a16="http://schemas.microsoft.com/office/drawing/2014/main" id="{6E93B2D9-2CF8-AC46-D3D0-CF6C31DE280C}"/>
+              </a:ext>
+            </a:extLst>
+          </p:cNvPr>
+          <p:cNvSpPr txBox="1"/>
+          <p:nvPr/>
+        </p:nvSpPr>
+        <p:spPr>
+          <a:xfrm>
+            <a:off x="6391836" y="2647137"/>
+            <a:ext cx="6154270" cy="2031325"/>
+          </a:xfrm>
+          <a:prstGeom prst="rect">
+            <a:avLst/>
+          </a:prstGeom>
+          <a:noFill/>
+        </p:spPr>
+        <p:txBody>
+          <a:bodyPr wrap="square">
+            <a:spAutoFit/>
+          </a:bodyPr>
+          <a:lstStyle/>
+          <a:p>
+            <a:r>
+              <a:rPr lang="en-IN" dirty="0"/>
+              <a:t>public class Example {</a:t>
+            </a:r>
+          </a:p>
+          <a:p>
+            <a:r>
+              <a:rPr lang="en-IN" dirty="0"/>
+              <a:t>    public static void main(String[] </a:t>
+            </a:r>
+            <a:r>
+              <a:rPr lang="en-IN" dirty="0" err="1"/>
+              <a:t>args</a:t>
+            </a:r>
+            <a:r>
+              <a:rPr lang="en-IN" dirty="0"/>
+              <a:t>) {</a:t>
+            </a:r>
+          </a:p>
+          <a:p>
+            <a:r>
+              <a:rPr lang="en-IN" dirty="0"/>
+              <a:t>        int[] array = {1, 2, 3};</a:t>
+            </a:r>
+          </a:p>
+          <a:p>
+            <a:r>
+              <a:rPr lang="en-IN" dirty="0"/>
+              <a:t>        </a:t>
+            </a:r>
+            <a:r>
+              <a:rPr lang="en-IN" dirty="0" err="1"/>
+              <a:t>System.out.println</a:t>
+            </a:r>
+            <a:r>
+              <a:rPr lang="en-IN" dirty="0"/>
+              <a:t>(array[5]); // This will throw </a:t>
+            </a:r>
+            <a:r>
+              <a:rPr lang="en-IN" dirty="0" err="1"/>
+              <a:t>ArrayIndexOutOfBoundsException</a:t>
+            </a:r>
+            <a:endParaRPr lang="en-IN" dirty="0"/>
+          </a:p>
+          <a:p>
+            <a:r>
+              <a:rPr lang="en-IN" dirty="0"/>
+              <a:t>    }</a:t>
+            </a:r>
+          </a:p>
+          <a:p>
+            <a:r>
+              <a:rPr lang="en-IN" dirty="0"/>
+              <a:t>}</a:t>
+            </a:r>
+          </a:p>
+        </p:txBody>
+      </p:sp>
+    </p:spTree>
+    <p:extLst>
+      <p:ext uri="{BB962C8B-B14F-4D97-AF65-F5344CB8AC3E}">
+        <p14:creationId xmlns:p14="http://schemas.microsoft.com/office/powerpoint/2010/main" val="2307393591"/>
+      </p:ext>
+    </p:extLst>
+  </p:cSld>
+  <p:clrMapOvr>
+    <a:masterClrMapping/>
+  </p:clrMapOvr>
+</p:sld>
+</file>
+
+<file path=ppt/slides/slide38.xml><?xml version="1.0" encoding="utf-8"?>
+<p:sld xmlns:a="http://schemas.openxmlformats.org/drawingml/2006/main" xmlns:r="http://schemas.openxmlformats.org/officeDocument/2006/relationships" xmlns:p="http://schemas.openxmlformats.org/presentationml/2006/main">
+  <p:cSld>
+    <p:spTree>
+      <p:nvGrpSpPr>
+        <p:cNvPr id="1" name=""/>
+        <p:cNvGrpSpPr/>
+        <p:nvPr/>
+      </p:nvGrpSpPr>
+      <p:grpSpPr>
+        <a:xfrm>
+          <a:off x="0" y="0"/>
+          <a:ext cx="0" cy="0"/>
+          <a:chOff x="0" y="0"/>
+          <a:chExt cx="0" cy="0"/>
+        </a:xfrm>
+      </p:grpSpPr>
+      <p:sp>
+        <p:nvSpPr>
+          <p:cNvPr id="3" name="TextBox 2">
+            <a:extLst>
+              <a:ext uri="{FF2B5EF4-FFF2-40B4-BE49-F238E27FC236}">
+                <a16:creationId xmlns:a16="http://schemas.microsoft.com/office/drawing/2014/main" id="{C0355ECF-53A3-424F-B939-29B4F75B140D}"/>
+              </a:ext>
+            </a:extLst>
+          </p:cNvPr>
+          <p:cNvSpPr txBox="1"/>
+          <p:nvPr/>
+        </p:nvSpPr>
+        <p:spPr>
+          <a:xfrm>
+            <a:off x="636494" y="524000"/>
+            <a:ext cx="6096000" cy="646331"/>
+          </a:xfrm>
+          <a:prstGeom prst="rect">
+            <a:avLst/>
+          </a:prstGeom>
+          <a:noFill/>
+        </p:spPr>
+        <p:txBody>
+          <a:bodyPr wrap="square">
+            <a:spAutoFit/>
+          </a:bodyPr>
+          <a:lstStyle/>
+          <a:p>
+            <a:r>
+              <a:rPr lang="en-US" dirty="0"/>
+              <a:t>The </a:t>
+            </a:r>
+            <a:r>
+              <a:rPr lang="en-US" b="1" dirty="0"/>
+              <a:t>Collection in Java</a:t>
+            </a:r>
+            <a:r>
+              <a:rPr lang="en-US" dirty="0"/>
+              <a:t> is a framework that provides an architecture to store and manipulate the group of objects.</a:t>
+            </a:r>
+            <a:endParaRPr lang="en-IN" dirty="0"/>
+          </a:p>
+        </p:txBody>
+      </p:sp>
+      <p:sp>
+        <p:nvSpPr>
+          <p:cNvPr id="5" name="TextBox 4">
+            <a:extLst>
+              <a:ext uri="{FF2B5EF4-FFF2-40B4-BE49-F238E27FC236}">
+                <a16:creationId xmlns:a16="http://schemas.microsoft.com/office/drawing/2014/main" id="{FAFEB033-15DC-FBF1-67A7-BB3F390D4607}"/>
+              </a:ext>
+            </a:extLst>
+          </p:cNvPr>
+          <p:cNvSpPr txBox="1"/>
+          <p:nvPr/>
+        </p:nvSpPr>
+        <p:spPr>
+          <a:xfrm>
+            <a:off x="708211" y="1748135"/>
+            <a:ext cx="11241741" cy="923330"/>
+          </a:xfrm>
+          <a:prstGeom prst="rect">
+            <a:avLst/>
+          </a:prstGeom>
+          <a:noFill/>
+        </p:spPr>
+        <p:txBody>
+          <a:bodyPr wrap="square">
+            <a:spAutoFit/>
+          </a:bodyPr>
+          <a:lstStyle/>
+          <a:p>
+            <a:r>
+              <a:rPr lang="en-IN" dirty="0"/>
+              <a:t>Java Collection framework provides many interfaces (Set, List, Queue) and classes (</a:t>
+            </a:r>
+            <a:r>
+              <a:rPr lang="en-IN" dirty="0" err="1"/>
+              <a:t>ArrayList</a:t>
+            </a:r>
+            <a:r>
+              <a:rPr lang="en-IN" dirty="0"/>
+              <a:t>, </a:t>
+            </a:r>
+            <a:r>
+              <a:rPr lang="en-IN" dirty="0" err="1"/>
+              <a:t>Vector,LinkedList,hashset</a:t>
+            </a:r>
+            <a:r>
+              <a:rPr lang="en-IN" dirty="0"/>
+              <a:t>).</a:t>
+            </a:r>
+          </a:p>
+          <a:p>
+            <a:endParaRPr lang="en-IN" dirty="0"/>
+          </a:p>
+          <a:p>
+            <a:r>
+              <a:rPr lang="en-IN" dirty="0"/>
+              <a:t>Map – HashMap and </a:t>
+            </a:r>
+            <a:r>
+              <a:rPr lang="en-IN" dirty="0" err="1"/>
+              <a:t>HashTable</a:t>
+            </a:r>
+            <a:r>
+              <a:rPr lang="en-IN" dirty="0"/>
+              <a:t>, Queue</a:t>
+            </a:r>
+          </a:p>
+        </p:txBody>
+      </p:sp>
+    </p:spTree>
+    <p:extLst>
+      <p:ext uri="{BB962C8B-B14F-4D97-AF65-F5344CB8AC3E}">
+        <p14:creationId xmlns:p14="http://schemas.microsoft.com/office/powerpoint/2010/main" val="2286785806"/>
+      </p:ext>
+    </p:extLst>
+  </p:cSld>
+  <p:clrMapOvr>
+    <a:masterClrMapping/>
+  </p:clrMapOvr>
+</p:sld>
+</file>
+
+<file path=ppt/slides/slide39.xml><?xml version="1.0" encoding="utf-8"?>
+<p:sld xmlns:a="http://schemas.openxmlformats.org/drawingml/2006/main" xmlns:r="http://schemas.openxmlformats.org/officeDocument/2006/relationships" xmlns:p="http://schemas.openxmlformats.org/presentationml/2006/main">
+  <p:cSld>
+    <p:spTree>
+      <p:nvGrpSpPr>
+        <p:cNvPr id="1" name=""/>
+        <p:cNvGrpSpPr/>
+        <p:nvPr/>
+      </p:nvGrpSpPr>
+      <p:grpSpPr>
+        <a:xfrm>
+          <a:off x="0" y="0"/>
+          <a:ext cx="0" cy="0"/>
+          <a:chOff x="0" y="0"/>
+          <a:chExt cx="0" cy="0"/>
+        </a:xfrm>
+      </p:grpSpPr>
+      <p:sp>
+        <p:nvSpPr>
           <p:cNvPr id="2" name="Rectangle 1">
             <a:extLst>
               <a:ext uri="{FF2B5EF4-FFF2-40B4-BE49-F238E27FC236}">
-                <a16:creationId xmlns:a16="http://schemas.microsoft.com/office/drawing/2014/main" id="{00CC8A12-2862-D8AF-5C89-D1269D1E54FD}"/>
+                <a16:creationId xmlns:a16="http://schemas.microsoft.com/office/drawing/2014/main" id="{ECB21C35-D191-8AA6-BF9B-DB5370210A6C}"/>
               </a:ext>
             </a:extLst>
           </p:cNvPr>
@@ -13794,8 +21540,8 @@
         </p:nvSpPr>
         <p:spPr>
           <a:xfrm>
-            <a:off x="3744289" y="1792959"/>
-            <a:ext cx="3848817" cy="1169551"/>
+            <a:off x="1004612" y="860902"/>
+            <a:ext cx="11032828" cy="4739759"/>
           </a:xfrm>
           <a:prstGeom prst="rect">
             <a:avLst/>
@@ -13803,124 +21549,163 @@
           <a:noFill/>
         </p:spPr>
         <p:txBody>
-          <a:bodyPr wrap="square" lIns="91440" tIns="45720" rIns="91440" bIns="45720">
+          <a:bodyPr wrap="none" lIns="91440" tIns="45720" rIns="91440" bIns="45720">
             <a:spAutoFit/>
           </a:bodyPr>
           <a:lstStyle/>
           <a:p>
-            <a:pPr algn="ctr"/>
-            <a:r>
-              <a:rPr lang="en-US" sz="1400" b="1" cap="none" spc="0" dirty="0">
-                <a:ln w="0"/>
-                <a:solidFill>
-                  <a:schemeClr val="tx1"/>
-                </a:solidFill>
-                <a:effectLst>
-                  <a:outerShdw blurRad="38100" dist="19050" dir="2700000" algn="tl" rotWithShape="0">
-                    <a:schemeClr val="dk1">
-                      <a:alpha val="40000"/>
-                    </a:schemeClr>
-                  </a:outerShdw>
-                </a:effectLst>
-              </a:rPr>
-              <a:t>OTHERS :</a:t>
-            </a:r>
-          </a:p>
-          <a:p>
-            <a:pPr algn="ctr"/>
-            <a:endParaRPr lang="en-US" sz="1400" b="1" dirty="0">
-              <a:ln w="0"/>
-              <a:effectLst>
-                <a:outerShdw blurRad="38100" dist="19050" dir="2700000" algn="tl" rotWithShape="0">
-                  <a:schemeClr val="dk1">
-                    <a:alpha val="40000"/>
-                  </a:schemeClr>
-                </a:outerShdw>
-              </a:effectLst>
-            </a:endParaRPr>
-          </a:p>
-          <a:p>
-            <a:pPr algn="ctr"/>
+            <a:r>
+              <a:rPr lang="en-US" b="1" dirty="0"/>
+              <a:t>What are Selenium Frameworks?</a:t>
+            </a:r>
+          </a:p>
+          <a:p>
+            <a:endParaRPr lang="en-US" sz="1400" b="1" dirty="0"/>
+          </a:p>
+          <a:p>
+            <a:endParaRPr lang="en-US" sz="1400" b="1" dirty="0"/>
+          </a:p>
+          <a:p>
+            <a:pPr marL="285750" indent="-285750">
+              <a:buFont typeface="Arial" panose="020B0604020202020204" pitchFamily="34" charset="0"/>
+              <a:buChar char="•"/>
+            </a:pPr>
+            <a:r>
+              <a:rPr lang="en-US" sz="1400" dirty="0"/>
+              <a:t>The </a:t>
+            </a:r>
             <a:r>
               <a:rPr lang="en-US" sz="1400" b="1" dirty="0">
-                <a:ln w="0"/>
-                <a:effectLst>
-                  <a:outerShdw blurRad="38100" dist="19050" dir="2700000" algn="tl" rotWithShape="0">
-                    <a:schemeClr val="dk1">
-                      <a:alpha val="40000"/>
-                    </a:schemeClr>
-                  </a:outerShdw>
-                </a:effectLst>
-              </a:rPr>
-              <a:t> TestNG, Maven, Git, </a:t>
-            </a:r>
-            <a:r>
-              <a:rPr lang="en-US" sz="1400" b="1" dirty="0" err="1">
-                <a:ln w="0"/>
-                <a:effectLst>
-                  <a:outerShdw blurRad="38100" dist="19050" dir="2700000" algn="tl" rotWithShape="0">
-                    <a:schemeClr val="dk1">
-                      <a:alpha val="40000"/>
-                    </a:schemeClr>
-                  </a:outerShdw>
-                </a:effectLst>
-              </a:rPr>
-              <a:t>Github</a:t>
-            </a:r>
-            <a:r>
-              <a:rPr lang="en-US" sz="1400" b="1" dirty="0">
-                <a:ln w="0"/>
-                <a:effectLst>
-                  <a:outerShdw blurRad="38100" dist="19050" dir="2700000" algn="tl" rotWithShape="0">
-                    <a:schemeClr val="dk1">
-                      <a:alpha val="40000"/>
-                    </a:schemeClr>
-                  </a:outerShdw>
-                </a:effectLst>
-              </a:rPr>
-              <a:t>, Jenkins, Nexus</a:t>
-            </a:r>
-          </a:p>
-          <a:p>
-            <a:pPr algn="ctr"/>
-            <a:endParaRPr lang="en-US" sz="1400" b="1" cap="none" spc="0" dirty="0">
-              <a:ln w="0"/>
-              <a:solidFill>
-                <a:schemeClr val="tx1"/>
-              </a:solidFill>
-              <a:effectLst>
-                <a:outerShdw blurRad="38100" dist="19050" dir="2700000" algn="tl" rotWithShape="0">
-                  <a:schemeClr val="dk1">
-                    <a:alpha val="40000"/>
-                  </a:schemeClr>
-                </a:outerShdw>
-              </a:effectLst>
-            </a:endParaRPr>
-          </a:p>
-          <a:p>
-            <a:pPr marL="342900" indent="-342900" algn="ctr">
+                <a:hlinkClick r:id="rId2"/>
+              </a:rPr>
+              <a:t>Selenium Framework</a:t>
+            </a:r>
+            <a:r>
+              <a:rPr lang="en-US" sz="1400" dirty="0"/>
+              <a:t> is a coding framework that simplifies and streamlines the process of code maintenance. </a:t>
+            </a:r>
+          </a:p>
+          <a:p>
+            <a:endParaRPr lang="en-US" sz="1400" dirty="0"/>
+          </a:p>
+          <a:p>
+            <a:pPr marL="285750" indent="-285750">
+              <a:buFont typeface="Arial" panose="020B0604020202020204" pitchFamily="34" charset="0"/>
+              <a:buChar char="•"/>
+            </a:pPr>
+            <a:r>
+              <a:rPr lang="en-US" sz="1400" dirty="0"/>
+              <a:t>Users may store “code” and “data” in the same area if frameworks are not used, making the code and data neither reusable nor understandable. </a:t>
+            </a:r>
+          </a:p>
+          <a:p>
+            <a:endParaRPr lang="en-US" sz="1400" dirty="0"/>
+          </a:p>
+          <a:p>
+            <a:pPr marL="285750" indent="-285750">
+              <a:buFont typeface="Arial" panose="020B0604020202020204" pitchFamily="34" charset="0"/>
+              <a:buChar char="•"/>
+            </a:pPr>
+            <a:r>
+              <a:rPr lang="en-US" sz="1400" dirty="0"/>
+              <a:t>In addition to producing desirable effects such as greater code reusability, increased portability, decreased script maintenance cost, </a:t>
+            </a:r>
+          </a:p>
+          <a:p>
+            <a:r>
+              <a:rPr lang="en-US" sz="1400" dirty="0"/>
+              <a:t>       and improved code readability, frameworks can cause negative consequences.</a:t>
+            </a:r>
+          </a:p>
+          <a:p>
+            <a:endParaRPr lang="en-US" sz="1400" dirty="0"/>
+          </a:p>
+          <a:p>
+            <a:endParaRPr lang="en-US" sz="1400" dirty="0"/>
+          </a:p>
+          <a:p>
+            <a:r>
+              <a:rPr lang="en-US" b="1" dirty="0"/>
+              <a:t>Types</a:t>
+            </a:r>
+            <a:r>
+              <a:rPr lang="en-US" sz="1400" dirty="0"/>
+              <a:t>:</a:t>
+            </a:r>
+          </a:p>
+          <a:p>
+            <a:endParaRPr lang="en-US" sz="1400" dirty="0"/>
+          </a:p>
+          <a:p>
+            <a:pPr marL="342900" indent="-342900">
+              <a:buFont typeface="+mj-lt"/>
               <a:buAutoNum type="arabicPeriod"/>
             </a:pPr>
-            <a:endParaRPr lang="en-US" sz="1400" b="1" cap="none" spc="0" dirty="0">
-              <a:ln w="0"/>
-              <a:solidFill>
-                <a:schemeClr val="tx1"/>
-              </a:solidFill>
-              <a:effectLst>
-                <a:outerShdw blurRad="38100" dist="19050" dir="2700000" algn="tl" rotWithShape="0">
-                  <a:schemeClr val="dk1">
-                    <a:alpha val="40000"/>
-                  </a:schemeClr>
-                </a:outerShdw>
-              </a:effectLst>
-            </a:endParaRPr>
+            <a:r>
+              <a:rPr lang="en-IN" sz="1400" dirty="0"/>
+              <a:t>Data-driven Framework</a:t>
+            </a:r>
+          </a:p>
+          <a:p>
+            <a:pPr marL="342900" indent="-342900">
+              <a:buFont typeface="+mj-lt"/>
+              <a:buAutoNum type="arabicPeriod"/>
+            </a:pPr>
+            <a:endParaRPr lang="en-US" sz="1400" dirty="0"/>
+          </a:p>
+          <a:p>
+            <a:pPr marL="342900" indent="-342900">
+              <a:buFont typeface="+mj-lt"/>
+              <a:buAutoNum type="arabicPeriod"/>
+            </a:pPr>
+            <a:r>
+              <a:rPr lang="en-IN" sz="1400" dirty="0"/>
+              <a:t>Keyword Driven Testing Framework</a:t>
+            </a:r>
+          </a:p>
+          <a:p>
+            <a:pPr marL="342900" indent="-342900">
+              <a:buFont typeface="+mj-lt"/>
+              <a:buAutoNum type="arabicPeriod"/>
+            </a:pPr>
+            <a:endParaRPr lang="en-US" sz="1400" dirty="0"/>
+          </a:p>
+          <a:p>
+            <a:pPr marL="342900" indent="-342900">
+              <a:buFont typeface="+mj-lt"/>
+              <a:buAutoNum type="arabicPeriod"/>
+            </a:pPr>
+            <a:r>
+              <a:rPr lang="en-IN" sz="1400" dirty="0"/>
+              <a:t>Hybrid Driven Testing Framework</a:t>
+            </a:r>
+          </a:p>
+          <a:p>
+            <a:pPr marL="342900" indent="-342900">
+              <a:buFont typeface="+mj-lt"/>
+              <a:buAutoNum type="arabicPeriod"/>
+            </a:pPr>
+            <a:endParaRPr lang="en-US" sz="1400" dirty="0"/>
+          </a:p>
+          <a:p>
+            <a:pPr marL="342900" indent="-342900">
+              <a:buFont typeface="+mj-lt"/>
+              <a:buAutoNum type="arabicPeriod"/>
+            </a:pPr>
+            <a:r>
+              <a:rPr lang="en-US" sz="1400" dirty="0"/>
+              <a:t>Behavior Driven Development Testing Framework</a:t>
+            </a:r>
+          </a:p>
+          <a:p>
+            <a:endParaRPr lang="en-US" sz="1400" dirty="0"/>
           </a:p>
         </p:txBody>
       </p:sp>
     </p:spTree>
     <p:extLst>
       <p:ext uri="{BB962C8B-B14F-4D97-AF65-F5344CB8AC3E}">
-        <p14:creationId xmlns:p14="http://schemas.microsoft.com/office/powerpoint/2010/main" val="3854129687"/>
+        <p14:creationId xmlns:p14="http://schemas.microsoft.com/office/powerpoint/2010/main" val="1297286529"/>
       </p:ext>
     </p:extLst>
   </p:cSld>
@@ -13979,6 +21764,298 @@
     <p:extLst>
       <p:ext uri="{BB962C8B-B14F-4D97-AF65-F5344CB8AC3E}">
         <p14:creationId xmlns:p14="http://schemas.microsoft.com/office/powerpoint/2010/main" val="141630203"/>
+      </p:ext>
+    </p:extLst>
+  </p:cSld>
+  <p:clrMapOvr>
+    <a:masterClrMapping/>
+  </p:clrMapOvr>
+</p:sld>
+</file>
+
+<file path=ppt/slides/slide40.xml><?xml version="1.0" encoding="utf-8"?>
+<p:sld xmlns:a="http://schemas.openxmlformats.org/drawingml/2006/main" xmlns:r="http://schemas.openxmlformats.org/officeDocument/2006/relationships" xmlns:p="http://schemas.openxmlformats.org/presentationml/2006/main">
+  <p:cSld>
+    <p:spTree>
+      <p:nvGrpSpPr>
+        <p:cNvPr id="1" name=""/>
+        <p:cNvGrpSpPr/>
+        <p:nvPr/>
+      </p:nvGrpSpPr>
+      <p:grpSpPr>
+        <a:xfrm>
+          <a:off x="0" y="0"/>
+          <a:ext cx="0" cy="0"/>
+          <a:chOff x="0" y="0"/>
+          <a:chExt cx="0" cy="0"/>
+        </a:xfrm>
+      </p:grpSpPr>
+      <p:sp>
+        <p:nvSpPr>
+          <p:cNvPr id="2" name="Rectangle 1">
+            <a:extLst>
+              <a:ext uri="{FF2B5EF4-FFF2-40B4-BE49-F238E27FC236}">
+                <a16:creationId xmlns:a16="http://schemas.microsoft.com/office/drawing/2014/main" id="{76677099-EEE8-9984-C00C-BEB82F324B94}"/>
+              </a:ext>
+            </a:extLst>
+          </p:cNvPr>
+          <p:cNvSpPr/>
+          <p:nvPr/>
+        </p:nvSpPr>
+        <p:spPr>
+          <a:xfrm>
+            <a:off x="694108" y="878558"/>
+            <a:ext cx="8524449" cy="2246769"/>
+          </a:xfrm>
+          <a:prstGeom prst="rect">
+            <a:avLst/>
+          </a:prstGeom>
+          <a:noFill/>
+        </p:spPr>
+        <p:txBody>
+          <a:bodyPr wrap="none" lIns="91440" tIns="45720" rIns="91440" bIns="45720">
+            <a:spAutoFit/>
+          </a:bodyPr>
+          <a:lstStyle/>
+          <a:p>
+            <a:r>
+              <a:rPr lang="en-IN" sz="1400" b="1" dirty="0"/>
+              <a:t>Design Patterns in Selenium:</a:t>
+            </a:r>
+          </a:p>
+          <a:p>
+            <a:endParaRPr lang="en-IN" sz="1400" b="1" dirty="0"/>
+          </a:p>
+          <a:p>
+            <a:r>
+              <a:rPr lang="en-US" sz="1400" b="0" dirty="0">
+                <a:effectLst/>
+                <a:hlinkClick r:id="rId2" tooltip="Design Patterns in Automation Framework"/>
+              </a:rPr>
+              <a:t>Design patterns</a:t>
+            </a:r>
+            <a:r>
+              <a:rPr lang="en-US" sz="1400" b="0" dirty="0">
+                <a:effectLst/>
+              </a:rPr>
+              <a:t>  are reusable solutions that can be reused on to problems that frequently arise in software design.</a:t>
+            </a:r>
+          </a:p>
+          <a:p>
+            <a:r>
+              <a:rPr lang="en-US" sz="1400" b="0" dirty="0">
+                <a:effectLst/>
+              </a:rPr>
+              <a:t> </a:t>
+            </a:r>
+          </a:p>
+          <a:p>
+            <a:r>
+              <a:rPr lang="en-US" sz="1400" b="0" dirty="0">
+                <a:effectLst/>
+              </a:rPr>
+              <a:t>They serve as a common vocabulary and a shared understanding of best practices among the developers. </a:t>
+            </a:r>
+          </a:p>
+          <a:p>
+            <a:endParaRPr lang="en-US" sz="1400" dirty="0"/>
+          </a:p>
+          <a:p>
+            <a:endParaRPr lang="en-US" sz="1400" b="1" dirty="0"/>
+          </a:p>
+          <a:p>
+            <a:r>
+              <a:rPr lang="en-US" sz="1400" b="1" dirty="0"/>
+              <a:t>Types:</a:t>
+            </a:r>
+          </a:p>
+          <a:p>
+            <a:endParaRPr lang="en-US" sz="1400" dirty="0"/>
+          </a:p>
+          <a:p>
+            <a:pPr marL="342900" indent="-342900">
+              <a:buFont typeface="+mj-lt"/>
+              <a:buAutoNum type="arabicPeriod"/>
+            </a:pPr>
+            <a:r>
+              <a:rPr lang="en-US" sz="1400" dirty="0"/>
+              <a:t>POM</a:t>
+            </a:r>
+            <a:endParaRPr lang="en-IN" sz="1400" dirty="0"/>
+          </a:p>
+        </p:txBody>
+      </p:sp>
+    </p:spTree>
+    <p:extLst>
+      <p:ext uri="{BB962C8B-B14F-4D97-AF65-F5344CB8AC3E}">
+        <p14:creationId xmlns:p14="http://schemas.microsoft.com/office/powerpoint/2010/main" val="2048242346"/>
+      </p:ext>
+    </p:extLst>
+  </p:cSld>
+  <p:clrMapOvr>
+    <a:masterClrMapping/>
+  </p:clrMapOvr>
+</p:sld>
+</file>
+
+<file path=ppt/slides/slide41.xml><?xml version="1.0" encoding="utf-8"?>
+<p:sld xmlns:a="http://schemas.openxmlformats.org/drawingml/2006/main" xmlns:r="http://schemas.openxmlformats.org/officeDocument/2006/relationships" xmlns:p="http://schemas.openxmlformats.org/presentationml/2006/main">
+  <p:cSld>
+    <p:spTree>
+      <p:nvGrpSpPr>
+        <p:cNvPr id="1" name=""/>
+        <p:cNvGrpSpPr/>
+        <p:nvPr/>
+      </p:nvGrpSpPr>
+      <p:grpSpPr>
+        <a:xfrm>
+          <a:off x="0" y="0"/>
+          <a:ext cx="0" cy="0"/>
+          <a:chOff x="0" y="0"/>
+          <a:chExt cx="0" cy="0"/>
+        </a:xfrm>
+      </p:grpSpPr>
+      <p:sp>
+        <p:nvSpPr>
+          <p:cNvPr id="2" name="Rectangle 1">
+            <a:extLst>
+              <a:ext uri="{FF2B5EF4-FFF2-40B4-BE49-F238E27FC236}">
+                <a16:creationId xmlns:a16="http://schemas.microsoft.com/office/drawing/2014/main" id="{00CC8A12-2862-D8AF-5C89-D1269D1E54FD}"/>
+              </a:ext>
+            </a:extLst>
+          </p:cNvPr>
+          <p:cNvSpPr/>
+          <p:nvPr/>
+        </p:nvSpPr>
+        <p:spPr>
+          <a:xfrm>
+            <a:off x="3744289" y="1792959"/>
+            <a:ext cx="3848817" cy="1169551"/>
+          </a:xfrm>
+          <a:prstGeom prst="rect">
+            <a:avLst/>
+          </a:prstGeom>
+          <a:noFill/>
+        </p:spPr>
+        <p:txBody>
+          <a:bodyPr wrap="square" lIns="91440" tIns="45720" rIns="91440" bIns="45720">
+            <a:spAutoFit/>
+          </a:bodyPr>
+          <a:lstStyle/>
+          <a:p>
+            <a:pPr algn="ctr"/>
+            <a:r>
+              <a:rPr lang="en-US" sz="1400" b="1" cap="none" spc="0" dirty="0">
+                <a:ln w="0"/>
+                <a:solidFill>
+                  <a:schemeClr val="tx1"/>
+                </a:solidFill>
+                <a:effectLst>
+                  <a:outerShdw blurRad="38100" dist="19050" dir="2700000" algn="tl" rotWithShape="0">
+                    <a:schemeClr val="dk1">
+                      <a:alpha val="40000"/>
+                    </a:schemeClr>
+                  </a:outerShdw>
+                </a:effectLst>
+              </a:rPr>
+              <a:t>OTHERS :</a:t>
+            </a:r>
+          </a:p>
+          <a:p>
+            <a:pPr algn="ctr"/>
+            <a:endParaRPr lang="en-US" sz="1400" b="1" dirty="0">
+              <a:ln w="0"/>
+              <a:effectLst>
+                <a:outerShdw blurRad="38100" dist="19050" dir="2700000" algn="tl" rotWithShape="0">
+                  <a:schemeClr val="dk1">
+                    <a:alpha val="40000"/>
+                  </a:schemeClr>
+                </a:outerShdw>
+              </a:effectLst>
+            </a:endParaRPr>
+          </a:p>
+          <a:p>
+            <a:pPr algn="ctr"/>
+            <a:r>
+              <a:rPr lang="en-US" sz="1400" b="1" dirty="0">
+                <a:ln w="0"/>
+                <a:effectLst>
+                  <a:outerShdw blurRad="38100" dist="19050" dir="2700000" algn="tl" rotWithShape="0">
+                    <a:schemeClr val="dk1">
+                      <a:alpha val="40000"/>
+                    </a:schemeClr>
+                  </a:outerShdw>
+                </a:effectLst>
+              </a:rPr>
+              <a:t> TestNG, Maven, Git, </a:t>
+            </a:r>
+            <a:r>
+              <a:rPr lang="en-US" sz="1400" b="1" dirty="0" err="1">
+                <a:ln w="0"/>
+                <a:effectLst>
+                  <a:outerShdw blurRad="38100" dist="19050" dir="2700000" algn="tl" rotWithShape="0">
+                    <a:schemeClr val="dk1">
+                      <a:alpha val="40000"/>
+                    </a:schemeClr>
+                  </a:outerShdw>
+                </a:effectLst>
+              </a:rPr>
+              <a:t>Github</a:t>
+            </a:r>
+            <a:r>
+              <a:rPr lang="en-US" sz="1400" b="1" dirty="0">
+                <a:ln w="0"/>
+                <a:effectLst>
+                  <a:outerShdw blurRad="38100" dist="19050" dir="2700000" algn="tl" rotWithShape="0">
+                    <a:schemeClr val="dk1">
+                      <a:alpha val="40000"/>
+                    </a:schemeClr>
+                  </a:outerShdw>
+                </a:effectLst>
+              </a:rPr>
+              <a:t>, Jenkins, Nexus</a:t>
+            </a:r>
+          </a:p>
+          <a:p>
+            <a:pPr algn="ctr"/>
+            <a:endParaRPr lang="en-US" sz="1400" b="1" cap="none" spc="0" dirty="0">
+              <a:ln w="0"/>
+              <a:solidFill>
+                <a:schemeClr val="tx1"/>
+              </a:solidFill>
+              <a:effectLst>
+                <a:outerShdw blurRad="38100" dist="19050" dir="2700000" algn="tl" rotWithShape="0">
+                  <a:schemeClr val="dk1">
+                    <a:alpha val="40000"/>
+                  </a:schemeClr>
+                </a:outerShdw>
+              </a:effectLst>
+            </a:endParaRPr>
+          </a:p>
+          <a:p>
+            <a:pPr marL="342900" indent="-342900" algn="ctr">
+              <a:buAutoNum type="arabicPeriod"/>
+            </a:pPr>
+            <a:endParaRPr lang="en-US" sz="1400" b="1" cap="none" spc="0" dirty="0">
+              <a:ln w="0"/>
+              <a:solidFill>
+                <a:schemeClr val="tx1"/>
+              </a:solidFill>
+              <a:effectLst>
+                <a:outerShdw blurRad="38100" dist="19050" dir="2700000" algn="tl" rotWithShape="0">
+                  <a:schemeClr val="dk1">
+                    <a:alpha val="40000"/>
+                  </a:schemeClr>
+                </a:outerShdw>
+              </a:effectLst>
+            </a:endParaRPr>
+          </a:p>
+        </p:txBody>
+      </p:sp>
+    </p:spTree>
+    <p:extLst>
+      <p:ext uri="{BB962C8B-B14F-4D97-AF65-F5344CB8AC3E}">
+        <p14:creationId xmlns:p14="http://schemas.microsoft.com/office/powerpoint/2010/main" val="3854129687"/>
       </p:ext>
     </p:extLst>
   </p:cSld>

--- a/Selenium.pptx
+++ b/Selenium.pptx
@@ -5,7 +5,7 @@
     <p:sldMasterId id="2147483648" r:id="rId1"/>
   </p:sldMasterIdLst>
   <p:notesMasterIdLst>
-    <p:notesMasterId r:id="rId59"/>
+    <p:notesMasterId r:id="rId63"/>
   </p:notesMasterIdLst>
   <p:sldIdLst>
     <p:sldId id="262" r:id="rId2"/>
@@ -62,9 +62,13 @@
     <p:sldId id="302" r:id="rId53"/>
     <p:sldId id="313" r:id="rId54"/>
     <p:sldId id="314" r:id="rId55"/>
-    <p:sldId id="265" r:id="rId56"/>
-    <p:sldId id="266" r:id="rId57"/>
-    <p:sldId id="267" r:id="rId58"/>
+    <p:sldId id="315" r:id="rId56"/>
+    <p:sldId id="316" r:id="rId57"/>
+    <p:sldId id="317" r:id="rId58"/>
+    <p:sldId id="318" r:id="rId59"/>
+    <p:sldId id="265" r:id="rId60"/>
+    <p:sldId id="266" r:id="rId61"/>
+    <p:sldId id="267" r:id="rId62"/>
   </p:sldIdLst>
   <p:sldSz cx="12192000" cy="6858000"/>
   <p:notesSz cx="6858000" cy="9144000"/>
@@ -1087,7 +1091,7 @@
   <pc:docChgLst>
     <pc:chgData name="Suraj Sundar" userId="21277d655284b0de" providerId="LiveId" clId="{E2F3747C-E9FB-40B1-A028-6F80A11A7AF1}"/>
     <pc:docChg chg="undo custSel addSld delSld modSld">
-      <pc:chgData name="Suraj Sundar" userId="21277d655284b0de" providerId="LiveId" clId="{E2F3747C-E9FB-40B1-A028-6F80A11A7AF1}" dt="2024-01-29T14:53:47.463" v="802" actId="115"/>
+      <pc:chgData name="Suraj Sundar" userId="21277d655284b0de" providerId="LiveId" clId="{E2F3747C-E9FB-40B1-A028-6F80A11A7AF1}" dt="2024-01-30T14:05:16.137" v="1030" actId="20577"/>
       <pc:docMkLst>
         <pc:docMk/>
       </pc:docMkLst>
@@ -1461,6 +1465,90 @@
           </ac:spMkLst>
         </pc:spChg>
       </pc:sldChg>
+      <pc:sldChg chg="addSp modSp new mod">
+        <pc:chgData name="Suraj Sundar" userId="21277d655284b0de" providerId="LiveId" clId="{E2F3747C-E9FB-40B1-A028-6F80A11A7AF1}" dt="2024-01-30T13:33:17.115" v="1028" actId="1076"/>
+        <pc:sldMkLst>
+          <pc:docMk/>
+          <pc:sldMk cId="3351446174" sldId="315"/>
+        </pc:sldMkLst>
+        <pc:spChg chg="add mod">
+          <ac:chgData name="Suraj Sundar" userId="21277d655284b0de" providerId="LiveId" clId="{E2F3747C-E9FB-40B1-A028-6F80A11A7AF1}" dt="2024-01-30T13:33:17.115" v="1028" actId="1076"/>
+          <ac:spMkLst>
+            <pc:docMk/>
+            <pc:sldMk cId="3351446174" sldId="315"/>
+            <ac:spMk id="3" creationId="{4193425A-CA99-B396-48D7-B79A60284EC8}"/>
+          </ac:spMkLst>
+        </pc:spChg>
+      </pc:sldChg>
+      <pc:sldChg chg="addSp modSp new mod">
+        <pc:chgData name="Suraj Sundar" userId="21277d655284b0de" providerId="LiveId" clId="{E2F3747C-E9FB-40B1-A028-6F80A11A7AF1}" dt="2024-01-30T10:30:58.571" v="929" actId="20577"/>
+        <pc:sldMkLst>
+          <pc:docMk/>
+          <pc:sldMk cId="3287546635" sldId="316"/>
+        </pc:sldMkLst>
+        <pc:spChg chg="add mod">
+          <ac:chgData name="Suraj Sundar" userId="21277d655284b0de" providerId="LiveId" clId="{E2F3747C-E9FB-40B1-A028-6F80A11A7AF1}" dt="2024-01-30T10:30:58.571" v="929" actId="20577"/>
+          <ac:spMkLst>
+            <pc:docMk/>
+            <pc:sldMk cId="3287546635" sldId="316"/>
+            <ac:spMk id="3" creationId="{E3C76B63-D815-7DEF-1F8D-1CA43188039E}"/>
+          </ac:spMkLst>
+        </pc:spChg>
+      </pc:sldChg>
+      <pc:sldChg chg="addSp modSp new mod">
+        <pc:chgData name="Suraj Sundar" userId="21277d655284b0de" providerId="LiveId" clId="{E2F3747C-E9FB-40B1-A028-6F80A11A7AF1}" dt="2024-01-30T14:05:16.137" v="1030" actId="20577"/>
+        <pc:sldMkLst>
+          <pc:docMk/>
+          <pc:sldMk cId="1132817227" sldId="317"/>
+        </pc:sldMkLst>
+        <pc:spChg chg="add mod">
+          <ac:chgData name="Suraj Sundar" userId="21277d655284b0de" providerId="LiveId" clId="{E2F3747C-E9FB-40B1-A028-6F80A11A7AF1}" dt="2024-01-30T11:11:26.228" v="978" actId="2711"/>
+          <ac:spMkLst>
+            <pc:docMk/>
+            <pc:sldMk cId="1132817227" sldId="317"/>
+            <ac:spMk id="3" creationId="{C3F61F7B-07D9-E419-3211-8EE9C403EBFA}"/>
+          </ac:spMkLst>
+        </pc:spChg>
+        <pc:spChg chg="add mod">
+          <ac:chgData name="Suraj Sundar" userId="21277d655284b0de" providerId="LiveId" clId="{E2F3747C-E9FB-40B1-A028-6F80A11A7AF1}" dt="2024-01-30T11:17:29.929" v="1003" actId="114"/>
+          <ac:spMkLst>
+            <pc:docMk/>
+            <pc:sldMk cId="1132817227" sldId="317"/>
+            <ac:spMk id="5" creationId="{5C99B6A2-31B3-739E-0916-C16E1F4AF050}"/>
+          </ac:spMkLst>
+        </pc:spChg>
+        <pc:spChg chg="add mod">
+          <ac:chgData name="Suraj Sundar" userId="21277d655284b0de" providerId="LiveId" clId="{E2F3747C-E9FB-40B1-A028-6F80A11A7AF1}" dt="2024-01-30T14:05:16.137" v="1030" actId="20577"/>
+          <ac:spMkLst>
+            <pc:docMk/>
+            <pc:sldMk cId="1132817227" sldId="317"/>
+            <ac:spMk id="7" creationId="{F584EE70-6E04-AE2B-50FA-A05D7A2EA63C}"/>
+          </ac:spMkLst>
+        </pc:spChg>
+        <pc:spChg chg="add mod">
+          <ac:chgData name="Suraj Sundar" userId="21277d655284b0de" providerId="LiveId" clId="{E2F3747C-E9FB-40B1-A028-6F80A11A7AF1}" dt="2024-01-30T11:17:57.491" v="1008" actId="1076"/>
+          <ac:spMkLst>
+            <pc:docMk/>
+            <pc:sldMk cId="1132817227" sldId="317"/>
+            <ac:spMk id="8" creationId="{2EFA7F2E-73F1-2AD3-B6BB-7383B69F8701}"/>
+          </ac:spMkLst>
+        </pc:spChg>
+      </pc:sldChg>
+      <pc:sldChg chg="addSp modSp new mod">
+        <pc:chgData name="Suraj Sundar" userId="21277d655284b0de" providerId="LiveId" clId="{E2F3747C-E9FB-40B1-A028-6F80A11A7AF1}" dt="2024-01-30T11:21:06.442" v="1026" actId="3626"/>
+        <pc:sldMkLst>
+          <pc:docMk/>
+          <pc:sldMk cId="3085933704" sldId="318"/>
+        </pc:sldMkLst>
+        <pc:graphicFrameChg chg="add mod modGraphic">
+          <ac:chgData name="Suraj Sundar" userId="21277d655284b0de" providerId="LiveId" clId="{E2F3747C-E9FB-40B1-A028-6F80A11A7AF1}" dt="2024-01-30T11:21:06.442" v="1026" actId="3626"/>
+          <ac:graphicFrameMkLst>
+            <pc:docMk/>
+            <pc:sldMk cId="3085933704" sldId="318"/>
+            <ac:graphicFrameMk id="2" creationId="{1FDC2E7F-4D3A-0B3C-420D-CBE663CD4B57}"/>
+          </ac:graphicFrameMkLst>
+        </pc:graphicFrameChg>
+      </pc:sldChg>
     </pc:docChg>
   </pc:docChgLst>
 </pc:chgInfo>
@@ -1548,7 +1636,7 @@
           <a:p>
             <a:fld id="{55094CC2-04C1-4624-9BCC-AFE02C9F9764}" type="datetimeFigureOut">
               <a:rPr lang="en-IN" smtClean="0"/>
-              <a:t>29-01-2024</a:t>
+              <a:t>30-01-2024</a:t>
             </a:fld>
             <a:endParaRPr lang="en-IN"/>
           </a:p>
@@ -1965,7 +2053,7 @@
           <a:p>
             <a:fld id="{168663A3-44DB-42D5-A5A8-89ADCC6CF7A6}" type="datetimeFigureOut">
               <a:rPr lang="en-IN" smtClean="0"/>
-              <a:t>29-01-2024</a:t>
+              <a:t>30-01-2024</a:t>
             </a:fld>
             <a:endParaRPr lang="en-IN"/>
           </a:p>
@@ -2165,7 +2253,7 @@
           <a:p>
             <a:fld id="{168663A3-44DB-42D5-A5A8-89ADCC6CF7A6}" type="datetimeFigureOut">
               <a:rPr lang="en-IN" smtClean="0"/>
-              <a:t>29-01-2024</a:t>
+              <a:t>30-01-2024</a:t>
             </a:fld>
             <a:endParaRPr lang="en-IN"/>
           </a:p>
@@ -2375,7 +2463,7 @@
           <a:p>
             <a:fld id="{168663A3-44DB-42D5-A5A8-89ADCC6CF7A6}" type="datetimeFigureOut">
               <a:rPr lang="en-IN" smtClean="0"/>
-              <a:t>29-01-2024</a:t>
+              <a:t>30-01-2024</a:t>
             </a:fld>
             <a:endParaRPr lang="en-IN"/>
           </a:p>
@@ -2575,7 +2663,7 @@
           <a:p>
             <a:fld id="{168663A3-44DB-42D5-A5A8-89ADCC6CF7A6}" type="datetimeFigureOut">
               <a:rPr lang="en-IN" smtClean="0"/>
-              <a:t>29-01-2024</a:t>
+              <a:t>30-01-2024</a:t>
             </a:fld>
             <a:endParaRPr lang="en-IN"/>
           </a:p>
@@ -2851,7 +2939,7 @@
           <a:p>
             <a:fld id="{168663A3-44DB-42D5-A5A8-89ADCC6CF7A6}" type="datetimeFigureOut">
               <a:rPr lang="en-IN" smtClean="0"/>
-              <a:t>29-01-2024</a:t>
+              <a:t>30-01-2024</a:t>
             </a:fld>
             <a:endParaRPr lang="en-IN"/>
           </a:p>
@@ -3119,7 +3207,7 @@
           <a:p>
             <a:fld id="{168663A3-44DB-42D5-A5A8-89ADCC6CF7A6}" type="datetimeFigureOut">
               <a:rPr lang="en-IN" smtClean="0"/>
-              <a:t>29-01-2024</a:t>
+              <a:t>30-01-2024</a:t>
             </a:fld>
             <a:endParaRPr lang="en-IN"/>
           </a:p>
@@ -3534,7 +3622,7 @@
           <a:p>
             <a:fld id="{168663A3-44DB-42D5-A5A8-89ADCC6CF7A6}" type="datetimeFigureOut">
               <a:rPr lang="en-IN" smtClean="0"/>
-              <a:t>29-01-2024</a:t>
+              <a:t>30-01-2024</a:t>
             </a:fld>
             <a:endParaRPr lang="en-IN"/>
           </a:p>
@@ -3676,7 +3764,7 @@
           <a:p>
             <a:fld id="{168663A3-44DB-42D5-A5A8-89ADCC6CF7A6}" type="datetimeFigureOut">
               <a:rPr lang="en-IN" smtClean="0"/>
-              <a:t>29-01-2024</a:t>
+              <a:t>30-01-2024</a:t>
             </a:fld>
             <a:endParaRPr lang="en-IN"/>
           </a:p>
@@ -3789,7 +3877,7 @@
           <a:p>
             <a:fld id="{168663A3-44DB-42D5-A5A8-89ADCC6CF7A6}" type="datetimeFigureOut">
               <a:rPr lang="en-IN" smtClean="0"/>
-              <a:t>29-01-2024</a:t>
+              <a:t>30-01-2024</a:t>
             </a:fld>
             <a:endParaRPr lang="en-IN"/>
           </a:p>
@@ -4102,7 +4190,7 @@
           <a:p>
             <a:fld id="{168663A3-44DB-42D5-A5A8-89ADCC6CF7A6}" type="datetimeFigureOut">
               <a:rPr lang="en-IN" smtClean="0"/>
-              <a:t>29-01-2024</a:t>
+              <a:t>30-01-2024</a:t>
             </a:fld>
             <a:endParaRPr lang="en-IN"/>
           </a:p>
@@ -4391,7 +4479,7 @@
           <a:p>
             <a:fld id="{168663A3-44DB-42D5-A5A8-89ADCC6CF7A6}" type="datetimeFigureOut">
               <a:rPr lang="en-IN" smtClean="0"/>
-              <a:t>29-01-2024</a:t>
+              <a:t>30-01-2024</a:t>
             </a:fld>
             <a:endParaRPr lang="en-IN"/>
           </a:p>
@@ -4634,7 +4722,7 @@
           <a:p>
             <a:fld id="{168663A3-44DB-42D5-A5A8-89ADCC6CF7A6}" type="datetimeFigureOut">
               <a:rPr lang="en-IN" smtClean="0"/>
-              <a:t>29-01-2024</a:t>
+              <a:t>30-01-2024</a:t>
             </a:fld>
             <a:endParaRPr lang="en-IN"/>
           </a:p>
@@ -34192,20 +34280,20 @@
       </p:grpSpPr>
       <p:sp>
         <p:nvSpPr>
-          <p:cNvPr id="2" name="Rectangle 1">
+          <p:cNvPr id="3" name="TextBox 2">
             <a:extLst>
               <a:ext uri="{FF2B5EF4-FFF2-40B4-BE49-F238E27FC236}">
-                <a16:creationId xmlns:a16="http://schemas.microsoft.com/office/drawing/2014/main" id="{ECB21C35-D191-8AA6-BF9B-DB5370210A6C}"/>
+                <a16:creationId xmlns:a16="http://schemas.microsoft.com/office/drawing/2014/main" id="{4193425A-CA99-B396-48D7-B79A60284EC8}"/>
               </a:ext>
             </a:extLst>
           </p:cNvPr>
-          <p:cNvSpPr/>
+          <p:cNvSpPr txBox="1"/>
           <p:nvPr/>
         </p:nvSpPr>
         <p:spPr>
           <a:xfrm>
-            <a:off x="1004612" y="860902"/>
-            <a:ext cx="11032828" cy="4093428"/>
+            <a:off x="636494" y="367058"/>
+            <a:ext cx="10291482" cy="5909310"/>
           </a:xfrm>
           <a:prstGeom prst="rect">
             <a:avLst/>
@@ -34213,144 +34301,1373 @@
           <a:noFill/>
         </p:spPr>
         <p:txBody>
-          <a:bodyPr wrap="none" lIns="91440" tIns="45720" rIns="91440" bIns="45720">
+          <a:bodyPr wrap="square">
             <a:spAutoFit/>
           </a:bodyPr>
           <a:lstStyle/>
           <a:p>
-            <a:r>
-              <a:rPr lang="en-US" b="1" dirty="0"/>
-              <a:t>What are Selenium Frameworks?</a:t>
-            </a:r>
-          </a:p>
-          <a:p>
-            <a:endParaRPr lang="en-US" sz="1400" b="1" dirty="0"/>
-          </a:p>
-          <a:p>
-            <a:endParaRPr lang="en-US" sz="1400" b="1" dirty="0"/>
-          </a:p>
-          <a:p>
-            <a:pPr marL="285750" indent="-285750">
-              <a:buFont typeface="Arial" panose="020B0604020202020204" pitchFamily="34" charset="0"/>
-              <a:buChar char="•"/>
-            </a:pPr>
-            <a:r>
-              <a:rPr lang="en-US" sz="1400" dirty="0"/>
-              <a:t>The </a:t>
-            </a:r>
-            <a:r>
-              <a:rPr lang="en-US" sz="1400" b="1" dirty="0">
-                <a:hlinkClick r:id="rId2"/>
-              </a:rPr>
-              <a:t>Selenium Framework</a:t>
-            </a:r>
-            <a:r>
-              <a:rPr lang="en-US" sz="1400" dirty="0"/>
-              <a:t> is a coding framework that simplifies and streamlines the process of code maintenance. </a:t>
-            </a:r>
-          </a:p>
-          <a:p>
-            <a:endParaRPr lang="en-US" sz="1400" dirty="0"/>
-          </a:p>
-          <a:p>
-            <a:pPr marL="285750" indent="-285750">
-              <a:buFont typeface="Arial" panose="020B0604020202020204" pitchFamily="34" charset="0"/>
-              <a:buChar char="•"/>
-            </a:pPr>
-            <a:r>
-              <a:rPr lang="en-US" sz="1400" dirty="0"/>
-              <a:t>Users may store “code” and “data” in the same area if frameworks are not used, making the code and data neither reusable nor understandable. </a:t>
-            </a:r>
-          </a:p>
-          <a:p>
-            <a:endParaRPr lang="en-US" sz="1400" dirty="0"/>
-          </a:p>
-          <a:p>
-            <a:pPr marL="285750" indent="-285750">
-              <a:buFont typeface="Arial" panose="020B0604020202020204" pitchFamily="34" charset="0"/>
-              <a:buChar char="•"/>
-            </a:pPr>
-            <a:r>
-              <a:rPr lang="en-US" sz="1400" dirty="0"/>
-              <a:t>In addition to producing desirable effects such as greater code reusability, increased portability, decreased script maintenance cost, </a:t>
-            </a:r>
-          </a:p>
-          <a:p>
-            <a:r>
-              <a:rPr lang="en-US" sz="1400" dirty="0"/>
-              <a:t>       and improved code readability, frameworks can cause negative consequences.</a:t>
-            </a:r>
-          </a:p>
-          <a:p>
-            <a:endParaRPr lang="en-US" sz="1400" dirty="0"/>
-          </a:p>
-          <a:p>
-            <a:endParaRPr lang="en-US" sz="1400" dirty="0"/>
-          </a:p>
-          <a:p>
-            <a:r>
-              <a:rPr lang="en-US" b="1" dirty="0"/>
-              <a:t>Types</a:t>
-            </a:r>
-            <a:r>
-              <a:rPr lang="en-US" sz="1400" dirty="0"/>
-              <a:t>:</a:t>
-            </a:r>
-          </a:p>
-          <a:p>
-            <a:endParaRPr lang="en-US" sz="1400" dirty="0"/>
-          </a:p>
-          <a:p>
-            <a:pPr marL="342900" indent="-342900">
-              <a:buFont typeface="+mj-lt"/>
-              <a:buAutoNum type="arabicPeriod"/>
-            </a:pPr>
-            <a:r>
-              <a:rPr lang="en-IN" sz="1400" dirty="0"/>
-              <a:t>Data-driven Framework</a:t>
-            </a:r>
-          </a:p>
-          <a:p>
-            <a:pPr marL="342900" indent="-342900">
-              <a:buFont typeface="+mj-lt"/>
-              <a:buAutoNum type="arabicPeriod"/>
-            </a:pPr>
-            <a:endParaRPr lang="en-US" sz="1400" dirty="0"/>
-          </a:p>
-          <a:p>
-            <a:pPr marL="342900" indent="-342900">
-              <a:buFont typeface="+mj-lt"/>
-              <a:buAutoNum type="arabicPeriod"/>
-            </a:pPr>
-            <a:r>
-              <a:rPr lang="en-IN" sz="1400" dirty="0"/>
-              <a:t>Keyword Driven Testing Framework</a:t>
-            </a:r>
-          </a:p>
-          <a:p>
-            <a:pPr marL="342900" indent="-342900">
-              <a:buFont typeface="+mj-lt"/>
-              <a:buAutoNum type="arabicPeriod"/>
-            </a:pPr>
-            <a:endParaRPr lang="en-US" sz="1400" dirty="0"/>
-          </a:p>
-          <a:p>
-            <a:pPr marL="342900" indent="-342900">
-              <a:buFont typeface="+mj-lt"/>
-              <a:buAutoNum type="arabicPeriod"/>
-            </a:pPr>
-            <a:r>
-              <a:rPr lang="en-IN" sz="1400" dirty="0"/>
-              <a:t>Hybrid Driven Testing Framework</a:t>
-            </a:r>
-            <a:endParaRPr lang="en-US" sz="1400" dirty="0"/>
+            <a:pPr marL="0" marR="0">
+              <a:spcAft>
+                <a:spcPts val="0"/>
+              </a:spcAft>
+            </a:pPr>
+            <a:r>
+              <a:rPr lang="en-IN" sz="1400" b="1" dirty="0">
+                <a:solidFill>
+                  <a:srgbClr val="000000"/>
+                </a:solidFill>
+                <a:effectLst/>
+              </a:rPr>
+              <a:t>Upload a FILE using Robot Class</a:t>
+            </a:r>
+          </a:p>
+          <a:p>
+            <a:pPr marL="0" marR="0">
+              <a:spcAft>
+                <a:spcPts val="0"/>
+              </a:spcAft>
+            </a:pPr>
+            <a:endParaRPr lang="en-IN" sz="1400" b="1" dirty="0">
+              <a:solidFill>
+                <a:srgbClr val="000000"/>
+              </a:solidFill>
+              <a:effectLst/>
+            </a:endParaRPr>
+          </a:p>
+          <a:p>
+            <a:pPr marL="0" marR="0">
+              <a:spcAft>
+                <a:spcPts val="0"/>
+              </a:spcAft>
+            </a:pPr>
+            <a:r>
+              <a:rPr lang="en-IN" sz="1400" b="1" dirty="0">
+                <a:solidFill>
+                  <a:srgbClr val="000000"/>
+                </a:solidFill>
+                <a:effectLst/>
+              </a:rPr>
+              <a:t>public</a:t>
+            </a:r>
+            <a:r>
+              <a:rPr lang="en-IN" sz="1400" dirty="0">
+                <a:solidFill>
+                  <a:srgbClr val="000000"/>
+                </a:solidFill>
+                <a:effectLst/>
+              </a:rPr>
+              <a:t> </a:t>
+            </a:r>
+            <a:r>
+              <a:rPr lang="en-IN" sz="1400" b="1" dirty="0">
+                <a:solidFill>
+                  <a:srgbClr val="000000"/>
+                </a:solidFill>
+                <a:effectLst/>
+              </a:rPr>
+              <a:t>void</a:t>
+            </a:r>
+            <a:r>
+              <a:rPr lang="en-IN" sz="1400" dirty="0">
+                <a:solidFill>
+                  <a:srgbClr val="000000"/>
+                </a:solidFill>
+                <a:effectLst/>
+              </a:rPr>
+              <a:t> </a:t>
+            </a:r>
+            <a:r>
+              <a:rPr lang="en-IN" sz="1400" dirty="0" err="1">
+                <a:solidFill>
+                  <a:srgbClr val="000000"/>
+                </a:solidFill>
+                <a:effectLst/>
+              </a:rPr>
+              <a:t>uploadFile</a:t>
+            </a:r>
+            <a:r>
+              <a:rPr lang="en-IN" sz="1400" dirty="0">
+                <a:solidFill>
+                  <a:srgbClr val="000000"/>
+                </a:solidFill>
+                <a:effectLst/>
+              </a:rPr>
+              <a:t>() </a:t>
+            </a:r>
+            <a:r>
+              <a:rPr lang="en-IN" sz="1400" b="1" dirty="0">
+                <a:solidFill>
+                  <a:srgbClr val="000000"/>
+                </a:solidFill>
+                <a:effectLst/>
+              </a:rPr>
+              <a:t>throws</a:t>
+            </a:r>
+            <a:r>
+              <a:rPr lang="en-IN" sz="1400" dirty="0">
+                <a:solidFill>
+                  <a:srgbClr val="000000"/>
+                </a:solidFill>
+                <a:effectLst/>
+              </a:rPr>
+              <a:t> </a:t>
+            </a:r>
+            <a:r>
+              <a:rPr lang="en-IN" sz="1400" dirty="0" err="1">
+                <a:solidFill>
+                  <a:srgbClr val="000000"/>
+                </a:solidFill>
+                <a:effectLst/>
+              </a:rPr>
+              <a:t>AWTException</a:t>
+            </a:r>
+            <a:r>
+              <a:rPr lang="en-IN" sz="1400" dirty="0">
+                <a:solidFill>
+                  <a:srgbClr val="000000"/>
+                </a:solidFill>
+                <a:effectLst/>
+              </a:rPr>
+              <a:t> {</a:t>
+            </a:r>
+          </a:p>
+          <a:p>
+            <a:pPr marL="0" marR="0">
+              <a:spcBef>
+                <a:spcPts val="0"/>
+              </a:spcBef>
+              <a:spcAft>
+                <a:spcPts val="0"/>
+              </a:spcAft>
+            </a:pPr>
+            <a:r>
+              <a:rPr lang="en-IN" sz="1400" dirty="0" err="1">
+                <a:solidFill>
+                  <a:srgbClr val="0000C0"/>
+                </a:solidFill>
+                <a:effectLst/>
+              </a:rPr>
+              <a:t>driver</a:t>
+            </a:r>
+            <a:r>
+              <a:rPr lang="en-IN" sz="1400" dirty="0" err="1">
+                <a:solidFill>
+                  <a:srgbClr val="000000"/>
+                </a:solidFill>
+                <a:effectLst/>
+              </a:rPr>
+              <a:t>.get</a:t>
+            </a:r>
+            <a:r>
+              <a:rPr lang="en-IN" sz="1400" dirty="0">
+                <a:solidFill>
+                  <a:srgbClr val="000000"/>
+                </a:solidFill>
+                <a:effectLst/>
+              </a:rPr>
+              <a:t>("https://jumpshare.com/file-sharing/txt");</a:t>
+            </a:r>
+          </a:p>
+          <a:p>
+            <a:pPr marL="0" marR="0">
+              <a:spcBef>
+                <a:spcPts val="0"/>
+              </a:spcBef>
+              <a:spcAft>
+                <a:spcPts val="0"/>
+              </a:spcAft>
+            </a:pPr>
+            <a:r>
+              <a:rPr lang="en-IN" sz="1400" dirty="0" err="1">
+                <a:solidFill>
+                  <a:srgbClr val="0000C0"/>
+                </a:solidFill>
+                <a:effectLst/>
+              </a:rPr>
+              <a:t>driver</a:t>
+            </a:r>
+            <a:r>
+              <a:rPr lang="en-IN" sz="1400" dirty="0" err="1">
+                <a:solidFill>
+                  <a:srgbClr val="000000"/>
+                </a:solidFill>
+                <a:effectLst/>
+              </a:rPr>
+              <a:t>.manage</a:t>
+            </a:r>
+            <a:r>
+              <a:rPr lang="en-IN" sz="1400" dirty="0">
+                <a:solidFill>
+                  <a:srgbClr val="000000"/>
+                </a:solidFill>
+                <a:effectLst/>
+              </a:rPr>
+              <a:t>().timeouts().</a:t>
+            </a:r>
+            <a:r>
+              <a:rPr lang="en-IN" sz="1400" dirty="0" err="1">
+                <a:solidFill>
+                  <a:srgbClr val="000000"/>
+                </a:solidFill>
+                <a:effectLst/>
+              </a:rPr>
+              <a:t>implicitlyWait</a:t>
+            </a:r>
+            <a:r>
+              <a:rPr lang="en-IN" sz="1400" dirty="0">
+                <a:solidFill>
+                  <a:srgbClr val="000000"/>
+                </a:solidFill>
+                <a:effectLst/>
+              </a:rPr>
+              <a:t>(</a:t>
+            </a:r>
+            <a:r>
+              <a:rPr lang="en-IN" sz="1400" dirty="0" err="1">
+                <a:solidFill>
+                  <a:srgbClr val="000000"/>
+                </a:solidFill>
+                <a:effectLst/>
+              </a:rPr>
+              <a:t>Duration.</a:t>
+            </a:r>
+            <a:r>
+              <a:rPr lang="en-IN" sz="1400" i="1" dirty="0" err="1">
+                <a:solidFill>
+                  <a:srgbClr val="000000"/>
+                </a:solidFill>
+                <a:effectLst/>
+              </a:rPr>
+              <a:t>ofSeconds</a:t>
+            </a:r>
+            <a:r>
+              <a:rPr lang="en-IN" sz="1400" dirty="0">
+                <a:solidFill>
+                  <a:srgbClr val="000000"/>
+                </a:solidFill>
+                <a:effectLst/>
+              </a:rPr>
+              <a:t>(15));</a:t>
+            </a:r>
+          </a:p>
+          <a:p>
+            <a:pPr marL="0" marR="0">
+              <a:spcBef>
+                <a:spcPts val="0"/>
+              </a:spcBef>
+              <a:spcAft>
+                <a:spcPts val="0"/>
+              </a:spcAft>
+            </a:pPr>
+            <a:endParaRPr lang="en-IN" sz="1400" dirty="0">
+              <a:solidFill>
+                <a:srgbClr val="000000"/>
+              </a:solidFill>
+              <a:effectLst/>
+            </a:endParaRPr>
+          </a:p>
+          <a:p>
+            <a:pPr marL="0" marR="0">
+              <a:spcBef>
+                <a:spcPts val="0"/>
+              </a:spcBef>
+              <a:spcAft>
+                <a:spcPts val="0"/>
+              </a:spcAft>
+            </a:pPr>
+            <a:r>
+              <a:rPr lang="en-IN" sz="1400" dirty="0">
+                <a:solidFill>
+                  <a:srgbClr val="0078D7"/>
+                </a:solidFill>
+                <a:effectLst/>
+              </a:rPr>
+              <a:t>// file path passed as parameter to </a:t>
+            </a:r>
+            <a:r>
+              <a:rPr lang="en-IN" sz="1400" dirty="0" err="1">
+                <a:solidFill>
+                  <a:srgbClr val="0078D7"/>
+                </a:solidFill>
+                <a:effectLst/>
+              </a:rPr>
+              <a:t>StringSelection</a:t>
+            </a:r>
+            <a:endParaRPr lang="en-IN" sz="1400" dirty="0">
+              <a:solidFill>
+                <a:srgbClr val="000000"/>
+              </a:solidFill>
+              <a:effectLst/>
+            </a:endParaRPr>
+          </a:p>
+          <a:p>
+            <a:pPr marL="0" marR="0">
+              <a:spcBef>
+                <a:spcPts val="0"/>
+              </a:spcBef>
+              <a:spcAft>
+                <a:spcPts val="0"/>
+              </a:spcAft>
+            </a:pPr>
+            <a:r>
+              <a:rPr lang="en-IN" sz="1400" dirty="0" err="1">
+                <a:solidFill>
+                  <a:srgbClr val="0000C0"/>
+                </a:solidFill>
+                <a:effectLst/>
+              </a:rPr>
+              <a:t>driver</a:t>
+            </a:r>
+            <a:r>
+              <a:rPr lang="en-IN" sz="1400" dirty="0" err="1">
+                <a:solidFill>
+                  <a:srgbClr val="000000"/>
+                </a:solidFill>
+                <a:effectLst/>
+              </a:rPr>
+              <a:t>.findElement</a:t>
+            </a:r>
+            <a:r>
+              <a:rPr lang="en-IN" sz="1400" dirty="0">
+                <a:solidFill>
+                  <a:srgbClr val="000000"/>
+                </a:solidFill>
+                <a:effectLst/>
+              </a:rPr>
+              <a:t>(</a:t>
+            </a:r>
+            <a:r>
+              <a:rPr lang="en-IN" sz="1400" dirty="0" err="1">
+                <a:solidFill>
+                  <a:srgbClr val="000000"/>
+                </a:solidFill>
+                <a:effectLst/>
+              </a:rPr>
+              <a:t>By.</a:t>
+            </a:r>
+            <a:r>
+              <a:rPr lang="en-IN" sz="1400" i="1" dirty="0" err="1">
+                <a:solidFill>
+                  <a:srgbClr val="000000"/>
+                </a:solidFill>
+                <a:effectLst/>
+              </a:rPr>
+              <a:t>xpath</a:t>
+            </a:r>
+            <a:r>
+              <a:rPr lang="en-IN" sz="1400" dirty="0">
+                <a:solidFill>
+                  <a:srgbClr val="000000"/>
+                </a:solidFill>
+                <a:effectLst/>
+              </a:rPr>
+              <a:t>("//label[@for='guest-file-upload']")).click();</a:t>
+            </a:r>
+          </a:p>
+          <a:p>
+            <a:pPr marL="0" marR="0">
+              <a:spcBef>
+                <a:spcPts val="0"/>
+              </a:spcBef>
+              <a:spcAft>
+                <a:spcPts val="0"/>
+              </a:spcAft>
+            </a:pPr>
+            <a:r>
+              <a:rPr lang="en-IN" sz="1400" dirty="0" err="1">
+                <a:solidFill>
+                  <a:srgbClr val="0000C0"/>
+                </a:solidFill>
+                <a:effectLst/>
+              </a:rPr>
+              <a:t>driver</a:t>
+            </a:r>
+            <a:r>
+              <a:rPr lang="en-IN" sz="1400" dirty="0" err="1">
+                <a:solidFill>
+                  <a:srgbClr val="000000"/>
+                </a:solidFill>
+                <a:effectLst/>
+              </a:rPr>
+              <a:t>.manage</a:t>
+            </a:r>
+            <a:r>
+              <a:rPr lang="en-IN" sz="1400" dirty="0">
+                <a:solidFill>
+                  <a:srgbClr val="000000"/>
+                </a:solidFill>
+                <a:effectLst/>
+              </a:rPr>
+              <a:t>().timeouts().</a:t>
+            </a:r>
+            <a:r>
+              <a:rPr lang="en-IN" sz="1400" dirty="0" err="1">
+                <a:solidFill>
+                  <a:srgbClr val="000000"/>
+                </a:solidFill>
+                <a:effectLst/>
+              </a:rPr>
+              <a:t>implicitlyWait</a:t>
+            </a:r>
+            <a:r>
+              <a:rPr lang="en-IN" sz="1400" dirty="0">
+                <a:solidFill>
+                  <a:srgbClr val="000000"/>
+                </a:solidFill>
+                <a:effectLst/>
+              </a:rPr>
+              <a:t>(</a:t>
+            </a:r>
+            <a:r>
+              <a:rPr lang="en-IN" sz="1400" dirty="0" err="1">
+                <a:solidFill>
+                  <a:srgbClr val="000000"/>
+                </a:solidFill>
+                <a:effectLst/>
+              </a:rPr>
+              <a:t>Duration.</a:t>
+            </a:r>
+            <a:r>
+              <a:rPr lang="en-IN" sz="1400" i="1" dirty="0" err="1">
+                <a:solidFill>
+                  <a:srgbClr val="000000"/>
+                </a:solidFill>
+                <a:effectLst/>
+              </a:rPr>
+              <a:t>ofSeconds</a:t>
+            </a:r>
+            <a:r>
+              <a:rPr lang="en-IN" sz="1400" dirty="0">
+                <a:solidFill>
+                  <a:srgbClr val="000000"/>
+                </a:solidFill>
+                <a:effectLst/>
+              </a:rPr>
+              <a:t>(15));</a:t>
+            </a:r>
+          </a:p>
+          <a:p>
+            <a:pPr marL="0" marR="0">
+              <a:spcBef>
+                <a:spcPts val="0"/>
+              </a:spcBef>
+              <a:spcAft>
+                <a:spcPts val="0"/>
+              </a:spcAft>
+            </a:pPr>
+            <a:endParaRPr lang="en-IN" sz="1400" dirty="0">
+              <a:solidFill>
+                <a:srgbClr val="000000"/>
+              </a:solidFill>
+              <a:effectLst/>
+            </a:endParaRPr>
+          </a:p>
+          <a:p>
+            <a:pPr marL="0" marR="0">
+              <a:spcBef>
+                <a:spcPts val="0"/>
+              </a:spcBef>
+              <a:spcAft>
+                <a:spcPts val="0"/>
+              </a:spcAft>
+            </a:pPr>
+            <a:r>
+              <a:rPr lang="en-IN" sz="1400" dirty="0" err="1">
+                <a:solidFill>
+                  <a:srgbClr val="000000"/>
+                </a:solidFill>
+                <a:effectLst/>
+              </a:rPr>
+              <a:t>StringSelection</a:t>
+            </a:r>
+            <a:r>
+              <a:rPr lang="en-IN" sz="1400" dirty="0">
+                <a:solidFill>
+                  <a:srgbClr val="000000"/>
+                </a:solidFill>
+                <a:effectLst/>
+              </a:rPr>
+              <a:t> </a:t>
+            </a:r>
+            <a:r>
+              <a:rPr lang="en-IN" sz="1400" dirty="0">
+                <a:solidFill>
+                  <a:srgbClr val="6A3E3E"/>
+                </a:solidFill>
+                <a:effectLst/>
+              </a:rPr>
+              <a:t>ss</a:t>
+            </a:r>
+            <a:r>
+              <a:rPr lang="en-IN" sz="1400" dirty="0">
+                <a:solidFill>
+                  <a:srgbClr val="000000"/>
+                </a:solidFill>
+                <a:effectLst/>
+              </a:rPr>
+              <a:t> = </a:t>
+            </a:r>
+            <a:r>
+              <a:rPr lang="en-IN" sz="1400" b="1" dirty="0">
+                <a:solidFill>
+                  <a:srgbClr val="000000"/>
+                </a:solidFill>
+                <a:effectLst/>
+              </a:rPr>
+              <a:t>new</a:t>
+            </a:r>
+            <a:r>
+              <a:rPr lang="en-IN" sz="1400" dirty="0">
+                <a:solidFill>
+                  <a:srgbClr val="000000"/>
+                </a:solidFill>
+                <a:effectLst/>
+              </a:rPr>
+              <a:t> </a:t>
+            </a:r>
+            <a:r>
+              <a:rPr lang="en-IN" sz="1400" dirty="0" err="1">
+                <a:solidFill>
+                  <a:srgbClr val="000000"/>
+                </a:solidFill>
+                <a:effectLst/>
+              </a:rPr>
+              <a:t>StringSelection</a:t>
+            </a:r>
+            <a:r>
+              <a:rPr lang="en-IN" sz="1400" dirty="0">
+                <a:solidFill>
+                  <a:srgbClr val="000000"/>
+                </a:solidFill>
+                <a:effectLst/>
+              </a:rPr>
+              <a:t>("C:\\Users\\suraj\\OneDrive\\Desktop\\Practice\\Training\\com.demo.acte\\test.txt");</a:t>
+            </a:r>
+          </a:p>
+          <a:p>
+            <a:pPr marL="0" marR="0">
+              <a:spcBef>
+                <a:spcPts val="0"/>
+              </a:spcBef>
+              <a:spcAft>
+                <a:spcPts val="0"/>
+              </a:spcAft>
+            </a:pPr>
+            <a:r>
+              <a:rPr lang="en-IN" sz="1400" dirty="0" err="1">
+                <a:solidFill>
+                  <a:srgbClr val="000000"/>
+                </a:solidFill>
+                <a:effectLst/>
+              </a:rPr>
+              <a:t>Toolkit.</a:t>
+            </a:r>
+            <a:r>
+              <a:rPr lang="en-IN" sz="1400" i="1" dirty="0" err="1">
+                <a:solidFill>
+                  <a:srgbClr val="000000"/>
+                </a:solidFill>
+                <a:effectLst/>
+              </a:rPr>
+              <a:t>getDefaultToolkit</a:t>
+            </a:r>
+            <a:r>
+              <a:rPr lang="en-IN" sz="1400" dirty="0">
+                <a:solidFill>
+                  <a:srgbClr val="000000"/>
+                </a:solidFill>
+                <a:effectLst/>
+              </a:rPr>
+              <a:t>().</a:t>
+            </a:r>
+            <a:r>
+              <a:rPr lang="en-IN" sz="1400" dirty="0" err="1">
+                <a:solidFill>
+                  <a:srgbClr val="000000"/>
+                </a:solidFill>
+                <a:effectLst/>
+              </a:rPr>
+              <a:t>getSystemClipboard</a:t>
+            </a:r>
+            <a:r>
+              <a:rPr lang="en-IN" sz="1400" dirty="0">
+                <a:solidFill>
+                  <a:srgbClr val="000000"/>
+                </a:solidFill>
+                <a:effectLst/>
+              </a:rPr>
+              <a:t>().</a:t>
+            </a:r>
+            <a:r>
+              <a:rPr lang="en-IN" sz="1400" dirty="0" err="1">
+                <a:solidFill>
+                  <a:srgbClr val="000000"/>
+                </a:solidFill>
+                <a:effectLst/>
+              </a:rPr>
+              <a:t>setContents</a:t>
+            </a:r>
+            <a:r>
+              <a:rPr lang="en-IN" sz="1400" dirty="0">
+                <a:solidFill>
+                  <a:srgbClr val="000000"/>
+                </a:solidFill>
+                <a:effectLst/>
+              </a:rPr>
+              <a:t>(</a:t>
+            </a:r>
+            <a:r>
+              <a:rPr lang="en-IN" sz="1400" dirty="0">
+                <a:solidFill>
+                  <a:srgbClr val="6A3E3E"/>
+                </a:solidFill>
+                <a:effectLst/>
+              </a:rPr>
+              <a:t>ss</a:t>
+            </a:r>
+            <a:r>
+              <a:rPr lang="en-IN" sz="1400" dirty="0">
+                <a:solidFill>
+                  <a:srgbClr val="000000"/>
+                </a:solidFill>
+                <a:effectLst/>
+              </a:rPr>
+              <a:t>, </a:t>
+            </a:r>
+            <a:r>
+              <a:rPr lang="en-IN" sz="1400" b="1" dirty="0">
+                <a:solidFill>
+                  <a:srgbClr val="000000"/>
+                </a:solidFill>
+                <a:effectLst/>
+              </a:rPr>
+              <a:t>null</a:t>
+            </a:r>
+            <a:r>
+              <a:rPr lang="en-IN" sz="1400" dirty="0">
+                <a:solidFill>
+                  <a:srgbClr val="000000"/>
+                </a:solidFill>
+                <a:effectLst/>
+              </a:rPr>
+              <a:t>);</a:t>
+            </a:r>
+          </a:p>
+          <a:p>
+            <a:pPr marL="0" marR="0">
+              <a:spcBef>
+                <a:spcPts val="0"/>
+              </a:spcBef>
+              <a:spcAft>
+                <a:spcPts val="0"/>
+              </a:spcAft>
+            </a:pPr>
+            <a:br>
+              <a:rPr lang="en-IN" sz="1400" dirty="0">
+                <a:solidFill>
+                  <a:srgbClr val="000000"/>
+                </a:solidFill>
+                <a:effectLst/>
+              </a:rPr>
+            </a:br>
+            <a:endParaRPr lang="en-IN" sz="1400" dirty="0">
+              <a:solidFill>
+                <a:srgbClr val="000000"/>
+              </a:solidFill>
+              <a:effectLst/>
+            </a:endParaRPr>
+          </a:p>
+          <a:p>
+            <a:pPr marL="0" marR="0">
+              <a:spcBef>
+                <a:spcPts val="0"/>
+              </a:spcBef>
+              <a:spcAft>
+                <a:spcPts val="0"/>
+              </a:spcAft>
+            </a:pPr>
+            <a:r>
+              <a:rPr lang="en-IN" sz="1400" dirty="0">
+                <a:solidFill>
+                  <a:srgbClr val="0078D7"/>
+                </a:solidFill>
+                <a:effectLst/>
+              </a:rPr>
+              <a:t>//imitate mouse events like ENTER, CTRL+C, CTRL+V</a:t>
+            </a:r>
+            <a:endParaRPr lang="en-IN" sz="1400" dirty="0">
+              <a:solidFill>
+                <a:srgbClr val="000000"/>
+              </a:solidFill>
+              <a:effectLst/>
+            </a:endParaRPr>
+          </a:p>
+          <a:p>
+            <a:pPr marL="0" marR="0">
+              <a:spcBef>
+                <a:spcPts val="0"/>
+              </a:spcBef>
+              <a:spcAft>
+                <a:spcPts val="0"/>
+              </a:spcAft>
+            </a:pPr>
+            <a:r>
+              <a:rPr lang="en-IN" sz="1400" dirty="0">
+                <a:solidFill>
+                  <a:srgbClr val="000000"/>
+                </a:solidFill>
+                <a:effectLst/>
+              </a:rPr>
+              <a:t>Robot </a:t>
+            </a:r>
+            <a:r>
+              <a:rPr lang="en-IN" sz="1400" dirty="0" err="1">
+                <a:solidFill>
+                  <a:srgbClr val="6A3E3E"/>
+                </a:solidFill>
+                <a:effectLst/>
+              </a:rPr>
+              <a:t>robot</a:t>
+            </a:r>
+            <a:r>
+              <a:rPr lang="en-IN" sz="1400" dirty="0">
+                <a:solidFill>
+                  <a:srgbClr val="000000"/>
+                </a:solidFill>
+                <a:effectLst/>
+              </a:rPr>
+              <a:t> = </a:t>
+            </a:r>
+            <a:r>
+              <a:rPr lang="en-IN" sz="1400" b="1" dirty="0">
+                <a:solidFill>
+                  <a:srgbClr val="000000"/>
+                </a:solidFill>
+                <a:effectLst/>
+              </a:rPr>
+              <a:t>new</a:t>
+            </a:r>
+            <a:r>
+              <a:rPr lang="en-IN" sz="1400" dirty="0">
+                <a:solidFill>
+                  <a:srgbClr val="000000"/>
+                </a:solidFill>
+                <a:effectLst/>
+              </a:rPr>
+              <a:t> Robot();</a:t>
+            </a:r>
+          </a:p>
+          <a:p>
+            <a:pPr marL="0" marR="0">
+              <a:spcBef>
+                <a:spcPts val="0"/>
+              </a:spcBef>
+              <a:spcAft>
+                <a:spcPts val="0"/>
+              </a:spcAft>
+            </a:pPr>
+            <a:r>
+              <a:rPr lang="en-IN" sz="1400" dirty="0" err="1">
+                <a:solidFill>
+                  <a:srgbClr val="6A3E3E"/>
+                </a:solidFill>
+                <a:effectLst/>
+              </a:rPr>
+              <a:t>robot</a:t>
+            </a:r>
+            <a:r>
+              <a:rPr lang="en-IN" sz="1400" dirty="0" err="1">
+                <a:solidFill>
+                  <a:srgbClr val="000000"/>
+                </a:solidFill>
+                <a:effectLst/>
+              </a:rPr>
+              <a:t>.delay</a:t>
+            </a:r>
+            <a:r>
+              <a:rPr lang="en-IN" sz="1400" dirty="0">
+                <a:solidFill>
+                  <a:srgbClr val="000000"/>
+                </a:solidFill>
+                <a:effectLst/>
+              </a:rPr>
+              <a:t>(300);</a:t>
+            </a:r>
+          </a:p>
+          <a:p>
+            <a:pPr marL="0" marR="0">
+              <a:spcBef>
+                <a:spcPts val="0"/>
+              </a:spcBef>
+              <a:spcAft>
+                <a:spcPts val="0"/>
+              </a:spcAft>
+            </a:pPr>
+            <a:r>
+              <a:rPr lang="en-IN" sz="1400" dirty="0" err="1">
+                <a:solidFill>
+                  <a:srgbClr val="6A3E3E"/>
+                </a:solidFill>
+                <a:effectLst/>
+              </a:rPr>
+              <a:t>robot</a:t>
+            </a:r>
+            <a:r>
+              <a:rPr lang="en-IN" sz="1400" dirty="0" err="1">
+                <a:solidFill>
+                  <a:srgbClr val="000000"/>
+                </a:solidFill>
+                <a:effectLst/>
+              </a:rPr>
+              <a:t>.keyPress</a:t>
+            </a:r>
+            <a:r>
+              <a:rPr lang="en-IN" sz="1400" dirty="0">
+                <a:solidFill>
+                  <a:srgbClr val="000000"/>
+                </a:solidFill>
+                <a:effectLst/>
+              </a:rPr>
+              <a:t>(</a:t>
+            </a:r>
+            <a:r>
+              <a:rPr lang="en-IN" sz="1400" dirty="0" err="1">
+                <a:solidFill>
+                  <a:srgbClr val="000000"/>
+                </a:solidFill>
+                <a:effectLst/>
+              </a:rPr>
+              <a:t>KeyEvent.</a:t>
+            </a:r>
+            <a:r>
+              <a:rPr lang="en-IN" sz="1400" b="1" i="1" dirty="0" err="1">
+                <a:solidFill>
+                  <a:srgbClr val="0000C0"/>
+                </a:solidFill>
+                <a:effectLst/>
+              </a:rPr>
+              <a:t>VK_ENTER</a:t>
+            </a:r>
+            <a:r>
+              <a:rPr lang="en-IN" sz="1400" dirty="0">
+                <a:solidFill>
+                  <a:srgbClr val="000000"/>
+                </a:solidFill>
+                <a:effectLst/>
+              </a:rPr>
+              <a:t>);</a:t>
+            </a:r>
+          </a:p>
+          <a:p>
+            <a:pPr marL="0" marR="0">
+              <a:spcBef>
+                <a:spcPts val="0"/>
+              </a:spcBef>
+              <a:spcAft>
+                <a:spcPts val="0"/>
+              </a:spcAft>
+            </a:pPr>
+            <a:r>
+              <a:rPr lang="en-IN" sz="1400" dirty="0" err="1">
+                <a:solidFill>
+                  <a:srgbClr val="6A3E3E"/>
+                </a:solidFill>
+                <a:effectLst/>
+              </a:rPr>
+              <a:t>robot</a:t>
+            </a:r>
+            <a:r>
+              <a:rPr lang="en-IN" sz="1400" dirty="0" err="1">
+                <a:solidFill>
+                  <a:srgbClr val="000000"/>
+                </a:solidFill>
+                <a:effectLst/>
+              </a:rPr>
+              <a:t>.keyRelease</a:t>
+            </a:r>
+            <a:r>
+              <a:rPr lang="en-IN" sz="1400" dirty="0">
+                <a:solidFill>
+                  <a:srgbClr val="000000"/>
+                </a:solidFill>
+                <a:effectLst/>
+              </a:rPr>
+              <a:t>(</a:t>
+            </a:r>
+            <a:r>
+              <a:rPr lang="en-IN" sz="1400" dirty="0" err="1">
+                <a:solidFill>
+                  <a:srgbClr val="000000"/>
+                </a:solidFill>
+                <a:effectLst/>
+              </a:rPr>
+              <a:t>KeyEvent.</a:t>
+            </a:r>
+            <a:r>
+              <a:rPr lang="en-IN" sz="1400" b="1" i="1" dirty="0" err="1">
+                <a:solidFill>
+                  <a:srgbClr val="0000C0"/>
+                </a:solidFill>
+                <a:effectLst/>
+              </a:rPr>
+              <a:t>VK_ENTER</a:t>
+            </a:r>
+            <a:r>
+              <a:rPr lang="en-IN" sz="1400" dirty="0">
+                <a:solidFill>
+                  <a:srgbClr val="000000"/>
+                </a:solidFill>
+                <a:effectLst/>
+              </a:rPr>
+              <a:t>);</a:t>
+            </a:r>
+          </a:p>
+          <a:p>
+            <a:pPr marL="0" marR="0">
+              <a:spcBef>
+                <a:spcPts val="0"/>
+              </a:spcBef>
+              <a:spcAft>
+                <a:spcPts val="0"/>
+              </a:spcAft>
+            </a:pPr>
+            <a:r>
+              <a:rPr lang="en-IN" sz="1400" dirty="0" err="1">
+                <a:solidFill>
+                  <a:srgbClr val="6A3E3E"/>
+                </a:solidFill>
+                <a:effectLst/>
+              </a:rPr>
+              <a:t>robot</a:t>
+            </a:r>
+            <a:r>
+              <a:rPr lang="en-IN" sz="1400" dirty="0" err="1">
+                <a:solidFill>
+                  <a:srgbClr val="000000"/>
+                </a:solidFill>
+                <a:effectLst/>
+              </a:rPr>
+              <a:t>.keyPress</a:t>
+            </a:r>
+            <a:r>
+              <a:rPr lang="en-IN" sz="1400" dirty="0">
+                <a:solidFill>
+                  <a:srgbClr val="000000"/>
+                </a:solidFill>
+                <a:effectLst/>
+              </a:rPr>
+              <a:t>(</a:t>
+            </a:r>
+            <a:r>
+              <a:rPr lang="en-IN" sz="1400" dirty="0" err="1">
+                <a:solidFill>
+                  <a:srgbClr val="000000"/>
+                </a:solidFill>
+                <a:effectLst/>
+              </a:rPr>
+              <a:t>KeyEvent.</a:t>
+            </a:r>
+            <a:r>
+              <a:rPr lang="en-IN" sz="1400" b="1" i="1" dirty="0" err="1">
+                <a:solidFill>
+                  <a:srgbClr val="0000C0"/>
+                </a:solidFill>
+                <a:effectLst/>
+              </a:rPr>
+              <a:t>VK_CONTROL</a:t>
+            </a:r>
+            <a:r>
+              <a:rPr lang="en-IN" sz="1400" dirty="0">
+                <a:solidFill>
+                  <a:srgbClr val="000000"/>
+                </a:solidFill>
+                <a:effectLst/>
+              </a:rPr>
+              <a:t>);</a:t>
+            </a:r>
+          </a:p>
+          <a:p>
+            <a:pPr marL="0" marR="0">
+              <a:spcBef>
+                <a:spcPts val="0"/>
+              </a:spcBef>
+              <a:spcAft>
+                <a:spcPts val="0"/>
+              </a:spcAft>
+            </a:pPr>
+            <a:r>
+              <a:rPr lang="en-IN" sz="1400" dirty="0" err="1">
+                <a:solidFill>
+                  <a:srgbClr val="6A3E3E"/>
+                </a:solidFill>
+                <a:effectLst/>
+              </a:rPr>
+              <a:t>robot</a:t>
+            </a:r>
+            <a:r>
+              <a:rPr lang="en-IN" sz="1400" dirty="0" err="1">
+                <a:solidFill>
+                  <a:srgbClr val="000000"/>
+                </a:solidFill>
+                <a:effectLst/>
+              </a:rPr>
+              <a:t>.keyPress</a:t>
+            </a:r>
+            <a:r>
+              <a:rPr lang="en-IN" sz="1400" dirty="0">
+                <a:solidFill>
+                  <a:srgbClr val="000000"/>
+                </a:solidFill>
+                <a:effectLst/>
+              </a:rPr>
+              <a:t>(</a:t>
+            </a:r>
+            <a:r>
+              <a:rPr lang="en-IN" sz="1400" dirty="0" err="1">
+                <a:solidFill>
+                  <a:srgbClr val="000000"/>
+                </a:solidFill>
+                <a:effectLst/>
+              </a:rPr>
+              <a:t>KeyEvent.</a:t>
+            </a:r>
+            <a:r>
+              <a:rPr lang="en-IN" sz="1400" b="1" i="1" dirty="0" err="1">
+                <a:solidFill>
+                  <a:srgbClr val="0000C0"/>
+                </a:solidFill>
+                <a:effectLst/>
+              </a:rPr>
+              <a:t>VK_V</a:t>
+            </a:r>
+            <a:r>
+              <a:rPr lang="en-IN" sz="1400" dirty="0">
+                <a:solidFill>
+                  <a:srgbClr val="000000"/>
+                </a:solidFill>
+                <a:effectLst/>
+              </a:rPr>
+              <a:t>);</a:t>
+            </a:r>
+          </a:p>
+          <a:p>
+            <a:pPr marL="0" marR="0">
+              <a:spcBef>
+                <a:spcPts val="0"/>
+              </a:spcBef>
+              <a:spcAft>
+                <a:spcPts val="0"/>
+              </a:spcAft>
+            </a:pPr>
+            <a:r>
+              <a:rPr lang="en-IN" sz="1400" dirty="0" err="1">
+                <a:solidFill>
+                  <a:srgbClr val="6A3E3E"/>
+                </a:solidFill>
+                <a:effectLst/>
+              </a:rPr>
+              <a:t>robot</a:t>
+            </a:r>
+            <a:r>
+              <a:rPr lang="en-IN" sz="1400" dirty="0" err="1">
+                <a:solidFill>
+                  <a:srgbClr val="000000"/>
+                </a:solidFill>
+                <a:effectLst/>
+              </a:rPr>
+              <a:t>.keyRelease</a:t>
+            </a:r>
+            <a:r>
+              <a:rPr lang="en-IN" sz="1400" dirty="0">
+                <a:solidFill>
+                  <a:srgbClr val="000000"/>
+                </a:solidFill>
+                <a:effectLst/>
+              </a:rPr>
+              <a:t>(</a:t>
+            </a:r>
+            <a:r>
+              <a:rPr lang="en-IN" sz="1400" dirty="0" err="1">
+                <a:solidFill>
+                  <a:srgbClr val="000000"/>
+                </a:solidFill>
+                <a:effectLst/>
+              </a:rPr>
+              <a:t>KeyEvent.</a:t>
+            </a:r>
+            <a:r>
+              <a:rPr lang="en-IN" sz="1400" b="1" i="1" dirty="0" err="1">
+                <a:solidFill>
+                  <a:srgbClr val="0000C0"/>
+                </a:solidFill>
+                <a:effectLst/>
+              </a:rPr>
+              <a:t>VK_V</a:t>
+            </a:r>
+            <a:r>
+              <a:rPr lang="en-IN" sz="1400" dirty="0">
+                <a:solidFill>
+                  <a:srgbClr val="000000"/>
+                </a:solidFill>
+                <a:effectLst/>
+              </a:rPr>
+              <a:t>);</a:t>
+            </a:r>
+          </a:p>
+          <a:p>
+            <a:pPr marL="0" marR="0">
+              <a:spcBef>
+                <a:spcPts val="0"/>
+              </a:spcBef>
+              <a:spcAft>
+                <a:spcPts val="0"/>
+              </a:spcAft>
+            </a:pPr>
+            <a:r>
+              <a:rPr lang="en-IN" sz="1400" dirty="0" err="1">
+                <a:solidFill>
+                  <a:srgbClr val="6A3E3E"/>
+                </a:solidFill>
+                <a:effectLst/>
+              </a:rPr>
+              <a:t>robot</a:t>
+            </a:r>
+            <a:r>
+              <a:rPr lang="en-IN" sz="1400" dirty="0" err="1">
+                <a:solidFill>
+                  <a:srgbClr val="000000"/>
+                </a:solidFill>
+                <a:effectLst/>
+              </a:rPr>
+              <a:t>.keyRelease</a:t>
+            </a:r>
+            <a:r>
+              <a:rPr lang="en-IN" sz="1400" dirty="0">
+                <a:solidFill>
+                  <a:srgbClr val="000000"/>
+                </a:solidFill>
+                <a:effectLst/>
+              </a:rPr>
+              <a:t>(</a:t>
+            </a:r>
+            <a:r>
+              <a:rPr lang="en-IN" sz="1400" dirty="0" err="1">
+                <a:solidFill>
+                  <a:srgbClr val="000000"/>
+                </a:solidFill>
+                <a:effectLst/>
+              </a:rPr>
+              <a:t>KeyEvent.</a:t>
+            </a:r>
+            <a:r>
+              <a:rPr lang="en-IN" sz="1400" b="1" i="1" dirty="0" err="1">
+                <a:solidFill>
+                  <a:srgbClr val="0000C0"/>
+                </a:solidFill>
+                <a:effectLst/>
+              </a:rPr>
+              <a:t>VK_CONTROL</a:t>
+            </a:r>
+            <a:r>
+              <a:rPr lang="en-IN" sz="1400" dirty="0">
+                <a:solidFill>
+                  <a:srgbClr val="000000"/>
+                </a:solidFill>
+                <a:effectLst/>
+              </a:rPr>
+              <a:t>);</a:t>
+            </a:r>
+          </a:p>
+          <a:p>
+            <a:pPr marL="0" marR="0">
+              <a:spcBef>
+                <a:spcPts val="0"/>
+              </a:spcBef>
+              <a:spcAft>
+                <a:spcPts val="0"/>
+              </a:spcAft>
+            </a:pPr>
+            <a:r>
+              <a:rPr lang="en-IN" sz="1400" dirty="0" err="1">
+                <a:solidFill>
+                  <a:srgbClr val="6A3E3E"/>
+                </a:solidFill>
+                <a:effectLst/>
+              </a:rPr>
+              <a:t>robot</a:t>
+            </a:r>
+            <a:r>
+              <a:rPr lang="en-IN" sz="1400" dirty="0" err="1">
+                <a:solidFill>
+                  <a:srgbClr val="000000"/>
+                </a:solidFill>
+                <a:effectLst/>
+              </a:rPr>
+              <a:t>.keyPress</a:t>
+            </a:r>
+            <a:r>
+              <a:rPr lang="en-IN" sz="1400" dirty="0">
+                <a:solidFill>
+                  <a:srgbClr val="000000"/>
+                </a:solidFill>
+                <a:effectLst/>
+              </a:rPr>
+              <a:t>(</a:t>
+            </a:r>
+            <a:r>
+              <a:rPr lang="en-IN" sz="1400" dirty="0" err="1">
+                <a:solidFill>
+                  <a:srgbClr val="000000"/>
+                </a:solidFill>
+                <a:effectLst/>
+              </a:rPr>
+              <a:t>KeyEvent.</a:t>
+            </a:r>
+            <a:r>
+              <a:rPr lang="en-IN" sz="1400" b="1" i="1" dirty="0" err="1">
+                <a:solidFill>
+                  <a:srgbClr val="0000C0"/>
+                </a:solidFill>
+                <a:effectLst/>
+              </a:rPr>
+              <a:t>VK_ENTER</a:t>
+            </a:r>
+            <a:r>
+              <a:rPr lang="en-IN" sz="1400" dirty="0">
+                <a:solidFill>
+                  <a:srgbClr val="000000"/>
+                </a:solidFill>
+                <a:effectLst/>
+              </a:rPr>
+              <a:t>);</a:t>
+            </a:r>
+          </a:p>
+          <a:p>
+            <a:pPr marL="0" marR="0">
+              <a:spcBef>
+                <a:spcPts val="0"/>
+              </a:spcBef>
+              <a:spcAft>
+                <a:spcPts val="0"/>
+              </a:spcAft>
+            </a:pPr>
+            <a:r>
+              <a:rPr lang="en-IN" sz="1400" dirty="0" err="1">
+                <a:solidFill>
+                  <a:srgbClr val="6A3E3E"/>
+                </a:solidFill>
+                <a:effectLst/>
+              </a:rPr>
+              <a:t>robot</a:t>
+            </a:r>
+            <a:r>
+              <a:rPr lang="en-IN" sz="1400" dirty="0" err="1">
+                <a:solidFill>
+                  <a:srgbClr val="000000"/>
+                </a:solidFill>
+                <a:effectLst/>
+              </a:rPr>
+              <a:t>.delay</a:t>
+            </a:r>
+            <a:r>
+              <a:rPr lang="en-IN" sz="1400" dirty="0">
+                <a:solidFill>
+                  <a:srgbClr val="000000"/>
+                </a:solidFill>
+                <a:effectLst/>
+              </a:rPr>
+              <a:t>(90);</a:t>
+            </a:r>
+          </a:p>
+          <a:p>
+            <a:pPr marL="0" marR="0">
+              <a:spcBef>
+                <a:spcPts val="0"/>
+              </a:spcBef>
+              <a:spcAft>
+                <a:spcPts val="0"/>
+              </a:spcAft>
+            </a:pPr>
+            <a:r>
+              <a:rPr lang="en-IN" sz="1400" dirty="0" err="1">
+                <a:solidFill>
+                  <a:srgbClr val="6A3E3E"/>
+                </a:solidFill>
+                <a:effectLst/>
+              </a:rPr>
+              <a:t>robot</a:t>
+            </a:r>
+            <a:r>
+              <a:rPr lang="en-IN" sz="1400" dirty="0" err="1">
+                <a:solidFill>
+                  <a:srgbClr val="000000"/>
+                </a:solidFill>
+                <a:effectLst/>
+              </a:rPr>
+              <a:t>.keyRelease</a:t>
+            </a:r>
+            <a:r>
+              <a:rPr lang="en-IN" sz="1400" dirty="0">
+                <a:solidFill>
+                  <a:srgbClr val="000000"/>
+                </a:solidFill>
+                <a:effectLst/>
+              </a:rPr>
+              <a:t>(</a:t>
+            </a:r>
+            <a:r>
+              <a:rPr lang="en-IN" sz="1400" dirty="0" err="1">
+                <a:solidFill>
+                  <a:srgbClr val="000000"/>
+                </a:solidFill>
+                <a:effectLst/>
+              </a:rPr>
+              <a:t>KeyEvent.</a:t>
+            </a:r>
+            <a:r>
+              <a:rPr lang="en-IN" sz="1400" b="1" i="1" dirty="0" err="1">
+                <a:solidFill>
+                  <a:srgbClr val="0000C0"/>
+                </a:solidFill>
+                <a:effectLst/>
+              </a:rPr>
+              <a:t>VK_ENTER</a:t>
+            </a:r>
+            <a:r>
+              <a:rPr lang="en-IN" sz="1400" dirty="0">
+                <a:solidFill>
+                  <a:srgbClr val="000000"/>
+                </a:solidFill>
+                <a:effectLst/>
+              </a:rPr>
+              <a:t>);</a:t>
+            </a:r>
+          </a:p>
+          <a:p>
+            <a:pPr marL="0" marR="0">
+              <a:spcBef>
+                <a:spcPts val="0"/>
+              </a:spcBef>
+              <a:spcAft>
+                <a:spcPts val="0"/>
+              </a:spcAft>
+            </a:pPr>
+            <a:r>
+              <a:rPr lang="en-IN" sz="1400" dirty="0">
+                <a:solidFill>
+                  <a:srgbClr val="000000"/>
+                </a:solidFill>
+                <a:effectLst/>
+              </a:rPr>
+              <a:t>}</a:t>
+            </a:r>
           </a:p>
         </p:txBody>
       </p:sp>
     </p:spTree>
     <p:extLst>
       <p:ext uri="{BB962C8B-B14F-4D97-AF65-F5344CB8AC3E}">
-        <p14:creationId xmlns:p14="http://schemas.microsoft.com/office/powerpoint/2010/main" val="1297286529"/>
+        <p14:creationId xmlns:p14="http://schemas.microsoft.com/office/powerpoint/2010/main" val="3351446174"/>
       </p:ext>
     </p:extLst>
   </p:cSld>
@@ -34379,20 +35696,20 @@
       </p:grpSpPr>
       <p:sp>
         <p:nvSpPr>
-          <p:cNvPr id="2" name="Rectangle 1">
+          <p:cNvPr id="3" name="TextBox 2">
             <a:extLst>
               <a:ext uri="{FF2B5EF4-FFF2-40B4-BE49-F238E27FC236}">
-                <a16:creationId xmlns:a16="http://schemas.microsoft.com/office/drawing/2014/main" id="{76677099-EEE8-9984-C00C-BEB82F324B94}"/>
+                <a16:creationId xmlns:a16="http://schemas.microsoft.com/office/drawing/2014/main" id="{E3C76B63-D815-7DEF-1F8D-1CA43188039E}"/>
               </a:ext>
             </a:extLst>
           </p:cNvPr>
-          <p:cNvSpPr/>
+          <p:cNvSpPr txBox="1"/>
           <p:nvPr/>
         </p:nvSpPr>
         <p:spPr>
           <a:xfrm>
-            <a:off x="694108" y="878558"/>
-            <a:ext cx="8524449" cy="2246769"/>
+            <a:off x="591669" y="1013535"/>
+            <a:ext cx="8059271" cy="2246769"/>
           </a:xfrm>
           <a:prstGeom prst="rect">
             <a:avLst/>
@@ -34400,82 +35717,603 @@
           <a:noFill/>
         </p:spPr>
         <p:txBody>
-          <a:bodyPr wrap="none" lIns="91440" tIns="45720" rIns="91440" bIns="45720">
+          <a:bodyPr wrap="square">
             <a:spAutoFit/>
           </a:bodyPr>
           <a:lstStyle/>
           <a:p>
-            <a:r>
-              <a:rPr lang="en-IN" sz="1400" b="1" dirty="0"/>
-              <a:t>Design Patterns in Selenium:</a:t>
-            </a:r>
-          </a:p>
-          <a:p>
-            <a:endParaRPr lang="en-IN" sz="1400" b="1" dirty="0"/>
-          </a:p>
-          <a:p>
-            <a:r>
-              <a:rPr lang="en-US" sz="1400" b="0" dirty="0">
-                <a:effectLst/>
-                <a:hlinkClick r:id="rId2" tooltip="Design Patterns in Automation Framework"/>
-              </a:rPr>
-              <a:t>Design patterns</a:t>
-            </a:r>
-            <a:r>
-              <a:rPr lang="en-US" sz="1400" b="0" dirty="0">
-                <a:effectLst/>
-              </a:rPr>
-              <a:t>  are reusable solutions that can be reused on to problems that frequently arise in software design.</a:t>
-            </a:r>
-          </a:p>
-          <a:p>
-            <a:r>
-              <a:rPr lang="en-US" sz="1400" b="0" dirty="0">
+            <a:pPr marL="0" marR="0">
+              <a:spcBef>
+                <a:spcPts val="0"/>
+              </a:spcBef>
+              <a:spcAft>
+                <a:spcPts val="0"/>
+              </a:spcAft>
+            </a:pPr>
+            <a:r>
+              <a:rPr lang="en-US" sz="1400" dirty="0">
+                <a:solidFill>
+                  <a:srgbClr val="0000C0"/>
+                </a:solidFill>
+                <a:effectLst/>
+              </a:rPr>
+              <a:t>DRAG and DROP in Selenium:</a:t>
+            </a:r>
+          </a:p>
+          <a:p>
+            <a:pPr marL="0" marR="0">
+              <a:spcBef>
+                <a:spcPts val="0"/>
+              </a:spcBef>
+              <a:spcAft>
+                <a:spcPts val="0"/>
+              </a:spcAft>
+            </a:pPr>
+            <a:r>
+              <a:rPr lang="en-US" sz="1400" dirty="0">
+                <a:solidFill>
+                  <a:srgbClr val="0000C0"/>
+                </a:solidFill>
+              </a:rPr>
+              <a:t>   Use Action class for mouse keyboard actions</a:t>
+            </a:r>
+            <a:endParaRPr lang="en-US" sz="1400" dirty="0">
+              <a:solidFill>
+                <a:srgbClr val="0000C0"/>
+              </a:solidFill>
+              <a:effectLst/>
+            </a:endParaRPr>
+          </a:p>
+          <a:p>
+            <a:pPr marL="0" marR="0">
+              <a:spcBef>
+                <a:spcPts val="0"/>
+              </a:spcBef>
+              <a:spcAft>
+                <a:spcPts val="0"/>
+              </a:spcAft>
+            </a:pPr>
+            <a:endParaRPr lang="en-US" sz="1400" dirty="0">
+              <a:solidFill>
+                <a:srgbClr val="0000C0"/>
+              </a:solidFill>
+            </a:endParaRPr>
+          </a:p>
+          <a:p>
+            <a:pPr marL="0" marR="0">
+              <a:spcBef>
+                <a:spcPts val="0"/>
+              </a:spcBef>
+              <a:spcAft>
+                <a:spcPts val="0"/>
+              </a:spcAft>
+            </a:pPr>
+            <a:r>
+              <a:rPr lang="en-US" sz="1400" dirty="0" err="1">
+                <a:solidFill>
+                  <a:srgbClr val="0000C0"/>
+                </a:solidFill>
+                <a:effectLst/>
+              </a:rPr>
+              <a:t>driver</a:t>
+            </a:r>
+            <a:r>
+              <a:rPr lang="en-US" sz="1400" dirty="0" err="1">
+                <a:solidFill>
+                  <a:srgbClr val="000000"/>
+                </a:solidFill>
+                <a:effectLst/>
+              </a:rPr>
+              <a:t>.get</a:t>
+            </a:r>
+            <a:r>
+              <a:rPr lang="en-US" sz="1400" dirty="0">
+                <a:solidFill>
+                  <a:srgbClr val="000000"/>
+                </a:solidFill>
+                <a:effectLst/>
+              </a:rPr>
+              <a:t>("https://jqueryui.com/droppable/");</a:t>
+            </a:r>
+          </a:p>
+          <a:p>
+            <a:pPr marL="0" marR="0">
+              <a:spcBef>
+                <a:spcPts val="0"/>
+              </a:spcBef>
+              <a:spcAft>
+                <a:spcPts val="0"/>
+              </a:spcAft>
+            </a:pPr>
+            <a:r>
+              <a:rPr lang="en-US" sz="1400" dirty="0" err="1">
+                <a:solidFill>
+                  <a:srgbClr val="0000C0"/>
+                </a:solidFill>
+                <a:effectLst/>
+              </a:rPr>
+              <a:t>driver</a:t>
+            </a:r>
+            <a:r>
+              <a:rPr lang="en-US" sz="1400" dirty="0" err="1">
+                <a:solidFill>
+                  <a:srgbClr val="000000"/>
+                </a:solidFill>
+                <a:effectLst/>
+              </a:rPr>
+              <a:t>.manage</a:t>
+            </a:r>
+            <a:r>
+              <a:rPr lang="en-US" sz="1400" dirty="0">
+                <a:solidFill>
+                  <a:srgbClr val="000000"/>
+                </a:solidFill>
+                <a:effectLst/>
+              </a:rPr>
+              <a:t>().window().maximize();</a:t>
+            </a:r>
+          </a:p>
+          <a:p>
+            <a:pPr marL="0" marR="0">
+              <a:spcBef>
+                <a:spcPts val="0"/>
+              </a:spcBef>
+              <a:spcAft>
+                <a:spcPts val="0"/>
+              </a:spcAft>
+            </a:pPr>
+            <a:r>
+              <a:rPr lang="en-US" sz="1400" dirty="0">
+                <a:solidFill>
+                  <a:srgbClr val="000000"/>
+                </a:solidFill>
+                <a:effectLst/>
+              </a:rPr>
+              <a:t>Actions </a:t>
+            </a:r>
+            <a:r>
+              <a:rPr lang="en-US" sz="1400" dirty="0">
+                <a:solidFill>
+                  <a:srgbClr val="6A3E3E"/>
+                </a:solidFill>
+                <a:effectLst/>
+              </a:rPr>
+              <a:t>a</a:t>
+            </a:r>
+            <a:r>
+              <a:rPr lang="en-US" sz="1400" dirty="0">
+                <a:solidFill>
+                  <a:srgbClr val="000000"/>
+                </a:solidFill>
+                <a:effectLst/>
+              </a:rPr>
+              <a:t>=</a:t>
+            </a:r>
+            <a:r>
+              <a:rPr lang="en-US" sz="1400" b="1" dirty="0">
+                <a:solidFill>
+                  <a:srgbClr val="000000"/>
+                </a:solidFill>
+                <a:effectLst/>
+              </a:rPr>
+              <a:t>new</a:t>
+            </a:r>
+            <a:r>
+              <a:rPr lang="en-US" sz="1400" dirty="0">
+                <a:solidFill>
+                  <a:srgbClr val="000000"/>
+                </a:solidFill>
+                <a:effectLst/>
+              </a:rPr>
+              <a:t> Actions(</a:t>
+            </a:r>
+            <a:r>
+              <a:rPr lang="en-US" sz="1400" dirty="0">
+                <a:solidFill>
+                  <a:srgbClr val="0000C0"/>
+                </a:solidFill>
+                <a:effectLst/>
+              </a:rPr>
+              <a:t>driver</a:t>
+            </a:r>
+            <a:r>
+              <a:rPr lang="en-US" sz="1400" dirty="0">
+                <a:solidFill>
+                  <a:srgbClr val="000000"/>
+                </a:solidFill>
+                <a:effectLst/>
+              </a:rPr>
+              <a:t>);</a:t>
+            </a:r>
+          </a:p>
+          <a:p>
+            <a:pPr marL="0" marR="0">
+              <a:spcBef>
+                <a:spcPts val="0"/>
+              </a:spcBef>
+              <a:spcAft>
+                <a:spcPts val="0"/>
+              </a:spcAft>
+            </a:pPr>
+            <a:r>
+              <a:rPr lang="en-US" sz="1400" dirty="0" err="1">
+                <a:solidFill>
+                  <a:srgbClr val="000000"/>
+                </a:solidFill>
+                <a:effectLst/>
+              </a:rPr>
+              <a:t>WebElement</a:t>
+            </a:r>
+            <a:r>
+              <a:rPr lang="en-US" sz="1400" dirty="0">
+                <a:solidFill>
+                  <a:srgbClr val="000000"/>
+                </a:solidFill>
                 <a:effectLst/>
               </a:rPr>
               <a:t> </a:t>
             </a:r>
-          </a:p>
-          <a:p>
-            <a:r>
-              <a:rPr lang="en-US" sz="1400" b="0" dirty="0">
-                <a:effectLst/>
-              </a:rPr>
-              <a:t>They serve as a common vocabulary and a shared understanding of best practices among the developers. </a:t>
-            </a:r>
-          </a:p>
-          <a:p>
-            <a:endParaRPr lang="en-US" sz="1400" dirty="0"/>
-          </a:p>
-          <a:p>
-            <a:endParaRPr lang="en-US" sz="1400" b="1" dirty="0"/>
-          </a:p>
-          <a:p>
-            <a:r>
-              <a:rPr lang="en-US" sz="1400" b="1" dirty="0"/>
-              <a:t>Types:</a:t>
-            </a:r>
-          </a:p>
-          <a:p>
-            <a:endParaRPr lang="en-US" sz="1400" dirty="0"/>
-          </a:p>
-          <a:p>
-            <a:pPr marL="342900" indent="-342900">
-              <a:buFont typeface="+mj-lt"/>
-              <a:buAutoNum type="arabicPeriod"/>
-            </a:pPr>
-            <a:r>
-              <a:rPr lang="en-US" sz="1400" dirty="0"/>
-              <a:t>POM</a:t>
-            </a:r>
-            <a:endParaRPr lang="en-IN" sz="1400" dirty="0"/>
+            <a:r>
+              <a:rPr lang="en-US" sz="1400" dirty="0">
+                <a:solidFill>
+                  <a:srgbClr val="6A3E3E"/>
+                </a:solidFill>
+                <a:effectLst/>
+              </a:rPr>
+              <a:t>w</a:t>
+            </a:r>
+            <a:r>
+              <a:rPr lang="en-US" sz="1400" dirty="0">
+                <a:solidFill>
+                  <a:srgbClr val="000000"/>
+                </a:solidFill>
+                <a:effectLst/>
+              </a:rPr>
+              <a:t>=</a:t>
+            </a:r>
+            <a:r>
+              <a:rPr lang="en-US" sz="1400" dirty="0" err="1">
+                <a:solidFill>
+                  <a:srgbClr val="0000C0"/>
+                </a:solidFill>
+                <a:effectLst/>
+              </a:rPr>
+              <a:t>driver</a:t>
+            </a:r>
+            <a:r>
+              <a:rPr lang="en-US" sz="1400" dirty="0" err="1">
+                <a:solidFill>
+                  <a:srgbClr val="000000"/>
+                </a:solidFill>
+                <a:effectLst/>
+              </a:rPr>
+              <a:t>.findElement</a:t>
+            </a:r>
+            <a:r>
+              <a:rPr lang="en-US" sz="1400" dirty="0">
+                <a:solidFill>
+                  <a:srgbClr val="000000"/>
+                </a:solidFill>
+                <a:effectLst/>
+              </a:rPr>
+              <a:t>(</a:t>
+            </a:r>
+            <a:r>
+              <a:rPr lang="en-US" sz="1400" dirty="0" err="1">
+                <a:solidFill>
+                  <a:srgbClr val="000000"/>
+                </a:solidFill>
+                <a:effectLst/>
+              </a:rPr>
+              <a:t>By.</a:t>
+            </a:r>
+            <a:r>
+              <a:rPr lang="en-US" sz="1400" i="1" dirty="0" err="1">
+                <a:solidFill>
+                  <a:srgbClr val="000000"/>
+                </a:solidFill>
+                <a:effectLst/>
+              </a:rPr>
+              <a:t>xpath</a:t>
+            </a:r>
+            <a:r>
+              <a:rPr lang="en-US" sz="1400" dirty="0">
+                <a:solidFill>
+                  <a:srgbClr val="000000"/>
+                </a:solidFill>
+                <a:effectLst/>
+              </a:rPr>
+              <a:t>("//</a:t>
+            </a:r>
+            <a:r>
+              <a:rPr lang="en-US" sz="1400" dirty="0" err="1">
+                <a:solidFill>
+                  <a:srgbClr val="000000"/>
+                </a:solidFill>
+                <a:effectLst/>
+              </a:rPr>
+              <a:t>iframe</a:t>
+            </a:r>
+            <a:r>
+              <a:rPr lang="en-US" sz="1400" dirty="0">
+                <a:solidFill>
+                  <a:srgbClr val="000000"/>
+                </a:solidFill>
+                <a:effectLst/>
+              </a:rPr>
+              <a:t>[@class='demo-frame']"));</a:t>
+            </a:r>
+          </a:p>
+          <a:p>
+            <a:pPr marL="0" marR="0">
+              <a:spcBef>
+                <a:spcPts val="0"/>
+              </a:spcBef>
+              <a:spcAft>
+                <a:spcPts val="0"/>
+              </a:spcAft>
+            </a:pPr>
+            <a:r>
+              <a:rPr lang="en-US" sz="1400" dirty="0" err="1">
+                <a:solidFill>
+                  <a:srgbClr val="0000C0"/>
+                </a:solidFill>
+                <a:effectLst/>
+              </a:rPr>
+              <a:t>driver</a:t>
+            </a:r>
+            <a:r>
+              <a:rPr lang="en-US" sz="1400" dirty="0" err="1">
+                <a:solidFill>
+                  <a:srgbClr val="000000"/>
+                </a:solidFill>
+                <a:effectLst/>
+              </a:rPr>
+              <a:t>.switchTo</a:t>
+            </a:r>
+            <a:r>
+              <a:rPr lang="en-US" sz="1400" dirty="0">
+                <a:solidFill>
+                  <a:srgbClr val="000000"/>
+                </a:solidFill>
+                <a:effectLst/>
+              </a:rPr>
+              <a:t>().frame(</a:t>
+            </a:r>
+            <a:r>
+              <a:rPr lang="en-US" sz="1400" dirty="0">
+                <a:solidFill>
+                  <a:srgbClr val="6A3E3E"/>
+                </a:solidFill>
+                <a:effectLst/>
+              </a:rPr>
+              <a:t>w</a:t>
+            </a:r>
+            <a:r>
+              <a:rPr lang="en-US" sz="1400" dirty="0">
+                <a:solidFill>
+                  <a:srgbClr val="000000"/>
+                </a:solidFill>
+                <a:effectLst/>
+              </a:rPr>
+              <a:t>);</a:t>
+            </a:r>
+          </a:p>
+          <a:p>
+            <a:pPr marL="0" marR="0">
+              <a:spcBef>
+                <a:spcPts val="0"/>
+              </a:spcBef>
+              <a:spcAft>
+                <a:spcPts val="0"/>
+              </a:spcAft>
+            </a:pPr>
+            <a:r>
+              <a:rPr lang="en-US" sz="1400" dirty="0" err="1">
+                <a:solidFill>
+                  <a:srgbClr val="000000"/>
+                </a:solidFill>
+                <a:effectLst/>
+              </a:rPr>
+              <a:t>WebElement</a:t>
+            </a:r>
+            <a:r>
+              <a:rPr lang="en-US" sz="1400" dirty="0">
+                <a:solidFill>
+                  <a:srgbClr val="000000"/>
+                </a:solidFill>
+                <a:effectLst/>
+              </a:rPr>
+              <a:t> </a:t>
+            </a:r>
+            <a:r>
+              <a:rPr lang="en-US" sz="1400" dirty="0">
+                <a:solidFill>
+                  <a:srgbClr val="6A3E3E"/>
+                </a:solidFill>
+                <a:effectLst/>
+              </a:rPr>
+              <a:t>draggable</a:t>
+            </a:r>
+            <a:r>
+              <a:rPr lang="en-US" sz="1400" dirty="0">
+                <a:solidFill>
+                  <a:srgbClr val="000000"/>
+                </a:solidFill>
+                <a:effectLst/>
+              </a:rPr>
+              <a:t> = </a:t>
+            </a:r>
+            <a:r>
+              <a:rPr lang="en-US" sz="1400" dirty="0" err="1">
+                <a:solidFill>
+                  <a:srgbClr val="0000C0"/>
+                </a:solidFill>
+                <a:effectLst/>
+              </a:rPr>
+              <a:t>driver</a:t>
+            </a:r>
+            <a:r>
+              <a:rPr lang="en-US" sz="1400" dirty="0" err="1">
+                <a:solidFill>
+                  <a:srgbClr val="000000"/>
+                </a:solidFill>
+                <a:effectLst/>
+              </a:rPr>
+              <a:t>.findElement</a:t>
+            </a:r>
+            <a:r>
+              <a:rPr lang="en-US" sz="1400" dirty="0">
+                <a:solidFill>
+                  <a:srgbClr val="000000"/>
+                </a:solidFill>
+                <a:effectLst/>
+              </a:rPr>
+              <a:t>(</a:t>
+            </a:r>
+            <a:r>
+              <a:rPr lang="en-US" sz="1400" dirty="0" err="1">
+                <a:solidFill>
+                  <a:srgbClr val="000000"/>
+                </a:solidFill>
+                <a:effectLst/>
+              </a:rPr>
+              <a:t>By.</a:t>
+            </a:r>
+            <a:r>
+              <a:rPr lang="en-US" sz="1400" i="1" dirty="0" err="1">
+                <a:solidFill>
+                  <a:srgbClr val="000000"/>
+                </a:solidFill>
+                <a:effectLst/>
+              </a:rPr>
+              <a:t>xpath</a:t>
+            </a:r>
+            <a:r>
+              <a:rPr lang="en-US" sz="1400" dirty="0">
+                <a:solidFill>
+                  <a:srgbClr val="000000"/>
+                </a:solidFill>
+                <a:effectLst/>
+              </a:rPr>
+              <a:t>("//div[@id='draggable']"));</a:t>
+            </a:r>
+          </a:p>
+          <a:p>
+            <a:pPr marL="0" marR="0">
+              <a:spcBef>
+                <a:spcPts val="0"/>
+              </a:spcBef>
+              <a:spcAft>
+                <a:spcPts val="0"/>
+              </a:spcAft>
+            </a:pPr>
+            <a:r>
+              <a:rPr lang="en-US" sz="1400" dirty="0" err="1">
+                <a:solidFill>
+                  <a:srgbClr val="6A3E3E"/>
+                </a:solidFill>
+                <a:effectLst/>
+              </a:rPr>
+              <a:t>a</a:t>
+            </a:r>
+            <a:r>
+              <a:rPr lang="en-US" sz="1400" dirty="0" err="1">
+                <a:solidFill>
+                  <a:srgbClr val="000000"/>
+                </a:solidFill>
+                <a:effectLst/>
+              </a:rPr>
+              <a:t>.dragAndDrop</a:t>
+            </a:r>
+            <a:r>
+              <a:rPr lang="en-US" sz="1400" dirty="0">
+                <a:solidFill>
+                  <a:srgbClr val="000000"/>
+                </a:solidFill>
+                <a:effectLst/>
+              </a:rPr>
+              <a:t>(</a:t>
+            </a:r>
+            <a:r>
+              <a:rPr lang="en-US" sz="1400" dirty="0">
+                <a:solidFill>
+                  <a:srgbClr val="6A3E3E"/>
+                </a:solidFill>
+                <a:effectLst/>
+              </a:rPr>
+              <a:t>draggable</a:t>
+            </a:r>
+            <a:r>
+              <a:rPr lang="en-US" sz="1400" dirty="0">
+                <a:solidFill>
+                  <a:srgbClr val="000000"/>
+                </a:solidFill>
+                <a:effectLst/>
+              </a:rPr>
+              <a:t>, </a:t>
+            </a:r>
+            <a:r>
+              <a:rPr lang="en-US" sz="1400" dirty="0" err="1">
+                <a:solidFill>
+                  <a:srgbClr val="0000C0"/>
+                </a:solidFill>
+                <a:effectLst/>
+              </a:rPr>
+              <a:t>driver</a:t>
+            </a:r>
+            <a:r>
+              <a:rPr lang="en-US" sz="1400" dirty="0" err="1">
+                <a:solidFill>
+                  <a:srgbClr val="000000"/>
+                </a:solidFill>
+                <a:effectLst/>
+              </a:rPr>
+              <a:t>.findElement</a:t>
+            </a:r>
+            <a:r>
+              <a:rPr lang="en-US" sz="1400" dirty="0">
+                <a:solidFill>
+                  <a:srgbClr val="000000"/>
+                </a:solidFill>
+                <a:effectLst/>
+              </a:rPr>
+              <a:t>(</a:t>
+            </a:r>
+            <a:r>
+              <a:rPr lang="en-US" sz="1400" dirty="0" err="1">
+                <a:solidFill>
+                  <a:srgbClr val="000000"/>
+                </a:solidFill>
+                <a:effectLst/>
+              </a:rPr>
+              <a:t>By.</a:t>
+            </a:r>
+            <a:r>
+              <a:rPr lang="en-US" sz="1400" i="1" dirty="0" err="1">
+                <a:solidFill>
+                  <a:srgbClr val="000000"/>
+                </a:solidFill>
+                <a:effectLst/>
+              </a:rPr>
+              <a:t>xpath</a:t>
+            </a:r>
+            <a:r>
+              <a:rPr lang="en-US" sz="1400" dirty="0">
+                <a:solidFill>
+                  <a:srgbClr val="000000"/>
+                </a:solidFill>
+                <a:effectLst/>
+              </a:rPr>
+              <a:t>("//div[@id='droppable']"))).build().perform();</a:t>
+            </a:r>
           </a:p>
         </p:txBody>
       </p:sp>
     </p:spTree>
     <p:extLst>
       <p:ext uri="{BB962C8B-B14F-4D97-AF65-F5344CB8AC3E}">
-        <p14:creationId xmlns:p14="http://schemas.microsoft.com/office/powerpoint/2010/main" val="2048242346"/>
+        <p14:creationId xmlns:p14="http://schemas.microsoft.com/office/powerpoint/2010/main" val="3287546635"/>
       </p:ext>
     </p:extLst>
   </p:cSld>
@@ -34504,10 +36342,1377 @@
       </p:grpSpPr>
       <p:sp>
         <p:nvSpPr>
+          <p:cNvPr id="3" name="TextBox 2">
+            <a:extLst>
+              <a:ext uri="{FF2B5EF4-FFF2-40B4-BE49-F238E27FC236}">
+                <a16:creationId xmlns:a16="http://schemas.microsoft.com/office/drawing/2014/main" id="{C3F61F7B-07D9-E419-3211-8EE9C403EBFA}"/>
+              </a:ext>
+            </a:extLst>
+          </p:cNvPr>
+          <p:cNvSpPr txBox="1"/>
+          <p:nvPr/>
+        </p:nvSpPr>
+        <p:spPr>
+          <a:xfrm>
+            <a:off x="385482" y="541929"/>
+            <a:ext cx="9897036" cy="923330"/>
+          </a:xfrm>
+          <a:prstGeom prst="rect">
+            <a:avLst/>
+          </a:prstGeom>
+          <a:noFill/>
+        </p:spPr>
+        <p:txBody>
+          <a:bodyPr wrap="square">
+            <a:spAutoFit/>
+          </a:bodyPr>
+          <a:lstStyle/>
+          <a:p>
+            <a:r>
+              <a:rPr lang="en-US" b="1" u="sng" dirty="0"/>
+              <a:t>IMPLICIT WAITS</a:t>
+            </a:r>
+            <a:r>
+              <a:rPr lang="en-US" dirty="0"/>
+              <a:t>: waits a specified time before throwing an exception if the element is not found.</a:t>
+            </a:r>
+          </a:p>
+          <a:p>
+            <a:endParaRPr lang="en-US" dirty="0"/>
+          </a:p>
+          <a:p>
+            <a:r>
+              <a:rPr lang="en-IN" sz="1800" dirty="0" err="1">
+                <a:solidFill>
+                  <a:srgbClr val="0000C0"/>
+                </a:solidFill>
+                <a:effectLst/>
+              </a:rPr>
+              <a:t>driver</a:t>
+            </a:r>
+            <a:r>
+              <a:rPr lang="en-IN" sz="1800" dirty="0" err="1">
+                <a:solidFill>
+                  <a:srgbClr val="000000"/>
+                </a:solidFill>
+                <a:effectLst/>
+              </a:rPr>
+              <a:t>.manage</a:t>
+            </a:r>
+            <a:r>
+              <a:rPr lang="en-IN" sz="1800" dirty="0">
+                <a:solidFill>
+                  <a:srgbClr val="000000"/>
+                </a:solidFill>
+                <a:effectLst/>
+              </a:rPr>
+              <a:t>().timeouts().</a:t>
+            </a:r>
+            <a:r>
+              <a:rPr lang="en-IN" sz="1800" dirty="0" err="1">
+                <a:solidFill>
+                  <a:srgbClr val="000000"/>
+                </a:solidFill>
+                <a:effectLst/>
+              </a:rPr>
+              <a:t>implicitlyWait</a:t>
+            </a:r>
+            <a:r>
+              <a:rPr lang="en-IN" sz="1800" dirty="0">
+                <a:solidFill>
+                  <a:srgbClr val="000000"/>
+                </a:solidFill>
+                <a:effectLst/>
+              </a:rPr>
+              <a:t>(</a:t>
+            </a:r>
+            <a:r>
+              <a:rPr lang="en-IN" sz="1800" dirty="0" err="1">
+                <a:solidFill>
+                  <a:srgbClr val="000000"/>
+                </a:solidFill>
+                <a:effectLst/>
+              </a:rPr>
+              <a:t>Duration.</a:t>
+            </a:r>
+            <a:r>
+              <a:rPr lang="en-IN" sz="1800" i="1" dirty="0" err="1">
+                <a:solidFill>
+                  <a:srgbClr val="000000"/>
+                </a:solidFill>
+                <a:effectLst/>
+              </a:rPr>
+              <a:t>ofSeconds</a:t>
+            </a:r>
+            <a:r>
+              <a:rPr lang="en-IN" sz="1800" dirty="0">
+                <a:solidFill>
+                  <a:srgbClr val="000000"/>
+                </a:solidFill>
+                <a:effectLst/>
+              </a:rPr>
+              <a:t>(20));</a:t>
+            </a:r>
+            <a:endParaRPr lang="en-IN" dirty="0"/>
+          </a:p>
+        </p:txBody>
+      </p:sp>
+      <p:sp>
+        <p:nvSpPr>
+          <p:cNvPr id="5" name="TextBox 4">
+            <a:extLst>
+              <a:ext uri="{FF2B5EF4-FFF2-40B4-BE49-F238E27FC236}">
+                <a16:creationId xmlns:a16="http://schemas.microsoft.com/office/drawing/2014/main" id="{5C99B6A2-31B3-739E-0916-C16E1F4AF050}"/>
+              </a:ext>
+            </a:extLst>
+          </p:cNvPr>
+          <p:cNvSpPr txBox="1"/>
+          <p:nvPr/>
+        </p:nvSpPr>
+        <p:spPr>
+          <a:xfrm>
+            <a:off x="385482" y="1850776"/>
+            <a:ext cx="10578352" cy="1754326"/>
+          </a:xfrm>
+          <a:prstGeom prst="rect">
+            <a:avLst/>
+          </a:prstGeom>
+          <a:noFill/>
+        </p:spPr>
+        <p:txBody>
+          <a:bodyPr wrap="square">
+            <a:spAutoFit/>
+          </a:bodyPr>
+          <a:lstStyle/>
+          <a:p>
+            <a:r>
+              <a:rPr lang="en-US" b="1" u="sng" dirty="0"/>
+              <a:t>EXPLICIT WAITS</a:t>
+            </a:r>
+            <a:r>
+              <a:rPr lang="en-US" b="1" dirty="0"/>
+              <a:t>: </a:t>
+            </a:r>
+            <a:r>
+              <a:rPr lang="en-US" dirty="0"/>
+              <a:t>wait that allows us to wait for a specific condition to be met before continuing test execution</a:t>
+            </a:r>
+          </a:p>
+          <a:p>
+            <a:endParaRPr lang="en-US" dirty="0"/>
+          </a:p>
+          <a:p>
+            <a:pPr marL="0" marR="0">
+              <a:spcBef>
+                <a:spcPts val="0"/>
+              </a:spcBef>
+              <a:spcAft>
+                <a:spcPts val="0"/>
+              </a:spcAft>
+            </a:pPr>
+            <a:r>
+              <a:rPr lang="en-IN" dirty="0">
+                <a:solidFill>
+                  <a:srgbClr val="000000"/>
+                </a:solidFill>
+              </a:rPr>
+              <a:t>Wait&lt;WebDriver&gt; wait = new </a:t>
+            </a:r>
+            <a:r>
+              <a:rPr lang="en-IN" dirty="0" err="1">
+                <a:solidFill>
+                  <a:srgbClr val="000000"/>
+                </a:solidFill>
+              </a:rPr>
+              <a:t>WebDriverWait</a:t>
+            </a:r>
+            <a:r>
+              <a:rPr lang="en-IN" dirty="0">
+                <a:solidFill>
+                  <a:srgbClr val="000000"/>
+                </a:solidFill>
+              </a:rPr>
+              <a:t>(driver, </a:t>
+            </a:r>
+            <a:r>
+              <a:rPr lang="en-IN" dirty="0" err="1">
+                <a:solidFill>
+                  <a:srgbClr val="000000"/>
+                </a:solidFill>
+              </a:rPr>
+              <a:t>Duration.ofSeconds</a:t>
+            </a:r>
+            <a:r>
+              <a:rPr lang="en-IN" dirty="0">
+                <a:solidFill>
+                  <a:srgbClr val="000000"/>
+                </a:solidFill>
+              </a:rPr>
+              <a:t>(10));</a:t>
+            </a:r>
+          </a:p>
+          <a:p>
+            <a:pPr marL="0" marR="0">
+              <a:spcBef>
+                <a:spcPts val="0"/>
+              </a:spcBef>
+              <a:spcAft>
+                <a:spcPts val="0"/>
+              </a:spcAft>
+            </a:pPr>
+            <a:r>
+              <a:rPr lang="en-IN" dirty="0" err="1">
+                <a:solidFill>
+                  <a:srgbClr val="000000"/>
+                </a:solidFill>
+              </a:rPr>
+              <a:t>WebElement</a:t>
+            </a:r>
+            <a:r>
+              <a:rPr lang="en-IN" dirty="0">
+                <a:solidFill>
+                  <a:srgbClr val="000000"/>
+                </a:solidFill>
+              </a:rPr>
+              <a:t> title = </a:t>
+            </a:r>
+            <a:r>
+              <a:rPr lang="en-IN" dirty="0" err="1">
+                <a:solidFill>
+                  <a:srgbClr val="000000"/>
+                </a:solidFill>
+              </a:rPr>
+              <a:t>driver.findElement</a:t>
+            </a:r>
+            <a:r>
+              <a:rPr lang="en-IN" dirty="0">
+                <a:solidFill>
+                  <a:srgbClr val="000000"/>
+                </a:solidFill>
+              </a:rPr>
+              <a:t>(</a:t>
+            </a:r>
+            <a:r>
+              <a:rPr lang="en-IN" dirty="0" err="1">
+                <a:solidFill>
+                  <a:srgbClr val="000000"/>
+                </a:solidFill>
+              </a:rPr>
+              <a:t>By.xpath</a:t>
+            </a:r>
+            <a:r>
+              <a:rPr lang="en-IN" dirty="0">
+                <a:solidFill>
+                  <a:srgbClr val="000000"/>
+                </a:solidFill>
+              </a:rPr>
+              <a:t>("(//input[@type='submit'])[4]"));</a:t>
+            </a:r>
+          </a:p>
+          <a:p>
+            <a:pPr marL="0" marR="0">
+              <a:spcBef>
+                <a:spcPts val="0"/>
+              </a:spcBef>
+              <a:spcAft>
+                <a:spcPts val="0"/>
+              </a:spcAft>
+            </a:pPr>
+            <a:r>
+              <a:rPr lang="en-IN" dirty="0" err="1">
+                <a:solidFill>
+                  <a:srgbClr val="000000"/>
+                </a:solidFill>
+              </a:rPr>
+              <a:t>wait.until</a:t>
+            </a:r>
+            <a:r>
+              <a:rPr lang="en-IN" dirty="0">
+                <a:solidFill>
+                  <a:srgbClr val="000000"/>
+                </a:solidFill>
+              </a:rPr>
+              <a:t>(d -&gt; </a:t>
+            </a:r>
+            <a:r>
+              <a:rPr lang="en-IN" dirty="0" err="1">
+                <a:solidFill>
+                  <a:srgbClr val="000000"/>
+                </a:solidFill>
+              </a:rPr>
+              <a:t>title.isDisplayed</a:t>
+            </a:r>
+            <a:r>
+              <a:rPr lang="en-IN" dirty="0">
+                <a:solidFill>
+                  <a:srgbClr val="000000"/>
+                </a:solidFill>
+              </a:rPr>
+              <a:t>());</a:t>
+            </a:r>
+          </a:p>
+          <a:p>
+            <a:endParaRPr lang="en-IN" dirty="0"/>
+          </a:p>
+        </p:txBody>
+      </p:sp>
+      <p:sp>
+        <p:nvSpPr>
+          <p:cNvPr id="7" name="TextBox 6">
+            <a:extLst>
+              <a:ext uri="{FF2B5EF4-FFF2-40B4-BE49-F238E27FC236}">
+                <a16:creationId xmlns:a16="http://schemas.microsoft.com/office/drawing/2014/main" id="{F584EE70-6E04-AE2B-50FA-A05D7A2EA63C}"/>
+              </a:ext>
+            </a:extLst>
+          </p:cNvPr>
+          <p:cNvSpPr txBox="1"/>
+          <p:nvPr/>
+        </p:nvSpPr>
+        <p:spPr>
+          <a:xfrm>
+            <a:off x="385482" y="3801053"/>
+            <a:ext cx="11277600" cy="1908215"/>
+          </a:xfrm>
+          <a:prstGeom prst="rect">
+            <a:avLst/>
+          </a:prstGeom>
+          <a:noFill/>
+        </p:spPr>
+        <p:txBody>
+          <a:bodyPr wrap="square">
+            <a:spAutoFit/>
+          </a:bodyPr>
+          <a:lstStyle/>
+          <a:p>
+            <a:r>
+              <a:rPr lang="en-US" b="1" u="sng" dirty="0"/>
+              <a:t>FLUENT WAITS</a:t>
+            </a:r>
+            <a:r>
+              <a:rPr lang="en-US" dirty="0"/>
+              <a:t>: Each </a:t>
+            </a:r>
+            <a:r>
+              <a:rPr lang="en-US" dirty="0" err="1"/>
+              <a:t>FluentWait</a:t>
+            </a:r>
+            <a:r>
+              <a:rPr lang="en-US" dirty="0"/>
+              <a:t> instance defines the maximum amount of time to wait for a condition, as well as the frequency with which to check the condition.</a:t>
+            </a:r>
+          </a:p>
+          <a:p>
+            <a:endParaRPr lang="en-US" sz="1600" dirty="0"/>
+          </a:p>
+          <a:p>
+            <a:pPr marL="0" marR="0">
+              <a:spcBef>
+                <a:spcPts val="0"/>
+              </a:spcBef>
+              <a:spcAft>
+                <a:spcPts val="0"/>
+              </a:spcAft>
+            </a:pPr>
+            <a:r>
+              <a:rPr lang="en-IN" sz="1600" dirty="0">
+                <a:solidFill>
+                  <a:srgbClr val="000000"/>
+                </a:solidFill>
+                <a:effectLst/>
+              </a:rPr>
+              <a:t>Wait&lt;WebDriver&gt; </a:t>
+            </a:r>
+            <a:r>
+              <a:rPr lang="en-IN" sz="1600" u="sng" dirty="0">
+                <a:solidFill>
+                  <a:srgbClr val="6A3E3E"/>
+                </a:solidFill>
+                <a:effectLst/>
+              </a:rPr>
+              <a:t>wait</a:t>
+            </a:r>
+            <a:r>
+              <a:rPr lang="en-IN" sz="1600" dirty="0">
+                <a:solidFill>
+                  <a:srgbClr val="000000"/>
+                </a:solidFill>
+                <a:effectLst/>
+              </a:rPr>
+              <a:t> = </a:t>
+            </a:r>
+            <a:r>
+              <a:rPr lang="en-IN" sz="1600" b="1" dirty="0">
+                <a:solidFill>
+                  <a:srgbClr val="000000"/>
+                </a:solidFill>
+                <a:effectLst/>
+              </a:rPr>
+              <a:t>new</a:t>
+            </a:r>
+            <a:r>
+              <a:rPr lang="en-IN" sz="1600" dirty="0">
+                <a:solidFill>
+                  <a:srgbClr val="000000"/>
+                </a:solidFill>
+                <a:effectLst/>
+              </a:rPr>
+              <a:t> </a:t>
+            </a:r>
+            <a:r>
+              <a:rPr lang="en-IN" sz="1600" dirty="0" err="1">
+                <a:solidFill>
+                  <a:srgbClr val="000000"/>
+                </a:solidFill>
+                <a:effectLst/>
+              </a:rPr>
+              <a:t>FluentWait</a:t>
+            </a:r>
+            <a:r>
+              <a:rPr lang="en-IN" sz="1600" dirty="0">
+                <a:solidFill>
+                  <a:srgbClr val="000000"/>
+                </a:solidFill>
+                <a:effectLst/>
+              </a:rPr>
+              <a:t>&lt;WebDriver&gt;(</a:t>
+            </a:r>
+            <a:r>
+              <a:rPr lang="en-IN" sz="1600" dirty="0">
+                <a:solidFill>
+                  <a:srgbClr val="0000C0"/>
+                </a:solidFill>
+                <a:effectLst/>
+              </a:rPr>
+              <a:t>driver</a:t>
+            </a:r>
+            <a:r>
+              <a:rPr lang="en-IN" sz="1600" dirty="0">
+                <a:solidFill>
+                  <a:srgbClr val="000000"/>
+                </a:solidFill>
+                <a:effectLst/>
+              </a:rPr>
+              <a:t>)</a:t>
+            </a:r>
+          </a:p>
+          <a:p>
+            <a:pPr marL="0" marR="0">
+              <a:spcBef>
+                <a:spcPts val="0"/>
+              </a:spcBef>
+              <a:spcAft>
+                <a:spcPts val="0"/>
+              </a:spcAft>
+            </a:pPr>
+            <a:r>
+              <a:rPr lang="en-IN" sz="1600" dirty="0">
+                <a:solidFill>
+                  <a:srgbClr val="000000"/>
+                </a:solidFill>
+                <a:effectLst/>
+              </a:rPr>
+              <a:t>.</a:t>
+            </a:r>
+            <a:r>
+              <a:rPr lang="en-IN" sz="1600" dirty="0" err="1">
+                <a:solidFill>
+                  <a:srgbClr val="000000"/>
+                </a:solidFill>
+                <a:effectLst/>
+              </a:rPr>
+              <a:t>withTimeout</a:t>
+            </a:r>
+            <a:r>
+              <a:rPr lang="en-IN" sz="1600" dirty="0">
+                <a:solidFill>
+                  <a:srgbClr val="000000"/>
+                </a:solidFill>
+                <a:effectLst/>
+              </a:rPr>
+              <a:t>(</a:t>
+            </a:r>
+            <a:r>
+              <a:rPr lang="en-IN" sz="1600" dirty="0" err="1">
+                <a:solidFill>
+                  <a:srgbClr val="000000"/>
+                </a:solidFill>
+                <a:effectLst/>
+              </a:rPr>
+              <a:t>Duration.</a:t>
+            </a:r>
+            <a:r>
+              <a:rPr lang="en-IN" sz="1600" i="1" dirty="0" err="1">
+                <a:solidFill>
+                  <a:srgbClr val="000000"/>
+                </a:solidFill>
+                <a:effectLst/>
+              </a:rPr>
+              <a:t>ofSeconds</a:t>
+            </a:r>
+            <a:r>
+              <a:rPr lang="en-IN" sz="1600" dirty="0">
+                <a:solidFill>
+                  <a:srgbClr val="000000"/>
+                </a:solidFill>
+                <a:effectLst/>
+              </a:rPr>
+              <a:t>(10))</a:t>
+            </a:r>
+          </a:p>
+          <a:p>
+            <a:pPr marL="0" marR="0">
+              <a:spcBef>
+                <a:spcPts val="0"/>
+              </a:spcBef>
+              <a:spcAft>
+                <a:spcPts val="0"/>
+              </a:spcAft>
+            </a:pPr>
+            <a:r>
+              <a:rPr lang="en-IN" sz="1600" dirty="0">
+                <a:solidFill>
+                  <a:srgbClr val="000000"/>
+                </a:solidFill>
+                <a:effectLst/>
+              </a:rPr>
+              <a:t>.</a:t>
+            </a:r>
+            <a:r>
+              <a:rPr lang="en-IN" sz="1600" dirty="0" err="1">
+                <a:solidFill>
+                  <a:srgbClr val="000000"/>
+                </a:solidFill>
+                <a:effectLst/>
+              </a:rPr>
+              <a:t>pollingEvery</a:t>
+            </a:r>
+            <a:r>
+              <a:rPr lang="en-IN" sz="1600" dirty="0">
+                <a:solidFill>
+                  <a:srgbClr val="000000"/>
+                </a:solidFill>
+                <a:effectLst/>
+              </a:rPr>
+              <a:t>(</a:t>
+            </a:r>
+            <a:r>
+              <a:rPr lang="en-IN" sz="1600" dirty="0" err="1">
+                <a:solidFill>
+                  <a:srgbClr val="000000"/>
+                </a:solidFill>
+                <a:effectLst/>
+              </a:rPr>
+              <a:t>Duration.</a:t>
+            </a:r>
+            <a:r>
+              <a:rPr lang="en-IN" sz="1600" i="1" dirty="0" err="1">
+                <a:solidFill>
+                  <a:srgbClr val="000000"/>
+                </a:solidFill>
+                <a:effectLst/>
+              </a:rPr>
+              <a:t>ofSeconds</a:t>
+            </a:r>
+            <a:r>
+              <a:rPr lang="en-IN" sz="1600" dirty="0">
+                <a:solidFill>
+                  <a:srgbClr val="000000"/>
+                </a:solidFill>
+                <a:effectLst/>
+              </a:rPr>
+              <a:t>(5));</a:t>
+            </a:r>
+          </a:p>
+          <a:p>
+            <a:endParaRPr lang="en-IN" dirty="0"/>
+          </a:p>
+        </p:txBody>
+      </p:sp>
+    </p:spTree>
+    <p:extLst>
+      <p:ext uri="{BB962C8B-B14F-4D97-AF65-F5344CB8AC3E}">
+        <p14:creationId xmlns:p14="http://schemas.microsoft.com/office/powerpoint/2010/main" val="1132817227"/>
+      </p:ext>
+    </p:extLst>
+  </p:cSld>
+  <p:clrMapOvr>
+    <a:masterClrMapping/>
+  </p:clrMapOvr>
+</p:sld>
+</file>
+
+<file path=ppt/slides/slide58.xml><?xml version="1.0" encoding="utf-8"?>
+<p:sld xmlns:a="http://schemas.openxmlformats.org/drawingml/2006/main" xmlns:r="http://schemas.openxmlformats.org/officeDocument/2006/relationships" xmlns:p="http://schemas.openxmlformats.org/presentationml/2006/main">
+  <p:cSld>
+    <p:spTree>
+      <p:nvGrpSpPr>
+        <p:cNvPr id="1" name=""/>
+        <p:cNvGrpSpPr/>
+        <p:nvPr/>
+      </p:nvGrpSpPr>
+      <p:grpSpPr>
+        <a:xfrm>
+          <a:off x="0" y="0"/>
+          <a:ext cx="0" cy="0"/>
+          <a:chOff x="0" y="0"/>
+          <a:chExt cx="0" cy="0"/>
+        </a:xfrm>
+      </p:grpSpPr>
+      <p:graphicFrame>
+        <p:nvGraphicFramePr>
+          <p:cNvPr id="2" name="Table 1">
+            <a:extLst>
+              <a:ext uri="{FF2B5EF4-FFF2-40B4-BE49-F238E27FC236}">
+                <a16:creationId xmlns:a16="http://schemas.microsoft.com/office/drawing/2014/main" id="{1FDC2E7F-4D3A-0B3C-420D-CBE663CD4B57}"/>
+              </a:ext>
+            </a:extLst>
+          </p:cNvPr>
+          <p:cNvGraphicFramePr>
+            <a:graphicFrameLocks noGrp="1"/>
+          </p:cNvGraphicFramePr>
+          <p:nvPr>
+            <p:extLst>
+              <p:ext uri="{D42A27DB-BD31-4B8C-83A1-F6EECF244321}">
+                <p14:modId xmlns:p14="http://schemas.microsoft.com/office/powerpoint/2010/main" val="3622879084"/>
+              </p:ext>
+            </p:extLst>
+          </p:nvPr>
+        </p:nvGraphicFramePr>
+        <p:xfrm>
+          <a:off x="1222859" y="572329"/>
+          <a:ext cx="8665212" cy="4966838"/>
+        </p:xfrm>
+        <a:graphic>
+          <a:graphicData uri="http://schemas.openxmlformats.org/drawingml/2006/table">
+            <a:tbl>
+              <a:tblPr/>
+              <a:tblGrid>
+                <a:gridCol w="4332606">
+                  <a:extLst>
+                    <a:ext uri="{9D8B030D-6E8A-4147-A177-3AD203B41FA5}">
+                      <a16:colId xmlns:a16="http://schemas.microsoft.com/office/drawing/2014/main" val="678087147"/>
+                    </a:ext>
+                  </a:extLst>
+                </a:gridCol>
+                <a:gridCol w="4332606">
+                  <a:extLst>
+                    <a:ext uri="{9D8B030D-6E8A-4147-A177-3AD203B41FA5}">
+                      <a16:colId xmlns:a16="http://schemas.microsoft.com/office/drawing/2014/main" val="1125139248"/>
+                    </a:ext>
+                  </a:extLst>
+                </a:gridCol>
+              </a:tblGrid>
+              <a:tr h="195566">
+                <a:tc>
+                  <a:txBody>
+                    <a:bodyPr/>
+                    <a:lstStyle/>
+                    <a:p>
+                      <a:r>
+                        <a:rPr lang="en-IN" sz="1200"/>
+                        <a:t>TestNG Annotation</a:t>
+                      </a:r>
+                    </a:p>
+                  </a:txBody>
+                  <a:tcPr marL="48891" marR="48891" marT="24446" marB="24446" anchor="ctr">
+                    <a:lnL>
+                      <a:noFill/>
+                    </a:lnL>
+                    <a:lnR>
+                      <a:noFill/>
+                    </a:lnR>
+                    <a:lnT>
+                      <a:noFill/>
+                    </a:lnT>
+                    <a:lnB>
+                      <a:noFill/>
+                    </a:lnB>
+                    <a:noFill/>
+                  </a:tcPr>
+                </a:tc>
+                <a:tc>
+                  <a:txBody>
+                    <a:bodyPr/>
+                    <a:lstStyle/>
+                    <a:p>
+                      <a:r>
+                        <a:rPr lang="en-IN" sz="1200"/>
+                        <a:t>Description</a:t>
+                      </a:r>
+                    </a:p>
+                  </a:txBody>
+                  <a:tcPr marL="48891" marR="48891" marT="24446" marB="24446" anchor="ctr">
+                    <a:lnL>
+                      <a:noFill/>
+                    </a:lnL>
+                    <a:lnR>
+                      <a:noFill/>
+                    </a:lnR>
+                    <a:lnT>
+                      <a:noFill/>
+                    </a:lnT>
+                    <a:lnB>
+                      <a:noFill/>
+                    </a:lnB>
+                    <a:noFill/>
+                  </a:tcPr>
+                </a:tc>
+                <a:extLst>
+                  <a:ext uri="{0D108BD9-81ED-4DB2-BD59-A6C34878D82A}">
+                    <a16:rowId xmlns:a16="http://schemas.microsoft.com/office/drawing/2014/main" val="1005843283"/>
+                  </a:ext>
+                </a:extLst>
+              </a:tr>
+              <a:tr h="342240">
+                <a:tc>
+                  <a:txBody>
+                    <a:bodyPr/>
+                    <a:lstStyle/>
+                    <a:p>
+                      <a:r>
+                        <a:rPr lang="en-IN" sz="1200" dirty="0"/>
+                        <a:t>@BeforeSuite</a:t>
+                      </a:r>
+                    </a:p>
+                  </a:txBody>
+                  <a:tcPr marL="48891" marR="48891" marT="24446" marB="24446" anchor="ctr">
+                    <a:lnL>
+                      <a:noFill/>
+                    </a:lnL>
+                    <a:lnR>
+                      <a:noFill/>
+                    </a:lnR>
+                    <a:lnT>
+                      <a:noFill/>
+                    </a:lnT>
+                    <a:lnB>
+                      <a:noFill/>
+                    </a:lnB>
+                    <a:noFill/>
+                  </a:tcPr>
+                </a:tc>
+                <a:tc>
+                  <a:txBody>
+                    <a:bodyPr/>
+                    <a:lstStyle/>
+                    <a:p>
+                      <a:r>
+                        <a:rPr lang="en-US" sz="1200"/>
+                        <a:t>The @BeforeSuite annotated method will run before the execution of all the test methods in the suite.</a:t>
+                      </a:r>
+                    </a:p>
+                  </a:txBody>
+                  <a:tcPr marL="48891" marR="48891" marT="24446" marB="24446" anchor="ctr">
+                    <a:lnL>
+                      <a:noFill/>
+                    </a:lnL>
+                    <a:lnR>
+                      <a:noFill/>
+                    </a:lnR>
+                    <a:lnT>
+                      <a:noFill/>
+                    </a:lnT>
+                    <a:lnB>
+                      <a:noFill/>
+                    </a:lnB>
+                    <a:noFill/>
+                  </a:tcPr>
+                </a:tc>
+                <a:extLst>
+                  <a:ext uri="{0D108BD9-81ED-4DB2-BD59-A6C34878D82A}">
+                    <a16:rowId xmlns:a16="http://schemas.microsoft.com/office/drawing/2014/main" val="3783397895"/>
+                  </a:ext>
+                </a:extLst>
+              </a:tr>
+              <a:tr h="342240">
+                <a:tc>
+                  <a:txBody>
+                    <a:bodyPr/>
+                    <a:lstStyle/>
+                    <a:p>
+                      <a:r>
+                        <a:rPr lang="en-IN" sz="1200" dirty="0"/>
+                        <a:t>@AfterSuite</a:t>
+                      </a:r>
+                    </a:p>
+                  </a:txBody>
+                  <a:tcPr marL="48891" marR="48891" marT="24446" marB="24446" anchor="ctr">
+                    <a:lnL>
+                      <a:noFill/>
+                    </a:lnL>
+                    <a:lnR>
+                      <a:noFill/>
+                    </a:lnR>
+                    <a:lnT>
+                      <a:noFill/>
+                    </a:lnT>
+                    <a:lnB>
+                      <a:noFill/>
+                    </a:lnB>
+                    <a:noFill/>
+                  </a:tcPr>
+                </a:tc>
+                <a:tc>
+                  <a:txBody>
+                    <a:bodyPr/>
+                    <a:lstStyle/>
+                    <a:p>
+                      <a:r>
+                        <a:rPr lang="en-US" sz="1200"/>
+                        <a:t>The @AfterSuite annotated method will run after the execution of all the test methods in the suite.</a:t>
+                      </a:r>
+                    </a:p>
+                  </a:txBody>
+                  <a:tcPr marL="48891" marR="48891" marT="24446" marB="24446" anchor="ctr">
+                    <a:lnL>
+                      <a:noFill/>
+                    </a:lnL>
+                    <a:lnR>
+                      <a:noFill/>
+                    </a:lnR>
+                    <a:lnT>
+                      <a:noFill/>
+                    </a:lnT>
+                    <a:lnB>
+                      <a:noFill/>
+                    </a:lnB>
+                    <a:noFill/>
+                  </a:tcPr>
+                </a:tc>
+                <a:extLst>
+                  <a:ext uri="{0D108BD9-81ED-4DB2-BD59-A6C34878D82A}">
+                    <a16:rowId xmlns:a16="http://schemas.microsoft.com/office/drawing/2014/main" val="2878498268"/>
+                  </a:ext>
+                </a:extLst>
+              </a:tr>
+              <a:tr h="488914">
+                <a:tc>
+                  <a:txBody>
+                    <a:bodyPr/>
+                    <a:lstStyle/>
+                    <a:p>
+                      <a:r>
+                        <a:rPr lang="en-IN" sz="1200" dirty="0"/>
+                        <a:t>@BeforeTest</a:t>
+                      </a:r>
+                    </a:p>
+                  </a:txBody>
+                  <a:tcPr marL="48891" marR="48891" marT="24446" marB="24446" anchor="ctr">
+                    <a:lnL>
+                      <a:noFill/>
+                    </a:lnL>
+                    <a:lnR>
+                      <a:noFill/>
+                    </a:lnR>
+                    <a:lnT>
+                      <a:noFill/>
+                    </a:lnT>
+                    <a:lnB>
+                      <a:noFill/>
+                    </a:lnB>
+                    <a:noFill/>
+                  </a:tcPr>
+                </a:tc>
+                <a:tc>
+                  <a:txBody>
+                    <a:bodyPr/>
+                    <a:lstStyle/>
+                    <a:p>
+                      <a:r>
+                        <a:rPr lang="en-US" sz="1200"/>
+                        <a:t>The @BeforeTest annotated method will be executed before the execution of all the test methods of available classes belonging to that folder.</a:t>
+                      </a:r>
+                    </a:p>
+                  </a:txBody>
+                  <a:tcPr marL="48891" marR="48891" marT="24446" marB="24446" anchor="ctr">
+                    <a:lnL>
+                      <a:noFill/>
+                    </a:lnL>
+                    <a:lnR>
+                      <a:noFill/>
+                    </a:lnR>
+                    <a:lnT>
+                      <a:noFill/>
+                    </a:lnT>
+                    <a:lnB>
+                      <a:noFill/>
+                    </a:lnB>
+                    <a:noFill/>
+                  </a:tcPr>
+                </a:tc>
+                <a:extLst>
+                  <a:ext uri="{0D108BD9-81ED-4DB2-BD59-A6C34878D82A}">
+                    <a16:rowId xmlns:a16="http://schemas.microsoft.com/office/drawing/2014/main" val="1924809574"/>
+                  </a:ext>
+                </a:extLst>
+              </a:tr>
+              <a:tr h="488914">
+                <a:tc>
+                  <a:txBody>
+                    <a:bodyPr/>
+                    <a:lstStyle/>
+                    <a:p>
+                      <a:r>
+                        <a:rPr lang="en-IN" sz="1200" dirty="0"/>
+                        <a:t>@AfterTest</a:t>
+                      </a:r>
+                    </a:p>
+                  </a:txBody>
+                  <a:tcPr marL="48891" marR="48891" marT="24446" marB="24446" anchor="ctr">
+                    <a:lnL>
+                      <a:noFill/>
+                    </a:lnL>
+                    <a:lnR>
+                      <a:noFill/>
+                    </a:lnR>
+                    <a:lnT>
+                      <a:noFill/>
+                    </a:lnT>
+                    <a:lnB>
+                      <a:noFill/>
+                    </a:lnB>
+                    <a:noFill/>
+                  </a:tcPr>
+                </a:tc>
+                <a:tc>
+                  <a:txBody>
+                    <a:bodyPr/>
+                    <a:lstStyle/>
+                    <a:p>
+                      <a:r>
+                        <a:rPr lang="en-US" sz="1200"/>
+                        <a:t>The @AfterTest annotated method will be executed after the execution of all the test methods of available classes belonging to that folder.</a:t>
+                      </a:r>
+                    </a:p>
+                  </a:txBody>
+                  <a:tcPr marL="48891" marR="48891" marT="24446" marB="24446" anchor="ctr">
+                    <a:lnL>
+                      <a:noFill/>
+                    </a:lnL>
+                    <a:lnR>
+                      <a:noFill/>
+                    </a:lnR>
+                    <a:lnT>
+                      <a:noFill/>
+                    </a:lnT>
+                    <a:lnB>
+                      <a:noFill/>
+                    </a:lnB>
+                    <a:noFill/>
+                  </a:tcPr>
+                </a:tc>
+                <a:extLst>
+                  <a:ext uri="{0D108BD9-81ED-4DB2-BD59-A6C34878D82A}">
+                    <a16:rowId xmlns:a16="http://schemas.microsoft.com/office/drawing/2014/main" val="4050871080"/>
+                  </a:ext>
+                </a:extLst>
+              </a:tr>
+              <a:tr h="342240">
+                <a:tc>
+                  <a:txBody>
+                    <a:bodyPr/>
+                    <a:lstStyle/>
+                    <a:p>
+                      <a:r>
+                        <a:rPr lang="en-IN" sz="1200" dirty="0"/>
+                        <a:t>@BeforeClass</a:t>
+                      </a:r>
+                    </a:p>
+                  </a:txBody>
+                  <a:tcPr marL="48891" marR="48891" marT="24446" marB="24446" anchor="ctr">
+                    <a:lnL>
+                      <a:noFill/>
+                    </a:lnL>
+                    <a:lnR>
+                      <a:noFill/>
+                    </a:lnR>
+                    <a:lnT>
+                      <a:noFill/>
+                    </a:lnT>
+                    <a:lnB>
+                      <a:noFill/>
+                    </a:lnB>
+                    <a:noFill/>
+                  </a:tcPr>
+                </a:tc>
+                <a:tc>
+                  <a:txBody>
+                    <a:bodyPr/>
+                    <a:lstStyle/>
+                    <a:p>
+                      <a:r>
+                        <a:rPr lang="en-US" sz="1200" dirty="0"/>
+                        <a:t>The @BeforeClass annotated method will be executed before the first method of the current class is invoked.</a:t>
+                      </a:r>
+                    </a:p>
+                  </a:txBody>
+                  <a:tcPr marL="48891" marR="48891" marT="24446" marB="24446" anchor="ctr">
+                    <a:lnL>
+                      <a:noFill/>
+                    </a:lnL>
+                    <a:lnR>
+                      <a:noFill/>
+                    </a:lnR>
+                    <a:lnT>
+                      <a:noFill/>
+                    </a:lnT>
+                    <a:lnB>
+                      <a:noFill/>
+                    </a:lnB>
+                    <a:noFill/>
+                  </a:tcPr>
+                </a:tc>
+                <a:extLst>
+                  <a:ext uri="{0D108BD9-81ED-4DB2-BD59-A6C34878D82A}">
+                    <a16:rowId xmlns:a16="http://schemas.microsoft.com/office/drawing/2014/main" val="636812625"/>
+                  </a:ext>
+                </a:extLst>
+              </a:tr>
+              <a:tr h="488914">
+                <a:tc>
+                  <a:txBody>
+                    <a:bodyPr/>
+                    <a:lstStyle/>
+                    <a:p>
+                      <a:r>
+                        <a:rPr lang="en-IN" sz="1200" dirty="0"/>
+                        <a:t>@AfterClass</a:t>
+                      </a:r>
+                    </a:p>
+                  </a:txBody>
+                  <a:tcPr marL="48891" marR="48891" marT="24446" marB="24446" anchor="ctr">
+                    <a:lnL>
+                      <a:noFill/>
+                    </a:lnL>
+                    <a:lnR>
+                      <a:noFill/>
+                    </a:lnR>
+                    <a:lnT>
+                      <a:noFill/>
+                    </a:lnT>
+                    <a:lnB>
+                      <a:noFill/>
+                    </a:lnB>
+                    <a:noFill/>
+                  </a:tcPr>
+                </a:tc>
+                <a:tc>
+                  <a:txBody>
+                    <a:bodyPr/>
+                    <a:lstStyle/>
+                    <a:p>
+                      <a:r>
+                        <a:rPr lang="en-US" sz="1200"/>
+                        <a:t>The @AfterClass annotated method will be invoked after the execution of all the test methods of the current class.</a:t>
+                      </a:r>
+                    </a:p>
+                  </a:txBody>
+                  <a:tcPr marL="48891" marR="48891" marT="24446" marB="24446" anchor="ctr">
+                    <a:lnL>
+                      <a:noFill/>
+                    </a:lnL>
+                    <a:lnR>
+                      <a:noFill/>
+                    </a:lnR>
+                    <a:lnT>
+                      <a:noFill/>
+                    </a:lnT>
+                    <a:lnB>
+                      <a:noFill/>
+                    </a:lnB>
+                    <a:noFill/>
+                  </a:tcPr>
+                </a:tc>
+                <a:extLst>
+                  <a:ext uri="{0D108BD9-81ED-4DB2-BD59-A6C34878D82A}">
+                    <a16:rowId xmlns:a16="http://schemas.microsoft.com/office/drawing/2014/main" val="2892958660"/>
+                  </a:ext>
+                </a:extLst>
+              </a:tr>
+              <a:tr h="342240">
+                <a:tc>
+                  <a:txBody>
+                    <a:bodyPr/>
+                    <a:lstStyle/>
+                    <a:p>
+                      <a:r>
+                        <a:rPr lang="en-IN" sz="1200" dirty="0"/>
+                        <a:t>@BeforeMethod</a:t>
+                      </a:r>
+                    </a:p>
+                  </a:txBody>
+                  <a:tcPr marL="48891" marR="48891" marT="24446" marB="24446" anchor="ctr">
+                    <a:lnL>
+                      <a:noFill/>
+                    </a:lnL>
+                    <a:lnR>
+                      <a:noFill/>
+                    </a:lnR>
+                    <a:lnT>
+                      <a:noFill/>
+                    </a:lnT>
+                    <a:lnB>
+                      <a:noFill/>
+                    </a:lnB>
+                    <a:noFill/>
+                  </a:tcPr>
+                </a:tc>
+                <a:tc>
+                  <a:txBody>
+                    <a:bodyPr/>
+                    <a:lstStyle/>
+                    <a:p>
+                      <a:r>
+                        <a:rPr lang="en-US" sz="1200"/>
+                        <a:t>The @BeforeMethod annotated method will be executed before each test method will run.</a:t>
+                      </a:r>
+                    </a:p>
+                  </a:txBody>
+                  <a:tcPr marL="48891" marR="48891" marT="24446" marB="24446" anchor="ctr">
+                    <a:lnL>
+                      <a:noFill/>
+                    </a:lnL>
+                    <a:lnR>
+                      <a:noFill/>
+                    </a:lnR>
+                    <a:lnT>
+                      <a:noFill/>
+                    </a:lnT>
+                    <a:lnB>
+                      <a:noFill/>
+                    </a:lnB>
+                    <a:noFill/>
+                  </a:tcPr>
+                </a:tc>
+                <a:extLst>
+                  <a:ext uri="{0D108BD9-81ED-4DB2-BD59-A6C34878D82A}">
+                    <a16:rowId xmlns:a16="http://schemas.microsoft.com/office/drawing/2014/main" val="3820165979"/>
+                  </a:ext>
+                </a:extLst>
+              </a:tr>
+              <a:tr h="342240">
+                <a:tc>
+                  <a:txBody>
+                    <a:bodyPr/>
+                    <a:lstStyle/>
+                    <a:p>
+                      <a:r>
+                        <a:rPr lang="en-IN" sz="1200" dirty="0"/>
+                        <a:t>@AfterMethod</a:t>
+                      </a:r>
+                    </a:p>
+                  </a:txBody>
+                  <a:tcPr marL="48891" marR="48891" marT="24446" marB="24446" anchor="ctr">
+                    <a:lnL>
+                      <a:noFill/>
+                    </a:lnL>
+                    <a:lnR>
+                      <a:noFill/>
+                    </a:lnR>
+                    <a:lnT>
+                      <a:noFill/>
+                    </a:lnT>
+                    <a:lnB>
+                      <a:noFill/>
+                    </a:lnB>
+                    <a:noFill/>
+                  </a:tcPr>
+                </a:tc>
+                <a:tc>
+                  <a:txBody>
+                    <a:bodyPr/>
+                    <a:lstStyle/>
+                    <a:p>
+                      <a:r>
+                        <a:rPr lang="en-US" sz="1200" dirty="0"/>
+                        <a:t>The @AfterMethod annotated method will run after the execution of each test method.</a:t>
+                      </a:r>
+                    </a:p>
+                  </a:txBody>
+                  <a:tcPr marL="48891" marR="48891" marT="24446" marB="24446" anchor="ctr">
+                    <a:lnL>
+                      <a:noFill/>
+                    </a:lnL>
+                    <a:lnR>
+                      <a:noFill/>
+                    </a:lnR>
+                    <a:lnT>
+                      <a:noFill/>
+                    </a:lnT>
+                    <a:lnB>
+                      <a:noFill/>
+                    </a:lnB>
+                    <a:noFill/>
+                  </a:tcPr>
+                </a:tc>
+                <a:extLst>
+                  <a:ext uri="{0D108BD9-81ED-4DB2-BD59-A6C34878D82A}">
+                    <a16:rowId xmlns:a16="http://schemas.microsoft.com/office/drawing/2014/main" val="1454069298"/>
+                  </a:ext>
+                </a:extLst>
+              </a:tr>
+              <a:tr h="488914">
+                <a:tc>
+                  <a:txBody>
+                    <a:bodyPr/>
+                    <a:lstStyle/>
+                    <a:p>
+                      <a:r>
+                        <a:rPr lang="en-IN" sz="1200" dirty="0"/>
+                        <a:t>@BeforeGroups</a:t>
+                      </a:r>
+                    </a:p>
+                  </a:txBody>
+                  <a:tcPr marL="48891" marR="48891" marT="24446" marB="24446" anchor="ctr">
+                    <a:lnL>
+                      <a:noFill/>
+                    </a:lnL>
+                    <a:lnR>
+                      <a:noFill/>
+                    </a:lnR>
+                    <a:lnT>
+                      <a:noFill/>
+                    </a:lnT>
+                    <a:lnB>
+                      <a:noFill/>
+                    </a:lnB>
+                    <a:noFill/>
+                  </a:tcPr>
+                </a:tc>
+                <a:tc>
+                  <a:txBody>
+                    <a:bodyPr/>
+                    <a:lstStyle/>
+                    <a:p>
+                      <a:r>
+                        <a:rPr lang="en-US" sz="1200"/>
+                        <a:t>The @BeforeGroups annotated method run only once for a group before the execution of all test cases belonging to that group.</a:t>
+                      </a:r>
+                    </a:p>
+                  </a:txBody>
+                  <a:tcPr marL="48891" marR="48891" marT="24446" marB="24446" anchor="ctr">
+                    <a:lnL>
+                      <a:noFill/>
+                    </a:lnL>
+                    <a:lnR>
+                      <a:noFill/>
+                    </a:lnR>
+                    <a:lnT>
+                      <a:noFill/>
+                    </a:lnT>
+                    <a:lnB>
+                      <a:noFill/>
+                    </a:lnB>
+                    <a:noFill/>
+                  </a:tcPr>
+                </a:tc>
+                <a:extLst>
+                  <a:ext uri="{0D108BD9-81ED-4DB2-BD59-A6C34878D82A}">
+                    <a16:rowId xmlns:a16="http://schemas.microsoft.com/office/drawing/2014/main" val="2397084152"/>
+                  </a:ext>
+                </a:extLst>
+              </a:tr>
+              <a:tr h="488914">
+                <a:tc>
+                  <a:txBody>
+                    <a:bodyPr/>
+                    <a:lstStyle/>
+                    <a:p>
+                      <a:r>
+                        <a:rPr lang="en-IN" sz="1200"/>
+                        <a:t>@AfterGroups</a:t>
+                      </a:r>
+                    </a:p>
+                  </a:txBody>
+                  <a:tcPr marL="48891" marR="48891" marT="24446" marB="24446" anchor="ctr">
+                    <a:lnL>
+                      <a:noFill/>
+                    </a:lnL>
+                    <a:lnR>
+                      <a:noFill/>
+                    </a:lnR>
+                    <a:lnT>
+                      <a:noFill/>
+                    </a:lnT>
+                    <a:lnB>
+                      <a:noFill/>
+                    </a:lnB>
+                    <a:noFill/>
+                  </a:tcPr>
+                </a:tc>
+                <a:tc>
+                  <a:txBody>
+                    <a:bodyPr/>
+                    <a:lstStyle/>
+                    <a:p>
+                      <a:r>
+                        <a:rPr lang="en-US" sz="1200" dirty="0"/>
+                        <a:t>The @AfterGroups annotated method run only once for a group after the execution of all test cases belonging to that group.</a:t>
+                      </a:r>
+                    </a:p>
+                  </a:txBody>
+                  <a:tcPr marL="48891" marR="48891" marT="24446" marB="24446" anchor="ctr">
+                    <a:lnL>
+                      <a:noFill/>
+                    </a:lnL>
+                    <a:lnR>
+                      <a:noFill/>
+                    </a:lnR>
+                    <a:lnT>
+                      <a:noFill/>
+                    </a:lnT>
+                    <a:lnB>
+                      <a:noFill/>
+                    </a:lnB>
+                    <a:noFill/>
+                  </a:tcPr>
+                </a:tc>
+                <a:extLst>
+                  <a:ext uri="{0D108BD9-81ED-4DB2-BD59-A6C34878D82A}">
+                    <a16:rowId xmlns:a16="http://schemas.microsoft.com/office/drawing/2014/main" val="558480212"/>
+                  </a:ext>
+                </a:extLst>
+              </a:tr>
+            </a:tbl>
+          </a:graphicData>
+        </a:graphic>
+      </p:graphicFrame>
+    </p:spTree>
+    <p:extLst>
+      <p:ext uri="{BB962C8B-B14F-4D97-AF65-F5344CB8AC3E}">
+        <p14:creationId xmlns:p14="http://schemas.microsoft.com/office/powerpoint/2010/main" val="3085933704"/>
+      </p:ext>
+    </p:extLst>
+  </p:cSld>
+  <p:clrMapOvr>
+    <a:masterClrMapping/>
+  </p:clrMapOvr>
+</p:sld>
+</file>
+
+<file path=ppt/slides/slide59.xml><?xml version="1.0" encoding="utf-8"?>
+<p:sld xmlns:a="http://schemas.openxmlformats.org/drawingml/2006/main" xmlns:r="http://schemas.openxmlformats.org/officeDocument/2006/relationships" xmlns:p="http://schemas.openxmlformats.org/presentationml/2006/main">
+  <p:cSld>
+    <p:spTree>
+      <p:nvGrpSpPr>
+        <p:cNvPr id="1" name=""/>
+        <p:cNvGrpSpPr/>
+        <p:nvPr/>
+      </p:nvGrpSpPr>
+      <p:grpSpPr>
+        <a:xfrm>
+          <a:off x="0" y="0"/>
+          <a:ext cx="0" cy="0"/>
+          <a:chOff x="0" y="0"/>
+          <a:chExt cx="0" cy="0"/>
+        </a:xfrm>
+      </p:grpSpPr>
+      <p:sp>
+        <p:nvSpPr>
           <p:cNvPr id="2" name="Rectangle 1">
             <a:extLst>
               <a:ext uri="{FF2B5EF4-FFF2-40B4-BE49-F238E27FC236}">
-                <a16:creationId xmlns:a16="http://schemas.microsoft.com/office/drawing/2014/main" id="{00CC8A12-2862-D8AF-5C89-D1269D1E54FD}"/>
+                <a16:creationId xmlns:a16="http://schemas.microsoft.com/office/drawing/2014/main" id="{ECB21C35-D191-8AA6-BF9B-DB5370210A6C}"/>
               </a:ext>
             </a:extLst>
           </p:cNvPr>
@@ -34516,8 +37721,8 @@
         </p:nvSpPr>
         <p:spPr>
           <a:xfrm>
-            <a:off x="3744289" y="1792959"/>
-            <a:ext cx="3848817" cy="1169551"/>
+            <a:off x="1004612" y="860902"/>
+            <a:ext cx="11032828" cy="4093428"/>
           </a:xfrm>
           <a:prstGeom prst="rect">
             <a:avLst/>
@@ -34525,124 +37730,144 @@
           <a:noFill/>
         </p:spPr>
         <p:txBody>
-          <a:bodyPr wrap="square" lIns="91440" tIns="45720" rIns="91440" bIns="45720">
+          <a:bodyPr wrap="none" lIns="91440" tIns="45720" rIns="91440" bIns="45720">
             <a:spAutoFit/>
           </a:bodyPr>
           <a:lstStyle/>
           <a:p>
-            <a:pPr algn="ctr"/>
-            <a:r>
-              <a:rPr lang="en-US" sz="1400" b="1" cap="none" spc="0" dirty="0">
-                <a:ln w="0"/>
-                <a:solidFill>
-                  <a:schemeClr val="tx1"/>
-                </a:solidFill>
-                <a:effectLst>
-                  <a:outerShdw blurRad="38100" dist="19050" dir="2700000" algn="tl" rotWithShape="0">
-                    <a:schemeClr val="dk1">
-                      <a:alpha val="40000"/>
-                    </a:schemeClr>
-                  </a:outerShdw>
-                </a:effectLst>
-              </a:rPr>
-              <a:t>OTHERS :</a:t>
-            </a:r>
-          </a:p>
-          <a:p>
-            <a:pPr algn="ctr"/>
-            <a:endParaRPr lang="en-US" sz="1400" b="1" dirty="0">
-              <a:ln w="0"/>
-              <a:effectLst>
-                <a:outerShdw blurRad="38100" dist="19050" dir="2700000" algn="tl" rotWithShape="0">
-                  <a:schemeClr val="dk1">
-                    <a:alpha val="40000"/>
-                  </a:schemeClr>
-                </a:outerShdw>
-              </a:effectLst>
-            </a:endParaRPr>
-          </a:p>
-          <a:p>
-            <a:pPr algn="ctr"/>
+            <a:r>
+              <a:rPr lang="en-US" b="1" dirty="0"/>
+              <a:t>What are Selenium Frameworks?</a:t>
+            </a:r>
+          </a:p>
+          <a:p>
+            <a:endParaRPr lang="en-US" sz="1400" b="1" dirty="0"/>
+          </a:p>
+          <a:p>
+            <a:endParaRPr lang="en-US" sz="1400" b="1" dirty="0"/>
+          </a:p>
+          <a:p>
+            <a:pPr marL="285750" indent="-285750">
+              <a:buFont typeface="Arial" panose="020B0604020202020204" pitchFamily="34" charset="0"/>
+              <a:buChar char="•"/>
+            </a:pPr>
+            <a:r>
+              <a:rPr lang="en-US" sz="1400" dirty="0"/>
+              <a:t>The </a:t>
+            </a:r>
             <a:r>
               <a:rPr lang="en-US" sz="1400" b="1" dirty="0">
-                <a:ln w="0"/>
-                <a:effectLst>
-                  <a:outerShdw blurRad="38100" dist="19050" dir="2700000" algn="tl" rotWithShape="0">
-                    <a:schemeClr val="dk1">
-                      <a:alpha val="40000"/>
-                    </a:schemeClr>
-                  </a:outerShdw>
-                </a:effectLst>
-              </a:rPr>
-              <a:t> TestNG, Maven, Git, </a:t>
-            </a:r>
-            <a:r>
-              <a:rPr lang="en-US" sz="1400" b="1" dirty="0" err="1">
-                <a:ln w="0"/>
-                <a:effectLst>
-                  <a:outerShdw blurRad="38100" dist="19050" dir="2700000" algn="tl" rotWithShape="0">
-                    <a:schemeClr val="dk1">
-                      <a:alpha val="40000"/>
-                    </a:schemeClr>
-                  </a:outerShdw>
-                </a:effectLst>
-              </a:rPr>
-              <a:t>Github</a:t>
-            </a:r>
-            <a:r>
-              <a:rPr lang="en-US" sz="1400" b="1" dirty="0">
-                <a:ln w="0"/>
-                <a:effectLst>
-                  <a:outerShdw blurRad="38100" dist="19050" dir="2700000" algn="tl" rotWithShape="0">
-                    <a:schemeClr val="dk1">
-                      <a:alpha val="40000"/>
-                    </a:schemeClr>
-                  </a:outerShdw>
-                </a:effectLst>
-              </a:rPr>
-              <a:t>, Jenkins, Nexus</a:t>
-            </a:r>
-          </a:p>
-          <a:p>
-            <a:pPr algn="ctr"/>
-            <a:endParaRPr lang="en-US" sz="1400" b="1" cap="none" spc="0" dirty="0">
-              <a:ln w="0"/>
-              <a:solidFill>
-                <a:schemeClr val="tx1"/>
-              </a:solidFill>
-              <a:effectLst>
-                <a:outerShdw blurRad="38100" dist="19050" dir="2700000" algn="tl" rotWithShape="0">
-                  <a:schemeClr val="dk1">
-                    <a:alpha val="40000"/>
-                  </a:schemeClr>
-                </a:outerShdw>
-              </a:effectLst>
-            </a:endParaRPr>
-          </a:p>
-          <a:p>
-            <a:pPr marL="342900" indent="-342900" algn="ctr">
+                <a:hlinkClick r:id="rId2"/>
+              </a:rPr>
+              <a:t>Selenium Framework</a:t>
+            </a:r>
+            <a:r>
+              <a:rPr lang="en-US" sz="1400" dirty="0"/>
+              <a:t> is a coding framework that simplifies and streamlines the process of code maintenance. </a:t>
+            </a:r>
+          </a:p>
+          <a:p>
+            <a:endParaRPr lang="en-US" sz="1400" dirty="0"/>
+          </a:p>
+          <a:p>
+            <a:pPr marL="285750" indent="-285750">
+              <a:buFont typeface="Arial" panose="020B0604020202020204" pitchFamily="34" charset="0"/>
+              <a:buChar char="•"/>
+            </a:pPr>
+            <a:r>
+              <a:rPr lang="en-US" sz="1400" dirty="0"/>
+              <a:t>Users may store “code” and “data” in the same area if frameworks are not used, making the code and data neither reusable nor understandable. </a:t>
+            </a:r>
+          </a:p>
+          <a:p>
+            <a:endParaRPr lang="en-US" sz="1400" dirty="0"/>
+          </a:p>
+          <a:p>
+            <a:pPr marL="285750" indent="-285750">
+              <a:buFont typeface="Arial" panose="020B0604020202020204" pitchFamily="34" charset="0"/>
+              <a:buChar char="•"/>
+            </a:pPr>
+            <a:r>
+              <a:rPr lang="en-US" sz="1400" dirty="0"/>
+              <a:t>In addition to producing desirable effects such as greater code reusability, increased portability, decreased script maintenance cost, </a:t>
+            </a:r>
+          </a:p>
+          <a:p>
+            <a:r>
+              <a:rPr lang="en-US" sz="1400" dirty="0"/>
+              <a:t>       and improved code readability, frameworks can cause negative consequences.</a:t>
+            </a:r>
+          </a:p>
+          <a:p>
+            <a:endParaRPr lang="en-US" sz="1400" dirty="0"/>
+          </a:p>
+          <a:p>
+            <a:endParaRPr lang="en-US" sz="1400" dirty="0"/>
+          </a:p>
+          <a:p>
+            <a:r>
+              <a:rPr lang="en-US" b="1" dirty="0"/>
+              <a:t>Types</a:t>
+            </a:r>
+            <a:r>
+              <a:rPr lang="en-US" sz="1400" dirty="0"/>
+              <a:t>:</a:t>
+            </a:r>
+          </a:p>
+          <a:p>
+            <a:endParaRPr lang="en-US" sz="1400" dirty="0"/>
+          </a:p>
+          <a:p>
+            <a:pPr marL="342900" indent="-342900">
+              <a:buFont typeface="+mj-lt"/>
               <a:buAutoNum type="arabicPeriod"/>
             </a:pPr>
-            <a:endParaRPr lang="en-US" sz="1400" b="1" cap="none" spc="0" dirty="0">
-              <a:ln w="0"/>
-              <a:solidFill>
-                <a:schemeClr val="tx1"/>
-              </a:solidFill>
-              <a:effectLst>
-                <a:outerShdw blurRad="38100" dist="19050" dir="2700000" algn="tl" rotWithShape="0">
-                  <a:schemeClr val="dk1">
-                    <a:alpha val="40000"/>
-                  </a:schemeClr>
-                </a:outerShdw>
-              </a:effectLst>
-            </a:endParaRPr>
+            <a:r>
+              <a:rPr lang="en-IN" sz="1400" dirty="0"/>
+              <a:t>Data-driven Framework</a:t>
+            </a:r>
+          </a:p>
+          <a:p>
+            <a:pPr marL="342900" indent="-342900">
+              <a:buFont typeface="+mj-lt"/>
+              <a:buAutoNum type="arabicPeriod"/>
+            </a:pPr>
+            <a:endParaRPr lang="en-US" sz="1400" dirty="0"/>
+          </a:p>
+          <a:p>
+            <a:pPr marL="342900" indent="-342900">
+              <a:buFont typeface="+mj-lt"/>
+              <a:buAutoNum type="arabicPeriod"/>
+            </a:pPr>
+            <a:r>
+              <a:rPr lang="en-IN" sz="1400" dirty="0"/>
+              <a:t>Keyword Driven Testing Framework</a:t>
+            </a:r>
+          </a:p>
+          <a:p>
+            <a:pPr marL="342900" indent="-342900">
+              <a:buFont typeface="+mj-lt"/>
+              <a:buAutoNum type="arabicPeriod"/>
+            </a:pPr>
+            <a:endParaRPr lang="en-US" sz="1400" dirty="0"/>
+          </a:p>
+          <a:p>
+            <a:pPr marL="342900" indent="-342900">
+              <a:buFont typeface="+mj-lt"/>
+              <a:buAutoNum type="arabicPeriod"/>
+            </a:pPr>
+            <a:r>
+              <a:rPr lang="en-IN" sz="1400" dirty="0"/>
+              <a:t>Hybrid Driven Testing Framework</a:t>
+            </a:r>
+            <a:endParaRPr lang="en-US" sz="1400" dirty="0"/>
           </a:p>
         </p:txBody>
       </p:sp>
     </p:spTree>
     <p:extLst>
       <p:ext uri="{BB962C8B-B14F-4D97-AF65-F5344CB8AC3E}">
-        <p14:creationId xmlns:p14="http://schemas.microsoft.com/office/powerpoint/2010/main" val="3854129687"/>
+        <p14:creationId xmlns:p14="http://schemas.microsoft.com/office/powerpoint/2010/main" val="1297286529"/>
       </p:ext>
     </p:extLst>
   </p:cSld>
@@ -34703,6 +37928,298 @@
     <p:extLst>
       <p:ext uri="{BB962C8B-B14F-4D97-AF65-F5344CB8AC3E}">
         <p14:creationId xmlns:p14="http://schemas.microsoft.com/office/powerpoint/2010/main" val="1350601512"/>
+      </p:ext>
+    </p:extLst>
+  </p:cSld>
+  <p:clrMapOvr>
+    <a:masterClrMapping/>
+  </p:clrMapOvr>
+</p:sld>
+</file>
+
+<file path=ppt/slides/slide60.xml><?xml version="1.0" encoding="utf-8"?>
+<p:sld xmlns:a="http://schemas.openxmlformats.org/drawingml/2006/main" xmlns:r="http://schemas.openxmlformats.org/officeDocument/2006/relationships" xmlns:p="http://schemas.openxmlformats.org/presentationml/2006/main">
+  <p:cSld>
+    <p:spTree>
+      <p:nvGrpSpPr>
+        <p:cNvPr id="1" name=""/>
+        <p:cNvGrpSpPr/>
+        <p:nvPr/>
+      </p:nvGrpSpPr>
+      <p:grpSpPr>
+        <a:xfrm>
+          <a:off x="0" y="0"/>
+          <a:ext cx="0" cy="0"/>
+          <a:chOff x="0" y="0"/>
+          <a:chExt cx="0" cy="0"/>
+        </a:xfrm>
+      </p:grpSpPr>
+      <p:sp>
+        <p:nvSpPr>
+          <p:cNvPr id="2" name="Rectangle 1">
+            <a:extLst>
+              <a:ext uri="{FF2B5EF4-FFF2-40B4-BE49-F238E27FC236}">
+                <a16:creationId xmlns:a16="http://schemas.microsoft.com/office/drawing/2014/main" id="{76677099-EEE8-9984-C00C-BEB82F324B94}"/>
+              </a:ext>
+            </a:extLst>
+          </p:cNvPr>
+          <p:cNvSpPr/>
+          <p:nvPr/>
+        </p:nvSpPr>
+        <p:spPr>
+          <a:xfrm>
+            <a:off x="694108" y="878558"/>
+            <a:ext cx="8524449" cy="2246769"/>
+          </a:xfrm>
+          <a:prstGeom prst="rect">
+            <a:avLst/>
+          </a:prstGeom>
+          <a:noFill/>
+        </p:spPr>
+        <p:txBody>
+          <a:bodyPr wrap="none" lIns="91440" tIns="45720" rIns="91440" bIns="45720">
+            <a:spAutoFit/>
+          </a:bodyPr>
+          <a:lstStyle/>
+          <a:p>
+            <a:r>
+              <a:rPr lang="en-IN" sz="1400" b="1" dirty="0"/>
+              <a:t>Design Patterns in Selenium:</a:t>
+            </a:r>
+          </a:p>
+          <a:p>
+            <a:endParaRPr lang="en-IN" sz="1400" b="1" dirty="0"/>
+          </a:p>
+          <a:p>
+            <a:r>
+              <a:rPr lang="en-US" sz="1400" b="0" dirty="0">
+                <a:effectLst/>
+                <a:hlinkClick r:id="rId2" tooltip="Design Patterns in Automation Framework"/>
+              </a:rPr>
+              <a:t>Design patterns</a:t>
+            </a:r>
+            <a:r>
+              <a:rPr lang="en-US" sz="1400" b="0" dirty="0">
+                <a:effectLst/>
+              </a:rPr>
+              <a:t>  are reusable solutions that can be reused on to problems that frequently arise in software design.</a:t>
+            </a:r>
+          </a:p>
+          <a:p>
+            <a:r>
+              <a:rPr lang="en-US" sz="1400" b="0" dirty="0">
+                <a:effectLst/>
+              </a:rPr>
+              <a:t> </a:t>
+            </a:r>
+          </a:p>
+          <a:p>
+            <a:r>
+              <a:rPr lang="en-US" sz="1400" b="0" dirty="0">
+                <a:effectLst/>
+              </a:rPr>
+              <a:t>They serve as a common vocabulary and a shared understanding of best practices among the developers. </a:t>
+            </a:r>
+          </a:p>
+          <a:p>
+            <a:endParaRPr lang="en-US" sz="1400" dirty="0"/>
+          </a:p>
+          <a:p>
+            <a:endParaRPr lang="en-US" sz="1400" b="1" dirty="0"/>
+          </a:p>
+          <a:p>
+            <a:r>
+              <a:rPr lang="en-US" sz="1400" b="1" dirty="0"/>
+              <a:t>Types:</a:t>
+            </a:r>
+          </a:p>
+          <a:p>
+            <a:endParaRPr lang="en-US" sz="1400" dirty="0"/>
+          </a:p>
+          <a:p>
+            <a:pPr marL="342900" indent="-342900">
+              <a:buFont typeface="+mj-lt"/>
+              <a:buAutoNum type="arabicPeriod"/>
+            </a:pPr>
+            <a:r>
+              <a:rPr lang="en-US" sz="1400" dirty="0"/>
+              <a:t>POM</a:t>
+            </a:r>
+            <a:endParaRPr lang="en-IN" sz="1400" dirty="0"/>
+          </a:p>
+        </p:txBody>
+      </p:sp>
+    </p:spTree>
+    <p:extLst>
+      <p:ext uri="{BB962C8B-B14F-4D97-AF65-F5344CB8AC3E}">
+        <p14:creationId xmlns:p14="http://schemas.microsoft.com/office/powerpoint/2010/main" val="2048242346"/>
+      </p:ext>
+    </p:extLst>
+  </p:cSld>
+  <p:clrMapOvr>
+    <a:masterClrMapping/>
+  </p:clrMapOvr>
+</p:sld>
+</file>
+
+<file path=ppt/slides/slide61.xml><?xml version="1.0" encoding="utf-8"?>
+<p:sld xmlns:a="http://schemas.openxmlformats.org/drawingml/2006/main" xmlns:r="http://schemas.openxmlformats.org/officeDocument/2006/relationships" xmlns:p="http://schemas.openxmlformats.org/presentationml/2006/main">
+  <p:cSld>
+    <p:spTree>
+      <p:nvGrpSpPr>
+        <p:cNvPr id="1" name=""/>
+        <p:cNvGrpSpPr/>
+        <p:nvPr/>
+      </p:nvGrpSpPr>
+      <p:grpSpPr>
+        <a:xfrm>
+          <a:off x="0" y="0"/>
+          <a:ext cx="0" cy="0"/>
+          <a:chOff x="0" y="0"/>
+          <a:chExt cx="0" cy="0"/>
+        </a:xfrm>
+      </p:grpSpPr>
+      <p:sp>
+        <p:nvSpPr>
+          <p:cNvPr id="2" name="Rectangle 1">
+            <a:extLst>
+              <a:ext uri="{FF2B5EF4-FFF2-40B4-BE49-F238E27FC236}">
+                <a16:creationId xmlns:a16="http://schemas.microsoft.com/office/drawing/2014/main" id="{00CC8A12-2862-D8AF-5C89-D1269D1E54FD}"/>
+              </a:ext>
+            </a:extLst>
+          </p:cNvPr>
+          <p:cNvSpPr/>
+          <p:nvPr/>
+        </p:nvSpPr>
+        <p:spPr>
+          <a:xfrm>
+            <a:off x="3744289" y="1792959"/>
+            <a:ext cx="3848817" cy="1169551"/>
+          </a:xfrm>
+          <a:prstGeom prst="rect">
+            <a:avLst/>
+          </a:prstGeom>
+          <a:noFill/>
+        </p:spPr>
+        <p:txBody>
+          <a:bodyPr wrap="square" lIns="91440" tIns="45720" rIns="91440" bIns="45720">
+            <a:spAutoFit/>
+          </a:bodyPr>
+          <a:lstStyle/>
+          <a:p>
+            <a:pPr algn="ctr"/>
+            <a:r>
+              <a:rPr lang="en-US" sz="1400" b="1" cap="none" spc="0" dirty="0">
+                <a:ln w="0"/>
+                <a:solidFill>
+                  <a:schemeClr val="tx1"/>
+                </a:solidFill>
+                <a:effectLst>
+                  <a:outerShdw blurRad="38100" dist="19050" dir="2700000" algn="tl" rotWithShape="0">
+                    <a:schemeClr val="dk1">
+                      <a:alpha val="40000"/>
+                    </a:schemeClr>
+                  </a:outerShdw>
+                </a:effectLst>
+              </a:rPr>
+              <a:t>OTHERS :</a:t>
+            </a:r>
+          </a:p>
+          <a:p>
+            <a:pPr algn="ctr"/>
+            <a:endParaRPr lang="en-US" sz="1400" b="1" dirty="0">
+              <a:ln w="0"/>
+              <a:effectLst>
+                <a:outerShdw blurRad="38100" dist="19050" dir="2700000" algn="tl" rotWithShape="0">
+                  <a:schemeClr val="dk1">
+                    <a:alpha val="40000"/>
+                  </a:schemeClr>
+                </a:outerShdw>
+              </a:effectLst>
+            </a:endParaRPr>
+          </a:p>
+          <a:p>
+            <a:pPr algn="ctr"/>
+            <a:r>
+              <a:rPr lang="en-US" sz="1400" b="1" dirty="0">
+                <a:ln w="0"/>
+                <a:effectLst>
+                  <a:outerShdw blurRad="38100" dist="19050" dir="2700000" algn="tl" rotWithShape="0">
+                    <a:schemeClr val="dk1">
+                      <a:alpha val="40000"/>
+                    </a:schemeClr>
+                  </a:outerShdw>
+                </a:effectLst>
+              </a:rPr>
+              <a:t> TestNG, Maven, Git, </a:t>
+            </a:r>
+            <a:r>
+              <a:rPr lang="en-US" sz="1400" b="1" dirty="0" err="1">
+                <a:ln w="0"/>
+                <a:effectLst>
+                  <a:outerShdw blurRad="38100" dist="19050" dir="2700000" algn="tl" rotWithShape="0">
+                    <a:schemeClr val="dk1">
+                      <a:alpha val="40000"/>
+                    </a:schemeClr>
+                  </a:outerShdw>
+                </a:effectLst>
+              </a:rPr>
+              <a:t>Github</a:t>
+            </a:r>
+            <a:r>
+              <a:rPr lang="en-US" sz="1400" b="1" dirty="0">
+                <a:ln w="0"/>
+                <a:effectLst>
+                  <a:outerShdw blurRad="38100" dist="19050" dir="2700000" algn="tl" rotWithShape="0">
+                    <a:schemeClr val="dk1">
+                      <a:alpha val="40000"/>
+                    </a:schemeClr>
+                  </a:outerShdw>
+                </a:effectLst>
+              </a:rPr>
+              <a:t>, Jenkins, Nexus</a:t>
+            </a:r>
+          </a:p>
+          <a:p>
+            <a:pPr algn="ctr"/>
+            <a:endParaRPr lang="en-US" sz="1400" b="1" cap="none" spc="0" dirty="0">
+              <a:ln w="0"/>
+              <a:solidFill>
+                <a:schemeClr val="tx1"/>
+              </a:solidFill>
+              <a:effectLst>
+                <a:outerShdw blurRad="38100" dist="19050" dir="2700000" algn="tl" rotWithShape="0">
+                  <a:schemeClr val="dk1">
+                    <a:alpha val="40000"/>
+                  </a:schemeClr>
+                </a:outerShdw>
+              </a:effectLst>
+            </a:endParaRPr>
+          </a:p>
+          <a:p>
+            <a:pPr marL="342900" indent="-342900" algn="ctr">
+              <a:buAutoNum type="arabicPeriod"/>
+            </a:pPr>
+            <a:endParaRPr lang="en-US" sz="1400" b="1" cap="none" spc="0" dirty="0">
+              <a:ln w="0"/>
+              <a:solidFill>
+                <a:schemeClr val="tx1"/>
+              </a:solidFill>
+              <a:effectLst>
+                <a:outerShdw blurRad="38100" dist="19050" dir="2700000" algn="tl" rotWithShape="0">
+                  <a:schemeClr val="dk1">
+                    <a:alpha val="40000"/>
+                  </a:schemeClr>
+                </a:outerShdw>
+              </a:effectLst>
+            </a:endParaRPr>
+          </a:p>
+        </p:txBody>
+      </p:sp>
+    </p:spTree>
+    <p:extLst>
+      <p:ext uri="{BB962C8B-B14F-4D97-AF65-F5344CB8AC3E}">
+        <p14:creationId xmlns:p14="http://schemas.microsoft.com/office/powerpoint/2010/main" val="3854129687"/>
       </p:ext>
     </p:extLst>
   </p:cSld>

--- a/Selenium.pptx
+++ b/Selenium.pptx
@@ -5,7 +5,7 @@
     <p:sldMasterId id="2147483648" r:id="rId1"/>
   </p:sldMasterIdLst>
   <p:notesMasterIdLst>
-    <p:notesMasterId r:id="rId63"/>
+    <p:notesMasterId r:id="rId65"/>
   </p:notesMasterIdLst>
   <p:sldIdLst>
     <p:sldId id="262" r:id="rId2"/>
@@ -66,9 +66,11 @@
     <p:sldId id="316" r:id="rId57"/>
     <p:sldId id="317" r:id="rId58"/>
     <p:sldId id="318" r:id="rId59"/>
-    <p:sldId id="265" r:id="rId60"/>
-    <p:sldId id="266" r:id="rId61"/>
-    <p:sldId id="267" r:id="rId62"/>
+    <p:sldId id="319" r:id="rId60"/>
+    <p:sldId id="320" r:id="rId61"/>
+    <p:sldId id="265" r:id="rId62"/>
+    <p:sldId id="266" r:id="rId63"/>
+    <p:sldId id="267" r:id="rId64"/>
   </p:sldIdLst>
   <p:sldSz cx="12192000" cy="6858000"/>
   <p:notesSz cx="6858000" cy="9144000"/>
@@ -1091,7 +1093,7 @@
   <pc:docChgLst>
     <pc:chgData name="Suraj Sundar" userId="21277d655284b0de" providerId="LiveId" clId="{E2F3747C-E9FB-40B1-A028-6F80A11A7AF1}"/>
     <pc:docChg chg="undo custSel addSld delSld modSld">
-      <pc:chgData name="Suraj Sundar" userId="21277d655284b0de" providerId="LiveId" clId="{E2F3747C-E9FB-40B1-A028-6F80A11A7AF1}" dt="2024-01-30T14:05:16.137" v="1030" actId="20577"/>
+      <pc:chgData name="Suraj Sundar" userId="21277d655284b0de" providerId="LiveId" clId="{E2F3747C-E9FB-40B1-A028-6F80A11A7AF1}" dt="2024-02-01T14:52:41.651" v="1315" actId="115"/>
       <pc:docMkLst>
         <pc:docMk/>
       </pc:docMkLst>
@@ -1481,13 +1483,13 @@
         </pc:spChg>
       </pc:sldChg>
       <pc:sldChg chg="addSp modSp new mod">
-        <pc:chgData name="Suraj Sundar" userId="21277d655284b0de" providerId="LiveId" clId="{E2F3747C-E9FB-40B1-A028-6F80A11A7AF1}" dt="2024-01-30T10:30:58.571" v="929" actId="20577"/>
+        <pc:chgData name="Suraj Sundar" userId="21277d655284b0de" providerId="LiveId" clId="{E2F3747C-E9FB-40B1-A028-6F80A11A7AF1}" dt="2024-02-01T13:35:45.083" v="1195" actId="20577"/>
         <pc:sldMkLst>
           <pc:docMk/>
           <pc:sldMk cId="3287546635" sldId="316"/>
         </pc:sldMkLst>
         <pc:spChg chg="add mod">
-          <ac:chgData name="Suraj Sundar" userId="21277d655284b0de" providerId="LiveId" clId="{E2F3747C-E9FB-40B1-A028-6F80A11A7AF1}" dt="2024-01-30T10:30:58.571" v="929" actId="20577"/>
+          <ac:chgData name="Suraj Sundar" userId="21277d655284b0de" providerId="LiveId" clId="{E2F3747C-E9FB-40B1-A028-6F80A11A7AF1}" dt="2024-02-01T13:35:45.083" v="1195" actId="20577"/>
           <ac:spMkLst>
             <pc:docMk/>
             <pc:sldMk cId="3287546635" sldId="316"/>
@@ -1496,13 +1498,13 @@
         </pc:spChg>
       </pc:sldChg>
       <pc:sldChg chg="addSp modSp new mod">
-        <pc:chgData name="Suraj Sundar" userId="21277d655284b0de" providerId="LiveId" clId="{E2F3747C-E9FB-40B1-A028-6F80A11A7AF1}" dt="2024-01-30T14:05:16.137" v="1030" actId="20577"/>
+        <pc:chgData name="Suraj Sundar" userId="21277d655284b0de" providerId="LiveId" clId="{E2F3747C-E9FB-40B1-A028-6F80A11A7AF1}" dt="2024-02-01T13:41:30.229" v="1239" actId="20577"/>
         <pc:sldMkLst>
           <pc:docMk/>
           <pc:sldMk cId="1132817227" sldId="317"/>
         </pc:sldMkLst>
         <pc:spChg chg="add mod">
-          <ac:chgData name="Suraj Sundar" userId="21277d655284b0de" providerId="LiveId" clId="{E2F3747C-E9FB-40B1-A028-6F80A11A7AF1}" dt="2024-01-30T11:11:26.228" v="978" actId="2711"/>
+          <ac:chgData name="Suraj Sundar" userId="21277d655284b0de" providerId="LiveId" clId="{E2F3747C-E9FB-40B1-A028-6F80A11A7AF1}" dt="2024-02-01T13:39:35.357" v="1212" actId="20577"/>
           <ac:spMkLst>
             <pc:docMk/>
             <pc:sldMk cId="1132817227" sldId="317"/>
@@ -1510,7 +1512,7 @@
           </ac:spMkLst>
         </pc:spChg>
         <pc:spChg chg="add mod">
-          <ac:chgData name="Suraj Sundar" userId="21277d655284b0de" providerId="LiveId" clId="{E2F3747C-E9FB-40B1-A028-6F80A11A7AF1}" dt="2024-01-30T11:17:29.929" v="1003" actId="114"/>
+          <ac:chgData name="Suraj Sundar" userId="21277d655284b0de" providerId="LiveId" clId="{E2F3747C-E9FB-40B1-A028-6F80A11A7AF1}" dt="2024-02-01T13:39:45.242" v="1237" actId="20577"/>
           <ac:spMkLst>
             <pc:docMk/>
             <pc:sldMk cId="1132817227" sldId="317"/>
@@ -1518,7 +1520,7 @@
           </ac:spMkLst>
         </pc:spChg>
         <pc:spChg chg="add mod">
-          <ac:chgData name="Suraj Sundar" userId="21277d655284b0de" providerId="LiveId" clId="{E2F3747C-E9FB-40B1-A028-6F80A11A7AF1}" dt="2024-01-30T14:05:16.137" v="1030" actId="20577"/>
+          <ac:chgData name="Suraj Sundar" userId="21277d655284b0de" providerId="LiveId" clId="{E2F3747C-E9FB-40B1-A028-6F80A11A7AF1}" dt="2024-02-01T13:41:30.229" v="1239" actId="20577"/>
           <ac:spMkLst>
             <pc:docMk/>
             <pc:sldMk cId="1132817227" sldId="317"/>
@@ -1535,19 +1537,81 @@
         </pc:spChg>
       </pc:sldChg>
       <pc:sldChg chg="addSp modSp new mod">
-        <pc:chgData name="Suraj Sundar" userId="21277d655284b0de" providerId="LiveId" clId="{E2F3747C-E9FB-40B1-A028-6F80A11A7AF1}" dt="2024-01-30T11:21:06.442" v="1026" actId="3626"/>
+        <pc:chgData name="Suraj Sundar" userId="21277d655284b0de" providerId="LiveId" clId="{E2F3747C-E9FB-40B1-A028-6F80A11A7AF1}" dt="2024-02-01T14:25:20.510" v="1254" actId="20577"/>
         <pc:sldMkLst>
           <pc:docMk/>
           <pc:sldMk cId="3085933704" sldId="318"/>
         </pc:sldMkLst>
+        <pc:spChg chg="add mod">
+          <ac:chgData name="Suraj Sundar" userId="21277d655284b0de" providerId="LiveId" clId="{E2F3747C-E9FB-40B1-A028-6F80A11A7AF1}" dt="2024-02-01T14:25:20.510" v="1254" actId="20577"/>
+          <ac:spMkLst>
+            <pc:docMk/>
+            <pc:sldMk cId="3085933704" sldId="318"/>
+            <ac:spMk id="4" creationId="{ED2355B1-8C51-AAB4-F459-EE2D8649F9A8}"/>
+          </ac:spMkLst>
+        </pc:spChg>
         <pc:graphicFrameChg chg="add mod modGraphic">
-          <ac:chgData name="Suraj Sundar" userId="21277d655284b0de" providerId="LiveId" clId="{E2F3747C-E9FB-40B1-A028-6F80A11A7AF1}" dt="2024-01-30T11:21:06.442" v="1026" actId="3626"/>
+          <ac:chgData name="Suraj Sundar" userId="21277d655284b0de" providerId="LiveId" clId="{E2F3747C-E9FB-40B1-A028-6F80A11A7AF1}" dt="2024-02-01T12:32:17.121" v="1046"/>
           <ac:graphicFrameMkLst>
             <pc:docMk/>
             <pc:sldMk cId="3085933704" sldId="318"/>
             <ac:graphicFrameMk id="2" creationId="{1FDC2E7F-4D3A-0B3C-420D-CBE663CD4B57}"/>
           </ac:graphicFrameMkLst>
         </pc:graphicFrameChg>
+      </pc:sldChg>
+      <pc:sldChg chg="addSp modSp new mod">
+        <pc:chgData name="Suraj Sundar" userId="21277d655284b0de" providerId="LiveId" clId="{E2F3747C-E9FB-40B1-A028-6F80A11A7AF1}" dt="2024-02-01T14:52:41.651" v="1315" actId="115"/>
+        <pc:sldMkLst>
+          <pc:docMk/>
+          <pc:sldMk cId="1255137799" sldId="319"/>
+        </pc:sldMkLst>
+        <pc:spChg chg="add mod">
+          <ac:chgData name="Suraj Sundar" userId="21277d655284b0de" providerId="LiveId" clId="{E2F3747C-E9FB-40B1-A028-6F80A11A7AF1}" dt="2024-02-01T12:46:12" v="1115"/>
+          <ac:spMkLst>
+            <pc:docMk/>
+            <pc:sldMk cId="1255137799" sldId="319"/>
+            <ac:spMk id="3" creationId="{D34D1B19-26FD-3CE9-8D51-C8C48A136CE7}"/>
+          </ac:spMkLst>
+        </pc:spChg>
+        <pc:spChg chg="add mod">
+          <ac:chgData name="Suraj Sundar" userId="21277d655284b0de" providerId="LiveId" clId="{E2F3747C-E9FB-40B1-A028-6F80A11A7AF1}" dt="2024-02-01T14:52:25.743" v="1279" actId="20577"/>
+          <ac:spMkLst>
+            <pc:docMk/>
+            <pc:sldMk cId="1255137799" sldId="319"/>
+            <ac:spMk id="4" creationId="{5F933AB6-9AC5-A1E6-DED5-7AFB7F23DC6E}"/>
+          </ac:spMkLst>
+        </pc:spChg>
+        <pc:spChg chg="add mod">
+          <ac:chgData name="Suraj Sundar" userId="21277d655284b0de" providerId="LiveId" clId="{E2F3747C-E9FB-40B1-A028-6F80A11A7AF1}" dt="2024-02-01T14:52:41.651" v="1315" actId="115"/>
+          <ac:spMkLst>
+            <pc:docMk/>
+            <pc:sldMk cId="1255137799" sldId="319"/>
+            <ac:spMk id="6" creationId="{FE2642F4-4665-E4E9-B5EC-87B2DCA96C3A}"/>
+          </ac:spMkLst>
+        </pc:spChg>
+      </pc:sldChg>
+      <pc:sldChg chg="addSp delSp modSp new mod">
+        <pc:chgData name="Suraj Sundar" userId="21277d655284b0de" providerId="LiveId" clId="{E2F3747C-E9FB-40B1-A028-6F80A11A7AF1}" dt="2024-02-01T12:46:09.437" v="1113"/>
+        <pc:sldMkLst>
+          <pc:docMk/>
+          <pc:sldMk cId="1171761310" sldId="320"/>
+        </pc:sldMkLst>
+        <pc:spChg chg="add mod">
+          <ac:chgData name="Suraj Sundar" userId="21277d655284b0de" providerId="LiveId" clId="{E2F3747C-E9FB-40B1-A028-6F80A11A7AF1}" dt="2024-02-01T12:40:03.581" v="1084" actId="1076"/>
+          <ac:spMkLst>
+            <pc:docMk/>
+            <pc:sldMk cId="1171761310" sldId="320"/>
+            <ac:spMk id="2" creationId="{B9923689-7848-AE80-3657-1B41EFFCA563}"/>
+          </ac:spMkLst>
+        </pc:spChg>
+        <pc:spChg chg="add del mod">
+          <ac:chgData name="Suraj Sundar" userId="21277d655284b0de" providerId="LiveId" clId="{E2F3747C-E9FB-40B1-A028-6F80A11A7AF1}" dt="2024-02-01T12:46:09.437" v="1113"/>
+          <ac:spMkLst>
+            <pc:docMk/>
+            <pc:sldMk cId="1171761310" sldId="320"/>
+            <ac:spMk id="4" creationId="{2A64A901-E1E5-B239-3CD5-B8F9C56F11C4}"/>
+          </ac:spMkLst>
+        </pc:spChg>
       </pc:sldChg>
     </pc:docChg>
   </pc:docChgLst>
@@ -1636,7 +1700,7 @@
           <a:p>
             <a:fld id="{55094CC2-04C1-4624-9BCC-AFE02C9F9764}" type="datetimeFigureOut">
               <a:rPr lang="en-IN" smtClean="0"/>
-              <a:t>30-01-2024</a:t>
+              <a:t>01-02-2024</a:t>
             </a:fld>
             <a:endParaRPr lang="en-IN"/>
           </a:p>
@@ -2053,7 +2117,7 @@
           <a:p>
             <a:fld id="{168663A3-44DB-42D5-A5A8-89ADCC6CF7A6}" type="datetimeFigureOut">
               <a:rPr lang="en-IN" smtClean="0"/>
-              <a:t>30-01-2024</a:t>
+              <a:t>01-02-2024</a:t>
             </a:fld>
             <a:endParaRPr lang="en-IN"/>
           </a:p>
@@ -2253,7 +2317,7 @@
           <a:p>
             <a:fld id="{168663A3-44DB-42D5-A5A8-89ADCC6CF7A6}" type="datetimeFigureOut">
               <a:rPr lang="en-IN" smtClean="0"/>
-              <a:t>30-01-2024</a:t>
+              <a:t>01-02-2024</a:t>
             </a:fld>
             <a:endParaRPr lang="en-IN"/>
           </a:p>
@@ -2463,7 +2527,7 @@
           <a:p>
             <a:fld id="{168663A3-44DB-42D5-A5A8-89ADCC6CF7A6}" type="datetimeFigureOut">
               <a:rPr lang="en-IN" smtClean="0"/>
-              <a:t>30-01-2024</a:t>
+              <a:t>01-02-2024</a:t>
             </a:fld>
             <a:endParaRPr lang="en-IN"/>
           </a:p>
@@ -2663,7 +2727,7 @@
           <a:p>
             <a:fld id="{168663A3-44DB-42D5-A5A8-89ADCC6CF7A6}" type="datetimeFigureOut">
               <a:rPr lang="en-IN" smtClean="0"/>
-              <a:t>30-01-2024</a:t>
+              <a:t>01-02-2024</a:t>
             </a:fld>
             <a:endParaRPr lang="en-IN"/>
           </a:p>
@@ -2939,7 +3003,7 @@
           <a:p>
             <a:fld id="{168663A3-44DB-42D5-A5A8-89ADCC6CF7A6}" type="datetimeFigureOut">
               <a:rPr lang="en-IN" smtClean="0"/>
-              <a:t>30-01-2024</a:t>
+              <a:t>01-02-2024</a:t>
             </a:fld>
             <a:endParaRPr lang="en-IN"/>
           </a:p>
@@ -3207,7 +3271,7 @@
           <a:p>
             <a:fld id="{168663A3-44DB-42D5-A5A8-89ADCC6CF7A6}" type="datetimeFigureOut">
               <a:rPr lang="en-IN" smtClean="0"/>
-              <a:t>30-01-2024</a:t>
+              <a:t>01-02-2024</a:t>
             </a:fld>
             <a:endParaRPr lang="en-IN"/>
           </a:p>
@@ -3622,7 +3686,7 @@
           <a:p>
             <a:fld id="{168663A3-44DB-42D5-A5A8-89ADCC6CF7A6}" type="datetimeFigureOut">
               <a:rPr lang="en-IN" smtClean="0"/>
-              <a:t>30-01-2024</a:t>
+              <a:t>01-02-2024</a:t>
             </a:fld>
             <a:endParaRPr lang="en-IN"/>
           </a:p>
@@ -3764,7 +3828,7 @@
           <a:p>
             <a:fld id="{168663A3-44DB-42D5-A5A8-89ADCC6CF7A6}" type="datetimeFigureOut">
               <a:rPr lang="en-IN" smtClean="0"/>
-              <a:t>30-01-2024</a:t>
+              <a:t>01-02-2024</a:t>
             </a:fld>
             <a:endParaRPr lang="en-IN"/>
           </a:p>
@@ -3877,7 +3941,7 @@
           <a:p>
             <a:fld id="{168663A3-44DB-42D5-A5A8-89ADCC6CF7A6}" type="datetimeFigureOut">
               <a:rPr lang="en-IN" smtClean="0"/>
-              <a:t>30-01-2024</a:t>
+              <a:t>01-02-2024</a:t>
             </a:fld>
             <a:endParaRPr lang="en-IN"/>
           </a:p>
@@ -4190,7 +4254,7 @@
           <a:p>
             <a:fld id="{168663A3-44DB-42D5-A5A8-89ADCC6CF7A6}" type="datetimeFigureOut">
               <a:rPr lang="en-IN" smtClean="0"/>
-              <a:t>30-01-2024</a:t>
+              <a:t>01-02-2024</a:t>
             </a:fld>
             <a:endParaRPr lang="en-IN"/>
           </a:p>
@@ -4479,7 +4543,7 @@
           <a:p>
             <a:fld id="{168663A3-44DB-42D5-A5A8-89ADCC6CF7A6}" type="datetimeFigureOut">
               <a:rPr lang="en-IN" smtClean="0"/>
-              <a:t>30-01-2024</a:t>
+              <a:t>01-02-2024</a:t>
             </a:fld>
             <a:endParaRPr lang="en-IN"/>
           </a:p>
@@ -4722,7 +4786,7 @@
           <a:p>
             <a:fld id="{168663A3-44DB-42D5-A5A8-89ADCC6CF7A6}" type="datetimeFigureOut">
               <a:rPr lang="en-IN" smtClean="0"/>
-              <a:t>30-01-2024</a:t>
+              <a:t>01-02-2024</a:t>
             </a:fld>
             <a:endParaRPr lang="en-IN"/>
           </a:p>
@@ -35708,8 +35772,8 @@
         </p:nvSpPr>
         <p:spPr>
           <a:xfrm>
-            <a:off x="591669" y="1013535"/>
-            <a:ext cx="8059271" cy="2246769"/>
+            <a:off x="591669" y="986641"/>
+            <a:ext cx="8059271" cy="3323987"/>
           </a:xfrm>
           <a:prstGeom prst="rect">
             <a:avLst/>
@@ -35935,114 +35999,12 @@
                 <a:spcPts val="0"/>
               </a:spcAft>
             </a:pPr>
-            <a:r>
-              <a:rPr lang="en-US" sz="1400" dirty="0" err="1">
-                <a:solidFill>
-                  <a:srgbClr val="000000"/>
-                </a:solidFill>
-                <a:effectLst/>
-              </a:rPr>
-              <a:t>WebElement</a:t>
-            </a:r>
-            <a:r>
-              <a:rPr lang="en-US" sz="1400" dirty="0">
-                <a:solidFill>
-                  <a:srgbClr val="000000"/>
-                </a:solidFill>
-                <a:effectLst/>
-              </a:rPr>
-              <a:t> </a:t>
-            </a:r>
-            <a:r>
-              <a:rPr lang="en-US" sz="1400" dirty="0">
-                <a:solidFill>
-                  <a:srgbClr val="6A3E3E"/>
-                </a:solidFill>
-                <a:effectLst/>
-              </a:rPr>
-              <a:t>w</a:t>
-            </a:r>
-            <a:r>
-              <a:rPr lang="en-US" sz="1400" dirty="0">
-                <a:solidFill>
-                  <a:srgbClr val="000000"/>
-                </a:solidFill>
-                <a:effectLst/>
-              </a:rPr>
-              <a:t>=</a:t>
-            </a:r>
-            <a:r>
-              <a:rPr lang="en-US" sz="1400" dirty="0" err="1">
-                <a:solidFill>
-                  <a:srgbClr val="0000C0"/>
-                </a:solidFill>
-                <a:effectLst/>
-              </a:rPr>
-              <a:t>driver</a:t>
-            </a:r>
-            <a:r>
-              <a:rPr lang="en-US" sz="1400" dirty="0" err="1">
-                <a:solidFill>
-                  <a:srgbClr val="000000"/>
-                </a:solidFill>
-                <a:effectLst/>
-              </a:rPr>
-              <a:t>.findElement</a:t>
-            </a:r>
-            <a:r>
-              <a:rPr lang="en-US" sz="1400" dirty="0">
-                <a:solidFill>
-                  <a:srgbClr val="000000"/>
-                </a:solidFill>
-                <a:effectLst/>
-              </a:rPr>
-              <a:t>(</a:t>
-            </a:r>
-            <a:r>
-              <a:rPr lang="en-US" sz="1400" dirty="0" err="1">
-                <a:solidFill>
-                  <a:srgbClr val="000000"/>
-                </a:solidFill>
-                <a:effectLst/>
-              </a:rPr>
-              <a:t>By.</a:t>
-            </a:r>
-            <a:r>
-              <a:rPr lang="en-US" sz="1400" i="1" dirty="0" err="1">
-                <a:solidFill>
-                  <a:srgbClr val="000000"/>
-                </a:solidFill>
-                <a:effectLst/>
-              </a:rPr>
-              <a:t>xpath</a:t>
-            </a:r>
-            <a:r>
-              <a:rPr lang="en-US" sz="1400" dirty="0">
-                <a:solidFill>
-                  <a:srgbClr val="000000"/>
-                </a:solidFill>
-                <a:effectLst/>
-              </a:rPr>
-              <a:t>("//</a:t>
-            </a:r>
-            <a:r>
-              <a:rPr lang="en-US" sz="1400" dirty="0" err="1">
-                <a:solidFill>
-                  <a:srgbClr val="000000"/>
-                </a:solidFill>
-                <a:effectLst/>
-              </a:rPr>
-              <a:t>iframe</a:t>
-            </a:r>
-            <a:r>
-              <a:rPr lang="en-US" sz="1400" dirty="0">
-                <a:solidFill>
-                  <a:srgbClr val="000000"/>
-                </a:solidFill>
-                <a:effectLst/>
-              </a:rPr>
-              <a:t>[@class='demo-frame']"));</a:t>
-            </a:r>
+            <a:endParaRPr lang="en-US" sz="1400" dirty="0">
+              <a:solidFill>
+                <a:srgbClr val="000000"/>
+              </a:solidFill>
+              <a:effectLst/>
+            </a:endParaRPr>
           </a:p>
           <a:p>
             <a:pPr marL="0" marR="0">
@@ -36056,6 +36018,42 @@
             <a:r>
               <a:rPr lang="en-US" sz="1400" dirty="0" err="1">
                 <a:solidFill>
+                  <a:srgbClr val="000000"/>
+                </a:solidFill>
+                <a:effectLst/>
+              </a:rPr>
+              <a:t>WebElement</a:t>
+            </a:r>
+            <a:r>
+              <a:rPr lang="en-US" sz="1400" dirty="0">
+                <a:solidFill>
+                  <a:srgbClr val="000000"/>
+                </a:solidFill>
+                <a:effectLst/>
+              </a:rPr>
+              <a:t> </a:t>
+            </a:r>
+            <a:r>
+              <a:rPr lang="en-US" sz="1400" dirty="0">
+                <a:solidFill>
+                  <a:srgbClr val="6A3E3E"/>
+                </a:solidFill>
+                <a:effectLst/>
+              </a:rPr>
+              <a:t>w</a:t>
+            </a:r>
+            <a:r>
+              <a:rPr lang="en-US" sz="1400" dirty="0">
+                <a:solidFill>
+                  <a:srgbClr val="000000"/>
+                </a:solidFill>
+                <a:effectLst/>
+              </a:rPr>
+              <a:t>=</a:t>
+            </a:r>
+            <a:r>
+              <a:rPr lang="en-US" sz="1400" dirty="0" err="1">
+                <a:solidFill>
                   <a:srgbClr val="0000C0"/>
                 </a:solidFill>
                 <a:effectLst/>
@@ -36069,7 +36067,7 @@
                 </a:solidFill>
                 <a:effectLst/>
               </a:rPr>
-              <a:t>.switchTo</a:t>
+              <a:t>.findElement</a:t>
             </a:r>
             <a:r>
               <a:rPr lang="en-US" sz="1400" dirty="0">
@@ -36078,16 +36076,43 @@
                 </a:solidFill>
                 <a:effectLst/>
               </a:rPr>
-              <a:t>().frame(</a:t>
+              <a:t>(</a:t>
+            </a:r>
+            <a:r>
+              <a:rPr lang="en-US" sz="1400" dirty="0" err="1">
+                <a:solidFill>
+                  <a:srgbClr val="000000"/>
+                </a:solidFill>
+                <a:effectLst/>
+              </a:rPr>
+              <a:t>By.</a:t>
+            </a:r>
+            <a:r>
+              <a:rPr lang="en-US" sz="1400" i="1" dirty="0" err="1">
+                <a:solidFill>
+                  <a:srgbClr val="000000"/>
+                </a:solidFill>
+                <a:effectLst/>
+              </a:rPr>
+              <a:t>xpath</a:t>
             </a:r>
             <a:r>
               <a:rPr lang="en-US" sz="1400" dirty="0">
                 <a:solidFill>
-                  <a:srgbClr val="6A3E3E"/>
-                </a:solidFill>
-                <a:effectLst/>
-              </a:rPr>
-              <a:t>w</a:t>
+                  <a:srgbClr val="000000"/>
+                </a:solidFill>
+                <a:effectLst/>
+              </a:rPr>
+              <a:t>("//</a:t>
+            </a:r>
+            <a:r>
+              <a:rPr lang="en-US" sz="1400" dirty="0" err="1">
+                <a:solidFill>
+                  <a:srgbClr val="000000"/>
+                </a:solidFill>
+                <a:effectLst/>
+              </a:rPr>
+              <a:t>iframe</a:t>
             </a:r>
             <a:r>
               <a:rPr lang="en-US" sz="1400" dirty="0">
@@ -36096,7 +36121,7 @@
                 </a:solidFill>
                 <a:effectLst/>
               </a:rPr>
-              <a:t>);</a:t>
+              <a:t>[@class='demo-frame']"));</a:t>
             </a:r>
           </a:p>
           <a:p>
@@ -36111,11 +36136,20 @@
             <a:r>
               <a:rPr lang="en-US" sz="1400" dirty="0" err="1">
                 <a:solidFill>
-                  <a:srgbClr val="000000"/>
-                </a:solidFill>
-                <a:effectLst/>
-              </a:rPr>
-              <a:t>WebElement</a:t>
+                  <a:srgbClr val="0000C0"/>
+                </a:solidFill>
+                <a:effectLst/>
+              </a:rPr>
+              <a:t>driver</a:t>
+            </a:r>
+            <a:r>
+              <a:rPr lang="en-US" sz="1400" dirty="0" err="1">
+                <a:solidFill>
+                  <a:srgbClr val="000000"/>
+                </a:solidFill>
+                <a:effectLst/>
+              </a:rPr>
+              <a:t>.switchTo</a:t>
             </a:r>
             <a:r>
               <a:rPr lang="en-US" sz="1400" dirty="0">
@@ -36124,7 +36158,7 @@
                 </a:solidFill>
                 <a:effectLst/>
               </a:rPr>
-              <a:t> </a:t>
+              <a:t>().frame(</a:t>
             </a:r>
             <a:r>
               <a:rPr lang="en-US" sz="1400" dirty="0">
@@ -36133,7 +36167,7 @@
                 </a:solidFill>
                 <a:effectLst/>
               </a:rPr>
-              <a:t>draggable</a:t>
+              <a:t>w</a:t>
             </a:r>
             <a:r>
               <a:rPr lang="en-US" sz="1400" dirty="0">
@@ -36142,61 +36176,7 @@
                 </a:solidFill>
                 <a:effectLst/>
               </a:rPr>
-              <a:t> = </a:t>
-            </a:r>
-            <a:r>
-              <a:rPr lang="en-US" sz="1400" dirty="0" err="1">
-                <a:solidFill>
-                  <a:srgbClr val="0000C0"/>
-                </a:solidFill>
-                <a:effectLst/>
-              </a:rPr>
-              <a:t>driver</a:t>
-            </a:r>
-            <a:r>
-              <a:rPr lang="en-US" sz="1400" dirty="0" err="1">
-                <a:solidFill>
-                  <a:srgbClr val="000000"/>
-                </a:solidFill>
-                <a:effectLst/>
-              </a:rPr>
-              <a:t>.findElement</a:t>
-            </a:r>
-            <a:r>
-              <a:rPr lang="en-US" sz="1400" dirty="0">
-                <a:solidFill>
-                  <a:srgbClr val="000000"/>
-                </a:solidFill>
-                <a:effectLst/>
-              </a:rPr>
-              <a:t>(</a:t>
-            </a:r>
-            <a:r>
-              <a:rPr lang="en-US" sz="1400" dirty="0" err="1">
-                <a:solidFill>
-                  <a:srgbClr val="000000"/>
-                </a:solidFill>
-                <a:effectLst/>
-              </a:rPr>
-              <a:t>By.</a:t>
-            </a:r>
-            <a:r>
-              <a:rPr lang="en-US" sz="1400" i="1" dirty="0" err="1">
-                <a:solidFill>
-                  <a:srgbClr val="000000"/>
-                </a:solidFill>
-                <a:effectLst/>
-              </a:rPr>
-              <a:t>xpath</a:t>
-            </a:r>
-            <a:r>
-              <a:rPr lang="en-US" sz="1400" dirty="0">
-                <a:solidFill>
-                  <a:srgbClr val="000000"/>
-                </a:solidFill>
-                <a:effectLst/>
-              </a:rPr>
-              <a:t>("//div[@id='draggable']"));</a:t>
+              <a:t>);</a:t>
             </a:r>
           </a:p>
           <a:p>
@@ -36208,13 +36188,238 @@
                 <a:spcPts val="0"/>
               </a:spcAft>
             </a:pPr>
+            <a:endParaRPr lang="en-US" sz="1400" dirty="0">
+              <a:solidFill>
+                <a:srgbClr val="000000"/>
+              </a:solidFill>
+            </a:endParaRPr>
+          </a:p>
+          <a:p>
+            <a:pPr marL="0" marR="0">
+              <a:spcBef>
+                <a:spcPts val="0"/>
+              </a:spcBef>
+              <a:spcAft>
+                <a:spcPts val="0"/>
+              </a:spcAft>
+            </a:pPr>
+            <a:endParaRPr lang="en-US" sz="1400" dirty="0">
+              <a:solidFill>
+                <a:srgbClr val="000000"/>
+              </a:solidFill>
+              <a:effectLst/>
+            </a:endParaRPr>
+          </a:p>
+          <a:p>
+            <a:pPr marL="0" marR="0">
+              <a:spcBef>
+                <a:spcPts val="0"/>
+              </a:spcBef>
+              <a:spcAft>
+                <a:spcPts val="0"/>
+              </a:spcAft>
+            </a:pPr>
             <a:r>
               <a:rPr lang="en-US" sz="1400" dirty="0" err="1">
                 <a:solidFill>
+                  <a:srgbClr val="000000"/>
+                </a:solidFill>
+                <a:effectLst/>
+              </a:rPr>
+              <a:t>WebElement</a:t>
+            </a:r>
+            <a:r>
+              <a:rPr lang="en-US" sz="1400" dirty="0">
+                <a:solidFill>
+                  <a:srgbClr val="000000"/>
+                </a:solidFill>
+                <a:effectLst/>
+              </a:rPr>
+              <a:t> </a:t>
+            </a:r>
+            <a:r>
+              <a:rPr lang="en-US" sz="1400" dirty="0">
+                <a:solidFill>
                   <a:srgbClr val="6A3E3E"/>
                 </a:solidFill>
                 <a:effectLst/>
               </a:rPr>
+              <a:t>draggable</a:t>
+            </a:r>
+            <a:r>
+              <a:rPr lang="en-US" sz="1400" dirty="0">
+                <a:solidFill>
+                  <a:srgbClr val="000000"/>
+                </a:solidFill>
+                <a:effectLst/>
+              </a:rPr>
+              <a:t> = </a:t>
+            </a:r>
+            <a:r>
+              <a:rPr lang="en-US" sz="1400" dirty="0" err="1">
+                <a:solidFill>
+                  <a:srgbClr val="0000C0"/>
+                </a:solidFill>
+                <a:effectLst/>
+              </a:rPr>
+              <a:t>driver</a:t>
+            </a:r>
+            <a:r>
+              <a:rPr lang="en-US" sz="1400" dirty="0" err="1">
+                <a:solidFill>
+                  <a:srgbClr val="000000"/>
+                </a:solidFill>
+                <a:effectLst/>
+              </a:rPr>
+              <a:t>.findElement</a:t>
+            </a:r>
+            <a:r>
+              <a:rPr lang="en-US" sz="1400" dirty="0">
+                <a:solidFill>
+                  <a:srgbClr val="000000"/>
+                </a:solidFill>
+                <a:effectLst/>
+              </a:rPr>
+              <a:t>(</a:t>
+            </a:r>
+            <a:r>
+              <a:rPr lang="en-US" sz="1400" dirty="0" err="1">
+                <a:solidFill>
+                  <a:srgbClr val="000000"/>
+                </a:solidFill>
+                <a:effectLst/>
+              </a:rPr>
+              <a:t>By.</a:t>
+            </a:r>
+            <a:r>
+              <a:rPr lang="en-US" sz="1400" i="1" dirty="0" err="1">
+                <a:solidFill>
+                  <a:srgbClr val="000000"/>
+                </a:solidFill>
+                <a:effectLst/>
+              </a:rPr>
+              <a:t>xpath</a:t>
+            </a:r>
+            <a:r>
+              <a:rPr lang="en-US" sz="1400" dirty="0">
+                <a:solidFill>
+                  <a:srgbClr val="000000"/>
+                </a:solidFill>
+                <a:effectLst/>
+              </a:rPr>
+              <a:t>("//div[@id='draggable']"));</a:t>
+            </a:r>
+          </a:p>
+          <a:p>
+            <a:pPr marL="0" marR="0">
+              <a:spcBef>
+                <a:spcPts val="0"/>
+              </a:spcBef>
+              <a:spcAft>
+                <a:spcPts val="0"/>
+              </a:spcAft>
+            </a:pPr>
+            <a:r>
+              <a:rPr lang="en-US" sz="1400" dirty="0" err="1">
+                <a:solidFill>
+                  <a:srgbClr val="000000"/>
+                </a:solidFill>
+              </a:rPr>
+              <a:t>WebElement</a:t>
+            </a:r>
+            <a:r>
+              <a:rPr lang="en-US" sz="1400" dirty="0">
+                <a:solidFill>
+                  <a:srgbClr val="000000"/>
+                </a:solidFill>
+              </a:rPr>
+              <a:t> droppable = </a:t>
+            </a:r>
+            <a:r>
+              <a:rPr lang="en-US" sz="1400" dirty="0" err="1">
+                <a:solidFill>
+                  <a:srgbClr val="0000C0"/>
+                </a:solidFill>
+                <a:effectLst/>
+              </a:rPr>
+              <a:t>driver</a:t>
+            </a:r>
+            <a:r>
+              <a:rPr lang="en-US" sz="1400" dirty="0" err="1">
+                <a:solidFill>
+                  <a:srgbClr val="000000"/>
+                </a:solidFill>
+                <a:effectLst/>
+              </a:rPr>
+              <a:t>.findElement</a:t>
+            </a:r>
+            <a:r>
+              <a:rPr lang="en-US" sz="1400" dirty="0">
+                <a:solidFill>
+                  <a:srgbClr val="000000"/>
+                </a:solidFill>
+                <a:effectLst/>
+              </a:rPr>
+              <a:t>(</a:t>
+            </a:r>
+            <a:r>
+              <a:rPr lang="en-US" sz="1400" dirty="0" err="1">
+                <a:solidFill>
+                  <a:srgbClr val="000000"/>
+                </a:solidFill>
+                <a:effectLst/>
+              </a:rPr>
+              <a:t>By.</a:t>
+            </a:r>
+            <a:r>
+              <a:rPr lang="en-US" sz="1400" i="1" dirty="0" err="1">
+                <a:solidFill>
+                  <a:srgbClr val="000000"/>
+                </a:solidFill>
+                <a:effectLst/>
+              </a:rPr>
+              <a:t>xpath</a:t>
+            </a:r>
+            <a:r>
+              <a:rPr lang="en-US" sz="1400" dirty="0">
+                <a:solidFill>
+                  <a:srgbClr val="000000"/>
+                </a:solidFill>
+                <a:effectLst/>
+              </a:rPr>
+              <a:t>("//div[@id='droppable']"))</a:t>
+            </a:r>
+            <a:r>
+              <a:rPr lang="en-US" sz="1400" dirty="0">
+                <a:solidFill>
+                  <a:srgbClr val="000000"/>
+                </a:solidFill>
+              </a:rPr>
+              <a:t>;</a:t>
+            </a:r>
+            <a:endParaRPr lang="en-US" sz="1400" dirty="0">
+              <a:solidFill>
+                <a:srgbClr val="000000"/>
+              </a:solidFill>
+              <a:effectLst/>
+            </a:endParaRPr>
+          </a:p>
+          <a:p>
+            <a:pPr marL="0" marR="0">
+              <a:spcBef>
+                <a:spcPts val="0"/>
+              </a:spcBef>
+              <a:spcAft>
+                <a:spcPts val="0"/>
+              </a:spcAft>
+            </a:pPr>
+            <a:r>
+              <a:rPr lang="en-US" sz="1400" dirty="0" err="1">
+                <a:solidFill>
+                  <a:srgbClr val="6A3E3E"/>
+                </a:solidFill>
+                <a:effectLst/>
+              </a:rPr>
               <a:t>a</a:t>
             </a:r>
             <a:r>
@@ -36251,52 +36456,15 @@
                 </a:solidFill>
                 <a:effectLst/>
               </a:rPr>
-              <a:t>, </a:t>
-            </a:r>
-            <a:r>
-              <a:rPr lang="en-US" sz="1400" dirty="0" err="1">
-                <a:solidFill>
-                  <a:srgbClr val="0000C0"/>
-                </a:solidFill>
-                <a:effectLst/>
-              </a:rPr>
-              <a:t>driver</a:t>
-            </a:r>
-            <a:r>
-              <a:rPr lang="en-US" sz="1400" dirty="0" err="1">
-                <a:solidFill>
-                  <a:srgbClr val="000000"/>
-                </a:solidFill>
-                <a:effectLst/>
-              </a:rPr>
-              <a:t>.findElement</a:t>
+              <a:t>,</a:t>
             </a:r>
             <a:r>
               <a:rPr lang="en-US" sz="1400" dirty="0">
                 <a:solidFill>
                   <a:srgbClr val="000000"/>
                 </a:solidFill>
-                <a:effectLst/>
-              </a:rPr>
-              <a:t>(</a:t>
-            </a:r>
-            <a:r>
-              <a:rPr lang="en-US" sz="1400" dirty="0" err="1">
-                <a:solidFill>
-                  <a:srgbClr val="000000"/>
-                </a:solidFill>
-                <a:effectLst/>
-              </a:rPr>
-              <a:t>By.</a:t>
-            </a:r>
-            <a:r>
-              <a:rPr lang="en-US" sz="1400" i="1" dirty="0" err="1">
-                <a:solidFill>
-                  <a:srgbClr val="000000"/>
-                </a:solidFill>
-                <a:effectLst/>
-              </a:rPr>
-              <a:t>xpath</a:t>
+              </a:rPr>
+              <a:t> droppable</a:t>
             </a:r>
             <a:r>
               <a:rPr lang="en-US" sz="1400" dirty="0">
@@ -36305,8 +36473,23 @@
                 </a:solidFill>
                 <a:effectLst/>
               </a:rPr>
-              <a:t>("//div[@id='droppable']"))).build().perform();</a:t>
-            </a:r>
+              <a:t>).build().perform();</a:t>
+            </a:r>
+          </a:p>
+          <a:p>
+            <a:pPr marL="0" marR="0">
+              <a:spcBef>
+                <a:spcPts val="0"/>
+              </a:spcBef>
+              <a:spcAft>
+                <a:spcPts val="0"/>
+              </a:spcAft>
+            </a:pPr>
+            <a:endParaRPr lang="en-US" sz="1400" dirty="0">
+              <a:solidFill>
+                <a:srgbClr val="000000"/>
+              </a:solidFill>
+            </a:endParaRPr>
           </a:p>
         </p:txBody>
       </p:sp>
@@ -36451,7 +36634,16 @@
                 </a:solidFill>
                 <a:effectLst/>
               </a:rPr>
-              <a:t>(20));</a:t>
+              <a:t>(2));  all </a:t>
+            </a:r>
+            <a:r>
+              <a:rPr lang="en-IN" sz="1800" dirty="0" err="1">
+                <a:solidFill>
+                  <a:srgbClr val="000000"/>
+                </a:solidFill>
+                <a:effectLst/>
+              </a:rPr>
+              <a:t>webelement</a:t>
             </a:r>
             <a:endParaRPr lang="en-IN" dirty="0"/>
           </a:p>
@@ -36472,7 +36664,7 @@
         <p:spPr>
           <a:xfrm>
             <a:off x="385482" y="1850776"/>
-            <a:ext cx="10578352" cy="1754326"/>
+            <a:ext cx="10578352" cy="2031325"/>
           </a:xfrm>
           <a:prstGeom prst="rect">
             <a:avLst/>
@@ -36606,7 +36798,7 @@
                   <a:srgbClr val="000000"/>
                 </a:solidFill>
               </a:rPr>
-              <a:t>("(//input[@type='submit'])[4]"));</a:t>
+              <a:t>("(//input[@type='submit'])[4]")); </a:t>
             </a:r>
           </a:p>
           <a:p>
@@ -36652,7 +36844,25 @@
             </a:r>
           </a:p>
           <a:p>
-            <a:endParaRPr lang="en-IN" dirty="0"/>
+            <a:pPr marL="0" marR="0">
+              <a:spcBef>
+                <a:spcPts val="0"/>
+              </a:spcBef>
+              <a:spcAft>
+                <a:spcPts val="0"/>
+              </a:spcAft>
+            </a:pPr>
+            <a:endParaRPr lang="en-IN" dirty="0">
+              <a:solidFill>
+                <a:srgbClr val="000000"/>
+              </a:solidFill>
+            </a:endParaRPr>
+          </a:p>
+          <a:p>
+            <a:r>
+              <a:rPr lang="en-IN" dirty="0"/>
+              <a:t>Selected web element</a:t>
+            </a:r>
           </a:p>
         </p:txBody>
       </p:sp>
@@ -36920,7 +37130,7 @@
                 </a:solidFill>
                 <a:effectLst/>
               </a:rPr>
-              <a:t>(5));</a:t>
+              <a:t>(2));</a:t>
             </a:r>
           </a:p>
           <a:p>
@@ -36973,7 +37183,7 @@
           <p:nvPr>
             <p:extLst>
               <p:ext uri="{D42A27DB-BD31-4B8C-83A1-F6EECF244321}">
-                <p14:modId xmlns:p14="http://schemas.microsoft.com/office/powerpoint/2010/main" val="3622879084"/>
+                <p14:modId xmlns:p14="http://schemas.microsoft.com/office/powerpoint/2010/main" val="1306380759"/>
               </p:ext>
             </p:extLst>
           </p:nvPr>
@@ -37619,7 +37829,7 @@
                     <a:lstStyle/>
                     <a:p>
                       <a:r>
-                        <a:rPr lang="en-IN" sz="1200"/>
+                        <a:rPr lang="en-IN" sz="1200" dirty="0"/>
                         <a:t>@AfterGroups</a:t>
                       </a:r>
                     </a:p>
@@ -37677,6 +37887,50 @@
           </a:graphicData>
         </a:graphic>
       </p:graphicFrame>
+      <p:sp>
+        <p:nvSpPr>
+          <p:cNvPr id="4" name="TextBox 3">
+            <a:extLst>
+              <a:ext uri="{FF2B5EF4-FFF2-40B4-BE49-F238E27FC236}">
+                <a16:creationId xmlns:a16="http://schemas.microsoft.com/office/drawing/2014/main" id="{ED2355B1-8C51-AAB4-F459-EE2D8649F9A8}"/>
+              </a:ext>
+            </a:extLst>
+          </p:cNvPr>
+          <p:cNvSpPr txBox="1"/>
+          <p:nvPr/>
+        </p:nvSpPr>
+        <p:spPr>
+          <a:xfrm>
+            <a:off x="1222859" y="5539167"/>
+            <a:ext cx="6096000" cy="646331"/>
+          </a:xfrm>
+          <a:prstGeom prst="rect">
+            <a:avLst/>
+          </a:prstGeom>
+          <a:noFill/>
+        </p:spPr>
+        <p:txBody>
+          <a:bodyPr wrap="square">
+            <a:spAutoFit/>
+          </a:bodyPr>
+          <a:lstStyle/>
+          <a:p>
+            <a:r>
+              <a:rPr lang="en-IN" sz="1200" dirty="0"/>
+              <a:t>@Parameteres, @depends on, group, enable, @dataprovider,</a:t>
+            </a:r>
+          </a:p>
+          <a:p>
+            <a:endParaRPr lang="en-IN" sz="1200" dirty="0"/>
+          </a:p>
+          <a:p>
+            <a:r>
+              <a:rPr lang="en-IN" sz="1200" dirty="0"/>
+              <a:t>Parallel execution</a:t>
+            </a:r>
+          </a:p>
+        </p:txBody>
+      </p:sp>
     </p:spTree>
     <p:extLst>
       <p:ext uri="{BB962C8B-B14F-4D97-AF65-F5344CB8AC3E}">
@@ -37709,20 +37963,20 @@
       </p:grpSpPr>
       <p:sp>
         <p:nvSpPr>
-          <p:cNvPr id="2" name="Rectangle 1">
+          <p:cNvPr id="3" name="TextBox 2">
             <a:extLst>
               <a:ext uri="{FF2B5EF4-FFF2-40B4-BE49-F238E27FC236}">
-                <a16:creationId xmlns:a16="http://schemas.microsoft.com/office/drawing/2014/main" id="{ECB21C35-D191-8AA6-BF9B-DB5370210A6C}"/>
+                <a16:creationId xmlns:a16="http://schemas.microsoft.com/office/drawing/2014/main" id="{D34D1B19-26FD-3CE9-8D51-C8C48A136CE7}"/>
               </a:ext>
             </a:extLst>
           </p:cNvPr>
-          <p:cNvSpPr/>
+          <p:cNvSpPr txBox="1"/>
           <p:nvPr/>
         </p:nvSpPr>
         <p:spPr>
           <a:xfrm>
-            <a:off x="1004612" y="860902"/>
-            <a:ext cx="11032828" cy="4093428"/>
+            <a:off x="1658470" y="89980"/>
+            <a:ext cx="6096000" cy="7478970"/>
           </a:xfrm>
           <a:prstGeom prst="rect">
             <a:avLst/>
@@ -37730,144 +37984,3250 @@
           <a:noFill/>
         </p:spPr>
         <p:txBody>
-          <a:bodyPr wrap="none" lIns="91440" tIns="45720" rIns="91440" bIns="45720">
+          <a:bodyPr wrap="square">
             <a:spAutoFit/>
           </a:bodyPr>
           <a:lstStyle/>
           <a:p>
-            <a:r>
-              <a:rPr lang="en-US" b="1" dirty="0"/>
-              <a:t>What are Selenium Frameworks?</a:t>
-            </a:r>
-          </a:p>
-          <a:p>
-            <a:endParaRPr lang="en-US" sz="1400" b="1" dirty="0"/>
-          </a:p>
-          <a:p>
-            <a:endParaRPr lang="en-US" sz="1400" b="1" dirty="0"/>
-          </a:p>
-          <a:p>
-            <a:pPr marL="285750" indent="-285750">
-              <a:buFont typeface="Arial" panose="020B0604020202020204" pitchFamily="34" charset="0"/>
-              <a:buChar char="•"/>
-            </a:pPr>
-            <a:r>
-              <a:rPr lang="en-US" sz="1400" dirty="0"/>
-              <a:t>The </a:t>
-            </a:r>
-            <a:r>
-              <a:rPr lang="en-US" sz="1400" b="1" dirty="0">
-                <a:hlinkClick r:id="rId2"/>
-              </a:rPr>
-              <a:t>Selenium Framework</a:t>
-            </a:r>
-            <a:r>
-              <a:rPr lang="en-US" sz="1400" dirty="0"/>
-              <a:t> is a coding framework that simplifies and streamlines the process of code maintenance. </a:t>
-            </a:r>
-          </a:p>
-          <a:p>
-            <a:endParaRPr lang="en-US" sz="1400" dirty="0"/>
-          </a:p>
-          <a:p>
-            <a:pPr marL="285750" indent="-285750">
-              <a:buFont typeface="Arial" panose="020B0604020202020204" pitchFamily="34" charset="0"/>
-              <a:buChar char="•"/>
-            </a:pPr>
-            <a:r>
-              <a:rPr lang="en-US" sz="1400" dirty="0"/>
-              <a:t>Users may store “code” and “data” in the same area if frameworks are not used, making the code and data neither reusable nor understandable. </a:t>
-            </a:r>
-          </a:p>
-          <a:p>
-            <a:endParaRPr lang="en-US" sz="1400" dirty="0"/>
-          </a:p>
-          <a:p>
-            <a:pPr marL="285750" indent="-285750">
-              <a:buFont typeface="Arial" panose="020B0604020202020204" pitchFamily="34" charset="0"/>
-              <a:buChar char="•"/>
-            </a:pPr>
-            <a:r>
-              <a:rPr lang="en-US" sz="1400" dirty="0"/>
-              <a:t>In addition to producing desirable effects such as greater code reusability, increased portability, decreased script maintenance cost, </a:t>
-            </a:r>
-          </a:p>
-          <a:p>
-            <a:r>
-              <a:rPr lang="en-US" sz="1400" dirty="0"/>
-              <a:t>       and improved code readability, frameworks can cause negative consequences.</a:t>
-            </a:r>
-          </a:p>
-          <a:p>
-            <a:endParaRPr lang="en-US" sz="1400" dirty="0"/>
-          </a:p>
-          <a:p>
-            <a:endParaRPr lang="en-US" sz="1400" dirty="0"/>
-          </a:p>
-          <a:p>
-            <a:r>
-              <a:rPr lang="en-US" b="1" dirty="0"/>
-              <a:t>Types</a:t>
-            </a:r>
-            <a:r>
-              <a:rPr lang="en-US" sz="1400" dirty="0"/>
-              <a:t>:</a:t>
-            </a:r>
-          </a:p>
-          <a:p>
-            <a:endParaRPr lang="en-US" sz="1400" dirty="0"/>
-          </a:p>
-          <a:p>
-            <a:pPr marL="342900" indent="-342900">
-              <a:buFont typeface="+mj-lt"/>
-              <a:buAutoNum type="arabicPeriod"/>
-            </a:pPr>
-            <a:r>
-              <a:rPr lang="en-IN" sz="1400" dirty="0"/>
-              <a:t>Data-driven Framework</a:t>
-            </a:r>
-          </a:p>
-          <a:p>
-            <a:pPr marL="342900" indent="-342900">
-              <a:buFont typeface="+mj-lt"/>
-              <a:buAutoNum type="arabicPeriod"/>
-            </a:pPr>
-            <a:endParaRPr lang="en-US" sz="1400" dirty="0"/>
-          </a:p>
-          <a:p>
-            <a:pPr marL="342900" indent="-342900">
-              <a:buFont typeface="+mj-lt"/>
-              <a:buAutoNum type="arabicPeriod"/>
-            </a:pPr>
-            <a:r>
-              <a:rPr lang="en-IN" sz="1400" dirty="0"/>
-              <a:t>Keyword Driven Testing Framework</a:t>
-            </a:r>
-          </a:p>
-          <a:p>
-            <a:pPr marL="342900" indent="-342900">
-              <a:buFont typeface="+mj-lt"/>
-              <a:buAutoNum type="arabicPeriod"/>
-            </a:pPr>
-            <a:endParaRPr lang="en-US" sz="1400" dirty="0"/>
-          </a:p>
-          <a:p>
-            <a:pPr marL="342900" indent="-342900">
-              <a:buFont typeface="+mj-lt"/>
-              <a:buAutoNum type="arabicPeriod"/>
-            </a:pPr>
-            <a:r>
-              <a:rPr lang="en-IN" sz="1400" dirty="0"/>
-              <a:t>Hybrid Driven Testing Framework</a:t>
-            </a:r>
-            <a:endParaRPr lang="en-US" sz="1400" dirty="0"/>
+            <a:pPr marL="0" marR="0">
+              <a:spcBef>
+                <a:spcPts val="0"/>
+              </a:spcBef>
+              <a:spcAft>
+                <a:spcPts val="0"/>
+              </a:spcAft>
+            </a:pPr>
+            <a:r>
+              <a:rPr lang="en-IN" sz="1000" b="1" dirty="0">
+                <a:solidFill>
+                  <a:srgbClr val="000000"/>
+                </a:solidFill>
+                <a:effectLst/>
+                <a:latin typeface="Courier New" panose="02070309020205020404" pitchFamily="49" charset="0"/>
+              </a:rPr>
+              <a:t>package</a:t>
+            </a:r>
+            <a:r>
+              <a:rPr lang="en-IN" sz="1000" dirty="0">
+                <a:solidFill>
+                  <a:srgbClr val="000000"/>
+                </a:solidFill>
+                <a:effectLst/>
+                <a:latin typeface="Courier New" panose="02070309020205020404" pitchFamily="49" charset="0"/>
+              </a:rPr>
+              <a:t> Tests;</a:t>
+            </a:r>
+          </a:p>
+          <a:p>
+            <a:pPr marL="0" marR="0">
+              <a:spcAft>
+                <a:spcPts val="0"/>
+              </a:spcAft>
+            </a:pPr>
+            <a:r>
+              <a:rPr lang="en-IN" sz="1000" b="1" dirty="0">
+                <a:solidFill>
+                  <a:srgbClr val="000000"/>
+                </a:solidFill>
+                <a:effectLst/>
+                <a:latin typeface="Courier New" panose="02070309020205020404" pitchFamily="49" charset="0"/>
+              </a:rPr>
+              <a:t>public</a:t>
+            </a:r>
+            <a:r>
+              <a:rPr lang="en-IN" sz="1000" dirty="0">
+                <a:solidFill>
+                  <a:srgbClr val="000000"/>
+                </a:solidFill>
+                <a:effectLst/>
+                <a:latin typeface="Courier New" panose="02070309020205020404" pitchFamily="49" charset="0"/>
+              </a:rPr>
+              <a:t> </a:t>
+            </a:r>
+            <a:r>
+              <a:rPr lang="en-IN" sz="1000" b="1" dirty="0">
+                <a:solidFill>
+                  <a:srgbClr val="000000"/>
+                </a:solidFill>
+                <a:effectLst/>
+                <a:latin typeface="Courier New" panose="02070309020205020404" pitchFamily="49" charset="0"/>
+              </a:rPr>
+              <a:t>class</a:t>
+            </a:r>
+            <a:r>
+              <a:rPr lang="en-IN" sz="1000" dirty="0">
+                <a:solidFill>
+                  <a:srgbClr val="000000"/>
+                </a:solidFill>
+                <a:effectLst/>
+                <a:latin typeface="Courier New" panose="02070309020205020404" pitchFamily="49" charset="0"/>
+              </a:rPr>
+              <a:t> </a:t>
+            </a:r>
+            <a:r>
+              <a:rPr lang="en-IN" sz="1000" dirty="0" err="1">
+                <a:solidFill>
+                  <a:srgbClr val="000000"/>
+                </a:solidFill>
+                <a:effectLst/>
+                <a:latin typeface="Courier New" panose="02070309020205020404" pitchFamily="49" charset="0"/>
+              </a:rPr>
+              <a:t>TestNGDemo</a:t>
+            </a:r>
+            <a:r>
+              <a:rPr lang="en-IN" sz="1000" dirty="0">
+                <a:solidFill>
+                  <a:srgbClr val="000000"/>
+                </a:solidFill>
+                <a:effectLst/>
+                <a:latin typeface="Courier New" panose="02070309020205020404" pitchFamily="49" charset="0"/>
+              </a:rPr>
+              <a:t> {</a:t>
+            </a:r>
+          </a:p>
+          <a:p>
+            <a:pPr marL="0" marR="0">
+              <a:spcBef>
+                <a:spcPts val="0"/>
+              </a:spcBef>
+              <a:spcAft>
+                <a:spcPts val="0"/>
+              </a:spcAft>
+            </a:pPr>
+            <a:r>
+              <a:rPr lang="en-IN" sz="1000" dirty="0">
+                <a:solidFill>
+                  <a:srgbClr val="646464"/>
+                </a:solidFill>
+                <a:effectLst/>
+                <a:latin typeface="Courier New" panose="02070309020205020404" pitchFamily="49" charset="0"/>
+              </a:rPr>
+              <a:t>@</a:t>
+            </a:r>
+            <a:r>
+              <a:rPr lang="en-IN" sz="1000" dirty="0">
+                <a:solidFill>
+                  <a:srgbClr val="000000"/>
+                </a:solidFill>
+                <a:effectLst/>
+                <a:latin typeface="Courier New" panose="02070309020205020404" pitchFamily="49" charset="0"/>
+              </a:rPr>
+              <a:t>org.testng.annotations.</a:t>
+            </a:r>
+            <a:r>
+              <a:rPr lang="en-IN" sz="1000" dirty="0">
+                <a:solidFill>
+                  <a:srgbClr val="646464"/>
+                </a:solidFill>
+                <a:effectLst/>
+                <a:latin typeface="Courier New" panose="02070309020205020404" pitchFamily="49" charset="0"/>
+              </a:rPr>
+              <a:t>AfterSuite</a:t>
+            </a:r>
+            <a:endParaRPr lang="en-IN" sz="1000" dirty="0">
+              <a:solidFill>
+                <a:srgbClr val="000000"/>
+              </a:solidFill>
+              <a:effectLst/>
+              <a:latin typeface="Courier New" panose="02070309020205020404" pitchFamily="49" charset="0"/>
+            </a:endParaRPr>
+          </a:p>
+          <a:p>
+            <a:pPr marL="0" marR="0">
+              <a:spcBef>
+                <a:spcPts val="0"/>
+              </a:spcBef>
+              <a:spcAft>
+                <a:spcPts val="0"/>
+              </a:spcAft>
+            </a:pPr>
+            <a:r>
+              <a:rPr lang="en-IN" sz="1000" b="1" dirty="0">
+                <a:solidFill>
+                  <a:srgbClr val="000000"/>
+                </a:solidFill>
+                <a:effectLst/>
+                <a:latin typeface="Courier New" panose="02070309020205020404" pitchFamily="49" charset="0"/>
+              </a:rPr>
+              <a:t>public</a:t>
+            </a:r>
+            <a:r>
+              <a:rPr lang="en-IN" sz="1000" dirty="0">
+                <a:solidFill>
+                  <a:srgbClr val="000000"/>
+                </a:solidFill>
+                <a:effectLst/>
+                <a:latin typeface="Courier New" panose="02070309020205020404" pitchFamily="49" charset="0"/>
+              </a:rPr>
+              <a:t> </a:t>
+            </a:r>
+            <a:r>
+              <a:rPr lang="en-IN" sz="1000" b="1" dirty="0">
+                <a:solidFill>
+                  <a:srgbClr val="000000"/>
+                </a:solidFill>
+                <a:effectLst/>
+                <a:latin typeface="Courier New" panose="02070309020205020404" pitchFamily="49" charset="0"/>
+              </a:rPr>
+              <a:t>void</a:t>
+            </a:r>
+            <a:r>
+              <a:rPr lang="en-IN" sz="1000" dirty="0">
+                <a:solidFill>
+                  <a:srgbClr val="000000"/>
+                </a:solidFill>
+                <a:effectLst/>
+                <a:latin typeface="Courier New" panose="02070309020205020404" pitchFamily="49" charset="0"/>
+              </a:rPr>
+              <a:t> </a:t>
+            </a:r>
+            <a:r>
+              <a:rPr lang="en-IN" sz="1000" dirty="0" err="1">
+                <a:solidFill>
+                  <a:srgbClr val="000000"/>
+                </a:solidFill>
+                <a:effectLst/>
+                <a:latin typeface="Courier New" panose="02070309020205020404" pitchFamily="49" charset="0"/>
+              </a:rPr>
+              <a:t>AfterSuite</a:t>
+            </a:r>
+            <a:r>
+              <a:rPr lang="en-IN" sz="1000" dirty="0">
+                <a:solidFill>
+                  <a:srgbClr val="000000"/>
+                </a:solidFill>
+                <a:effectLst/>
+                <a:latin typeface="Courier New" panose="02070309020205020404" pitchFamily="49" charset="0"/>
+              </a:rPr>
+              <a:t>() {</a:t>
+            </a:r>
+          </a:p>
+          <a:p>
+            <a:pPr marL="0" marR="0">
+              <a:spcBef>
+                <a:spcPts val="0"/>
+              </a:spcBef>
+              <a:spcAft>
+                <a:spcPts val="0"/>
+              </a:spcAft>
+            </a:pPr>
+            <a:r>
+              <a:rPr lang="en-IN" sz="1000" dirty="0" err="1">
+                <a:solidFill>
+                  <a:srgbClr val="000000"/>
+                </a:solidFill>
+                <a:effectLst/>
+                <a:latin typeface="Courier New" panose="02070309020205020404" pitchFamily="49" charset="0"/>
+              </a:rPr>
+              <a:t>System.</a:t>
+            </a:r>
+            <a:r>
+              <a:rPr lang="en-IN" sz="1000" b="1" i="1" dirty="0" err="1">
+                <a:solidFill>
+                  <a:srgbClr val="0000C0"/>
+                </a:solidFill>
+                <a:effectLst/>
+                <a:latin typeface="Courier New" panose="02070309020205020404" pitchFamily="49" charset="0"/>
+              </a:rPr>
+              <a:t>out</a:t>
+            </a:r>
+            <a:r>
+              <a:rPr lang="en-IN" sz="1000" dirty="0" err="1">
+                <a:solidFill>
+                  <a:srgbClr val="000000"/>
+                </a:solidFill>
+                <a:effectLst/>
+                <a:latin typeface="Courier New" panose="02070309020205020404" pitchFamily="49" charset="0"/>
+              </a:rPr>
+              <a:t>.println</a:t>
+            </a:r>
+            <a:r>
+              <a:rPr lang="en-IN" sz="1000" dirty="0">
+                <a:solidFill>
+                  <a:srgbClr val="000000"/>
+                </a:solidFill>
+                <a:effectLst/>
+                <a:latin typeface="Courier New" panose="02070309020205020404" pitchFamily="49" charset="0"/>
+              </a:rPr>
+              <a:t>("Inside After Suite");</a:t>
+            </a:r>
+          </a:p>
+          <a:p>
+            <a:pPr marL="0" marR="0">
+              <a:spcBef>
+                <a:spcPts val="0"/>
+              </a:spcBef>
+              <a:spcAft>
+                <a:spcPts val="0"/>
+              </a:spcAft>
+            </a:pPr>
+            <a:r>
+              <a:rPr lang="en-IN" sz="1000" dirty="0">
+                <a:solidFill>
+                  <a:srgbClr val="000000"/>
+                </a:solidFill>
+                <a:effectLst/>
+                <a:latin typeface="Courier New" panose="02070309020205020404" pitchFamily="49" charset="0"/>
+              </a:rPr>
+              <a:t>}</a:t>
+            </a:r>
+          </a:p>
+          <a:p>
+            <a:pPr marL="0" marR="0">
+              <a:spcBef>
+                <a:spcPts val="0"/>
+              </a:spcBef>
+              <a:spcAft>
+                <a:spcPts val="0"/>
+              </a:spcAft>
+            </a:pPr>
+            <a:endParaRPr lang="en-IN" sz="1000" dirty="0">
+              <a:solidFill>
+                <a:srgbClr val="000000"/>
+              </a:solidFill>
+              <a:effectLst/>
+              <a:latin typeface="Courier New" panose="02070309020205020404" pitchFamily="49" charset="0"/>
+            </a:endParaRPr>
+          </a:p>
+          <a:p>
+            <a:pPr marL="0" marR="0">
+              <a:spcBef>
+                <a:spcPts val="0"/>
+              </a:spcBef>
+              <a:spcAft>
+                <a:spcPts val="0"/>
+              </a:spcAft>
+            </a:pPr>
+            <a:r>
+              <a:rPr lang="en-IN" sz="1000" dirty="0">
+                <a:solidFill>
+                  <a:srgbClr val="646464"/>
+                </a:solidFill>
+                <a:effectLst/>
+                <a:latin typeface="Courier New" panose="02070309020205020404" pitchFamily="49" charset="0"/>
+              </a:rPr>
+              <a:t>@Test</a:t>
+            </a:r>
+            <a:r>
+              <a:rPr lang="en-IN" sz="1000" dirty="0">
+                <a:solidFill>
+                  <a:srgbClr val="000000"/>
+                </a:solidFill>
+                <a:effectLst/>
+                <a:latin typeface="Courier New" panose="02070309020205020404" pitchFamily="49" charset="0"/>
+              </a:rPr>
+              <a:t>(groups = {"smoke"})</a:t>
+            </a:r>
+          </a:p>
+          <a:p>
+            <a:pPr marL="0" marR="0">
+              <a:spcAft>
+                <a:spcPts val="0"/>
+              </a:spcAft>
+            </a:pPr>
+            <a:r>
+              <a:rPr lang="en-IN" sz="1000" b="1" dirty="0">
+                <a:solidFill>
+                  <a:srgbClr val="000000"/>
+                </a:solidFill>
+                <a:effectLst/>
+                <a:latin typeface="Courier New" panose="02070309020205020404" pitchFamily="49" charset="0"/>
+              </a:rPr>
+              <a:t>public</a:t>
+            </a:r>
+            <a:r>
+              <a:rPr lang="en-IN" sz="1000" dirty="0">
+                <a:solidFill>
+                  <a:srgbClr val="000000"/>
+                </a:solidFill>
+                <a:effectLst/>
+                <a:latin typeface="Courier New" panose="02070309020205020404" pitchFamily="49" charset="0"/>
+              </a:rPr>
+              <a:t> </a:t>
+            </a:r>
+            <a:r>
+              <a:rPr lang="en-IN" sz="1000" b="1" dirty="0">
+                <a:solidFill>
+                  <a:srgbClr val="000000"/>
+                </a:solidFill>
+                <a:effectLst/>
+                <a:latin typeface="Courier New" panose="02070309020205020404" pitchFamily="49" charset="0"/>
+              </a:rPr>
+              <a:t>void</a:t>
+            </a:r>
+            <a:r>
+              <a:rPr lang="en-IN" sz="1000" dirty="0">
+                <a:solidFill>
+                  <a:srgbClr val="000000"/>
+                </a:solidFill>
+                <a:effectLst/>
+                <a:latin typeface="Courier New" panose="02070309020205020404" pitchFamily="49" charset="0"/>
+              </a:rPr>
+              <a:t> </a:t>
+            </a:r>
+            <a:r>
+              <a:rPr lang="en-IN" sz="1000" dirty="0" err="1">
+                <a:solidFill>
+                  <a:srgbClr val="000000"/>
+                </a:solidFill>
+                <a:effectLst/>
+                <a:latin typeface="Courier New" panose="02070309020205020404" pitchFamily="49" charset="0"/>
+              </a:rPr>
+              <a:t>TestRun</a:t>
+            </a:r>
+            <a:r>
+              <a:rPr lang="en-IN" sz="1000" dirty="0">
+                <a:solidFill>
+                  <a:srgbClr val="000000"/>
+                </a:solidFill>
+                <a:effectLst/>
+                <a:latin typeface="Courier New" panose="02070309020205020404" pitchFamily="49" charset="0"/>
+              </a:rPr>
+              <a:t>() {</a:t>
+            </a:r>
+          </a:p>
+          <a:p>
+            <a:pPr marL="0" marR="0">
+              <a:spcBef>
+                <a:spcPts val="0"/>
+              </a:spcBef>
+              <a:spcAft>
+                <a:spcPts val="0"/>
+              </a:spcAft>
+            </a:pPr>
+            <a:r>
+              <a:rPr lang="en-IN" sz="1000" dirty="0" err="1">
+                <a:solidFill>
+                  <a:srgbClr val="000000"/>
+                </a:solidFill>
+                <a:effectLst/>
+                <a:latin typeface="Courier New" panose="02070309020205020404" pitchFamily="49" charset="0"/>
+              </a:rPr>
+              <a:t>System.</a:t>
+            </a:r>
+            <a:r>
+              <a:rPr lang="en-IN" sz="1000" b="1" i="1" dirty="0" err="1">
+                <a:solidFill>
+                  <a:srgbClr val="0000C0"/>
+                </a:solidFill>
+                <a:effectLst/>
+                <a:latin typeface="Courier New" panose="02070309020205020404" pitchFamily="49" charset="0"/>
+              </a:rPr>
+              <a:t>out</a:t>
+            </a:r>
+            <a:r>
+              <a:rPr lang="en-IN" sz="1000" dirty="0" err="1">
+                <a:solidFill>
+                  <a:srgbClr val="000000"/>
+                </a:solidFill>
+                <a:effectLst/>
+                <a:latin typeface="Courier New" panose="02070309020205020404" pitchFamily="49" charset="0"/>
+              </a:rPr>
+              <a:t>.println</a:t>
+            </a:r>
+            <a:r>
+              <a:rPr lang="en-IN" sz="1000" dirty="0">
+                <a:solidFill>
+                  <a:srgbClr val="000000"/>
+                </a:solidFill>
+                <a:effectLst/>
+                <a:latin typeface="Courier New" panose="02070309020205020404" pitchFamily="49" charset="0"/>
+              </a:rPr>
+              <a:t>("In test runner no 1");</a:t>
+            </a:r>
+          </a:p>
+          <a:p>
+            <a:pPr marL="0" marR="0">
+              <a:spcBef>
+                <a:spcPts val="0"/>
+              </a:spcBef>
+              <a:spcAft>
+                <a:spcPts val="0"/>
+              </a:spcAft>
+            </a:pPr>
+            <a:r>
+              <a:rPr lang="en-IN" sz="1000" dirty="0">
+                <a:solidFill>
+                  <a:srgbClr val="000000"/>
+                </a:solidFill>
+                <a:effectLst/>
+                <a:latin typeface="Courier New" panose="02070309020205020404" pitchFamily="49" charset="0"/>
+              </a:rPr>
+              <a:t>}</a:t>
+            </a:r>
+          </a:p>
+          <a:p>
+            <a:pPr marL="0" marR="0">
+              <a:spcBef>
+                <a:spcPts val="0"/>
+              </a:spcBef>
+              <a:spcAft>
+                <a:spcPts val="0"/>
+              </a:spcAft>
+            </a:pPr>
+            <a:r>
+              <a:rPr lang="en-IN" sz="1000" dirty="0">
+                <a:solidFill>
+                  <a:srgbClr val="646464"/>
+                </a:solidFill>
+                <a:effectLst/>
+                <a:latin typeface="Courier New" panose="02070309020205020404" pitchFamily="49" charset="0"/>
+              </a:rPr>
+              <a:t>@Test</a:t>
+            </a:r>
+            <a:r>
+              <a:rPr lang="en-IN" sz="1000" dirty="0">
+                <a:solidFill>
+                  <a:srgbClr val="000000"/>
+                </a:solidFill>
+                <a:effectLst/>
+                <a:latin typeface="Courier New" panose="02070309020205020404" pitchFamily="49" charset="0"/>
+              </a:rPr>
+              <a:t>(groups = {"regression"})</a:t>
+            </a:r>
+          </a:p>
+          <a:p>
+            <a:pPr marL="0" marR="0">
+              <a:spcAft>
+                <a:spcPts val="0"/>
+              </a:spcAft>
+            </a:pPr>
+            <a:r>
+              <a:rPr lang="en-IN" sz="1000" b="1" dirty="0">
+                <a:solidFill>
+                  <a:srgbClr val="000000"/>
+                </a:solidFill>
+                <a:effectLst/>
+                <a:latin typeface="Courier New" panose="02070309020205020404" pitchFamily="49" charset="0"/>
+              </a:rPr>
+              <a:t>public</a:t>
+            </a:r>
+            <a:r>
+              <a:rPr lang="en-IN" sz="1000" dirty="0">
+                <a:solidFill>
+                  <a:srgbClr val="000000"/>
+                </a:solidFill>
+                <a:effectLst/>
+                <a:latin typeface="Courier New" panose="02070309020205020404" pitchFamily="49" charset="0"/>
+              </a:rPr>
+              <a:t> </a:t>
+            </a:r>
+            <a:r>
+              <a:rPr lang="en-IN" sz="1000" b="1" dirty="0">
+                <a:solidFill>
+                  <a:srgbClr val="000000"/>
+                </a:solidFill>
+                <a:effectLst/>
+                <a:latin typeface="Courier New" panose="02070309020205020404" pitchFamily="49" charset="0"/>
+              </a:rPr>
+              <a:t>void</a:t>
+            </a:r>
+            <a:r>
+              <a:rPr lang="en-IN" sz="1000" dirty="0">
+                <a:solidFill>
+                  <a:srgbClr val="000000"/>
+                </a:solidFill>
+                <a:effectLst/>
+                <a:latin typeface="Courier New" panose="02070309020205020404" pitchFamily="49" charset="0"/>
+              </a:rPr>
+              <a:t> TestRun1() {</a:t>
+            </a:r>
+          </a:p>
+          <a:p>
+            <a:pPr marL="0" marR="0">
+              <a:spcBef>
+                <a:spcPts val="0"/>
+              </a:spcBef>
+              <a:spcAft>
+                <a:spcPts val="0"/>
+              </a:spcAft>
+            </a:pPr>
+            <a:r>
+              <a:rPr lang="en-IN" sz="1000" dirty="0" err="1">
+                <a:solidFill>
+                  <a:srgbClr val="000000"/>
+                </a:solidFill>
+                <a:effectLst/>
+                <a:latin typeface="Courier New" panose="02070309020205020404" pitchFamily="49" charset="0"/>
+              </a:rPr>
+              <a:t>System.</a:t>
+            </a:r>
+            <a:r>
+              <a:rPr lang="en-IN" sz="1000" b="1" i="1" dirty="0" err="1">
+                <a:solidFill>
+                  <a:srgbClr val="0000C0"/>
+                </a:solidFill>
+                <a:effectLst/>
+                <a:latin typeface="Courier New" panose="02070309020205020404" pitchFamily="49" charset="0"/>
+              </a:rPr>
+              <a:t>out</a:t>
+            </a:r>
+            <a:r>
+              <a:rPr lang="en-IN" sz="1000" dirty="0" err="1">
+                <a:solidFill>
+                  <a:srgbClr val="000000"/>
+                </a:solidFill>
+                <a:effectLst/>
+                <a:latin typeface="Courier New" panose="02070309020205020404" pitchFamily="49" charset="0"/>
+              </a:rPr>
+              <a:t>.println</a:t>
+            </a:r>
+            <a:r>
+              <a:rPr lang="en-IN" sz="1000" dirty="0">
+                <a:solidFill>
+                  <a:srgbClr val="000000"/>
+                </a:solidFill>
+                <a:effectLst/>
+                <a:latin typeface="Courier New" panose="02070309020205020404" pitchFamily="49" charset="0"/>
+              </a:rPr>
+              <a:t>("In test runner no 2");</a:t>
+            </a:r>
+          </a:p>
+          <a:p>
+            <a:pPr marL="0" marR="0">
+              <a:spcBef>
+                <a:spcPts val="0"/>
+              </a:spcBef>
+              <a:spcAft>
+                <a:spcPts val="0"/>
+              </a:spcAft>
+            </a:pPr>
+            <a:r>
+              <a:rPr lang="en-IN" sz="1000" dirty="0">
+                <a:solidFill>
+                  <a:srgbClr val="000000"/>
+                </a:solidFill>
+                <a:effectLst/>
+                <a:latin typeface="Courier New" panose="02070309020205020404" pitchFamily="49" charset="0"/>
+              </a:rPr>
+              <a:t>}</a:t>
+            </a:r>
+          </a:p>
+          <a:p>
+            <a:pPr marL="0" marR="0">
+              <a:spcBef>
+                <a:spcPts val="0"/>
+              </a:spcBef>
+              <a:spcAft>
+                <a:spcPts val="0"/>
+              </a:spcAft>
+            </a:pPr>
+            <a:r>
+              <a:rPr lang="en-IN" sz="1000" dirty="0">
+                <a:solidFill>
+                  <a:srgbClr val="646464"/>
+                </a:solidFill>
+                <a:effectLst/>
+                <a:latin typeface="Courier New" panose="02070309020205020404" pitchFamily="49" charset="0"/>
+              </a:rPr>
+              <a:t>@BeforeGroups</a:t>
+            </a:r>
+            <a:r>
+              <a:rPr lang="en-IN" sz="1000" dirty="0">
+                <a:solidFill>
+                  <a:srgbClr val="000000"/>
+                </a:solidFill>
+                <a:effectLst/>
+                <a:latin typeface="Courier New" panose="02070309020205020404" pitchFamily="49" charset="0"/>
+              </a:rPr>
+              <a:t>(groups={"regression"})</a:t>
+            </a:r>
+          </a:p>
+          <a:p>
+            <a:pPr marL="0" marR="0">
+              <a:spcBef>
+                <a:spcPts val="0"/>
+              </a:spcBef>
+              <a:spcAft>
+                <a:spcPts val="0"/>
+              </a:spcAft>
+            </a:pPr>
+            <a:r>
+              <a:rPr lang="en-IN" sz="1000" b="1" dirty="0">
+                <a:solidFill>
+                  <a:srgbClr val="000000"/>
+                </a:solidFill>
+                <a:effectLst/>
+                <a:latin typeface="Courier New" panose="02070309020205020404" pitchFamily="49" charset="0"/>
+              </a:rPr>
+              <a:t>public</a:t>
+            </a:r>
+            <a:r>
+              <a:rPr lang="en-IN" sz="1000" dirty="0">
+                <a:solidFill>
+                  <a:srgbClr val="000000"/>
+                </a:solidFill>
+                <a:effectLst/>
+                <a:latin typeface="Courier New" panose="02070309020205020404" pitchFamily="49" charset="0"/>
+              </a:rPr>
+              <a:t> </a:t>
+            </a:r>
+            <a:r>
+              <a:rPr lang="en-IN" sz="1000" b="1" dirty="0">
+                <a:solidFill>
+                  <a:srgbClr val="000000"/>
+                </a:solidFill>
+                <a:effectLst/>
+                <a:latin typeface="Courier New" panose="02070309020205020404" pitchFamily="49" charset="0"/>
+              </a:rPr>
+              <a:t>void</a:t>
+            </a:r>
+            <a:r>
+              <a:rPr lang="en-IN" sz="1000" dirty="0">
+                <a:solidFill>
+                  <a:srgbClr val="000000"/>
+                </a:solidFill>
+                <a:effectLst/>
+                <a:latin typeface="Courier New" panose="02070309020205020404" pitchFamily="49" charset="0"/>
+              </a:rPr>
+              <a:t> </a:t>
+            </a:r>
+            <a:r>
+              <a:rPr lang="en-IN" sz="1000" dirty="0" err="1">
+                <a:solidFill>
+                  <a:srgbClr val="000000"/>
+                </a:solidFill>
+                <a:effectLst/>
+                <a:latin typeface="Courier New" panose="02070309020205020404" pitchFamily="49" charset="0"/>
+              </a:rPr>
+              <a:t>beforeGroup</a:t>
+            </a:r>
+            <a:r>
+              <a:rPr lang="en-IN" sz="1000" dirty="0">
+                <a:solidFill>
+                  <a:srgbClr val="000000"/>
+                </a:solidFill>
+                <a:effectLst/>
+                <a:latin typeface="Courier New" panose="02070309020205020404" pitchFamily="49" charset="0"/>
+              </a:rPr>
+              <a:t>() {</a:t>
+            </a:r>
+          </a:p>
+          <a:p>
+            <a:pPr marL="0" marR="0">
+              <a:spcBef>
+                <a:spcPts val="0"/>
+              </a:spcBef>
+              <a:spcAft>
+                <a:spcPts val="0"/>
+              </a:spcAft>
+            </a:pPr>
+            <a:r>
+              <a:rPr lang="en-IN" sz="1000" dirty="0" err="1">
+                <a:solidFill>
+                  <a:srgbClr val="000000"/>
+                </a:solidFill>
+                <a:effectLst/>
+                <a:latin typeface="Courier New" panose="02070309020205020404" pitchFamily="49" charset="0"/>
+              </a:rPr>
+              <a:t>System.</a:t>
+            </a:r>
+            <a:r>
+              <a:rPr lang="en-IN" sz="1000" b="1" i="1" dirty="0" err="1">
+                <a:solidFill>
+                  <a:srgbClr val="0000C0"/>
+                </a:solidFill>
+                <a:effectLst/>
+                <a:latin typeface="Courier New" panose="02070309020205020404" pitchFamily="49" charset="0"/>
+              </a:rPr>
+              <a:t>out</a:t>
+            </a:r>
+            <a:r>
+              <a:rPr lang="en-IN" sz="1000" dirty="0" err="1">
+                <a:solidFill>
+                  <a:srgbClr val="000000"/>
+                </a:solidFill>
+                <a:effectLst/>
+                <a:latin typeface="Courier New" panose="02070309020205020404" pitchFamily="49" charset="0"/>
+              </a:rPr>
+              <a:t>.println</a:t>
+            </a:r>
+            <a:r>
+              <a:rPr lang="en-IN" sz="1000" dirty="0">
+                <a:solidFill>
+                  <a:srgbClr val="000000"/>
+                </a:solidFill>
+                <a:effectLst/>
+                <a:latin typeface="Courier New" panose="02070309020205020404" pitchFamily="49" charset="0"/>
+              </a:rPr>
+              <a:t>("This is inside before group");</a:t>
+            </a:r>
+          </a:p>
+          <a:p>
+            <a:pPr marL="0" marR="0">
+              <a:spcBef>
+                <a:spcPts val="0"/>
+              </a:spcBef>
+              <a:spcAft>
+                <a:spcPts val="0"/>
+              </a:spcAft>
+            </a:pPr>
+            <a:r>
+              <a:rPr lang="en-IN" sz="1000" dirty="0">
+                <a:solidFill>
+                  <a:srgbClr val="000000"/>
+                </a:solidFill>
+                <a:effectLst/>
+                <a:latin typeface="Courier New" panose="02070309020205020404" pitchFamily="49" charset="0"/>
+              </a:rPr>
+              <a:t>}</a:t>
+            </a:r>
+          </a:p>
+          <a:p>
+            <a:pPr marL="0" marR="0">
+              <a:spcBef>
+                <a:spcPts val="0"/>
+              </a:spcBef>
+              <a:spcAft>
+                <a:spcPts val="0"/>
+              </a:spcAft>
+            </a:pPr>
+            <a:r>
+              <a:rPr lang="en-IN" sz="1000" dirty="0">
+                <a:solidFill>
+                  <a:srgbClr val="646464"/>
+                </a:solidFill>
+                <a:effectLst/>
+                <a:latin typeface="Courier New" panose="02070309020205020404" pitchFamily="49" charset="0"/>
+              </a:rPr>
+              <a:t>@AfterGroups</a:t>
+            </a:r>
+            <a:r>
+              <a:rPr lang="en-IN" sz="1000" dirty="0">
+                <a:solidFill>
+                  <a:srgbClr val="000000"/>
+                </a:solidFill>
+                <a:effectLst/>
+                <a:latin typeface="Courier New" panose="02070309020205020404" pitchFamily="49" charset="0"/>
+              </a:rPr>
+              <a:t>(groups={"regression"})</a:t>
+            </a:r>
+          </a:p>
+          <a:p>
+            <a:pPr marL="0" marR="0">
+              <a:spcBef>
+                <a:spcPts val="0"/>
+              </a:spcBef>
+              <a:spcAft>
+                <a:spcPts val="0"/>
+              </a:spcAft>
+            </a:pPr>
+            <a:r>
+              <a:rPr lang="en-IN" sz="1000" b="1" dirty="0">
+                <a:solidFill>
+                  <a:srgbClr val="000000"/>
+                </a:solidFill>
+                <a:effectLst/>
+                <a:latin typeface="Courier New" panose="02070309020205020404" pitchFamily="49" charset="0"/>
+              </a:rPr>
+              <a:t>public</a:t>
+            </a:r>
+            <a:r>
+              <a:rPr lang="en-IN" sz="1000" dirty="0">
+                <a:solidFill>
+                  <a:srgbClr val="000000"/>
+                </a:solidFill>
+                <a:effectLst/>
+                <a:latin typeface="Courier New" panose="02070309020205020404" pitchFamily="49" charset="0"/>
+              </a:rPr>
+              <a:t> </a:t>
+            </a:r>
+            <a:r>
+              <a:rPr lang="en-IN" sz="1000" b="1" dirty="0">
+                <a:solidFill>
+                  <a:srgbClr val="000000"/>
+                </a:solidFill>
+                <a:effectLst/>
+                <a:latin typeface="Courier New" panose="02070309020205020404" pitchFamily="49" charset="0"/>
+              </a:rPr>
+              <a:t>void</a:t>
+            </a:r>
+            <a:r>
+              <a:rPr lang="en-IN" sz="1000" dirty="0">
+                <a:solidFill>
+                  <a:srgbClr val="000000"/>
+                </a:solidFill>
+                <a:effectLst/>
+                <a:latin typeface="Courier New" panose="02070309020205020404" pitchFamily="49" charset="0"/>
+              </a:rPr>
+              <a:t> </a:t>
+            </a:r>
+            <a:r>
+              <a:rPr lang="en-IN" sz="1000" dirty="0" err="1">
+                <a:solidFill>
+                  <a:srgbClr val="000000"/>
+                </a:solidFill>
+                <a:effectLst/>
+                <a:latin typeface="Courier New" panose="02070309020205020404" pitchFamily="49" charset="0"/>
+              </a:rPr>
+              <a:t>afterGroup</a:t>
+            </a:r>
+            <a:r>
+              <a:rPr lang="en-IN" sz="1000" dirty="0">
+                <a:solidFill>
+                  <a:srgbClr val="000000"/>
+                </a:solidFill>
+                <a:effectLst/>
+                <a:latin typeface="Courier New" panose="02070309020205020404" pitchFamily="49" charset="0"/>
+              </a:rPr>
+              <a:t>() {</a:t>
+            </a:r>
+          </a:p>
+          <a:p>
+            <a:pPr marL="0" marR="0">
+              <a:spcBef>
+                <a:spcPts val="0"/>
+              </a:spcBef>
+              <a:spcAft>
+                <a:spcPts val="0"/>
+              </a:spcAft>
+            </a:pPr>
+            <a:r>
+              <a:rPr lang="en-IN" sz="1000" dirty="0" err="1">
+                <a:solidFill>
+                  <a:srgbClr val="000000"/>
+                </a:solidFill>
+                <a:effectLst/>
+                <a:latin typeface="Courier New" panose="02070309020205020404" pitchFamily="49" charset="0"/>
+              </a:rPr>
+              <a:t>System.</a:t>
+            </a:r>
+            <a:r>
+              <a:rPr lang="en-IN" sz="1000" b="1" i="1" dirty="0" err="1">
+                <a:solidFill>
+                  <a:srgbClr val="0000C0"/>
+                </a:solidFill>
+                <a:effectLst/>
+                <a:latin typeface="Courier New" panose="02070309020205020404" pitchFamily="49" charset="0"/>
+              </a:rPr>
+              <a:t>out</a:t>
+            </a:r>
+            <a:r>
+              <a:rPr lang="en-IN" sz="1000" dirty="0" err="1">
+                <a:solidFill>
+                  <a:srgbClr val="000000"/>
+                </a:solidFill>
+                <a:effectLst/>
+                <a:latin typeface="Courier New" panose="02070309020205020404" pitchFamily="49" charset="0"/>
+              </a:rPr>
+              <a:t>.println</a:t>
+            </a:r>
+            <a:r>
+              <a:rPr lang="en-IN" sz="1000" dirty="0">
+                <a:solidFill>
+                  <a:srgbClr val="000000"/>
+                </a:solidFill>
+                <a:effectLst/>
+                <a:latin typeface="Courier New" panose="02070309020205020404" pitchFamily="49" charset="0"/>
+              </a:rPr>
+              <a:t>("This is inside after group");</a:t>
+            </a:r>
+          </a:p>
+          <a:p>
+            <a:pPr marL="0" marR="0">
+              <a:spcBef>
+                <a:spcPts val="0"/>
+              </a:spcBef>
+              <a:spcAft>
+                <a:spcPts val="0"/>
+              </a:spcAft>
+            </a:pPr>
+            <a:r>
+              <a:rPr lang="en-IN" sz="1000" dirty="0">
+                <a:solidFill>
+                  <a:srgbClr val="000000"/>
+                </a:solidFill>
+                <a:effectLst/>
+                <a:latin typeface="Courier New" panose="02070309020205020404" pitchFamily="49" charset="0"/>
+              </a:rPr>
+              <a:t>}</a:t>
+            </a:r>
+          </a:p>
+          <a:p>
+            <a:pPr marL="0" marR="0">
+              <a:spcBef>
+                <a:spcPts val="0"/>
+              </a:spcBef>
+              <a:spcAft>
+                <a:spcPts val="0"/>
+              </a:spcAft>
+            </a:pPr>
+            <a:r>
+              <a:rPr lang="en-IN" sz="1000" dirty="0">
+                <a:solidFill>
+                  <a:srgbClr val="646464"/>
+                </a:solidFill>
+                <a:effectLst/>
+                <a:latin typeface="Courier New" panose="02070309020205020404" pitchFamily="49" charset="0"/>
+              </a:rPr>
+              <a:t>@BeforeSuite</a:t>
+            </a:r>
+            <a:endParaRPr lang="en-IN" sz="1000" dirty="0">
+              <a:solidFill>
+                <a:srgbClr val="000000"/>
+              </a:solidFill>
+              <a:effectLst/>
+              <a:latin typeface="Courier New" panose="02070309020205020404" pitchFamily="49" charset="0"/>
+            </a:endParaRPr>
+          </a:p>
+          <a:p>
+            <a:pPr marL="0" marR="0">
+              <a:spcBef>
+                <a:spcPts val="0"/>
+              </a:spcBef>
+              <a:spcAft>
+                <a:spcPts val="0"/>
+              </a:spcAft>
+            </a:pPr>
+            <a:r>
+              <a:rPr lang="en-IN" sz="1000" b="1" dirty="0">
+                <a:solidFill>
+                  <a:srgbClr val="000000"/>
+                </a:solidFill>
+                <a:effectLst/>
+                <a:latin typeface="Courier New" panose="02070309020205020404" pitchFamily="49" charset="0"/>
+              </a:rPr>
+              <a:t>public</a:t>
+            </a:r>
+            <a:r>
+              <a:rPr lang="en-IN" sz="1000" dirty="0">
+                <a:solidFill>
+                  <a:srgbClr val="000000"/>
+                </a:solidFill>
+                <a:effectLst/>
+                <a:latin typeface="Courier New" panose="02070309020205020404" pitchFamily="49" charset="0"/>
+              </a:rPr>
+              <a:t> </a:t>
+            </a:r>
+            <a:r>
+              <a:rPr lang="en-IN" sz="1000" b="1" dirty="0">
+                <a:solidFill>
+                  <a:srgbClr val="000000"/>
+                </a:solidFill>
+                <a:effectLst/>
+                <a:latin typeface="Courier New" panose="02070309020205020404" pitchFamily="49" charset="0"/>
+              </a:rPr>
+              <a:t>void</a:t>
+            </a:r>
+            <a:r>
+              <a:rPr lang="en-IN" sz="1000" dirty="0">
+                <a:solidFill>
+                  <a:srgbClr val="000000"/>
+                </a:solidFill>
+                <a:effectLst/>
+                <a:latin typeface="Courier New" panose="02070309020205020404" pitchFamily="49" charset="0"/>
+              </a:rPr>
+              <a:t> </a:t>
+            </a:r>
+            <a:r>
+              <a:rPr lang="en-IN" sz="1000" dirty="0" err="1">
+                <a:solidFill>
+                  <a:srgbClr val="000000"/>
+                </a:solidFill>
+                <a:effectLst/>
+                <a:latin typeface="Courier New" panose="02070309020205020404" pitchFamily="49" charset="0"/>
+              </a:rPr>
+              <a:t>Beforesuite</a:t>
+            </a:r>
+            <a:r>
+              <a:rPr lang="en-IN" sz="1000" dirty="0">
+                <a:solidFill>
+                  <a:srgbClr val="000000"/>
+                </a:solidFill>
+                <a:effectLst/>
+                <a:latin typeface="Courier New" panose="02070309020205020404" pitchFamily="49" charset="0"/>
+              </a:rPr>
+              <a:t>() {</a:t>
+            </a:r>
+          </a:p>
+          <a:p>
+            <a:pPr marL="0" marR="0">
+              <a:spcBef>
+                <a:spcPts val="0"/>
+              </a:spcBef>
+              <a:spcAft>
+                <a:spcPts val="0"/>
+              </a:spcAft>
+            </a:pPr>
+            <a:r>
+              <a:rPr lang="en-IN" sz="1000" dirty="0" err="1">
+                <a:solidFill>
+                  <a:srgbClr val="000000"/>
+                </a:solidFill>
+                <a:effectLst/>
+                <a:latin typeface="Courier New" panose="02070309020205020404" pitchFamily="49" charset="0"/>
+              </a:rPr>
+              <a:t>System.</a:t>
+            </a:r>
+            <a:r>
+              <a:rPr lang="en-IN" sz="1000" b="1" i="1" dirty="0" err="1">
+                <a:solidFill>
+                  <a:srgbClr val="0000C0"/>
+                </a:solidFill>
+                <a:effectLst/>
+                <a:latin typeface="Courier New" panose="02070309020205020404" pitchFamily="49" charset="0"/>
+              </a:rPr>
+              <a:t>out</a:t>
+            </a:r>
+            <a:r>
+              <a:rPr lang="en-IN" sz="1000" dirty="0" err="1">
+                <a:solidFill>
+                  <a:srgbClr val="000000"/>
+                </a:solidFill>
+                <a:effectLst/>
+                <a:latin typeface="Courier New" panose="02070309020205020404" pitchFamily="49" charset="0"/>
+              </a:rPr>
+              <a:t>.println</a:t>
+            </a:r>
+            <a:r>
+              <a:rPr lang="en-IN" sz="1000" dirty="0">
+                <a:solidFill>
+                  <a:srgbClr val="000000"/>
+                </a:solidFill>
+                <a:effectLst/>
+                <a:latin typeface="Courier New" panose="02070309020205020404" pitchFamily="49" charset="0"/>
+              </a:rPr>
+              <a:t>("Inside Before suite");</a:t>
+            </a:r>
+          </a:p>
+          <a:p>
+            <a:pPr marL="0" marR="0">
+              <a:spcBef>
+                <a:spcPts val="0"/>
+              </a:spcBef>
+              <a:spcAft>
+                <a:spcPts val="0"/>
+              </a:spcAft>
+            </a:pPr>
+            <a:r>
+              <a:rPr lang="en-IN" sz="1000" dirty="0">
+                <a:solidFill>
+                  <a:srgbClr val="000000"/>
+                </a:solidFill>
+                <a:effectLst/>
+                <a:latin typeface="Courier New" panose="02070309020205020404" pitchFamily="49" charset="0"/>
+              </a:rPr>
+              <a:t>}</a:t>
+            </a:r>
+          </a:p>
+          <a:p>
+            <a:pPr marL="0" marR="0">
+              <a:spcBef>
+                <a:spcPts val="0"/>
+              </a:spcBef>
+              <a:spcAft>
+                <a:spcPts val="0"/>
+              </a:spcAft>
+            </a:pPr>
+            <a:r>
+              <a:rPr lang="en-IN" sz="1000" dirty="0">
+                <a:solidFill>
+                  <a:srgbClr val="646464"/>
+                </a:solidFill>
+                <a:effectLst/>
+                <a:latin typeface="Courier New" panose="02070309020205020404" pitchFamily="49" charset="0"/>
+              </a:rPr>
+              <a:t>@BeforeTest</a:t>
+            </a:r>
+            <a:endParaRPr lang="en-IN" sz="1000" dirty="0">
+              <a:solidFill>
+                <a:srgbClr val="000000"/>
+              </a:solidFill>
+              <a:effectLst/>
+              <a:latin typeface="Courier New" panose="02070309020205020404" pitchFamily="49" charset="0"/>
+            </a:endParaRPr>
+          </a:p>
+          <a:p>
+            <a:pPr marL="0" marR="0">
+              <a:spcBef>
+                <a:spcPts val="0"/>
+              </a:spcBef>
+              <a:spcAft>
+                <a:spcPts val="0"/>
+              </a:spcAft>
+            </a:pPr>
+            <a:r>
+              <a:rPr lang="en-IN" sz="1000" b="1" dirty="0">
+                <a:solidFill>
+                  <a:srgbClr val="000000"/>
+                </a:solidFill>
+                <a:effectLst/>
+                <a:latin typeface="Courier New" panose="02070309020205020404" pitchFamily="49" charset="0"/>
+              </a:rPr>
+              <a:t>public</a:t>
+            </a:r>
+            <a:r>
+              <a:rPr lang="en-IN" sz="1000" dirty="0">
+                <a:solidFill>
+                  <a:srgbClr val="000000"/>
+                </a:solidFill>
+                <a:effectLst/>
+                <a:latin typeface="Courier New" panose="02070309020205020404" pitchFamily="49" charset="0"/>
+              </a:rPr>
+              <a:t> </a:t>
+            </a:r>
+            <a:r>
+              <a:rPr lang="en-IN" sz="1000" b="1" dirty="0">
+                <a:solidFill>
+                  <a:srgbClr val="000000"/>
+                </a:solidFill>
+                <a:effectLst/>
+                <a:latin typeface="Courier New" panose="02070309020205020404" pitchFamily="49" charset="0"/>
+              </a:rPr>
+              <a:t>void</a:t>
+            </a:r>
+            <a:r>
+              <a:rPr lang="en-IN" sz="1000" dirty="0">
+                <a:solidFill>
+                  <a:srgbClr val="000000"/>
+                </a:solidFill>
+                <a:effectLst/>
+                <a:latin typeface="Courier New" panose="02070309020205020404" pitchFamily="49" charset="0"/>
+              </a:rPr>
+              <a:t> </a:t>
+            </a:r>
+            <a:r>
+              <a:rPr lang="en-IN" sz="1000" dirty="0" err="1">
+                <a:solidFill>
+                  <a:srgbClr val="000000"/>
+                </a:solidFill>
+                <a:effectLst/>
+                <a:latin typeface="Courier New" panose="02070309020205020404" pitchFamily="49" charset="0"/>
+              </a:rPr>
+              <a:t>beforetest</a:t>
+            </a:r>
+            <a:r>
+              <a:rPr lang="en-IN" sz="1000" dirty="0">
+                <a:solidFill>
+                  <a:srgbClr val="000000"/>
+                </a:solidFill>
+                <a:effectLst/>
+                <a:latin typeface="Courier New" panose="02070309020205020404" pitchFamily="49" charset="0"/>
+              </a:rPr>
+              <a:t>() {</a:t>
+            </a:r>
+          </a:p>
+          <a:p>
+            <a:pPr marL="0" marR="0">
+              <a:spcBef>
+                <a:spcPts val="0"/>
+              </a:spcBef>
+              <a:spcAft>
+                <a:spcPts val="0"/>
+              </a:spcAft>
+            </a:pPr>
+            <a:r>
+              <a:rPr lang="en-IN" sz="1000" dirty="0" err="1">
+                <a:solidFill>
+                  <a:srgbClr val="000000"/>
+                </a:solidFill>
+                <a:effectLst/>
+                <a:latin typeface="Courier New" panose="02070309020205020404" pitchFamily="49" charset="0"/>
+              </a:rPr>
+              <a:t>System.</a:t>
+            </a:r>
+            <a:r>
+              <a:rPr lang="en-IN" sz="1000" b="1" i="1" dirty="0" err="1">
+                <a:solidFill>
+                  <a:srgbClr val="0000C0"/>
+                </a:solidFill>
+                <a:effectLst/>
+                <a:latin typeface="Courier New" panose="02070309020205020404" pitchFamily="49" charset="0"/>
+              </a:rPr>
+              <a:t>out</a:t>
+            </a:r>
+            <a:r>
+              <a:rPr lang="en-IN" sz="1000" dirty="0" err="1">
+                <a:solidFill>
+                  <a:srgbClr val="000000"/>
+                </a:solidFill>
+                <a:effectLst/>
+                <a:latin typeface="Courier New" panose="02070309020205020404" pitchFamily="49" charset="0"/>
+              </a:rPr>
+              <a:t>.println</a:t>
+            </a:r>
+            <a:r>
+              <a:rPr lang="en-IN" sz="1000">
+                <a:solidFill>
+                  <a:srgbClr val="000000"/>
+                </a:solidFill>
+                <a:effectLst/>
+                <a:latin typeface="Courier New" panose="02070309020205020404" pitchFamily="49" charset="0"/>
+              </a:rPr>
+              <a:t>("Inside before test");</a:t>
+            </a:r>
+          </a:p>
+          <a:p>
+            <a:pPr marL="0" marR="0">
+              <a:spcBef>
+                <a:spcPts val="0"/>
+              </a:spcBef>
+              <a:spcAft>
+                <a:spcPts val="0"/>
+              </a:spcAft>
+            </a:pPr>
+            <a:r>
+              <a:rPr lang="en-IN" sz="1000" dirty="0">
+                <a:solidFill>
+                  <a:srgbClr val="000000"/>
+                </a:solidFill>
+                <a:effectLst/>
+                <a:latin typeface="Courier New" panose="02070309020205020404" pitchFamily="49" charset="0"/>
+              </a:rPr>
+              <a:t>}</a:t>
+            </a:r>
+          </a:p>
+          <a:p>
+            <a:pPr marL="0" marR="0">
+              <a:spcBef>
+                <a:spcPts val="0"/>
+              </a:spcBef>
+              <a:spcAft>
+                <a:spcPts val="0"/>
+              </a:spcAft>
+            </a:pPr>
+            <a:r>
+              <a:rPr lang="en-IN" sz="1000" dirty="0">
+                <a:solidFill>
+                  <a:srgbClr val="646464"/>
+                </a:solidFill>
+                <a:effectLst/>
+                <a:latin typeface="Courier New" panose="02070309020205020404" pitchFamily="49" charset="0"/>
+              </a:rPr>
+              <a:t>@AfterTest</a:t>
+            </a:r>
+            <a:endParaRPr lang="en-IN" sz="1000" dirty="0">
+              <a:solidFill>
+                <a:srgbClr val="000000"/>
+              </a:solidFill>
+              <a:effectLst/>
+              <a:latin typeface="Courier New" panose="02070309020205020404" pitchFamily="49" charset="0"/>
+            </a:endParaRPr>
+          </a:p>
+          <a:p>
+            <a:pPr marL="0" marR="0">
+              <a:spcBef>
+                <a:spcPts val="0"/>
+              </a:spcBef>
+              <a:spcAft>
+                <a:spcPts val="0"/>
+              </a:spcAft>
+            </a:pPr>
+            <a:r>
+              <a:rPr lang="en-IN" sz="1000" b="1" dirty="0">
+                <a:solidFill>
+                  <a:srgbClr val="000000"/>
+                </a:solidFill>
+                <a:effectLst/>
+                <a:latin typeface="Courier New" panose="02070309020205020404" pitchFamily="49" charset="0"/>
+              </a:rPr>
+              <a:t>public</a:t>
+            </a:r>
+            <a:r>
+              <a:rPr lang="en-IN" sz="1000" dirty="0">
+                <a:solidFill>
+                  <a:srgbClr val="000000"/>
+                </a:solidFill>
+                <a:effectLst/>
+                <a:latin typeface="Courier New" panose="02070309020205020404" pitchFamily="49" charset="0"/>
+              </a:rPr>
+              <a:t> </a:t>
+            </a:r>
+            <a:r>
+              <a:rPr lang="en-IN" sz="1000" b="1" dirty="0">
+                <a:solidFill>
+                  <a:srgbClr val="000000"/>
+                </a:solidFill>
+                <a:effectLst/>
+                <a:latin typeface="Courier New" panose="02070309020205020404" pitchFamily="49" charset="0"/>
+              </a:rPr>
+              <a:t>void</a:t>
+            </a:r>
+            <a:r>
+              <a:rPr lang="en-IN" sz="1000" dirty="0">
+                <a:solidFill>
+                  <a:srgbClr val="000000"/>
+                </a:solidFill>
+                <a:effectLst/>
+                <a:latin typeface="Courier New" panose="02070309020205020404" pitchFamily="49" charset="0"/>
+              </a:rPr>
+              <a:t> </a:t>
+            </a:r>
+            <a:r>
+              <a:rPr lang="en-IN" sz="1000" dirty="0" err="1">
+                <a:solidFill>
+                  <a:srgbClr val="000000"/>
+                </a:solidFill>
+                <a:effectLst/>
+                <a:latin typeface="Courier New" panose="02070309020205020404" pitchFamily="49" charset="0"/>
+              </a:rPr>
+              <a:t>Aftertest</a:t>
+            </a:r>
+            <a:r>
+              <a:rPr lang="en-IN" sz="1000" dirty="0">
+                <a:solidFill>
+                  <a:srgbClr val="000000"/>
+                </a:solidFill>
+                <a:effectLst/>
+                <a:latin typeface="Courier New" panose="02070309020205020404" pitchFamily="49" charset="0"/>
+              </a:rPr>
+              <a:t>() {</a:t>
+            </a:r>
+          </a:p>
+          <a:p>
+            <a:pPr marL="0" marR="0">
+              <a:spcBef>
+                <a:spcPts val="0"/>
+              </a:spcBef>
+              <a:spcAft>
+                <a:spcPts val="0"/>
+              </a:spcAft>
+            </a:pPr>
+            <a:r>
+              <a:rPr lang="en-IN" sz="1000" dirty="0" err="1">
+                <a:solidFill>
+                  <a:srgbClr val="000000"/>
+                </a:solidFill>
+                <a:effectLst/>
+                <a:latin typeface="Courier New" panose="02070309020205020404" pitchFamily="49" charset="0"/>
+              </a:rPr>
+              <a:t>System.</a:t>
+            </a:r>
+            <a:r>
+              <a:rPr lang="en-IN" sz="1000" b="1" i="1" dirty="0" err="1">
+                <a:solidFill>
+                  <a:srgbClr val="0000C0"/>
+                </a:solidFill>
+                <a:effectLst/>
+                <a:latin typeface="Courier New" panose="02070309020205020404" pitchFamily="49" charset="0"/>
+              </a:rPr>
+              <a:t>out</a:t>
+            </a:r>
+            <a:r>
+              <a:rPr lang="en-IN" sz="1000" dirty="0" err="1">
+                <a:solidFill>
+                  <a:srgbClr val="000000"/>
+                </a:solidFill>
+                <a:effectLst/>
+                <a:latin typeface="Courier New" panose="02070309020205020404" pitchFamily="49" charset="0"/>
+              </a:rPr>
+              <a:t>.println</a:t>
+            </a:r>
+            <a:r>
+              <a:rPr lang="en-IN" sz="1000" dirty="0">
+                <a:solidFill>
+                  <a:srgbClr val="000000"/>
+                </a:solidFill>
+                <a:effectLst/>
+                <a:latin typeface="Courier New" panose="02070309020205020404" pitchFamily="49" charset="0"/>
+              </a:rPr>
+              <a:t>("Inside after test");</a:t>
+            </a:r>
+          </a:p>
+          <a:p>
+            <a:pPr marL="0" marR="0">
+              <a:spcBef>
+                <a:spcPts val="0"/>
+              </a:spcBef>
+              <a:spcAft>
+                <a:spcPts val="0"/>
+              </a:spcAft>
+            </a:pPr>
+            <a:r>
+              <a:rPr lang="en-IN" sz="1000" dirty="0">
+                <a:solidFill>
+                  <a:srgbClr val="000000"/>
+                </a:solidFill>
+                <a:effectLst/>
+                <a:latin typeface="Courier New" panose="02070309020205020404" pitchFamily="49" charset="0"/>
+              </a:rPr>
+              <a:t>}</a:t>
+            </a:r>
+          </a:p>
+          <a:p>
+            <a:pPr marL="0" marR="0">
+              <a:spcBef>
+                <a:spcPts val="0"/>
+              </a:spcBef>
+              <a:spcAft>
+                <a:spcPts val="0"/>
+              </a:spcAft>
+            </a:pPr>
+            <a:r>
+              <a:rPr lang="en-IN" sz="1000" dirty="0">
+                <a:solidFill>
+                  <a:srgbClr val="646464"/>
+                </a:solidFill>
+                <a:effectLst/>
+                <a:latin typeface="Courier New" panose="02070309020205020404" pitchFamily="49" charset="0"/>
+              </a:rPr>
+              <a:t>@BeforeClass</a:t>
+            </a:r>
+            <a:endParaRPr lang="en-IN" sz="1000" dirty="0">
+              <a:solidFill>
+                <a:srgbClr val="000000"/>
+              </a:solidFill>
+              <a:effectLst/>
+              <a:latin typeface="Courier New" panose="02070309020205020404" pitchFamily="49" charset="0"/>
+            </a:endParaRPr>
+          </a:p>
+          <a:p>
+            <a:pPr marL="0" marR="0">
+              <a:spcBef>
+                <a:spcPts val="0"/>
+              </a:spcBef>
+              <a:spcAft>
+                <a:spcPts val="0"/>
+              </a:spcAft>
+            </a:pPr>
+            <a:r>
+              <a:rPr lang="en-IN" sz="1000" b="1" dirty="0">
+                <a:solidFill>
+                  <a:srgbClr val="000000"/>
+                </a:solidFill>
+                <a:effectLst/>
+                <a:latin typeface="Courier New" panose="02070309020205020404" pitchFamily="49" charset="0"/>
+              </a:rPr>
+              <a:t>public</a:t>
+            </a:r>
+            <a:r>
+              <a:rPr lang="en-IN" sz="1000" dirty="0">
+                <a:solidFill>
+                  <a:srgbClr val="000000"/>
+                </a:solidFill>
+                <a:effectLst/>
+                <a:latin typeface="Courier New" panose="02070309020205020404" pitchFamily="49" charset="0"/>
+              </a:rPr>
+              <a:t> </a:t>
+            </a:r>
+            <a:r>
+              <a:rPr lang="en-IN" sz="1000" b="1" dirty="0">
+                <a:solidFill>
+                  <a:srgbClr val="000000"/>
+                </a:solidFill>
+                <a:effectLst/>
+                <a:latin typeface="Courier New" panose="02070309020205020404" pitchFamily="49" charset="0"/>
+              </a:rPr>
+              <a:t>void</a:t>
+            </a:r>
+            <a:r>
+              <a:rPr lang="en-IN" sz="1000" dirty="0">
+                <a:solidFill>
+                  <a:srgbClr val="000000"/>
+                </a:solidFill>
+                <a:effectLst/>
+                <a:latin typeface="Courier New" panose="02070309020205020404" pitchFamily="49" charset="0"/>
+              </a:rPr>
+              <a:t> </a:t>
+            </a:r>
+            <a:r>
+              <a:rPr lang="en-IN" sz="1000" dirty="0" err="1">
+                <a:solidFill>
+                  <a:srgbClr val="000000"/>
+                </a:solidFill>
+                <a:effectLst/>
+                <a:latin typeface="Courier New" panose="02070309020205020404" pitchFamily="49" charset="0"/>
+              </a:rPr>
+              <a:t>beforeClass</a:t>
+            </a:r>
+            <a:r>
+              <a:rPr lang="en-IN" sz="1000" dirty="0">
+                <a:solidFill>
+                  <a:srgbClr val="000000"/>
+                </a:solidFill>
+                <a:effectLst/>
+                <a:latin typeface="Courier New" panose="02070309020205020404" pitchFamily="49" charset="0"/>
+              </a:rPr>
+              <a:t>() {</a:t>
+            </a:r>
+          </a:p>
+          <a:p>
+            <a:pPr marL="0" marR="0">
+              <a:spcBef>
+                <a:spcPts val="0"/>
+              </a:spcBef>
+              <a:spcAft>
+                <a:spcPts val="0"/>
+              </a:spcAft>
+            </a:pPr>
+            <a:r>
+              <a:rPr lang="en-IN" sz="1000" dirty="0" err="1">
+                <a:solidFill>
+                  <a:srgbClr val="000000"/>
+                </a:solidFill>
+                <a:effectLst/>
+                <a:latin typeface="Courier New" panose="02070309020205020404" pitchFamily="49" charset="0"/>
+              </a:rPr>
+              <a:t>System.</a:t>
+            </a:r>
+            <a:r>
+              <a:rPr lang="en-IN" sz="1000" b="1" i="1" dirty="0" err="1">
+                <a:solidFill>
+                  <a:srgbClr val="0000C0"/>
+                </a:solidFill>
+                <a:effectLst/>
+                <a:latin typeface="Courier New" panose="02070309020205020404" pitchFamily="49" charset="0"/>
+              </a:rPr>
+              <a:t>out</a:t>
+            </a:r>
+            <a:r>
+              <a:rPr lang="en-IN" sz="1000" dirty="0" err="1">
+                <a:solidFill>
+                  <a:srgbClr val="000000"/>
+                </a:solidFill>
+                <a:effectLst/>
+                <a:latin typeface="Courier New" panose="02070309020205020404" pitchFamily="49" charset="0"/>
+              </a:rPr>
+              <a:t>.println</a:t>
+            </a:r>
+            <a:r>
+              <a:rPr lang="en-IN" sz="1000" dirty="0">
+                <a:solidFill>
+                  <a:srgbClr val="000000"/>
+                </a:solidFill>
+                <a:effectLst/>
+                <a:latin typeface="Courier New" panose="02070309020205020404" pitchFamily="49" charset="0"/>
+              </a:rPr>
+              <a:t>("Before class");</a:t>
+            </a:r>
+          </a:p>
+          <a:p>
+            <a:pPr marL="0" marR="0">
+              <a:spcBef>
+                <a:spcPts val="0"/>
+              </a:spcBef>
+              <a:spcAft>
+                <a:spcPts val="0"/>
+              </a:spcAft>
+            </a:pPr>
+            <a:r>
+              <a:rPr lang="en-IN" sz="1000" dirty="0">
+                <a:solidFill>
+                  <a:srgbClr val="000000"/>
+                </a:solidFill>
+                <a:effectLst/>
+                <a:latin typeface="Courier New" panose="02070309020205020404" pitchFamily="49" charset="0"/>
+              </a:rPr>
+              <a:t>}</a:t>
+            </a:r>
+          </a:p>
+          <a:p>
+            <a:pPr marL="0" marR="0">
+              <a:spcBef>
+                <a:spcPts val="0"/>
+              </a:spcBef>
+              <a:spcAft>
+                <a:spcPts val="0"/>
+              </a:spcAft>
+            </a:pPr>
+            <a:endParaRPr lang="en-IN" sz="1000" dirty="0">
+              <a:solidFill>
+                <a:srgbClr val="000000"/>
+              </a:solidFill>
+              <a:effectLst/>
+              <a:latin typeface="Courier New" panose="02070309020205020404" pitchFamily="49" charset="0"/>
+            </a:endParaRPr>
+          </a:p>
+          <a:p>
+            <a:pPr marL="0" marR="0">
+              <a:spcBef>
+                <a:spcPts val="0"/>
+              </a:spcBef>
+              <a:spcAft>
+                <a:spcPts val="0"/>
+              </a:spcAft>
+            </a:pPr>
+            <a:r>
+              <a:rPr lang="en-IN" sz="1000" dirty="0">
+                <a:solidFill>
+                  <a:srgbClr val="646464"/>
+                </a:solidFill>
+                <a:effectLst/>
+                <a:latin typeface="Courier New" panose="02070309020205020404" pitchFamily="49" charset="0"/>
+              </a:rPr>
+              <a:t>@AfterClass</a:t>
+            </a:r>
+            <a:endParaRPr lang="en-IN" sz="1000" dirty="0">
+              <a:solidFill>
+                <a:srgbClr val="000000"/>
+              </a:solidFill>
+              <a:effectLst/>
+              <a:latin typeface="Courier New" panose="02070309020205020404" pitchFamily="49" charset="0"/>
+            </a:endParaRPr>
+          </a:p>
+          <a:p>
+            <a:pPr marL="0" marR="0">
+              <a:spcBef>
+                <a:spcPts val="0"/>
+              </a:spcBef>
+              <a:spcAft>
+                <a:spcPts val="0"/>
+              </a:spcAft>
+            </a:pPr>
+            <a:r>
+              <a:rPr lang="en-IN" sz="1000" b="1" dirty="0">
+                <a:solidFill>
+                  <a:srgbClr val="000000"/>
+                </a:solidFill>
+                <a:effectLst/>
+                <a:latin typeface="Courier New" panose="02070309020205020404" pitchFamily="49" charset="0"/>
+              </a:rPr>
+              <a:t>public</a:t>
+            </a:r>
+            <a:r>
+              <a:rPr lang="en-IN" sz="1000" dirty="0">
+                <a:solidFill>
+                  <a:srgbClr val="000000"/>
+                </a:solidFill>
+                <a:effectLst/>
+                <a:latin typeface="Courier New" panose="02070309020205020404" pitchFamily="49" charset="0"/>
+              </a:rPr>
+              <a:t> </a:t>
+            </a:r>
+            <a:r>
+              <a:rPr lang="en-IN" sz="1000" b="1" dirty="0">
+                <a:solidFill>
+                  <a:srgbClr val="000000"/>
+                </a:solidFill>
+                <a:effectLst/>
+                <a:latin typeface="Courier New" panose="02070309020205020404" pitchFamily="49" charset="0"/>
+              </a:rPr>
+              <a:t>void</a:t>
+            </a:r>
+            <a:r>
+              <a:rPr lang="en-IN" sz="1000" dirty="0">
+                <a:solidFill>
+                  <a:srgbClr val="000000"/>
+                </a:solidFill>
+                <a:effectLst/>
+                <a:latin typeface="Courier New" panose="02070309020205020404" pitchFamily="49" charset="0"/>
+              </a:rPr>
+              <a:t> </a:t>
+            </a:r>
+            <a:r>
+              <a:rPr lang="en-IN" sz="1000" dirty="0" err="1">
+                <a:solidFill>
+                  <a:srgbClr val="000000"/>
+                </a:solidFill>
+                <a:effectLst/>
+                <a:latin typeface="Courier New" panose="02070309020205020404" pitchFamily="49" charset="0"/>
+              </a:rPr>
+              <a:t>afterClass</a:t>
+            </a:r>
+            <a:r>
+              <a:rPr lang="en-IN" sz="1000" dirty="0">
+                <a:solidFill>
+                  <a:srgbClr val="000000"/>
+                </a:solidFill>
+                <a:effectLst/>
+                <a:latin typeface="Courier New" panose="02070309020205020404" pitchFamily="49" charset="0"/>
+              </a:rPr>
+              <a:t>() {</a:t>
+            </a:r>
+          </a:p>
+          <a:p>
+            <a:pPr marL="0" marR="0">
+              <a:spcBef>
+                <a:spcPts val="0"/>
+              </a:spcBef>
+              <a:spcAft>
+                <a:spcPts val="0"/>
+              </a:spcAft>
+            </a:pPr>
+            <a:r>
+              <a:rPr lang="en-IN" sz="1000" dirty="0" err="1">
+                <a:solidFill>
+                  <a:srgbClr val="000000"/>
+                </a:solidFill>
+                <a:effectLst/>
+                <a:latin typeface="Courier New" panose="02070309020205020404" pitchFamily="49" charset="0"/>
+              </a:rPr>
+              <a:t>System.</a:t>
+            </a:r>
+            <a:r>
+              <a:rPr lang="en-IN" sz="1000" b="1" i="1" dirty="0" err="1">
+                <a:solidFill>
+                  <a:srgbClr val="0000C0"/>
+                </a:solidFill>
+                <a:effectLst/>
+                <a:latin typeface="Courier New" panose="02070309020205020404" pitchFamily="49" charset="0"/>
+              </a:rPr>
+              <a:t>out</a:t>
+            </a:r>
+            <a:r>
+              <a:rPr lang="en-IN" sz="1000" dirty="0" err="1">
+                <a:solidFill>
+                  <a:srgbClr val="000000"/>
+                </a:solidFill>
+                <a:effectLst/>
+                <a:latin typeface="Courier New" panose="02070309020205020404" pitchFamily="49" charset="0"/>
+              </a:rPr>
+              <a:t>.println</a:t>
+            </a:r>
+            <a:r>
+              <a:rPr lang="en-IN" sz="1000" dirty="0">
+                <a:solidFill>
+                  <a:srgbClr val="000000"/>
+                </a:solidFill>
+                <a:effectLst/>
+                <a:latin typeface="Courier New" panose="02070309020205020404" pitchFamily="49" charset="0"/>
+              </a:rPr>
+              <a:t>("After class");</a:t>
+            </a:r>
+          </a:p>
+          <a:p>
+            <a:pPr marL="0" marR="0">
+              <a:spcBef>
+                <a:spcPts val="0"/>
+              </a:spcBef>
+              <a:spcAft>
+                <a:spcPts val="0"/>
+              </a:spcAft>
+            </a:pPr>
+            <a:r>
+              <a:rPr lang="en-IN" sz="1000" dirty="0">
+                <a:solidFill>
+                  <a:srgbClr val="000000"/>
+                </a:solidFill>
+                <a:effectLst/>
+                <a:latin typeface="Courier New" panose="02070309020205020404" pitchFamily="49" charset="0"/>
+              </a:rPr>
+              <a:t>}</a:t>
+            </a:r>
+          </a:p>
+          <a:p>
+            <a:pPr marL="0" marR="0">
+              <a:spcBef>
+                <a:spcPts val="0"/>
+              </a:spcBef>
+              <a:spcAft>
+                <a:spcPts val="0"/>
+              </a:spcAft>
+            </a:pPr>
+            <a:br>
+              <a:rPr lang="en-IN" sz="1000" dirty="0">
+                <a:solidFill>
+                  <a:srgbClr val="000000"/>
+                </a:solidFill>
+                <a:effectLst/>
+                <a:latin typeface="Courier New" panose="02070309020205020404" pitchFamily="49" charset="0"/>
+              </a:rPr>
+            </a:br>
+            <a:endParaRPr lang="en-IN" sz="1000" dirty="0">
+              <a:solidFill>
+                <a:srgbClr val="000000"/>
+              </a:solidFill>
+              <a:effectLst/>
+              <a:latin typeface="Courier New" panose="02070309020205020404" pitchFamily="49" charset="0"/>
+            </a:endParaRPr>
+          </a:p>
+          <a:p>
+            <a:pPr marL="0" marR="0">
+              <a:spcBef>
+                <a:spcPts val="0"/>
+              </a:spcBef>
+              <a:spcAft>
+                <a:spcPts val="0"/>
+              </a:spcAft>
+            </a:pPr>
+            <a:r>
+              <a:rPr lang="en-IN" sz="1000" dirty="0">
+                <a:solidFill>
+                  <a:srgbClr val="000000"/>
+                </a:solidFill>
+                <a:effectLst/>
+                <a:latin typeface="Courier New" panose="02070309020205020404" pitchFamily="49" charset="0"/>
+              </a:rPr>
+              <a:t>}</a:t>
+            </a:r>
+          </a:p>
+        </p:txBody>
+      </p:sp>
+      <p:sp>
+        <p:nvSpPr>
+          <p:cNvPr id="4" name="TextBox 3">
+            <a:extLst>
+              <a:ext uri="{FF2B5EF4-FFF2-40B4-BE49-F238E27FC236}">
+                <a16:creationId xmlns:a16="http://schemas.microsoft.com/office/drawing/2014/main" id="{5F933AB6-9AC5-A1E6-DED5-7AFB7F23DC6E}"/>
+              </a:ext>
+            </a:extLst>
+          </p:cNvPr>
+          <p:cNvSpPr txBox="1"/>
+          <p:nvPr/>
+        </p:nvSpPr>
+        <p:spPr>
+          <a:xfrm>
+            <a:off x="6096000" y="290969"/>
+            <a:ext cx="6096000" cy="2677656"/>
+          </a:xfrm>
+          <a:prstGeom prst="rect">
+            <a:avLst/>
+          </a:prstGeom>
+          <a:noFill/>
+        </p:spPr>
+        <p:txBody>
+          <a:bodyPr wrap="square">
+            <a:spAutoFit/>
+          </a:bodyPr>
+          <a:lstStyle/>
+          <a:p>
+            <a:r>
+              <a:rPr lang="en-IN" sz="1200" dirty="0"/>
+              <a:t>DATA PROVIDERS:</a:t>
+            </a:r>
+          </a:p>
+          <a:p>
+            <a:endParaRPr lang="en-IN" sz="1200" dirty="0"/>
+          </a:p>
+          <a:p>
+            <a:r>
+              <a:rPr lang="en-IN" sz="1200" dirty="0"/>
+              <a:t>public class DP</a:t>
+            </a:r>
+          </a:p>
+          <a:p>
+            <a:r>
+              <a:rPr lang="en-IN" sz="1200" dirty="0"/>
+              <a:t>{</a:t>
+            </a:r>
+          </a:p>
+          <a:p>
+            <a:r>
+              <a:rPr lang="en-IN" sz="1200" dirty="0"/>
+              <a:t>    @DataProvider (name = “</a:t>
+            </a:r>
+            <a:r>
+              <a:rPr lang="en-IN" sz="1200" dirty="0" err="1"/>
+              <a:t>demoACTE</a:t>
+            </a:r>
+            <a:r>
+              <a:rPr lang="en-IN" sz="1200" dirty="0"/>
+              <a:t>")</a:t>
+            </a:r>
+          </a:p>
+          <a:p>
+            <a:r>
+              <a:rPr lang="en-IN" sz="1200" dirty="0"/>
+              <a:t>     public Object[][] </a:t>
+            </a:r>
+            <a:r>
+              <a:rPr lang="en-IN" sz="1200" dirty="0" err="1"/>
+              <a:t>dpMethod</a:t>
+            </a:r>
+            <a:r>
+              <a:rPr lang="en-IN" sz="1200" dirty="0"/>
+              <a:t>(){</a:t>
+            </a:r>
+          </a:p>
+          <a:p>
+            <a:r>
+              <a:rPr lang="en-IN" sz="1200" dirty="0"/>
+              <a:t>	 return new Object[][] {{"Value1"}, {“Value2"}};</a:t>
+            </a:r>
+          </a:p>
+          <a:p>
+            <a:r>
+              <a:rPr lang="en-IN" sz="1200" dirty="0"/>
+              <a:t>     }</a:t>
+            </a:r>
+          </a:p>
+          <a:p>
+            <a:r>
+              <a:rPr lang="en-IN" sz="1200" dirty="0"/>
+              <a:t>	</a:t>
+            </a:r>
+          </a:p>
+          <a:p>
+            <a:r>
+              <a:rPr lang="en-IN" sz="1200" dirty="0"/>
+              <a:t>    @Test (</a:t>
+            </a:r>
+            <a:r>
+              <a:rPr lang="en-IN" sz="1200" dirty="0" err="1"/>
+              <a:t>dataProvider</a:t>
+            </a:r>
+            <a:r>
+              <a:rPr lang="en-IN" sz="1200" dirty="0"/>
+              <a:t> = " </a:t>
+            </a:r>
+            <a:r>
+              <a:rPr lang="en-IN" sz="1200" dirty="0" err="1"/>
+              <a:t>demoACTE</a:t>
+            </a:r>
+            <a:r>
+              <a:rPr lang="en-IN" sz="1200" dirty="0"/>
+              <a:t> ")</a:t>
+            </a:r>
+          </a:p>
+          <a:p>
+            <a:r>
+              <a:rPr lang="en-IN" sz="1200" dirty="0"/>
+              <a:t>    public void </a:t>
+            </a:r>
+            <a:r>
+              <a:rPr lang="en-IN" sz="1200" dirty="0" err="1"/>
+              <a:t>myTest</a:t>
+            </a:r>
+            <a:r>
+              <a:rPr lang="en-IN" sz="1200" dirty="0"/>
+              <a:t> (String </a:t>
+            </a:r>
+            <a:r>
+              <a:rPr lang="en-IN" sz="1200" dirty="0" err="1"/>
+              <a:t>val</a:t>
+            </a:r>
+            <a:r>
+              <a:rPr lang="en-IN" sz="1200" dirty="0"/>
+              <a:t>) {</a:t>
+            </a:r>
+          </a:p>
+          <a:p>
+            <a:r>
+              <a:rPr lang="en-IN" sz="1200" dirty="0"/>
+              <a:t>        </a:t>
+            </a:r>
+            <a:r>
+              <a:rPr lang="en-IN" sz="1200" dirty="0" err="1"/>
+              <a:t>System.out.println</a:t>
+            </a:r>
+            <a:r>
+              <a:rPr lang="en-IN" sz="1200" dirty="0"/>
+              <a:t>("Passed Parameter Is : " + </a:t>
+            </a:r>
+            <a:r>
+              <a:rPr lang="en-IN" sz="1200" dirty="0" err="1"/>
+              <a:t>val</a:t>
+            </a:r>
+            <a:r>
+              <a:rPr lang="en-IN" sz="1200" dirty="0"/>
+              <a:t>);</a:t>
+            </a:r>
+          </a:p>
+          <a:p>
+            <a:r>
+              <a:rPr lang="en-IN" sz="1200" dirty="0"/>
+              <a:t>    }</a:t>
+            </a:r>
+          </a:p>
+          <a:p>
+            <a:r>
+              <a:rPr lang="en-IN" sz="1200" dirty="0"/>
+              <a:t>}</a:t>
+            </a:r>
+          </a:p>
+        </p:txBody>
+      </p:sp>
+      <p:sp>
+        <p:nvSpPr>
+          <p:cNvPr id="6" name="TextBox 5">
+            <a:extLst>
+              <a:ext uri="{FF2B5EF4-FFF2-40B4-BE49-F238E27FC236}">
+                <a16:creationId xmlns:a16="http://schemas.microsoft.com/office/drawing/2014/main" id="{FE2642F4-4665-E4E9-B5EC-87B2DCA96C3A}"/>
+              </a:ext>
+            </a:extLst>
+          </p:cNvPr>
+          <p:cNvSpPr txBox="1"/>
+          <p:nvPr/>
+        </p:nvSpPr>
+        <p:spPr>
+          <a:xfrm>
+            <a:off x="6176683" y="4015351"/>
+            <a:ext cx="6096000" cy="2292935"/>
+          </a:xfrm>
+          <a:prstGeom prst="rect">
+            <a:avLst/>
+          </a:prstGeom>
+          <a:noFill/>
+        </p:spPr>
+        <p:txBody>
+          <a:bodyPr wrap="square">
+            <a:spAutoFit/>
+          </a:bodyPr>
+          <a:lstStyle/>
+          <a:p>
+            <a:pPr marL="0" marR="0">
+              <a:spcAft>
+                <a:spcPts val="0"/>
+              </a:spcAft>
+            </a:pPr>
+            <a:r>
+              <a:rPr lang="en-IN" sz="1100" u="sng" dirty="0">
+                <a:solidFill>
+                  <a:srgbClr val="008080"/>
+                </a:solidFill>
+                <a:effectLst/>
+                <a:latin typeface="Courier New" panose="02070309020205020404" pitchFamily="49" charset="0"/>
+              </a:rPr>
+              <a:t>Parallel and Param</a:t>
+            </a:r>
+          </a:p>
+          <a:p>
+            <a:pPr marL="0" marR="0">
+              <a:spcAft>
+                <a:spcPts val="0"/>
+              </a:spcAft>
+            </a:pPr>
+            <a:endParaRPr lang="en-IN" sz="1100" dirty="0">
+              <a:solidFill>
+                <a:srgbClr val="008080"/>
+              </a:solidFill>
+              <a:effectLst/>
+              <a:latin typeface="Courier New" panose="02070309020205020404" pitchFamily="49" charset="0"/>
+            </a:endParaRPr>
+          </a:p>
+          <a:p>
+            <a:pPr marL="0" marR="0">
+              <a:spcAft>
+                <a:spcPts val="0"/>
+              </a:spcAft>
+            </a:pPr>
+            <a:r>
+              <a:rPr lang="en-IN" sz="1100" dirty="0">
+                <a:solidFill>
+                  <a:srgbClr val="008080"/>
+                </a:solidFill>
+                <a:effectLst/>
+                <a:latin typeface="Courier New" panose="02070309020205020404" pitchFamily="49" charset="0"/>
+              </a:rPr>
+              <a:t>&lt;?</a:t>
+            </a:r>
+            <a:r>
+              <a:rPr lang="en-IN" sz="1100" dirty="0">
+                <a:solidFill>
+                  <a:srgbClr val="3F7F7F"/>
+                </a:solidFill>
+                <a:effectLst/>
+                <a:latin typeface="Courier New" panose="02070309020205020404" pitchFamily="49" charset="0"/>
+              </a:rPr>
+              <a:t>xml</a:t>
+            </a:r>
+            <a:r>
+              <a:rPr lang="en-IN" sz="1100" dirty="0">
+                <a:solidFill>
+                  <a:srgbClr val="000000"/>
+                </a:solidFill>
+                <a:effectLst/>
+                <a:latin typeface="Courier New" panose="02070309020205020404" pitchFamily="49" charset="0"/>
+              </a:rPr>
+              <a:t> </a:t>
+            </a:r>
+            <a:r>
+              <a:rPr lang="en-IN" sz="1100" dirty="0">
+                <a:solidFill>
+                  <a:srgbClr val="7F007F"/>
+                </a:solidFill>
+                <a:effectLst/>
+                <a:latin typeface="Courier New" panose="02070309020205020404" pitchFamily="49" charset="0"/>
+              </a:rPr>
+              <a:t>version</a:t>
+            </a:r>
+            <a:r>
+              <a:rPr lang="en-IN" sz="1100" dirty="0">
+                <a:solidFill>
+                  <a:srgbClr val="000000"/>
+                </a:solidFill>
+                <a:effectLst/>
+                <a:latin typeface="Courier New" panose="02070309020205020404" pitchFamily="49" charset="0"/>
+              </a:rPr>
+              <a:t>=</a:t>
+            </a:r>
+            <a:r>
+              <a:rPr lang="en-IN" sz="1100" i="1" dirty="0">
+                <a:solidFill>
+                  <a:srgbClr val="2A00FF"/>
+                </a:solidFill>
+                <a:effectLst/>
+                <a:latin typeface="Courier New" panose="02070309020205020404" pitchFamily="49" charset="0"/>
+              </a:rPr>
+              <a:t>"1.0"</a:t>
+            </a:r>
+            <a:r>
+              <a:rPr lang="en-IN" sz="1100" dirty="0">
+                <a:solidFill>
+                  <a:srgbClr val="000000"/>
+                </a:solidFill>
+                <a:effectLst/>
+                <a:latin typeface="Courier New" panose="02070309020205020404" pitchFamily="49" charset="0"/>
+              </a:rPr>
+              <a:t> </a:t>
+            </a:r>
+            <a:r>
+              <a:rPr lang="en-IN" sz="1100" dirty="0">
+                <a:solidFill>
+                  <a:srgbClr val="7F007F"/>
+                </a:solidFill>
+                <a:effectLst/>
+                <a:latin typeface="Courier New" panose="02070309020205020404" pitchFamily="49" charset="0"/>
+              </a:rPr>
+              <a:t>encoding</a:t>
+            </a:r>
+            <a:r>
+              <a:rPr lang="en-IN" sz="1100" dirty="0">
+                <a:solidFill>
+                  <a:srgbClr val="000000"/>
+                </a:solidFill>
+                <a:effectLst/>
+                <a:latin typeface="Courier New" panose="02070309020205020404" pitchFamily="49" charset="0"/>
+              </a:rPr>
+              <a:t>=</a:t>
+            </a:r>
+            <a:r>
+              <a:rPr lang="en-IN" sz="1100" i="1" dirty="0">
+                <a:solidFill>
+                  <a:srgbClr val="2A00FF"/>
+                </a:solidFill>
+                <a:effectLst/>
+                <a:latin typeface="Courier New" panose="02070309020205020404" pitchFamily="49" charset="0"/>
+              </a:rPr>
+              <a:t>"UTF-8"</a:t>
+            </a:r>
+            <a:r>
+              <a:rPr lang="en-IN" sz="1100" dirty="0">
+                <a:solidFill>
+                  <a:srgbClr val="008080"/>
+                </a:solidFill>
+                <a:effectLst/>
+                <a:latin typeface="Courier New" panose="02070309020205020404" pitchFamily="49" charset="0"/>
+              </a:rPr>
+              <a:t>?&gt;</a:t>
+            </a:r>
+            <a:endParaRPr lang="en-IN" sz="1100" dirty="0">
+              <a:solidFill>
+                <a:srgbClr val="000000"/>
+              </a:solidFill>
+              <a:effectLst/>
+              <a:latin typeface="Courier New" panose="02070309020205020404" pitchFamily="49" charset="0"/>
+            </a:endParaRPr>
+          </a:p>
+          <a:p>
+            <a:pPr marL="0" marR="0">
+              <a:spcBef>
+                <a:spcPts val="0"/>
+              </a:spcBef>
+              <a:spcAft>
+                <a:spcPts val="0"/>
+              </a:spcAft>
+            </a:pPr>
+            <a:r>
+              <a:rPr lang="en-IN" sz="1100" dirty="0">
+                <a:solidFill>
+                  <a:srgbClr val="008080"/>
+                </a:solidFill>
+                <a:effectLst/>
+                <a:latin typeface="Courier New" panose="02070309020205020404" pitchFamily="49" charset="0"/>
+              </a:rPr>
+              <a:t>&lt;!</a:t>
+            </a:r>
+            <a:r>
+              <a:rPr lang="en-IN" sz="1100" dirty="0">
+                <a:solidFill>
+                  <a:srgbClr val="3F7F7F"/>
+                </a:solidFill>
+                <a:effectLst/>
+                <a:latin typeface="Courier New" panose="02070309020205020404" pitchFamily="49" charset="0"/>
+              </a:rPr>
+              <a:t>DOCTYPE</a:t>
+            </a:r>
+            <a:r>
+              <a:rPr lang="en-IN" sz="1100" dirty="0">
+                <a:solidFill>
+                  <a:srgbClr val="000000"/>
+                </a:solidFill>
+                <a:effectLst/>
+                <a:latin typeface="Courier New" panose="02070309020205020404" pitchFamily="49" charset="0"/>
+              </a:rPr>
+              <a:t> </a:t>
+            </a:r>
+            <a:r>
+              <a:rPr lang="en-IN" sz="1100" dirty="0">
+                <a:solidFill>
+                  <a:srgbClr val="008080"/>
+                </a:solidFill>
+                <a:effectLst/>
+                <a:latin typeface="Courier New" panose="02070309020205020404" pitchFamily="49" charset="0"/>
+              </a:rPr>
+              <a:t>suite</a:t>
+            </a:r>
+            <a:r>
+              <a:rPr lang="en-IN" sz="1100" dirty="0">
+                <a:solidFill>
+                  <a:srgbClr val="000000"/>
+                </a:solidFill>
+                <a:effectLst/>
+                <a:latin typeface="Courier New" panose="02070309020205020404" pitchFamily="49" charset="0"/>
+              </a:rPr>
+              <a:t> </a:t>
+            </a:r>
+            <a:r>
+              <a:rPr lang="en-IN" sz="1100" dirty="0">
+                <a:solidFill>
+                  <a:srgbClr val="808080"/>
+                </a:solidFill>
+                <a:effectLst/>
+                <a:latin typeface="Courier New" panose="02070309020205020404" pitchFamily="49" charset="0"/>
+              </a:rPr>
+              <a:t>SYSTEM</a:t>
+            </a:r>
+            <a:r>
+              <a:rPr lang="en-IN" sz="1100" dirty="0">
+                <a:solidFill>
+                  <a:srgbClr val="000000"/>
+                </a:solidFill>
+                <a:effectLst/>
+                <a:latin typeface="Courier New" panose="02070309020205020404" pitchFamily="49" charset="0"/>
+              </a:rPr>
+              <a:t> </a:t>
+            </a:r>
+            <a:r>
+              <a:rPr lang="en-IN" sz="1100" dirty="0">
+                <a:solidFill>
+                  <a:srgbClr val="3F7F5F"/>
+                </a:solidFill>
+                <a:effectLst/>
+                <a:latin typeface="Courier New" panose="02070309020205020404" pitchFamily="49" charset="0"/>
+              </a:rPr>
+              <a:t>"https://testng.org/testng-1.0.dtd"</a:t>
+            </a:r>
+            <a:r>
+              <a:rPr lang="en-IN" sz="1100" dirty="0">
+                <a:solidFill>
+                  <a:srgbClr val="008080"/>
+                </a:solidFill>
+                <a:effectLst/>
+                <a:latin typeface="Courier New" panose="02070309020205020404" pitchFamily="49" charset="0"/>
+              </a:rPr>
+              <a:t>&gt;</a:t>
+            </a:r>
+            <a:endParaRPr lang="en-IN" sz="1100" dirty="0">
+              <a:solidFill>
+                <a:srgbClr val="000000"/>
+              </a:solidFill>
+              <a:effectLst/>
+              <a:latin typeface="Courier New" panose="02070309020205020404" pitchFamily="49" charset="0"/>
+            </a:endParaRPr>
+          </a:p>
+          <a:p>
+            <a:pPr marL="0" marR="0">
+              <a:spcBef>
+                <a:spcPts val="0"/>
+              </a:spcBef>
+              <a:spcAft>
+                <a:spcPts val="0"/>
+              </a:spcAft>
+            </a:pPr>
+            <a:r>
+              <a:rPr lang="en-IN" sz="1100" dirty="0">
+                <a:solidFill>
+                  <a:srgbClr val="008080"/>
+                </a:solidFill>
+                <a:effectLst/>
+                <a:latin typeface="Courier New" panose="02070309020205020404" pitchFamily="49" charset="0"/>
+              </a:rPr>
+              <a:t>&lt;</a:t>
+            </a:r>
+            <a:r>
+              <a:rPr lang="en-IN" sz="1100" dirty="0">
+                <a:solidFill>
+                  <a:srgbClr val="3F7F7F"/>
+                </a:solidFill>
+                <a:effectLst/>
+                <a:latin typeface="Courier New" panose="02070309020205020404" pitchFamily="49" charset="0"/>
+              </a:rPr>
+              <a:t>suite</a:t>
+            </a:r>
+            <a:r>
+              <a:rPr lang="en-IN" sz="1100" dirty="0">
+                <a:solidFill>
+                  <a:srgbClr val="000000"/>
+                </a:solidFill>
+                <a:effectLst/>
+                <a:latin typeface="Courier New" panose="02070309020205020404" pitchFamily="49" charset="0"/>
+              </a:rPr>
+              <a:t> </a:t>
+            </a:r>
+            <a:r>
+              <a:rPr lang="en-IN" sz="1100" dirty="0">
+                <a:solidFill>
+                  <a:srgbClr val="7F007F"/>
+                </a:solidFill>
+                <a:effectLst/>
+                <a:latin typeface="Courier New" panose="02070309020205020404" pitchFamily="49" charset="0"/>
+              </a:rPr>
+              <a:t>parallel</a:t>
+            </a:r>
+            <a:r>
+              <a:rPr lang="en-IN" sz="1100" dirty="0">
+                <a:solidFill>
+                  <a:srgbClr val="000000"/>
+                </a:solidFill>
+                <a:effectLst/>
+                <a:latin typeface="Courier New" panose="02070309020205020404" pitchFamily="49" charset="0"/>
+              </a:rPr>
+              <a:t>=</a:t>
+            </a:r>
+            <a:r>
+              <a:rPr lang="en-IN" sz="1100" i="1" dirty="0">
+                <a:solidFill>
+                  <a:srgbClr val="2A00FF"/>
+                </a:solidFill>
+                <a:effectLst/>
+                <a:latin typeface="Courier New" panose="02070309020205020404" pitchFamily="49" charset="0"/>
+              </a:rPr>
+              <a:t>"methods"</a:t>
+            </a:r>
+            <a:r>
+              <a:rPr lang="en-IN" sz="1100" dirty="0">
+                <a:solidFill>
+                  <a:srgbClr val="000000"/>
+                </a:solidFill>
+                <a:effectLst/>
+                <a:latin typeface="Courier New" panose="02070309020205020404" pitchFamily="49" charset="0"/>
+              </a:rPr>
+              <a:t> </a:t>
+            </a:r>
+            <a:r>
+              <a:rPr lang="en-IN" sz="1100" dirty="0">
+                <a:solidFill>
+                  <a:srgbClr val="7F007F"/>
+                </a:solidFill>
+                <a:effectLst/>
+                <a:latin typeface="Courier New" panose="02070309020205020404" pitchFamily="49" charset="0"/>
+              </a:rPr>
+              <a:t>name</a:t>
+            </a:r>
+            <a:r>
+              <a:rPr lang="en-IN" sz="1100" dirty="0">
+                <a:solidFill>
+                  <a:srgbClr val="000000"/>
+                </a:solidFill>
+                <a:effectLst/>
+                <a:latin typeface="Courier New" panose="02070309020205020404" pitchFamily="49" charset="0"/>
+              </a:rPr>
+              <a:t>=</a:t>
+            </a:r>
+            <a:r>
+              <a:rPr lang="en-IN" sz="1100" i="1" dirty="0">
+                <a:solidFill>
+                  <a:srgbClr val="2A00FF"/>
+                </a:solidFill>
+                <a:effectLst/>
+                <a:latin typeface="Courier New" panose="02070309020205020404" pitchFamily="49" charset="0"/>
+              </a:rPr>
+              <a:t>"Suite"</a:t>
+            </a:r>
+            <a:r>
+              <a:rPr lang="en-IN" sz="1100" dirty="0">
+                <a:solidFill>
+                  <a:srgbClr val="008080"/>
+                </a:solidFill>
+                <a:effectLst/>
+                <a:latin typeface="Courier New" panose="02070309020205020404" pitchFamily="49" charset="0"/>
+              </a:rPr>
+              <a:t>&gt;</a:t>
+            </a:r>
+            <a:endParaRPr lang="en-IN" sz="1100" dirty="0">
+              <a:solidFill>
+                <a:srgbClr val="000000"/>
+              </a:solidFill>
+              <a:effectLst/>
+              <a:latin typeface="Courier New" panose="02070309020205020404" pitchFamily="49" charset="0"/>
+            </a:endParaRPr>
+          </a:p>
+          <a:p>
+            <a:pPr marL="0" marR="0">
+              <a:spcBef>
+                <a:spcPts val="0"/>
+              </a:spcBef>
+              <a:spcAft>
+                <a:spcPts val="0"/>
+              </a:spcAft>
+            </a:pPr>
+            <a:r>
+              <a:rPr lang="en-IN" sz="1100" dirty="0">
+                <a:solidFill>
+                  <a:srgbClr val="008080"/>
+                </a:solidFill>
+                <a:effectLst/>
+                <a:latin typeface="Courier New" panose="02070309020205020404" pitchFamily="49" charset="0"/>
+              </a:rPr>
+              <a:t>&lt;</a:t>
+            </a:r>
+            <a:r>
+              <a:rPr lang="en-IN" sz="1100" dirty="0">
+                <a:solidFill>
+                  <a:srgbClr val="3F7F7F"/>
+                </a:solidFill>
+                <a:effectLst/>
+                <a:latin typeface="Courier New" panose="02070309020205020404" pitchFamily="49" charset="0"/>
+              </a:rPr>
+              <a:t>test</a:t>
+            </a:r>
+            <a:r>
+              <a:rPr lang="en-IN" sz="1100" dirty="0">
+                <a:solidFill>
+                  <a:srgbClr val="000000"/>
+                </a:solidFill>
+                <a:effectLst/>
+                <a:latin typeface="Courier New" panose="02070309020205020404" pitchFamily="49" charset="0"/>
+              </a:rPr>
+              <a:t> </a:t>
+            </a:r>
+            <a:r>
+              <a:rPr lang="en-IN" sz="1100" dirty="0">
+                <a:solidFill>
+                  <a:srgbClr val="7F007F"/>
+                </a:solidFill>
+                <a:effectLst/>
+                <a:latin typeface="Courier New" panose="02070309020205020404" pitchFamily="49" charset="0"/>
+              </a:rPr>
+              <a:t>thread-count</a:t>
+            </a:r>
+            <a:r>
+              <a:rPr lang="en-IN" sz="1100" dirty="0">
+                <a:solidFill>
+                  <a:srgbClr val="000000"/>
+                </a:solidFill>
+                <a:effectLst/>
+                <a:latin typeface="Courier New" panose="02070309020205020404" pitchFamily="49" charset="0"/>
+              </a:rPr>
+              <a:t>=</a:t>
+            </a:r>
+            <a:r>
+              <a:rPr lang="en-IN" sz="1100" i="1" dirty="0">
+                <a:solidFill>
+                  <a:srgbClr val="2A00FF"/>
+                </a:solidFill>
+                <a:effectLst/>
+                <a:latin typeface="Courier New" panose="02070309020205020404" pitchFamily="49" charset="0"/>
+              </a:rPr>
+              <a:t>"3"</a:t>
+            </a:r>
+            <a:r>
+              <a:rPr lang="en-IN" sz="1100" dirty="0">
+                <a:solidFill>
+                  <a:srgbClr val="000000"/>
+                </a:solidFill>
+                <a:effectLst/>
+                <a:latin typeface="Courier New" panose="02070309020205020404" pitchFamily="49" charset="0"/>
+              </a:rPr>
+              <a:t> </a:t>
+            </a:r>
+            <a:r>
+              <a:rPr lang="en-IN" sz="1100" dirty="0">
+                <a:solidFill>
+                  <a:srgbClr val="7F007F"/>
+                </a:solidFill>
+                <a:effectLst/>
+                <a:latin typeface="Courier New" panose="02070309020205020404" pitchFamily="49" charset="0"/>
+              </a:rPr>
+              <a:t>parallel</a:t>
+            </a:r>
+            <a:r>
+              <a:rPr lang="en-IN" sz="1100" dirty="0">
+                <a:solidFill>
+                  <a:srgbClr val="000000"/>
+                </a:solidFill>
+                <a:effectLst/>
+                <a:latin typeface="Courier New" panose="02070309020205020404" pitchFamily="49" charset="0"/>
+              </a:rPr>
+              <a:t>=</a:t>
+            </a:r>
+            <a:r>
+              <a:rPr lang="en-IN" sz="1100" i="1" dirty="0">
+                <a:solidFill>
+                  <a:srgbClr val="2A00FF"/>
+                </a:solidFill>
+                <a:effectLst/>
+                <a:latin typeface="Courier New" panose="02070309020205020404" pitchFamily="49" charset="0"/>
+              </a:rPr>
+              <a:t>"methods"</a:t>
+            </a:r>
+            <a:r>
+              <a:rPr lang="en-IN" sz="1100" dirty="0">
+                <a:solidFill>
+                  <a:srgbClr val="000000"/>
+                </a:solidFill>
+                <a:effectLst/>
+                <a:latin typeface="Courier New" panose="02070309020205020404" pitchFamily="49" charset="0"/>
+              </a:rPr>
+              <a:t> </a:t>
+            </a:r>
+            <a:r>
+              <a:rPr lang="en-IN" sz="1100" dirty="0">
+                <a:solidFill>
+                  <a:srgbClr val="7F007F"/>
+                </a:solidFill>
+                <a:effectLst/>
+                <a:latin typeface="Courier New" panose="02070309020205020404" pitchFamily="49" charset="0"/>
+              </a:rPr>
+              <a:t>name</a:t>
+            </a:r>
+            <a:r>
+              <a:rPr lang="en-IN" sz="1100" dirty="0">
+                <a:solidFill>
+                  <a:srgbClr val="000000"/>
+                </a:solidFill>
+                <a:effectLst/>
+                <a:latin typeface="Courier New" panose="02070309020205020404" pitchFamily="49" charset="0"/>
+              </a:rPr>
+              <a:t>=</a:t>
+            </a:r>
+            <a:r>
+              <a:rPr lang="en-IN" sz="1100" i="1" dirty="0">
+                <a:solidFill>
+                  <a:srgbClr val="2A00FF"/>
+                </a:solidFill>
+                <a:effectLst/>
+                <a:latin typeface="Courier New" panose="02070309020205020404" pitchFamily="49" charset="0"/>
+              </a:rPr>
+              <a:t>"Test"</a:t>
+            </a:r>
+            <a:r>
+              <a:rPr lang="en-IN" sz="1100" dirty="0">
+                <a:solidFill>
+                  <a:srgbClr val="008080"/>
+                </a:solidFill>
+                <a:effectLst/>
+                <a:latin typeface="Courier New" panose="02070309020205020404" pitchFamily="49" charset="0"/>
+              </a:rPr>
+              <a:t>&gt;</a:t>
+            </a:r>
+          </a:p>
+          <a:p>
+            <a:pPr marL="0" marR="0">
+              <a:spcBef>
+                <a:spcPts val="0"/>
+              </a:spcBef>
+              <a:spcAft>
+                <a:spcPts val="0"/>
+              </a:spcAft>
+            </a:pPr>
+            <a:r>
+              <a:rPr lang="en-US" sz="1100" dirty="0">
+                <a:solidFill>
+                  <a:srgbClr val="008080"/>
+                </a:solidFill>
+                <a:effectLst/>
+                <a:latin typeface="Courier New" panose="02070309020205020404" pitchFamily="49" charset="0"/>
+              </a:rPr>
+              <a:t>&lt;</a:t>
+            </a:r>
+            <a:r>
+              <a:rPr lang="en-US" sz="1100" u="sng" dirty="0">
+                <a:solidFill>
+                  <a:srgbClr val="0066CC"/>
+                </a:solidFill>
+                <a:effectLst/>
+                <a:latin typeface="Courier New" panose="02070309020205020404" pitchFamily="49" charset="0"/>
+              </a:rPr>
+              <a:t>parameter</a:t>
+            </a:r>
+            <a:r>
+              <a:rPr lang="en-US" sz="1100" dirty="0">
+                <a:solidFill>
+                  <a:srgbClr val="000000"/>
+                </a:solidFill>
+                <a:effectLst/>
+                <a:latin typeface="Courier New" panose="02070309020205020404" pitchFamily="49" charset="0"/>
+              </a:rPr>
+              <a:t> </a:t>
+            </a:r>
+            <a:r>
+              <a:rPr lang="en-US" sz="1100" dirty="0">
+                <a:solidFill>
+                  <a:srgbClr val="7F007F"/>
+                </a:solidFill>
+                <a:effectLst/>
+                <a:latin typeface="Courier New" panose="02070309020205020404" pitchFamily="49" charset="0"/>
+              </a:rPr>
+              <a:t>name</a:t>
+            </a:r>
+            <a:r>
+              <a:rPr lang="en-US" sz="1100" dirty="0">
+                <a:solidFill>
+                  <a:srgbClr val="000000"/>
+                </a:solidFill>
+                <a:effectLst/>
+                <a:latin typeface="Courier New" panose="02070309020205020404" pitchFamily="49" charset="0"/>
+              </a:rPr>
+              <a:t> =</a:t>
+            </a:r>
+            <a:r>
+              <a:rPr lang="en-US" sz="1100" i="1" dirty="0">
+                <a:solidFill>
+                  <a:srgbClr val="2A00FF"/>
+                </a:solidFill>
+                <a:effectLst/>
+                <a:latin typeface="Courier New" panose="02070309020205020404" pitchFamily="49" charset="0"/>
+              </a:rPr>
+              <a:t>"a"</a:t>
+            </a:r>
+            <a:r>
+              <a:rPr lang="en-US" sz="1100" dirty="0">
+                <a:solidFill>
+                  <a:srgbClr val="000000"/>
+                </a:solidFill>
+                <a:effectLst/>
+                <a:latin typeface="Courier New" panose="02070309020205020404" pitchFamily="49" charset="0"/>
+              </a:rPr>
+              <a:t> </a:t>
+            </a:r>
+            <a:r>
+              <a:rPr lang="en-US" sz="1100" dirty="0">
+                <a:solidFill>
+                  <a:srgbClr val="7F007F"/>
+                </a:solidFill>
+                <a:effectLst/>
+                <a:latin typeface="Courier New" panose="02070309020205020404" pitchFamily="49" charset="0"/>
+              </a:rPr>
+              <a:t>value</a:t>
+            </a:r>
+            <a:r>
+              <a:rPr lang="en-US" sz="1100" dirty="0">
+                <a:solidFill>
+                  <a:srgbClr val="000000"/>
+                </a:solidFill>
+                <a:effectLst/>
+                <a:latin typeface="Courier New" panose="02070309020205020404" pitchFamily="49" charset="0"/>
+              </a:rPr>
+              <a:t>=</a:t>
+            </a:r>
+            <a:r>
+              <a:rPr lang="en-US" sz="1100" i="1" dirty="0">
+                <a:solidFill>
+                  <a:srgbClr val="2A00FF"/>
+                </a:solidFill>
+                <a:effectLst/>
+                <a:latin typeface="Courier New" panose="02070309020205020404" pitchFamily="49" charset="0"/>
+              </a:rPr>
+              <a:t>"150"</a:t>
+            </a:r>
+            <a:r>
+              <a:rPr lang="en-US" sz="1100" dirty="0">
+                <a:solidFill>
+                  <a:srgbClr val="008080"/>
+                </a:solidFill>
+                <a:effectLst/>
+                <a:latin typeface="Courier New" panose="02070309020205020404" pitchFamily="49" charset="0"/>
+              </a:rPr>
+              <a:t>&gt;&lt;/</a:t>
+            </a:r>
+            <a:r>
+              <a:rPr lang="en-US" sz="1100" dirty="0">
+                <a:solidFill>
+                  <a:srgbClr val="3F7F7F"/>
+                </a:solidFill>
+                <a:effectLst/>
+                <a:latin typeface="Courier New" panose="02070309020205020404" pitchFamily="49" charset="0"/>
+              </a:rPr>
+              <a:t>parameter</a:t>
+            </a:r>
+            <a:r>
+              <a:rPr lang="en-US" sz="1100" dirty="0">
+                <a:solidFill>
+                  <a:srgbClr val="008080"/>
+                </a:solidFill>
+                <a:effectLst/>
+                <a:latin typeface="Courier New" panose="02070309020205020404" pitchFamily="49" charset="0"/>
+              </a:rPr>
+              <a:t>&gt;</a:t>
+            </a:r>
+            <a:endParaRPr lang="en-US" sz="1100" dirty="0">
+              <a:solidFill>
+                <a:srgbClr val="000000"/>
+              </a:solidFill>
+              <a:effectLst/>
+              <a:latin typeface="Courier New" panose="02070309020205020404" pitchFamily="49" charset="0"/>
+            </a:endParaRPr>
+          </a:p>
+          <a:p>
+            <a:pPr marL="0" marR="0">
+              <a:spcBef>
+                <a:spcPts val="0"/>
+              </a:spcBef>
+              <a:spcAft>
+                <a:spcPts val="0"/>
+              </a:spcAft>
+            </a:pPr>
+            <a:r>
+              <a:rPr lang="en-US" sz="1100" dirty="0">
+                <a:solidFill>
+                  <a:srgbClr val="008080"/>
+                </a:solidFill>
+                <a:effectLst/>
+                <a:latin typeface="Courier New" panose="02070309020205020404" pitchFamily="49" charset="0"/>
+              </a:rPr>
+              <a:t>&lt;</a:t>
+            </a:r>
+            <a:r>
+              <a:rPr lang="en-US" sz="1100" dirty="0">
+                <a:solidFill>
+                  <a:srgbClr val="3F7F7F"/>
+                </a:solidFill>
+                <a:effectLst/>
+                <a:latin typeface="Courier New" panose="02070309020205020404" pitchFamily="49" charset="0"/>
+              </a:rPr>
+              <a:t>parameter</a:t>
+            </a:r>
+            <a:r>
+              <a:rPr lang="en-US" sz="1100" dirty="0">
+                <a:solidFill>
+                  <a:srgbClr val="000000"/>
+                </a:solidFill>
+                <a:effectLst/>
+                <a:latin typeface="Courier New" panose="02070309020205020404" pitchFamily="49" charset="0"/>
+              </a:rPr>
+              <a:t> </a:t>
+            </a:r>
+            <a:r>
+              <a:rPr lang="en-US" sz="1100" dirty="0">
+                <a:solidFill>
+                  <a:srgbClr val="7F007F"/>
+                </a:solidFill>
+                <a:effectLst/>
+                <a:latin typeface="Courier New" panose="02070309020205020404" pitchFamily="49" charset="0"/>
+              </a:rPr>
+              <a:t>name</a:t>
+            </a:r>
+            <a:r>
+              <a:rPr lang="en-US" sz="1100" dirty="0">
+                <a:solidFill>
+                  <a:srgbClr val="000000"/>
+                </a:solidFill>
+                <a:effectLst/>
+                <a:latin typeface="Courier New" panose="02070309020205020404" pitchFamily="49" charset="0"/>
+              </a:rPr>
+              <a:t> =</a:t>
+            </a:r>
+            <a:r>
+              <a:rPr lang="en-US" sz="1100" i="1" dirty="0">
+                <a:solidFill>
+                  <a:srgbClr val="2A00FF"/>
+                </a:solidFill>
+                <a:effectLst/>
+                <a:latin typeface="Courier New" panose="02070309020205020404" pitchFamily="49" charset="0"/>
+              </a:rPr>
+              <a:t>"b"</a:t>
+            </a:r>
+            <a:r>
+              <a:rPr lang="en-US" sz="1100" dirty="0">
+                <a:solidFill>
+                  <a:srgbClr val="000000"/>
+                </a:solidFill>
+                <a:effectLst/>
+                <a:latin typeface="Courier New" panose="02070309020205020404" pitchFamily="49" charset="0"/>
+              </a:rPr>
+              <a:t> </a:t>
+            </a:r>
+            <a:r>
+              <a:rPr lang="en-US" sz="1100" dirty="0">
+                <a:solidFill>
+                  <a:srgbClr val="7F007F"/>
+                </a:solidFill>
+                <a:effectLst/>
+                <a:latin typeface="Courier New" panose="02070309020205020404" pitchFamily="49" charset="0"/>
+              </a:rPr>
+              <a:t>value</a:t>
+            </a:r>
+            <a:r>
+              <a:rPr lang="en-US" sz="1100" dirty="0">
+                <a:solidFill>
+                  <a:srgbClr val="000000"/>
+                </a:solidFill>
+                <a:effectLst/>
+                <a:latin typeface="Courier New" panose="02070309020205020404" pitchFamily="49" charset="0"/>
+              </a:rPr>
+              <a:t>=</a:t>
+            </a:r>
+            <a:r>
+              <a:rPr lang="en-US" sz="1100" i="1" dirty="0">
+                <a:solidFill>
+                  <a:srgbClr val="2A00FF"/>
+                </a:solidFill>
+                <a:effectLst/>
+                <a:latin typeface="Courier New" panose="02070309020205020404" pitchFamily="49" charset="0"/>
+              </a:rPr>
+              <a:t>"100 "</a:t>
+            </a:r>
+            <a:r>
+              <a:rPr lang="en-US" sz="1100" dirty="0">
+                <a:solidFill>
+                  <a:srgbClr val="008080"/>
+                </a:solidFill>
+                <a:effectLst/>
+                <a:latin typeface="Courier New" panose="02070309020205020404" pitchFamily="49" charset="0"/>
+              </a:rPr>
+              <a:t>&gt;&lt;/</a:t>
+            </a:r>
+            <a:r>
+              <a:rPr lang="en-US" sz="1100" dirty="0">
+                <a:solidFill>
+                  <a:srgbClr val="3F7F7F"/>
+                </a:solidFill>
+                <a:effectLst/>
+                <a:latin typeface="Courier New" panose="02070309020205020404" pitchFamily="49" charset="0"/>
+              </a:rPr>
+              <a:t>parameter</a:t>
+            </a:r>
+            <a:r>
+              <a:rPr lang="en-US" sz="1100" dirty="0">
+                <a:solidFill>
+                  <a:srgbClr val="008080"/>
+                </a:solidFill>
+                <a:effectLst/>
+                <a:latin typeface="Courier New" panose="02070309020205020404" pitchFamily="49" charset="0"/>
+              </a:rPr>
+              <a:t>&gt;</a:t>
+            </a:r>
+            <a:endParaRPr lang="en-IN" sz="1100" dirty="0">
+              <a:solidFill>
+                <a:srgbClr val="000000"/>
+              </a:solidFill>
+              <a:effectLst/>
+              <a:latin typeface="Courier New" panose="02070309020205020404" pitchFamily="49" charset="0"/>
+            </a:endParaRPr>
+          </a:p>
+          <a:p>
+            <a:pPr marL="0" marR="0">
+              <a:spcBef>
+                <a:spcPts val="0"/>
+              </a:spcBef>
+              <a:spcAft>
+                <a:spcPts val="0"/>
+              </a:spcAft>
+            </a:pPr>
+            <a:r>
+              <a:rPr lang="en-IN" sz="1100" dirty="0">
+                <a:solidFill>
+                  <a:srgbClr val="008080"/>
+                </a:solidFill>
+                <a:effectLst/>
+                <a:latin typeface="Courier New" panose="02070309020205020404" pitchFamily="49" charset="0"/>
+              </a:rPr>
+              <a:t>&lt;</a:t>
+            </a:r>
+            <a:r>
+              <a:rPr lang="en-IN" sz="1100" dirty="0">
+                <a:solidFill>
+                  <a:srgbClr val="3F7F7F"/>
+                </a:solidFill>
+                <a:effectLst/>
+                <a:latin typeface="Courier New" panose="02070309020205020404" pitchFamily="49" charset="0"/>
+              </a:rPr>
+              <a:t>classes</a:t>
+            </a:r>
+            <a:r>
+              <a:rPr lang="en-IN" sz="1100" dirty="0">
+                <a:solidFill>
+                  <a:srgbClr val="008080"/>
+                </a:solidFill>
+                <a:effectLst/>
+                <a:latin typeface="Courier New" panose="02070309020205020404" pitchFamily="49" charset="0"/>
+              </a:rPr>
+              <a:t>&gt;</a:t>
+            </a:r>
+            <a:endParaRPr lang="en-IN" sz="1100" dirty="0">
+              <a:solidFill>
+                <a:srgbClr val="000000"/>
+              </a:solidFill>
+              <a:effectLst/>
+              <a:latin typeface="Courier New" panose="02070309020205020404" pitchFamily="49" charset="0"/>
+            </a:endParaRPr>
+          </a:p>
+          <a:p>
+            <a:pPr marL="0" marR="0">
+              <a:spcBef>
+                <a:spcPts val="0"/>
+              </a:spcBef>
+              <a:spcAft>
+                <a:spcPts val="0"/>
+              </a:spcAft>
+            </a:pPr>
+            <a:r>
+              <a:rPr lang="en-IN" sz="1100" dirty="0">
+                <a:solidFill>
+                  <a:srgbClr val="008080"/>
+                </a:solidFill>
+                <a:effectLst/>
+                <a:latin typeface="Courier New" panose="02070309020205020404" pitchFamily="49" charset="0"/>
+              </a:rPr>
+              <a:t>&lt;</a:t>
+            </a:r>
+            <a:r>
+              <a:rPr lang="en-IN" sz="1100" dirty="0">
+                <a:solidFill>
+                  <a:srgbClr val="3F7F7F"/>
+                </a:solidFill>
+                <a:effectLst/>
+                <a:latin typeface="Courier New" panose="02070309020205020404" pitchFamily="49" charset="0"/>
+              </a:rPr>
+              <a:t>class</a:t>
+            </a:r>
+            <a:r>
+              <a:rPr lang="en-IN" sz="1100" dirty="0">
+                <a:solidFill>
+                  <a:srgbClr val="000000"/>
+                </a:solidFill>
+                <a:effectLst/>
+                <a:latin typeface="Courier New" panose="02070309020205020404" pitchFamily="49" charset="0"/>
+              </a:rPr>
+              <a:t> </a:t>
+            </a:r>
+            <a:r>
+              <a:rPr lang="en-IN" sz="1100" dirty="0">
+                <a:solidFill>
+                  <a:srgbClr val="7F007F"/>
+                </a:solidFill>
+                <a:effectLst/>
+                <a:latin typeface="Courier New" panose="02070309020205020404" pitchFamily="49" charset="0"/>
+              </a:rPr>
+              <a:t>name</a:t>
+            </a:r>
+            <a:r>
+              <a:rPr lang="en-IN" sz="1100" dirty="0">
+                <a:solidFill>
+                  <a:srgbClr val="000000"/>
+                </a:solidFill>
+                <a:effectLst/>
+                <a:latin typeface="Courier New" panose="02070309020205020404" pitchFamily="49" charset="0"/>
+              </a:rPr>
+              <a:t>=</a:t>
+            </a:r>
+            <a:r>
+              <a:rPr lang="en-IN" sz="1100" i="1" dirty="0">
+                <a:solidFill>
+                  <a:srgbClr val="2A00FF"/>
+                </a:solidFill>
+                <a:effectLst/>
+                <a:latin typeface="Courier New" panose="02070309020205020404" pitchFamily="49" charset="0"/>
+              </a:rPr>
+              <a:t>"</a:t>
+            </a:r>
+            <a:r>
+              <a:rPr lang="en-IN" sz="1100" i="1" dirty="0" err="1">
+                <a:solidFill>
+                  <a:srgbClr val="2A00FF"/>
+                </a:solidFill>
+                <a:effectLst/>
+                <a:latin typeface="Courier New" panose="02070309020205020404" pitchFamily="49" charset="0"/>
+              </a:rPr>
+              <a:t>Tests.TestNGDemo</a:t>
+            </a:r>
+            <a:r>
+              <a:rPr lang="en-IN" sz="1100" i="1" dirty="0">
+                <a:solidFill>
+                  <a:srgbClr val="2A00FF"/>
+                </a:solidFill>
+                <a:effectLst/>
+                <a:latin typeface="Courier New" panose="02070309020205020404" pitchFamily="49" charset="0"/>
+              </a:rPr>
+              <a:t>"</a:t>
+            </a:r>
+            <a:r>
+              <a:rPr lang="en-IN" sz="1100" dirty="0">
+                <a:solidFill>
+                  <a:srgbClr val="008080"/>
+                </a:solidFill>
+                <a:effectLst/>
+                <a:latin typeface="Courier New" panose="02070309020205020404" pitchFamily="49" charset="0"/>
+              </a:rPr>
+              <a:t>/&gt;</a:t>
+            </a:r>
+            <a:endParaRPr lang="en-IN" sz="1100" dirty="0">
+              <a:solidFill>
+                <a:srgbClr val="000000"/>
+              </a:solidFill>
+              <a:effectLst/>
+              <a:latin typeface="Courier New" panose="02070309020205020404" pitchFamily="49" charset="0"/>
+            </a:endParaRPr>
+          </a:p>
+          <a:p>
+            <a:pPr marL="0" marR="0">
+              <a:spcBef>
+                <a:spcPts val="0"/>
+              </a:spcBef>
+              <a:spcAft>
+                <a:spcPts val="0"/>
+              </a:spcAft>
+            </a:pPr>
+            <a:r>
+              <a:rPr lang="en-IN" sz="1100" dirty="0">
+                <a:solidFill>
+                  <a:srgbClr val="008080"/>
+                </a:solidFill>
+                <a:effectLst/>
+                <a:latin typeface="Courier New" panose="02070309020205020404" pitchFamily="49" charset="0"/>
+              </a:rPr>
+              <a:t>&lt;/</a:t>
+            </a:r>
+            <a:r>
+              <a:rPr lang="en-IN" sz="1100" dirty="0">
+                <a:solidFill>
+                  <a:srgbClr val="3F7F7F"/>
+                </a:solidFill>
+                <a:effectLst/>
+                <a:latin typeface="Courier New" panose="02070309020205020404" pitchFamily="49" charset="0"/>
+              </a:rPr>
+              <a:t>classes</a:t>
+            </a:r>
+            <a:r>
+              <a:rPr lang="en-IN" sz="1100" dirty="0">
+                <a:solidFill>
+                  <a:srgbClr val="008080"/>
+                </a:solidFill>
+                <a:effectLst/>
+                <a:latin typeface="Courier New" panose="02070309020205020404" pitchFamily="49" charset="0"/>
+              </a:rPr>
+              <a:t>&gt;</a:t>
+            </a:r>
+            <a:endParaRPr lang="en-IN" sz="1100" dirty="0">
+              <a:solidFill>
+                <a:srgbClr val="000000"/>
+              </a:solidFill>
+              <a:effectLst/>
+              <a:latin typeface="Courier New" panose="02070309020205020404" pitchFamily="49" charset="0"/>
+            </a:endParaRPr>
+          </a:p>
+          <a:p>
+            <a:pPr marL="0" marR="0">
+              <a:spcBef>
+                <a:spcPts val="0"/>
+              </a:spcBef>
+              <a:spcAft>
+                <a:spcPts val="0"/>
+              </a:spcAft>
+            </a:pPr>
+            <a:r>
+              <a:rPr lang="en-IN" sz="1100" dirty="0">
+                <a:solidFill>
+                  <a:srgbClr val="008080"/>
+                </a:solidFill>
+                <a:effectLst/>
+                <a:latin typeface="Courier New" panose="02070309020205020404" pitchFamily="49" charset="0"/>
+              </a:rPr>
+              <a:t>&lt;/</a:t>
+            </a:r>
+            <a:r>
+              <a:rPr lang="en-IN" sz="1100" dirty="0">
+                <a:solidFill>
+                  <a:srgbClr val="3F7F7F"/>
+                </a:solidFill>
+                <a:effectLst/>
+                <a:latin typeface="Courier New" panose="02070309020205020404" pitchFamily="49" charset="0"/>
+              </a:rPr>
+              <a:t>test</a:t>
+            </a:r>
+            <a:r>
+              <a:rPr lang="en-IN" sz="1100" dirty="0">
+                <a:solidFill>
+                  <a:srgbClr val="008080"/>
+                </a:solidFill>
+                <a:effectLst/>
+                <a:latin typeface="Courier New" panose="02070309020205020404" pitchFamily="49" charset="0"/>
+              </a:rPr>
+              <a:t>&gt;</a:t>
+            </a:r>
+            <a:r>
+              <a:rPr lang="en-IN" sz="1100" dirty="0">
+                <a:solidFill>
+                  <a:srgbClr val="000000"/>
+                </a:solidFill>
+                <a:effectLst/>
+                <a:latin typeface="Courier New" panose="02070309020205020404" pitchFamily="49" charset="0"/>
+              </a:rPr>
+              <a:t> </a:t>
+            </a:r>
+            <a:r>
+              <a:rPr lang="en-IN" sz="1100" dirty="0">
+                <a:solidFill>
+                  <a:srgbClr val="3F5FBF"/>
+                </a:solidFill>
+                <a:effectLst/>
+                <a:latin typeface="Courier New" panose="02070309020205020404" pitchFamily="49" charset="0"/>
+              </a:rPr>
+              <a:t>&lt;!-- Test --&gt;</a:t>
+            </a:r>
+            <a:endParaRPr lang="en-IN" sz="1100" dirty="0">
+              <a:solidFill>
+                <a:srgbClr val="000000"/>
+              </a:solidFill>
+              <a:effectLst/>
+              <a:latin typeface="Courier New" panose="02070309020205020404" pitchFamily="49" charset="0"/>
+            </a:endParaRPr>
+          </a:p>
+          <a:p>
+            <a:pPr marL="0" marR="0">
+              <a:spcBef>
+                <a:spcPts val="0"/>
+              </a:spcBef>
+              <a:spcAft>
+                <a:spcPts val="0"/>
+              </a:spcAft>
+            </a:pPr>
+            <a:r>
+              <a:rPr lang="en-IN" sz="1100" dirty="0">
+                <a:solidFill>
+                  <a:srgbClr val="008080"/>
+                </a:solidFill>
+                <a:effectLst/>
+                <a:latin typeface="Courier New" panose="02070309020205020404" pitchFamily="49" charset="0"/>
+              </a:rPr>
+              <a:t>&lt;/</a:t>
+            </a:r>
+            <a:r>
+              <a:rPr lang="en-IN" sz="1100" dirty="0">
+                <a:solidFill>
+                  <a:srgbClr val="3F7F7F"/>
+                </a:solidFill>
+                <a:effectLst/>
+                <a:latin typeface="Courier New" panose="02070309020205020404" pitchFamily="49" charset="0"/>
+              </a:rPr>
+              <a:t>suite</a:t>
+            </a:r>
+            <a:r>
+              <a:rPr lang="en-IN" sz="1100" dirty="0">
+                <a:solidFill>
+                  <a:srgbClr val="008080"/>
+                </a:solidFill>
+                <a:effectLst/>
+                <a:latin typeface="Courier New" panose="02070309020205020404" pitchFamily="49" charset="0"/>
+              </a:rPr>
+              <a:t>&gt;</a:t>
+            </a:r>
+            <a:r>
+              <a:rPr lang="en-IN" sz="1100" dirty="0">
+                <a:solidFill>
+                  <a:srgbClr val="000000"/>
+                </a:solidFill>
+                <a:effectLst/>
+                <a:latin typeface="Courier New" panose="02070309020205020404" pitchFamily="49" charset="0"/>
+              </a:rPr>
+              <a:t> </a:t>
+            </a:r>
+            <a:r>
+              <a:rPr lang="en-IN" sz="1100" dirty="0">
+                <a:solidFill>
+                  <a:srgbClr val="3F5FBF"/>
+                </a:solidFill>
+                <a:effectLst/>
+                <a:latin typeface="Courier New" panose="02070309020205020404" pitchFamily="49" charset="0"/>
+              </a:rPr>
+              <a:t>&lt;!-- Suite --&gt;</a:t>
+            </a:r>
+            <a:endParaRPr lang="en-IN" sz="1100" dirty="0">
+              <a:solidFill>
+                <a:srgbClr val="000000"/>
+              </a:solidFill>
+              <a:effectLst/>
+              <a:latin typeface="Courier New" panose="02070309020205020404" pitchFamily="49" charset="0"/>
+            </a:endParaRPr>
           </a:p>
         </p:txBody>
       </p:sp>
     </p:spTree>
     <p:extLst>
       <p:ext uri="{BB962C8B-B14F-4D97-AF65-F5344CB8AC3E}">
-        <p14:creationId xmlns:p14="http://schemas.microsoft.com/office/powerpoint/2010/main" val="1297286529"/>
+        <p14:creationId xmlns:p14="http://schemas.microsoft.com/office/powerpoint/2010/main" val="1255137799"/>
       </p:ext>
     </p:extLst>
   </p:cSld>
@@ -37954,6 +41314,223 @@
           <a:chExt cx="0" cy="0"/>
         </a:xfrm>
       </p:grpSpPr>
+    </p:spTree>
+    <p:extLst>
+      <p:ext uri="{BB962C8B-B14F-4D97-AF65-F5344CB8AC3E}">
+        <p14:creationId xmlns:p14="http://schemas.microsoft.com/office/powerpoint/2010/main" val="1171761310"/>
+      </p:ext>
+    </p:extLst>
+  </p:cSld>
+  <p:clrMapOvr>
+    <a:masterClrMapping/>
+  </p:clrMapOvr>
+</p:sld>
+</file>
+
+<file path=ppt/slides/slide61.xml><?xml version="1.0" encoding="utf-8"?>
+<p:sld xmlns:a="http://schemas.openxmlformats.org/drawingml/2006/main" xmlns:r="http://schemas.openxmlformats.org/officeDocument/2006/relationships" xmlns:p="http://schemas.openxmlformats.org/presentationml/2006/main">
+  <p:cSld>
+    <p:spTree>
+      <p:nvGrpSpPr>
+        <p:cNvPr id="1" name=""/>
+        <p:cNvGrpSpPr/>
+        <p:nvPr/>
+      </p:nvGrpSpPr>
+      <p:grpSpPr>
+        <a:xfrm>
+          <a:off x="0" y="0"/>
+          <a:ext cx="0" cy="0"/>
+          <a:chOff x="0" y="0"/>
+          <a:chExt cx="0" cy="0"/>
+        </a:xfrm>
+      </p:grpSpPr>
+      <p:sp>
+        <p:nvSpPr>
+          <p:cNvPr id="2" name="Rectangle 1">
+            <a:extLst>
+              <a:ext uri="{FF2B5EF4-FFF2-40B4-BE49-F238E27FC236}">
+                <a16:creationId xmlns:a16="http://schemas.microsoft.com/office/drawing/2014/main" id="{ECB21C35-D191-8AA6-BF9B-DB5370210A6C}"/>
+              </a:ext>
+            </a:extLst>
+          </p:cNvPr>
+          <p:cNvSpPr/>
+          <p:nvPr/>
+        </p:nvSpPr>
+        <p:spPr>
+          <a:xfrm>
+            <a:off x="1004612" y="860902"/>
+            <a:ext cx="11032828" cy="4093428"/>
+          </a:xfrm>
+          <a:prstGeom prst="rect">
+            <a:avLst/>
+          </a:prstGeom>
+          <a:noFill/>
+        </p:spPr>
+        <p:txBody>
+          <a:bodyPr wrap="none" lIns="91440" tIns="45720" rIns="91440" bIns="45720">
+            <a:spAutoFit/>
+          </a:bodyPr>
+          <a:lstStyle/>
+          <a:p>
+            <a:r>
+              <a:rPr lang="en-US" b="1" dirty="0"/>
+              <a:t>What are Selenium Frameworks?</a:t>
+            </a:r>
+          </a:p>
+          <a:p>
+            <a:endParaRPr lang="en-US" sz="1400" b="1" dirty="0"/>
+          </a:p>
+          <a:p>
+            <a:endParaRPr lang="en-US" sz="1400" b="1" dirty="0"/>
+          </a:p>
+          <a:p>
+            <a:pPr marL="285750" indent="-285750">
+              <a:buFont typeface="Arial" panose="020B0604020202020204" pitchFamily="34" charset="0"/>
+              <a:buChar char="•"/>
+            </a:pPr>
+            <a:r>
+              <a:rPr lang="en-US" sz="1400" dirty="0"/>
+              <a:t>The </a:t>
+            </a:r>
+            <a:r>
+              <a:rPr lang="en-US" sz="1400" b="1" dirty="0">
+                <a:hlinkClick r:id="rId2"/>
+              </a:rPr>
+              <a:t>Selenium Framework</a:t>
+            </a:r>
+            <a:r>
+              <a:rPr lang="en-US" sz="1400" dirty="0"/>
+              <a:t> is a coding framework that simplifies and streamlines the process of code maintenance. </a:t>
+            </a:r>
+          </a:p>
+          <a:p>
+            <a:endParaRPr lang="en-US" sz="1400" dirty="0"/>
+          </a:p>
+          <a:p>
+            <a:pPr marL="285750" indent="-285750">
+              <a:buFont typeface="Arial" panose="020B0604020202020204" pitchFamily="34" charset="0"/>
+              <a:buChar char="•"/>
+            </a:pPr>
+            <a:r>
+              <a:rPr lang="en-US" sz="1400" dirty="0"/>
+              <a:t>Users may store “code” and “data” in the same area if frameworks are not used, making the code and data neither reusable nor understandable. </a:t>
+            </a:r>
+          </a:p>
+          <a:p>
+            <a:endParaRPr lang="en-US" sz="1400" dirty="0"/>
+          </a:p>
+          <a:p>
+            <a:pPr marL="285750" indent="-285750">
+              <a:buFont typeface="Arial" panose="020B0604020202020204" pitchFamily="34" charset="0"/>
+              <a:buChar char="•"/>
+            </a:pPr>
+            <a:r>
+              <a:rPr lang="en-US" sz="1400" dirty="0"/>
+              <a:t>In addition to producing desirable effects such as greater code reusability, increased portability, decreased script maintenance cost, </a:t>
+            </a:r>
+          </a:p>
+          <a:p>
+            <a:r>
+              <a:rPr lang="en-US" sz="1400" dirty="0"/>
+              <a:t>       and improved code readability, frameworks can cause negative consequences.</a:t>
+            </a:r>
+          </a:p>
+          <a:p>
+            <a:endParaRPr lang="en-US" sz="1400" dirty="0"/>
+          </a:p>
+          <a:p>
+            <a:endParaRPr lang="en-US" sz="1400" dirty="0"/>
+          </a:p>
+          <a:p>
+            <a:r>
+              <a:rPr lang="en-US" b="1" dirty="0"/>
+              <a:t>Types</a:t>
+            </a:r>
+            <a:r>
+              <a:rPr lang="en-US" sz="1400" dirty="0"/>
+              <a:t>:</a:t>
+            </a:r>
+          </a:p>
+          <a:p>
+            <a:endParaRPr lang="en-US" sz="1400" dirty="0"/>
+          </a:p>
+          <a:p>
+            <a:pPr marL="342900" indent="-342900">
+              <a:buFont typeface="+mj-lt"/>
+              <a:buAutoNum type="arabicPeriod"/>
+            </a:pPr>
+            <a:r>
+              <a:rPr lang="en-IN" sz="1400" dirty="0"/>
+              <a:t>Data-driven Framework</a:t>
+            </a:r>
+          </a:p>
+          <a:p>
+            <a:pPr marL="342900" indent="-342900">
+              <a:buFont typeface="+mj-lt"/>
+              <a:buAutoNum type="arabicPeriod"/>
+            </a:pPr>
+            <a:endParaRPr lang="en-US" sz="1400" dirty="0"/>
+          </a:p>
+          <a:p>
+            <a:pPr marL="342900" indent="-342900">
+              <a:buFont typeface="+mj-lt"/>
+              <a:buAutoNum type="arabicPeriod"/>
+            </a:pPr>
+            <a:r>
+              <a:rPr lang="en-IN" sz="1400" dirty="0"/>
+              <a:t>Keyword Driven Testing Framework</a:t>
+            </a:r>
+          </a:p>
+          <a:p>
+            <a:pPr marL="342900" indent="-342900">
+              <a:buFont typeface="+mj-lt"/>
+              <a:buAutoNum type="arabicPeriod"/>
+            </a:pPr>
+            <a:endParaRPr lang="en-US" sz="1400" dirty="0"/>
+          </a:p>
+          <a:p>
+            <a:pPr marL="342900" indent="-342900">
+              <a:buFont typeface="+mj-lt"/>
+              <a:buAutoNum type="arabicPeriod"/>
+            </a:pPr>
+            <a:r>
+              <a:rPr lang="en-IN" sz="1400" dirty="0"/>
+              <a:t>Hybrid Driven Testing Framework</a:t>
+            </a:r>
+            <a:endParaRPr lang="en-US" sz="1400" dirty="0"/>
+          </a:p>
+        </p:txBody>
+      </p:sp>
+    </p:spTree>
+    <p:extLst>
+      <p:ext uri="{BB962C8B-B14F-4D97-AF65-F5344CB8AC3E}">
+        <p14:creationId xmlns:p14="http://schemas.microsoft.com/office/powerpoint/2010/main" val="1297286529"/>
+      </p:ext>
+    </p:extLst>
+  </p:cSld>
+  <p:clrMapOvr>
+    <a:masterClrMapping/>
+  </p:clrMapOvr>
+</p:sld>
+</file>
+
+<file path=ppt/slides/slide62.xml><?xml version="1.0" encoding="utf-8"?>
+<p:sld xmlns:a="http://schemas.openxmlformats.org/drawingml/2006/main" xmlns:r="http://schemas.openxmlformats.org/officeDocument/2006/relationships" xmlns:p="http://schemas.openxmlformats.org/presentationml/2006/main">
+  <p:cSld>
+    <p:spTree>
+      <p:nvGrpSpPr>
+        <p:cNvPr id="1" name=""/>
+        <p:cNvGrpSpPr/>
+        <p:nvPr/>
+      </p:nvGrpSpPr>
+      <p:grpSpPr>
+        <a:xfrm>
+          <a:off x="0" y="0"/>
+          <a:ext cx="0" cy="0"/>
+          <a:chOff x="0" y="0"/>
+          <a:chExt cx="0" cy="0"/>
+        </a:xfrm>
+      </p:grpSpPr>
       <p:sp>
         <p:nvSpPr>
           <p:cNvPr id="2" name="Rectangle 1">
@@ -38062,7 +41639,7 @@
 </p:sld>
 </file>
 
-<file path=ppt/slides/slide61.xml><?xml version="1.0" encoding="utf-8"?>
+<file path=ppt/slides/slide63.xml><?xml version="1.0" encoding="utf-8"?>
 <p:sld xmlns:a="http://schemas.openxmlformats.org/drawingml/2006/main" xmlns:r="http://schemas.openxmlformats.org/officeDocument/2006/relationships" xmlns:p="http://schemas.openxmlformats.org/presentationml/2006/main">
   <p:cSld>
     <p:spTree>

--- a/Selenium.pptx
+++ b/Selenium.pptx
@@ -5,7 +5,7 @@
     <p:sldMasterId id="2147483648" r:id="rId1"/>
   </p:sldMasterIdLst>
   <p:notesMasterIdLst>
-    <p:notesMasterId r:id="rId65"/>
+    <p:notesMasterId r:id="rId64"/>
   </p:notesMasterIdLst>
   <p:sldIdLst>
     <p:sldId id="262" r:id="rId2"/>
@@ -68,9 +68,8 @@
     <p:sldId id="318" r:id="rId59"/>
     <p:sldId id="319" r:id="rId60"/>
     <p:sldId id="320" r:id="rId61"/>
-    <p:sldId id="265" r:id="rId62"/>
-    <p:sldId id="266" r:id="rId63"/>
-    <p:sldId id="267" r:id="rId64"/>
+    <p:sldId id="266" r:id="rId62"/>
+    <p:sldId id="267" r:id="rId63"/>
   </p:sldIdLst>
   <p:sldSz cx="12192000" cy="6858000"/>
   <p:notesSz cx="6858000" cy="9144000"/>
@@ -1093,10 +1092,47 @@
   <pc:docChgLst>
     <pc:chgData name="Suraj Sundar" userId="21277d655284b0de" providerId="LiveId" clId="{E2F3747C-E9FB-40B1-A028-6F80A11A7AF1}"/>
     <pc:docChg chg="undo custSel addSld delSld modSld">
-      <pc:chgData name="Suraj Sundar" userId="21277d655284b0de" providerId="LiveId" clId="{E2F3747C-E9FB-40B1-A028-6F80A11A7AF1}" dt="2024-02-01T14:52:41.651" v="1315" actId="115"/>
+      <pc:chgData name="Suraj Sundar" userId="21277d655284b0de" providerId="LiveId" clId="{E2F3747C-E9FB-40B1-A028-6F80A11A7AF1}" dt="2024-02-05T14:24:47.133" v="1761" actId="14100"/>
       <pc:docMkLst>
         <pc:docMk/>
       </pc:docMkLst>
+      <pc:sldChg chg="del">
+        <pc:chgData name="Suraj Sundar" userId="21277d655284b0de" providerId="LiveId" clId="{E2F3747C-E9FB-40B1-A028-6F80A11A7AF1}" dt="2024-02-05T08:17:47.372" v="1356" actId="2696"/>
+        <pc:sldMkLst>
+          <pc:docMk/>
+          <pc:sldMk cId="1297286529" sldId="265"/>
+        </pc:sldMkLst>
+      </pc:sldChg>
+      <pc:sldChg chg="modSp mod">
+        <pc:chgData name="Suraj Sundar" userId="21277d655284b0de" providerId="LiveId" clId="{E2F3747C-E9FB-40B1-A028-6F80A11A7AF1}" dt="2024-02-05T13:33:12.091" v="1739" actId="20577"/>
+        <pc:sldMkLst>
+          <pc:docMk/>
+          <pc:sldMk cId="2048242346" sldId="266"/>
+        </pc:sldMkLst>
+        <pc:spChg chg="mod">
+          <ac:chgData name="Suraj Sundar" userId="21277d655284b0de" providerId="LiveId" clId="{E2F3747C-E9FB-40B1-A028-6F80A11A7AF1}" dt="2024-02-05T13:33:12.091" v="1739" actId="20577"/>
+          <ac:spMkLst>
+            <pc:docMk/>
+            <pc:sldMk cId="2048242346" sldId="266"/>
+            <ac:spMk id="2" creationId="{76677099-EEE8-9984-C00C-BEB82F324B94}"/>
+          </ac:spMkLst>
+        </pc:spChg>
+      </pc:sldChg>
+      <pc:sldChg chg="modSp mod">
+        <pc:chgData name="Suraj Sundar" userId="21277d655284b0de" providerId="LiveId" clId="{E2F3747C-E9FB-40B1-A028-6F80A11A7AF1}" dt="2024-02-05T08:20:21.077" v="1407" actId="20577"/>
+        <pc:sldMkLst>
+          <pc:docMk/>
+          <pc:sldMk cId="3854129687" sldId="267"/>
+        </pc:sldMkLst>
+        <pc:spChg chg="mod">
+          <ac:chgData name="Suraj Sundar" userId="21277d655284b0de" providerId="LiveId" clId="{E2F3747C-E9FB-40B1-A028-6F80A11A7AF1}" dt="2024-02-05T08:20:21.077" v="1407" actId="20577"/>
+          <ac:spMkLst>
+            <pc:docMk/>
+            <pc:sldMk cId="3854129687" sldId="267"/>
+            <ac:spMk id="2" creationId="{00CC8A12-2862-D8AF-5C89-D1269D1E54FD}"/>
+          </ac:spMkLst>
+        </pc:spChg>
+      </pc:sldChg>
       <pc:sldChg chg="addSp modSp mod">
         <pc:chgData name="Suraj Sundar" userId="21277d655284b0de" providerId="LiveId" clId="{E2F3747C-E9FB-40B1-A028-6F80A11A7AF1}" dt="2024-01-22T02:45:50.738" v="30" actId="20577"/>
         <pc:sldMkLst>
@@ -1591,7 +1627,7 @@
         </pc:spChg>
       </pc:sldChg>
       <pc:sldChg chg="addSp delSp modSp new mod">
-        <pc:chgData name="Suraj Sundar" userId="21277d655284b0de" providerId="LiveId" clId="{E2F3747C-E9FB-40B1-A028-6F80A11A7AF1}" dt="2024-02-01T12:46:09.437" v="1113"/>
+        <pc:chgData name="Suraj Sundar" userId="21277d655284b0de" providerId="LiveId" clId="{E2F3747C-E9FB-40B1-A028-6F80A11A7AF1}" dt="2024-02-05T14:24:47.133" v="1761" actId="14100"/>
         <pc:sldMkLst>
           <pc:docMk/>
           <pc:sldMk cId="1171761310" sldId="320"/>
@@ -1604,12 +1640,28 @@
             <ac:spMk id="2" creationId="{B9923689-7848-AE80-3657-1B41EFFCA563}"/>
           </ac:spMkLst>
         </pc:spChg>
+        <pc:spChg chg="add mod">
+          <ac:chgData name="Suraj Sundar" userId="21277d655284b0de" providerId="LiveId" clId="{E2F3747C-E9FB-40B1-A028-6F80A11A7AF1}" dt="2024-02-05T08:17:11.606" v="1354" actId="20577"/>
+          <ac:spMkLst>
+            <pc:docMk/>
+            <pc:sldMk cId="1171761310" sldId="320"/>
+            <ac:spMk id="3" creationId="{E9BD2745-2574-BB81-1EB7-186222FAD721}"/>
+          </ac:spMkLst>
+        </pc:spChg>
         <pc:spChg chg="add del mod">
           <ac:chgData name="Suraj Sundar" userId="21277d655284b0de" providerId="LiveId" clId="{E2F3747C-E9FB-40B1-A028-6F80A11A7AF1}" dt="2024-02-01T12:46:09.437" v="1113"/>
           <ac:spMkLst>
             <pc:docMk/>
             <pc:sldMk cId="1171761310" sldId="320"/>
             <ac:spMk id="4" creationId="{2A64A901-E1E5-B239-3CD5-B8F9C56F11C4}"/>
+          </ac:spMkLst>
+        </pc:spChg>
+        <pc:spChg chg="add mod">
+          <ac:chgData name="Suraj Sundar" userId="21277d655284b0de" providerId="LiveId" clId="{E2F3747C-E9FB-40B1-A028-6F80A11A7AF1}" dt="2024-02-05T14:24:47.133" v="1761" actId="14100"/>
+          <ac:spMkLst>
+            <pc:docMk/>
+            <pc:sldMk cId="1171761310" sldId="320"/>
+            <ac:spMk id="5" creationId="{1B155E9E-D222-FA38-1002-349454F7B63D}"/>
           </ac:spMkLst>
         </pc:spChg>
       </pc:sldChg>
@@ -1700,7 +1752,7 @@
           <a:p>
             <a:fld id="{55094CC2-04C1-4624-9BCC-AFE02C9F9764}" type="datetimeFigureOut">
               <a:rPr lang="en-IN" smtClean="0"/>
-              <a:t>01-02-2024</a:t>
+              <a:t>05-02-2024</a:t>
             </a:fld>
             <a:endParaRPr lang="en-IN"/>
           </a:p>
@@ -2117,7 +2169,7 @@
           <a:p>
             <a:fld id="{168663A3-44DB-42D5-A5A8-89ADCC6CF7A6}" type="datetimeFigureOut">
               <a:rPr lang="en-IN" smtClean="0"/>
-              <a:t>01-02-2024</a:t>
+              <a:t>05-02-2024</a:t>
             </a:fld>
             <a:endParaRPr lang="en-IN"/>
           </a:p>
@@ -2317,7 +2369,7 @@
           <a:p>
             <a:fld id="{168663A3-44DB-42D5-A5A8-89ADCC6CF7A6}" type="datetimeFigureOut">
               <a:rPr lang="en-IN" smtClean="0"/>
-              <a:t>01-02-2024</a:t>
+              <a:t>05-02-2024</a:t>
             </a:fld>
             <a:endParaRPr lang="en-IN"/>
           </a:p>
@@ -2527,7 +2579,7 @@
           <a:p>
             <a:fld id="{168663A3-44DB-42D5-A5A8-89ADCC6CF7A6}" type="datetimeFigureOut">
               <a:rPr lang="en-IN" smtClean="0"/>
-              <a:t>01-02-2024</a:t>
+              <a:t>05-02-2024</a:t>
             </a:fld>
             <a:endParaRPr lang="en-IN"/>
           </a:p>
@@ -2727,7 +2779,7 @@
           <a:p>
             <a:fld id="{168663A3-44DB-42D5-A5A8-89ADCC6CF7A6}" type="datetimeFigureOut">
               <a:rPr lang="en-IN" smtClean="0"/>
-              <a:t>01-02-2024</a:t>
+              <a:t>05-02-2024</a:t>
             </a:fld>
             <a:endParaRPr lang="en-IN"/>
           </a:p>
@@ -3003,7 +3055,7 @@
           <a:p>
             <a:fld id="{168663A3-44DB-42D5-A5A8-89ADCC6CF7A6}" type="datetimeFigureOut">
               <a:rPr lang="en-IN" smtClean="0"/>
-              <a:t>01-02-2024</a:t>
+              <a:t>05-02-2024</a:t>
             </a:fld>
             <a:endParaRPr lang="en-IN"/>
           </a:p>
@@ -3271,7 +3323,7 @@
           <a:p>
             <a:fld id="{168663A3-44DB-42D5-A5A8-89ADCC6CF7A6}" type="datetimeFigureOut">
               <a:rPr lang="en-IN" smtClean="0"/>
-              <a:t>01-02-2024</a:t>
+              <a:t>05-02-2024</a:t>
             </a:fld>
             <a:endParaRPr lang="en-IN"/>
           </a:p>
@@ -3686,7 +3738,7 @@
           <a:p>
             <a:fld id="{168663A3-44DB-42D5-A5A8-89ADCC6CF7A6}" type="datetimeFigureOut">
               <a:rPr lang="en-IN" smtClean="0"/>
-              <a:t>01-02-2024</a:t>
+              <a:t>05-02-2024</a:t>
             </a:fld>
             <a:endParaRPr lang="en-IN"/>
           </a:p>
@@ -3828,7 +3880,7 @@
           <a:p>
             <a:fld id="{168663A3-44DB-42D5-A5A8-89ADCC6CF7A6}" type="datetimeFigureOut">
               <a:rPr lang="en-IN" smtClean="0"/>
-              <a:t>01-02-2024</a:t>
+              <a:t>05-02-2024</a:t>
             </a:fld>
             <a:endParaRPr lang="en-IN"/>
           </a:p>
@@ -3941,7 +3993,7 @@
           <a:p>
             <a:fld id="{168663A3-44DB-42D5-A5A8-89ADCC6CF7A6}" type="datetimeFigureOut">
               <a:rPr lang="en-IN" smtClean="0"/>
-              <a:t>01-02-2024</a:t>
+              <a:t>05-02-2024</a:t>
             </a:fld>
             <a:endParaRPr lang="en-IN"/>
           </a:p>
@@ -4254,7 +4306,7 @@
           <a:p>
             <a:fld id="{168663A3-44DB-42D5-A5A8-89ADCC6CF7A6}" type="datetimeFigureOut">
               <a:rPr lang="en-IN" smtClean="0"/>
-              <a:t>01-02-2024</a:t>
+              <a:t>05-02-2024</a:t>
             </a:fld>
             <a:endParaRPr lang="en-IN"/>
           </a:p>
@@ -4543,7 +4595,7 @@
           <a:p>
             <a:fld id="{168663A3-44DB-42D5-A5A8-89ADCC6CF7A6}" type="datetimeFigureOut">
               <a:rPr lang="en-IN" smtClean="0"/>
-              <a:t>01-02-2024</a:t>
+              <a:t>05-02-2024</a:t>
             </a:fld>
             <a:endParaRPr lang="en-IN"/>
           </a:p>
@@ -4786,7 +4838,7 @@
           <a:p>
             <a:fld id="{168663A3-44DB-42D5-A5A8-89ADCC6CF7A6}" type="datetimeFigureOut">
               <a:rPr lang="en-IN" smtClean="0"/>
-              <a:t>01-02-2024</a:t>
+              <a:t>05-02-2024</a:t>
             </a:fld>
             <a:endParaRPr lang="en-IN"/>
           </a:p>
@@ -41314,6 +41366,191 @@
           <a:chExt cx="0" cy="0"/>
         </a:xfrm>
       </p:grpSpPr>
+      <p:sp>
+        <p:nvSpPr>
+          <p:cNvPr id="3" name="TextBox 2">
+            <a:extLst>
+              <a:ext uri="{FF2B5EF4-FFF2-40B4-BE49-F238E27FC236}">
+                <a16:creationId xmlns:a16="http://schemas.microsoft.com/office/drawing/2014/main" id="{E9BD2745-2574-BB81-1EB7-186222FAD721}"/>
+              </a:ext>
+            </a:extLst>
+          </p:cNvPr>
+          <p:cNvSpPr txBox="1"/>
+          <p:nvPr/>
+        </p:nvSpPr>
+        <p:spPr>
+          <a:xfrm>
+            <a:off x="215153" y="511006"/>
+            <a:ext cx="11035554" cy="1200329"/>
+          </a:xfrm>
+          <a:prstGeom prst="rect">
+            <a:avLst/>
+          </a:prstGeom>
+          <a:noFill/>
+        </p:spPr>
+        <p:txBody>
+          <a:bodyPr wrap="square">
+            <a:spAutoFit/>
+          </a:bodyPr>
+          <a:lstStyle/>
+          <a:p>
+            <a:r>
+              <a:rPr lang="en-US" dirty="0"/>
+              <a:t>FRAMEWORK</a:t>
+            </a:r>
+          </a:p>
+          <a:p>
+            <a:endParaRPr lang="en-US" dirty="0"/>
+          </a:p>
+          <a:p>
+            <a:r>
+              <a:rPr lang="en-US" dirty="0"/>
+              <a:t>A </a:t>
+            </a:r>
+            <a:r>
+              <a:rPr lang="en-US" b="1" dirty="0"/>
+              <a:t>data-driven</a:t>
+            </a:r>
+            <a:r>
+              <a:rPr lang="en-US" dirty="0"/>
+              <a:t> framework is a test automation framework where test data is kept separate from the test script, allowing for more flexibility and reusability of test cases. </a:t>
+            </a:r>
+            <a:endParaRPr lang="en-IN" dirty="0"/>
+          </a:p>
+        </p:txBody>
+      </p:sp>
+      <p:sp>
+        <p:nvSpPr>
+          <p:cNvPr id="5" name="TextBox 4">
+            <a:extLst>
+              <a:ext uri="{FF2B5EF4-FFF2-40B4-BE49-F238E27FC236}">
+                <a16:creationId xmlns:a16="http://schemas.microsoft.com/office/drawing/2014/main" id="{1B155E9E-D222-FA38-1002-349454F7B63D}"/>
+              </a:ext>
+            </a:extLst>
+          </p:cNvPr>
+          <p:cNvSpPr txBox="1"/>
+          <p:nvPr/>
+        </p:nvSpPr>
+        <p:spPr>
+          <a:xfrm>
+            <a:off x="215153" y="2338898"/>
+            <a:ext cx="9368118" cy="3970318"/>
+          </a:xfrm>
+          <a:prstGeom prst="rect">
+            <a:avLst/>
+          </a:prstGeom>
+          <a:noFill/>
+        </p:spPr>
+        <p:txBody>
+          <a:bodyPr wrap="square">
+            <a:spAutoFit/>
+          </a:bodyPr>
+          <a:lstStyle/>
+          <a:p>
+            <a:r>
+              <a:rPr lang="en-US" b="1" dirty="0"/>
+              <a:t>Advantages of a Data-Driven Framework:</a:t>
+            </a:r>
+          </a:p>
+          <a:p>
+            <a:endParaRPr lang="en-US" b="1" dirty="0"/>
+          </a:p>
+          <a:p>
+            <a:pPr marL="342900" indent="-342900">
+              <a:buAutoNum type="arabicPeriod"/>
+            </a:pPr>
+            <a:r>
+              <a:rPr lang="en-IN" dirty="0"/>
+              <a:t>Increased Reusability</a:t>
+            </a:r>
+          </a:p>
+          <a:p>
+            <a:pPr marL="342900" indent="-342900">
+              <a:buAutoNum type="arabicPeriod"/>
+            </a:pPr>
+            <a:r>
+              <a:rPr lang="en-IN" dirty="0"/>
+              <a:t>Faster Test Execution</a:t>
+            </a:r>
+          </a:p>
+          <a:p>
+            <a:pPr marL="342900" indent="-342900">
+              <a:buAutoNum type="arabicPeriod"/>
+            </a:pPr>
+            <a:r>
+              <a:rPr lang="en-IN" dirty="0"/>
+              <a:t>Adaptability to Changes</a:t>
+            </a:r>
+          </a:p>
+          <a:p>
+            <a:pPr marL="342900" indent="-342900">
+              <a:buAutoNum type="arabicPeriod"/>
+            </a:pPr>
+            <a:endParaRPr lang="en-IN" dirty="0"/>
+          </a:p>
+          <a:p>
+            <a:pPr marL="342900" indent="-342900">
+              <a:buAutoNum type="arabicPeriod"/>
+            </a:pPr>
+            <a:endParaRPr lang="en-IN" dirty="0"/>
+          </a:p>
+          <a:p>
+            <a:r>
+              <a:rPr lang="en-IN" dirty="0"/>
+              <a:t>DD – </a:t>
+            </a:r>
+            <a:r>
+              <a:rPr lang="en-IN" dirty="0" err="1"/>
+              <a:t>framweok</a:t>
+            </a:r>
+            <a:r>
+              <a:rPr lang="en-IN" dirty="0"/>
+              <a:t> where it takes care of fetching the data from external resources</a:t>
+            </a:r>
+          </a:p>
+          <a:p>
+            <a:endParaRPr lang="en-IN" dirty="0"/>
+          </a:p>
+          <a:p>
+            <a:r>
+              <a:rPr lang="en-IN" dirty="0"/>
+              <a:t>SRC/MAIN/JAVA</a:t>
+            </a:r>
+          </a:p>
+          <a:p>
+            <a:r>
+              <a:rPr lang="en-IN" dirty="0"/>
+              <a:t>      -Utils (initialize the driver and open the app)  - Done</a:t>
+            </a:r>
+          </a:p>
+          <a:p>
+            <a:r>
+              <a:rPr lang="en-IN" dirty="0"/>
+              <a:t>      -Pages (</a:t>
+            </a:r>
+            <a:r>
+              <a:rPr lang="en-IN" dirty="0" err="1"/>
+              <a:t>Loginpage</a:t>
+            </a:r>
+            <a:r>
+              <a:rPr lang="en-IN" dirty="0"/>
+              <a:t> – all page element) --</a:t>
+            </a:r>
+          </a:p>
+          <a:p>
+            <a:r>
+              <a:rPr lang="en-IN" dirty="0"/>
+              <a:t>SRC/TEST/JAVA</a:t>
+            </a:r>
+          </a:p>
+          <a:p>
+            <a:r>
+              <a:rPr lang="en-IN" dirty="0"/>
+              <a:t>     -Tests (login) run the code</a:t>
+            </a:r>
+          </a:p>
+        </p:txBody>
+      </p:sp>
     </p:spTree>
     <p:extLst>
       <p:ext uri="{BB962C8B-B14F-4D97-AF65-F5344CB8AC3E}">
@@ -41349,7 +41586,7 @@
           <p:cNvPr id="2" name="Rectangle 1">
             <a:extLst>
               <a:ext uri="{FF2B5EF4-FFF2-40B4-BE49-F238E27FC236}">
-                <a16:creationId xmlns:a16="http://schemas.microsoft.com/office/drawing/2014/main" id="{ECB21C35-D191-8AA6-BF9B-DB5370210A6C}"/>
+                <a16:creationId xmlns:a16="http://schemas.microsoft.com/office/drawing/2014/main" id="{76677099-EEE8-9984-C00C-BEB82F324B94}"/>
               </a:ext>
             </a:extLst>
           </p:cNvPr>
@@ -41358,8 +41595,8 @@
         </p:nvSpPr>
         <p:spPr>
           <a:xfrm>
-            <a:off x="1004612" y="860902"/>
-            <a:ext cx="11032828" cy="4093428"/>
+            <a:off x="227943" y="878558"/>
+            <a:ext cx="11554830" cy="5078313"/>
           </a:xfrm>
           <a:prstGeom prst="rect">
             <a:avLst/>
@@ -41373,86 +41610,51 @@
           <a:lstStyle/>
           <a:p>
             <a:r>
+              <a:rPr lang="en-IN" b="1" dirty="0"/>
+              <a:t>Design Patterns in Selenium:</a:t>
+            </a:r>
+          </a:p>
+          <a:p>
+            <a:endParaRPr lang="en-IN" b="1" dirty="0"/>
+          </a:p>
+          <a:p>
+            <a:r>
+              <a:rPr lang="en-US" b="0" dirty="0">
+                <a:effectLst/>
+              </a:rPr>
+              <a:t>Design Pattern are reusable solutions that can be reused on to problems that frequently arise in software design.</a:t>
+            </a:r>
+          </a:p>
+          <a:p>
+            <a:r>
+              <a:rPr lang="en-US" b="0" dirty="0">
+                <a:effectLst/>
+              </a:rPr>
+              <a:t> </a:t>
+            </a:r>
+          </a:p>
+          <a:p>
+            <a:r>
+              <a:rPr lang="en-US" b="0" dirty="0">
+                <a:effectLst/>
+              </a:rPr>
+              <a:t>They serve as a common vocabulary and a shared understanding of best practices among the developers. </a:t>
+            </a:r>
+          </a:p>
+          <a:p>
+            <a:endParaRPr lang="en-US" dirty="0"/>
+          </a:p>
+          <a:p>
+            <a:endParaRPr lang="en-US" b="1" dirty="0"/>
+          </a:p>
+          <a:p>
+            <a:r>
               <a:rPr lang="en-US" b="1" dirty="0"/>
-              <a:t>What are Selenium Frameworks?</a:t>
-            </a:r>
-          </a:p>
-          <a:p>
-            <a:endParaRPr lang="en-US" sz="1400" b="1" dirty="0"/>
-          </a:p>
-          <a:p>
-            <a:endParaRPr lang="en-US" sz="1400" b="1" dirty="0"/>
-          </a:p>
-          <a:p>
-            <a:pPr marL="285750" indent="-285750">
-              <a:buFont typeface="Arial" panose="020B0604020202020204" pitchFamily="34" charset="0"/>
-              <a:buChar char="•"/>
-            </a:pPr>
-            <a:r>
-              <a:rPr lang="en-US" sz="1400" dirty="0"/>
-              <a:t>The </a:t>
-            </a:r>
-            <a:r>
-              <a:rPr lang="en-US" sz="1400" b="1" dirty="0">
-                <a:hlinkClick r:id="rId2"/>
-              </a:rPr>
-              <a:t>Selenium Framework</a:t>
-            </a:r>
-            <a:r>
-              <a:rPr lang="en-US" sz="1400" dirty="0"/>
-              <a:t> is a coding framework that simplifies and streamlines the process of code maintenance. </a:t>
-            </a:r>
-          </a:p>
-          <a:p>
-            <a:endParaRPr lang="en-US" sz="1400" dirty="0"/>
-          </a:p>
-          <a:p>
-            <a:pPr marL="285750" indent="-285750">
-              <a:buFont typeface="Arial" panose="020B0604020202020204" pitchFamily="34" charset="0"/>
-              <a:buChar char="•"/>
-            </a:pPr>
-            <a:r>
-              <a:rPr lang="en-US" sz="1400" dirty="0"/>
-              <a:t>Users may store “code” and “data” in the same area if frameworks are not used, making the code and data neither reusable nor understandable. </a:t>
-            </a:r>
-          </a:p>
-          <a:p>
-            <a:endParaRPr lang="en-US" sz="1400" dirty="0"/>
-          </a:p>
-          <a:p>
-            <a:pPr marL="285750" indent="-285750">
-              <a:buFont typeface="Arial" panose="020B0604020202020204" pitchFamily="34" charset="0"/>
-              <a:buChar char="•"/>
-            </a:pPr>
-            <a:r>
-              <a:rPr lang="en-US" sz="1400" dirty="0"/>
-              <a:t>In addition to producing desirable effects such as greater code reusability, increased portability, decreased script maintenance cost, </a:t>
-            </a:r>
-          </a:p>
-          <a:p>
-            <a:r>
-              <a:rPr lang="en-US" sz="1400" dirty="0"/>
-              <a:t>       and improved code readability, frameworks can cause negative consequences.</a:t>
-            </a:r>
-          </a:p>
-          <a:p>
-            <a:endParaRPr lang="en-US" sz="1400" dirty="0"/>
-          </a:p>
-          <a:p>
-            <a:endParaRPr lang="en-US" sz="1400" dirty="0"/>
-          </a:p>
-          <a:p>
-            <a:r>
-              <a:rPr lang="en-US" b="1" dirty="0"/>
-              <a:t>Types</a:t>
-            </a:r>
-            <a:r>
-              <a:rPr lang="en-US" sz="1400" dirty="0"/>
-              <a:t>:</a:t>
-            </a:r>
-          </a:p>
-          <a:p>
-            <a:endParaRPr lang="en-US" sz="1400" dirty="0"/>
+              <a:t>Types:</a:t>
+            </a:r>
+          </a:p>
+          <a:p>
+            <a:endParaRPr lang="en-US" dirty="0"/>
           </a:p>
           <a:p>
             <a:pPr marL="342900" indent="-342900">
@@ -41460,8 +41662,8 @@
               <a:buAutoNum type="arabicPeriod"/>
             </a:pPr>
             <a:r>
-              <a:rPr lang="en-IN" sz="1400" dirty="0"/>
-              <a:t>Data-driven Framework</a:t>
+              <a:rPr lang="en-US" dirty="0"/>
+              <a:t>POM (Page Object Model)</a:t>
             </a:r>
           </a:p>
           <a:p>
@@ -41469,160 +41671,48 @@
               <a:buFont typeface="+mj-lt"/>
               <a:buAutoNum type="arabicPeriod"/>
             </a:pPr>
-            <a:endParaRPr lang="en-US" sz="1400" dirty="0"/>
-          </a:p>
-          <a:p>
-            <a:pPr marL="342900" indent="-342900">
-              <a:buFont typeface="+mj-lt"/>
-              <a:buAutoNum type="arabicPeriod"/>
-            </a:pPr>
-            <a:r>
-              <a:rPr lang="en-IN" sz="1400" dirty="0"/>
-              <a:t>Keyword Driven Testing Framework</a:t>
-            </a:r>
-          </a:p>
-          <a:p>
-            <a:pPr marL="342900" indent="-342900">
-              <a:buFont typeface="+mj-lt"/>
-              <a:buAutoNum type="arabicPeriod"/>
-            </a:pPr>
-            <a:endParaRPr lang="en-US" sz="1400" dirty="0"/>
-          </a:p>
-          <a:p>
-            <a:pPr marL="342900" indent="-342900">
-              <a:buFont typeface="+mj-lt"/>
-              <a:buAutoNum type="arabicPeriod"/>
-            </a:pPr>
-            <a:r>
-              <a:rPr lang="en-IN" sz="1400" dirty="0"/>
-              <a:t>Hybrid Driven Testing Framework</a:t>
-            </a:r>
-            <a:endParaRPr lang="en-US" sz="1400" dirty="0"/>
-          </a:p>
-        </p:txBody>
-      </p:sp>
-    </p:spTree>
-    <p:extLst>
-      <p:ext uri="{BB962C8B-B14F-4D97-AF65-F5344CB8AC3E}">
-        <p14:creationId xmlns:p14="http://schemas.microsoft.com/office/powerpoint/2010/main" val="1297286529"/>
-      </p:ext>
-    </p:extLst>
-  </p:cSld>
-  <p:clrMapOvr>
-    <a:masterClrMapping/>
-  </p:clrMapOvr>
-</p:sld>
-</file>
-
-<file path=ppt/slides/slide62.xml><?xml version="1.0" encoding="utf-8"?>
-<p:sld xmlns:a="http://schemas.openxmlformats.org/drawingml/2006/main" xmlns:r="http://schemas.openxmlformats.org/officeDocument/2006/relationships" xmlns:p="http://schemas.openxmlformats.org/presentationml/2006/main">
-  <p:cSld>
-    <p:spTree>
-      <p:nvGrpSpPr>
-        <p:cNvPr id="1" name=""/>
-        <p:cNvGrpSpPr/>
-        <p:nvPr/>
-      </p:nvGrpSpPr>
-      <p:grpSpPr>
-        <a:xfrm>
-          <a:off x="0" y="0"/>
-          <a:ext cx="0" cy="0"/>
-          <a:chOff x="0" y="0"/>
-          <a:chExt cx="0" cy="0"/>
-        </a:xfrm>
-      </p:grpSpPr>
-      <p:sp>
-        <p:nvSpPr>
-          <p:cNvPr id="2" name="Rectangle 1">
-            <a:extLst>
-              <a:ext uri="{FF2B5EF4-FFF2-40B4-BE49-F238E27FC236}">
-                <a16:creationId xmlns:a16="http://schemas.microsoft.com/office/drawing/2014/main" id="{76677099-EEE8-9984-C00C-BEB82F324B94}"/>
-              </a:ext>
-            </a:extLst>
-          </p:cNvPr>
-          <p:cNvSpPr/>
-          <p:nvPr/>
-        </p:nvSpPr>
-        <p:spPr>
-          <a:xfrm>
-            <a:off x="694108" y="878558"/>
-            <a:ext cx="8524449" cy="2246769"/>
-          </a:xfrm>
-          <a:prstGeom prst="rect">
-            <a:avLst/>
-          </a:prstGeom>
-          <a:noFill/>
-        </p:spPr>
-        <p:txBody>
-          <a:bodyPr wrap="none" lIns="91440" tIns="45720" rIns="91440" bIns="45720">
-            <a:spAutoFit/>
-          </a:bodyPr>
-          <a:lstStyle/>
-          <a:p>
-            <a:r>
-              <a:rPr lang="en-IN" sz="1400" b="1" dirty="0"/>
-              <a:t>Design Patterns in Selenium:</a:t>
-            </a:r>
-          </a:p>
-          <a:p>
-            <a:endParaRPr lang="en-IN" sz="1400" b="1" dirty="0"/>
-          </a:p>
-          <a:p>
-            <a:r>
-              <a:rPr lang="en-US" sz="1400" b="0" dirty="0">
-                <a:effectLst/>
-                <a:hlinkClick r:id="rId2" tooltip="Design Patterns in Automation Framework"/>
-              </a:rPr>
-              <a:t>Design patterns</a:t>
-            </a:r>
-            <a:r>
-              <a:rPr lang="en-US" sz="1400" b="0" dirty="0">
-                <a:effectLst/>
-              </a:rPr>
-              <a:t>  are reusable solutions that can be reused on to problems that frequently arise in software design.</a:t>
-            </a:r>
-          </a:p>
-          <a:p>
-            <a:r>
-              <a:rPr lang="en-US" sz="1400" b="0" dirty="0">
-                <a:effectLst/>
-              </a:rPr>
-              <a:t> </a:t>
-            </a:r>
-          </a:p>
-          <a:p>
-            <a:r>
-              <a:rPr lang="en-US" sz="1400" b="0" dirty="0">
-                <a:effectLst/>
-              </a:rPr>
-              <a:t>They serve as a common vocabulary and a shared understanding of best practices among the developers. </a:t>
-            </a:r>
-          </a:p>
-          <a:p>
-            <a:endParaRPr lang="en-US" sz="1400" dirty="0"/>
-          </a:p>
-          <a:p>
-            <a:endParaRPr lang="en-US" sz="1400" b="1" dirty="0"/>
-          </a:p>
-          <a:p>
-            <a:r>
-              <a:rPr lang="en-US" sz="1400" b="1" dirty="0"/>
-              <a:t>Types:</a:t>
-            </a:r>
-          </a:p>
-          <a:p>
-            <a:endParaRPr lang="en-US" sz="1400" dirty="0"/>
-          </a:p>
-          <a:p>
-            <a:pPr marL="342900" indent="-342900">
-              <a:buFont typeface="+mj-lt"/>
-              <a:buAutoNum type="arabicPeriod"/>
-            </a:pPr>
-            <a:r>
-              <a:rPr lang="en-US" sz="1400" dirty="0"/>
-              <a:t>POM</a:t>
-            </a:r>
-            <a:endParaRPr lang="en-IN" sz="1400" dirty="0"/>
+            <a:endParaRPr lang="en-US" dirty="0"/>
+          </a:p>
+          <a:p>
+            <a:r>
+              <a:rPr lang="en-US" dirty="0"/>
+              <a:t>POM stands for Page Object Model, and it is a design pattern used in test automation to enhance the maintainability and </a:t>
+            </a:r>
+          </a:p>
+          <a:p>
+            <a:r>
+              <a:rPr lang="en-US" dirty="0"/>
+              <a:t>readability of test scripts. It is particularly popular in Selenium WebDriver-based frameworks. </a:t>
+            </a:r>
+          </a:p>
+          <a:p>
+            <a:endParaRPr lang="en-US" dirty="0"/>
+          </a:p>
+          <a:p>
+            <a:r>
+              <a:rPr lang="en-US" dirty="0"/>
+              <a:t>The main idea behind the Page Object Model is to represent the web pages of an application as objects in the test code, </a:t>
+            </a:r>
+          </a:p>
+          <a:p>
+            <a:r>
+              <a:rPr lang="en-US" dirty="0"/>
+              <a:t>with each page having a corresponding class.</a:t>
+            </a:r>
+          </a:p>
+          <a:p>
+            <a:endParaRPr lang="en-US" dirty="0"/>
+          </a:p>
+          <a:p>
+            <a:r>
+              <a:rPr lang="en-US" dirty="0" err="1"/>
+              <a:t>PageFactory</a:t>
+            </a:r>
+            <a:r>
+              <a:rPr lang="en-US" dirty="0"/>
+              <a:t> – class that help us to implement the POM</a:t>
+            </a:r>
+            <a:endParaRPr lang="en-IN" dirty="0"/>
           </a:p>
         </p:txBody>
       </p:sp>
@@ -41639,7 +41729,7 @@
 </p:sld>
 </file>
 
-<file path=ppt/slides/slide63.xml><?xml version="1.0" encoding="utf-8"?>
+<file path=ppt/slides/slide62.xml><?xml version="1.0" encoding="utf-8"?>
 <p:sld xmlns:a="http://schemas.openxmlformats.org/drawingml/2006/main" xmlns:r="http://schemas.openxmlformats.org/officeDocument/2006/relationships" xmlns:p="http://schemas.openxmlformats.org/presentationml/2006/main">
   <p:cSld>
     <p:spTree>
@@ -41754,7 +41844,7 @@
                   </a:outerShdw>
                 </a:effectLst>
               </a:rPr>
-              <a:t>, Jenkins, Nexus</a:t>
+              <a:t>, Jenkins</a:t>
             </a:r>
           </a:p>
           <a:p>

--- a/Selenium.pptx
+++ b/Selenium.pptx
@@ -5,7 +5,7 @@
     <p:sldMasterId id="2147483648" r:id="rId1"/>
   </p:sldMasterIdLst>
   <p:notesMasterIdLst>
-    <p:notesMasterId r:id="rId64"/>
+    <p:notesMasterId r:id="rId66"/>
   </p:notesMasterIdLst>
   <p:sldIdLst>
     <p:sldId id="262" r:id="rId2"/>
@@ -69,7 +69,9 @@
     <p:sldId id="319" r:id="rId60"/>
     <p:sldId id="320" r:id="rId61"/>
     <p:sldId id="266" r:id="rId62"/>
-    <p:sldId id="267" r:id="rId63"/>
+    <p:sldId id="321" r:id="rId63"/>
+    <p:sldId id="322" r:id="rId64"/>
+    <p:sldId id="267" r:id="rId65"/>
   </p:sldIdLst>
   <p:sldSz cx="12192000" cy="6858000"/>
   <p:notesSz cx="6858000" cy="9144000"/>
@@ -1092,7 +1094,7 @@
   <pc:docChgLst>
     <pc:chgData name="Suraj Sundar" userId="21277d655284b0de" providerId="LiveId" clId="{E2F3747C-E9FB-40B1-A028-6F80A11A7AF1}"/>
     <pc:docChg chg="undo custSel addSld delSld modSld">
-      <pc:chgData name="Suraj Sundar" userId="21277d655284b0de" providerId="LiveId" clId="{E2F3747C-E9FB-40B1-A028-6F80A11A7AF1}" dt="2024-02-05T14:24:47.133" v="1761" actId="14100"/>
+      <pc:chgData name="Suraj Sundar" userId="21277d655284b0de" providerId="LiveId" clId="{E2F3747C-E9FB-40B1-A028-6F80A11A7AF1}" dt="2024-02-29T14:18:56.028" v="2034" actId="20577"/>
       <pc:docMkLst>
         <pc:docMk/>
       </pc:docMkLst>
@@ -1665,6 +1667,76 @@
           </ac:spMkLst>
         </pc:spChg>
       </pc:sldChg>
+      <pc:sldChg chg="addSp modSp new mod">
+        <pc:chgData name="Suraj Sundar" userId="21277d655284b0de" providerId="LiveId" clId="{E2F3747C-E9FB-40B1-A028-6F80A11A7AF1}" dt="2024-02-27T12:23:53.695" v="1767" actId="20577"/>
+        <pc:sldMkLst>
+          <pc:docMk/>
+          <pc:sldMk cId="3816093156" sldId="321"/>
+        </pc:sldMkLst>
+        <pc:spChg chg="add">
+          <ac:chgData name="Suraj Sundar" userId="21277d655284b0de" providerId="LiveId" clId="{E2F3747C-E9FB-40B1-A028-6F80A11A7AF1}" dt="2024-02-27T12:23:31.250" v="1763"/>
+          <ac:spMkLst>
+            <pc:docMk/>
+            <pc:sldMk cId="3816093156" sldId="321"/>
+            <ac:spMk id="2" creationId="{5D90B365-715C-27AC-2086-AA1E20337AF6}"/>
+          </ac:spMkLst>
+        </pc:spChg>
+        <pc:spChg chg="add mod">
+          <ac:chgData name="Suraj Sundar" userId="21277d655284b0de" providerId="LiveId" clId="{E2F3747C-E9FB-40B1-A028-6F80A11A7AF1}" dt="2024-02-27T12:23:53.695" v="1767" actId="20577"/>
+          <ac:spMkLst>
+            <pc:docMk/>
+            <pc:sldMk cId="3816093156" sldId="321"/>
+            <ac:spMk id="4" creationId="{920F6CCE-9630-74EA-EDCC-F3BD50342DD0}"/>
+          </ac:spMkLst>
+        </pc:spChg>
+      </pc:sldChg>
+      <pc:sldChg chg="addSp delSp modSp new mod">
+        <pc:chgData name="Suraj Sundar" userId="21277d655284b0de" providerId="LiveId" clId="{E2F3747C-E9FB-40B1-A028-6F80A11A7AF1}" dt="2024-02-29T14:18:56.028" v="2034" actId="20577"/>
+        <pc:sldMkLst>
+          <pc:docMk/>
+          <pc:sldMk cId="2852817155" sldId="322"/>
+        </pc:sldMkLst>
+        <pc:spChg chg="add del">
+          <ac:chgData name="Suraj Sundar" userId="21277d655284b0de" providerId="LiveId" clId="{E2F3747C-E9FB-40B1-A028-6F80A11A7AF1}" dt="2024-02-29T14:01:42.292" v="1770" actId="22"/>
+          <ac:spMkLst>
+            <pc:docMk/>
+            <pc:sldMk cId="2852817155" sldId="322"/>
+            <ac:spMk id="3" creationId="{2DC71494-9BBC-5FD8-894B-6DEB49EA50A2}"/>
+          </ac:spMkLst>
+        </pc:spChg>
+        <pc:spChg chg="add mod">
+          <ac:chgData name="Suraj Sundar" userId="21277d655284b0de" providerId="LiveId" clId="{E2F3747C-E9FB-40B1-A028-6F80A11A7AF1}" dt="2024-02-29T14:02:03.730" v="1796" actId="20577"/>
+          <ac:spMkLst>
+            <pc:docMk/>
+            <pc:sldMk cId="2852817155" sldId="322"/>
+            <ac:spMk id="4" creationId="{751BBF63-3B65-39C2-0609-32A643A17B58}"/>
+          </ac:spMkLst>
+        </pc:spChg>
+        <pc:spChg chg="add del">
+          <ac:chgData name="Suraj Sundar" userId="21277d655284b0de" providerId="LiveId" clId="{E2F3747C-E9FB-40B1-A028-6F80A11A7AF1}" dt="2024-02-29T14:02:10.924" v="1798" actId="22"/>
+          <ac:spMkLst>
+            <pc:docMk/>
+            <pc:sldMk cId="2852817155" sldId="322"/>
+            <ac:spMk id="6" creationId="{973DA440-79CC-374E-557C-ED67142170FD}"/>
+          </ac:spMkLst>
+        </pc:spChg>
+        <pc:spChg chg="add mod">
+          <ac:chgData name="Suraj Sundar" userId="21277d655284b0de" providerId="LiveId" clId="{E2F3747C-E9FB-40B1-A028-6F80A11A7AF1}" dt="2024-02-29T14:16:51.319" v="1890"/>
+          <ac:spMkLst>
+            <pc:docMk/>
+            <pc:sldMk cId="2852817155" sldId="322"/>
+            <ac:spMk id="8" creationId="{EFBBEDBE-EA10-2ACF-9A74-1FB44F945D5F}"/>
+          </ac:spMkLst>
+        </pc:spChg>
+        <pc:spChg chg="add mod">
+          <ac:chgData name="Suraj Sundar" userId="21277d655284b0de" providerId="LiveId" clId="{E2F3747C-E9FB-40B1-A028-6F80A11A7AF1}" dt="2024-02-29T14:18:56.028" v="2034" actId="20577"/>
+          <ac:spMkLst>
+            <pc:docMk/>
+            <pc:sldMk cId="2852817155" sldId="322"/>
+            <ac:spMk id="9" creationId="{84DDD532-0FAD-B513-2E5C-5CD9C45935F7}"/>
+          </ac:spMkLst>
+        </pc:spChg>
+      </pc:sldChg>
     </pc:docChg>
   </pc:docChgLst>
 </pc:chgInfo>
@@ -1752,7 +1824,7 @@
           <a:p>
             <a:fld id="{55094CC2-04C1-4624-9BCC-AFE02C9F9764}" type="datetimeFigureOut">
               <a:rPr lang="en-IN" smtClean="0"/>
-              <a:t>05-02-2024</a:t>
+              <a:t>29-02-2024</a:t>
             </a:fld>
             <a:endParaRPr lang="en-IN"/>
           </a:p>
@@ -2169,7 +2241,7 @@
           <a:p>
             <a:fld id="{168663A3-44DB-42D5-A5A8-89ADCC6CF7A6}" type="datetimeFigureOut">
               <a:rPr lang="en-IN" smtClean="0"/>
-              <a:t>05-02-2024</a:t>
+              <a:t>29-02-2024</a:t>
             </a:fld>
             <a:endParaRPr lang="en-IN"/>
           </a:p>
@@ -2369,7 +2441,7 @@
           <a:p>
             <a:fld id="{168663A3-44DB-42D5-A5A8-89ADCC6CF7A6}" type="datetimeFigureOut">
               <a:rPr lang="en-IN" smtClean="0"/>
-              <a:t>05-02-2024</a:t>
+              <a:t>29-02-2024</a:t>
             </a:fld>
             <a:endParaRPr lang="en-IN"/>
           </a:p>
@@ -2579,7 +2651,7 @@
           <a:p>
             <a:fld id="{168663A3-44DB-42D5-A5A8-89ADCC6CF7A6}" type="datetimeFigureOut">
               <a:rPr lang="en-IN" smtClean="0"/>
-              <a:t>05-02-2024</a:t>
+              <a:t>29-02-2024</a:t>
             </a:fld>
             <a:endParaRPr lang="en-IN"/>
           </a:p>
@@ -2779,7 +2851,7 @@
           <a:p>
             <a:fld id="{168663A3-44DB-42D5-A5A8-89ADCC6CF7A6}" type="datetimeFigureOut">
               <a:rPr lang="en-IN" smtClean="0"/>
-              <a:t>05-02-2024</a:t>
+              <a:t>29-02-2024</a:t>
             </a:fld>
             <a:endParaRPr lang="en-IN"/>
           </a:p>
@@ -3055,7 +3127,7 @@
           <a:p>
             <a:fld id="{168663A3-44DB-42D5-A5A8-89ADCC6CF7A6}" type="datetimeFigureOut">
               <a:rPr lang="en-IN" smtClean="0"/>
-              <a:t>05-02-2024</a:t>
+              <a:t>29-02-2024</a:t>
             </a:fld>
             <a:endParaRPr lang="en-IN"/>
           </a:p>
@@ -3323,7 +3395,7 @@
           <a:p>
             <a:fld id="{168663A3-44DB-42D5-A5A8-89ADCC6CF7A6}" type="datetimeFigureOut">
               <a:rPr lang="en-IN" smtClean="0"/>
-              <a:t>05-02-2024</a:t>
+              <a:t>29-02-2024</a:t>
             </a:fld>
             <a:endParaRPr lang="en-IN"/>
           </a:p>
@@ -3738,7 +3810,7 @@
           <a:p>
             <a:fld id="{168663A3-44DB-42D5-A5A8-89ADCC6CF7A6}" type="datetimeFigureOut">
               <a:rPr lang="en-IN" smtClean="0"/>
-              <a:t>05-02-2024</a:t>
+              <a:t>29-02-2024</a:t>
             </a:fld>
             <a:endParaRPr lang="en-IN"/>
           </a:p>
@@ -3880,7 +3952,7 @@
           <a:p>
             <a:fld id="{168663A3-44DB-42D5-A5A8-89ADCC6CF7A6}" type="datetimeFigureOut">
               <a:rPr lang="en-IN" smtClean="0"/>
-              <a:t>05-02-2024</a:t>
+              <a:t>29-02-2024</a:t>
             </a:fld>
             <a:endParaRPr lang="en-IN"/>
           </a:p>
@@ -3993,7 +4065,7 @@
           <a:p>
             <a:fld id="{168663A3-44DB-42D5-A5A8-89ADCC6CF7A6}" type="datetimeFigureOut">
               <a:rPr lang="en-IN" smtClean="0"/>
-              <a:t>05-02-2024</a:t>
+              <a:t>29-02-2024</a:t>
             </a:fld>
             <a:endParaRPr lang="en-IN"/>
           </a:p>
@@ -4306,7 +4378,7 @@
           <a:p>
             <a:fld id="{168663A3-44DB-42D5-A5A8-89ADCC6CF7A6}" type="datetimeFigureOut">
               <a:rPr lang="en-IN" smtClean="0"/>
-              <a:t>05-02-2024</a:t>
+              <a:t>29-02-2024</a:t>
             </a:fld>
             <a:endParaRPr lang="en-IN"/>
           </a:p>
@@ -4595,7 +4667,7 @@
           <a:p>
             <a:fld id="{168663A3-44DB-42D5-A5A8-89ADCC6CF7A6}" type="datetimeFigureOut">
               <a:rPr lang="en-IN" smtClean="0"/>
-              <a:t>05-02-2024</a:t>
+              <a:t>29-02-2024</a:t>
             </a:fld>
             <a:endParaRPr lang="en-IN"/>
           </a:p>
@@ -4838,7 +4910,7 @@
           <a:p>
             <a:fld id="{168663A3-44DB-42D5-A5A8-89ADCC6CF7A6}" type="datetimeFigureOut">
               <a:rPr lang="en-IN" smtClean="0"/>
-              <a:t>05-02-2024</a:t>
+              <a:t>29-02-2024</a:t>
             </a:fld>
             <a:endParaRPr lang="en-IN"/>
           </a:p>
@@ -41748,6 +41820,647 @@
       </p:grpSpPr>
       <p:sp>
         <p:nvSpPr>
+          <p:cNvPr id="4" name="TextBox 3">
+            <a:extLst>
+              <a:ext uri="{FF2B5EF4-FFF2-40B4-BE49-F238E27FC236}">
+                <a16:creationId xmlns:a16="http://schemas.microsoft.com/office/drawing/2014/main" id="{920F6CCE-9630-74EA-EDCC-F3BD50342DD0}"/>
+              </a:ext>
+            </a:extLst>
+          </p:cNvPr>
+          <p:cNvSpPr txBox="1"/>
+          <p:nvPr/>
+        </p:nvSpPr>
+        <p:spPr>
+          <a:xfrm>
+            <a:off x="519952" y="819887"/>
+            <a:ext cx="11286565" cy="2701189"/>
+          </a:xfrm>
+          <a:prstGeom prst="rect">
+            <a:avLst/>
+          </a:prstGeom>
+          <a:noFill/>
+        </p:spPr>
+        <p:txBody>
+          <a:bodyPr wrap="square">
+            <a:spAutoFit/>
+          </a:bodyPr>
+          <a:lstStyle/>
+          <a:p>
+            <a:pPr>
+              <a:lnSpc>
+                <a:spcPct val="107000"/>
+              </a:lnSpc>
+              <a:spcAft>
+                <a:spcPts val="800"/>
+              </a:spcAft>
+            </a:pPr>
+            <a:r>
+              <a:rPr lang="en-IN" sz="1800" kern="0" dirty="0">
+                <a:effectLst/>
+                <a:latin typeface="Symbol" panose="05050102010706020507" pitchFamily="18" charset="2"/>
+                <a:ea typeface="Times New Roman" panose="02020603050405020304" pitchFamily="18" charset="0"/>
+                <a:cs typeface="Times New Roman" panose="02020603050405020304" pitchFamily="18" charset="0"/>
+              </a:rPr>
+              <a:t>·</a:t>
+            </a:r>
+            <a:r>
+              <a:rPr lang="en-IN" sz="1800" kern="0" dirty="0">
+                <a:effectLst/>
+                <a:latin typeface="Times New Roman" panose="02020603050405020304" pitchFamily="18" charset="0"/>
+                <a:ea typeface="Times New Roman" panose="02020603050405020304" pitchFamily="18" charset="0"/>
+                <a:cs typeface="Times New Roman" panose="02020603050405020304" pitchFamily="18" charset="0"/>
+              </a:rPr>
+              <a:t>  </a:t>
+            </a:r>
+            <a:r>
+              <a:rPr lang="en-IN" sz="1800" b="1" kern="0" dirty="0">
+                <a:effectLst/>
+                <a:latin typeface="Times New Roman" panose="02020603050405020304" pitchFamily="18" charset="0"/>
+                <a:ea typeface="Times New Roman" panose="02020603050405020304" pitchFamily="18" charset="0"/>
+                <a:cs typeface="Times New Roman" panose="02020603050405020304" pitchFamily="18" charset="0"/>
+              </a:rPr>
+              <a:t>Create a GitHub Account (if you haven't already):</a:t>
+            </a:r>
+            <a:r>
+              <a:rPr lang="en-IN" sz="1800" kern="0" dirty="0">
+                <a:effectLst/>
+                <a:latin typeface="Times New Roman" panose="02020603050405020304" pitchFamily="18" charset="0"/>
+                <a:ea typeface="Times New Roman" panose="02020603050405020304" pitchFamily="18" charset="0"/>
+                <a:cs typeface="Times New Roman" panose="02020603050405020304" pitchFamily="18" charset="0"/>
+              </a:rPr>
+              <a:t> Go to </a:t>
+            </a:r>
+            <a:r>
+              <a:rPr lang="en-IN" sz="1800" kern="0" dirty="0">
+                <a:solidFill>
+                  <a:srgbClr val="0000FF"/>
+                </a:solidFill>
+                <a:effectLst/>
+                <a:latin typeface="Times New Roman" panose="02020603050405020304" pitchFamily="18" charset="0"/>
+                <a:ea typeface="Times New Roman" panose="02020603050405020304" pitchFamily="18" charset="0"/>
+                <a:cs typeface="Times New Roman" panose="02020603050405020304" pitchFamily="18" charset="0"/>
+                <a:hlinkClick r:id="rId2"/>
+              </a:rPr>
+              <a:t>GitHub</a:t>
+            </a:r>
+            <a:r>
+              <a:rPr lang="en-IN" sz="1800" kern="0" dirty="0">
+                <a:effectLst/>
+                <a:latin typeface="Times New Roman" panose="02020603050405020304" pitchFamily="18" charset="0"/>
+                <a:ea typeface="Times New Roman" panose="02020603050405020304" pitchFamily="18" charset="0"/>
+                <a:cs typeface="Times New Roman" panose="02020603050405020304" pitchFamily="18" charset="0"/>
+              </a:rPr>
+              <a:t> and sign up for a new account if you don't have one.</a:t>
+            </a:r>
+            <a:endParaRPr lang="en-IN" sz="1600" kern="100" dirty="0">
+              <a:effectLst/>
+              <a:latin typeface="Calibri" panose="020F0502020204030204" pitchFamily="34" charset="0"/>
+              <a:ea typeface="Calibri" panose="020F0502020204030204" pitchFamily="34" charset="0"/>
+              <a:cs typeface="Times New Roman" panose="02020603050405020304" pitchFamily="18" charset="0"/>
+            </a:endParaRPr>
+          </a:p>
+          <a:p>
+            <a:pPr>
+              <a:lnSpc>
+                <a:spcPct val="107000"/>
+              </a:lnSpc>
+              <a:spcAft>
+                <a:spcPts val="800"/>
+              </a:spcAft>
+            </a:pPr>
+            <a:r>
+              <a:rPr lang="en-IN" sz="1800" kern="0" dirty="0">
+                <a:effectLst/>
+                <a:latin typeface="Symbol" panose="05050102010706020507" pitchFamily="18" charset="2"/>
+                <a:ea typeface="Times New Roman" panose="02020603050405020304" pitchFamily="18" charset="0"/>
+                <a:cs typeface="Times New Roman" panose="02020603050405020304" pitchFamily="18" charset="0"/>
+              </a:rPr>
+              <a:t>·</a:t>
+            </a:r>
+            <a:r>
+              <a:rPr lang="en-IN" sz="1800" kern="0" dirty="0">
+                <a:effectLst/>
+                <a:latin typeface="Times New Roman" panose="02020603050405020304" pitchFamily="18" charset="0"/>
+                <a:ea typeface="Times New Roman" panose="02020603050405020304" pitchFamily="18" charset="0"/>
+                <a:cs typeface="Times New Roman" panose="02020603050405020304" pitchFamily="18" charset="0"/>
+              </a:rPr>
+              <a:t>  </a:t>
+            </a:r>
+            <a:r>
+              <a:rPr lang="en-IN" sz="1800" b="1" kern="0" dirty="0">
+                <a:effectLst/>
+                <a:latin typeface="Times New Roman" panose="02020603050405020304" pitchFamily="18" charset="0"/>
+                <a:ea typeface="Times New Roman" panose="02020603050405020304" pitchFamily="18" charset="0"/>
+                <a:cs typeface="Times New Roman" panose="02020603050405020304" pitchFamily="18" charset="0"/>
+              </a:rPr>
+              <a:t>Set Up Git:</a:t>
+            </a:r>
+            <a:r>
+              <a:rPr lang="en-IN" sz="1800" kern="0" dirty="0">
+                <a:effectLst/>
+                <a:latin typeface="Times New Roman" panose="02020603050405020304" pitchFamily="18" charset="0"/>
+                <a:ea typeface="Times New Roman" panose="02020603050405020304" pitchFamily="18" charset="0"/>
+                <a:cs typeface="Times New Roman" panose="02020603050405020304" pitchFamily="18" charset="0"/>
+              </a:rPr>
+              <a:t> If you haven't configured Git with your username and email yet, open Git Bash and run the following commands, replacing "Your Name" and "your.email@example.com" with your actual name and email address:</a:t>
+            </a:r>
+            <a:endParaRPr lang="en-IN" sz="1600" kern="100" dirty="0">
+              <a:effectLst/>
+              <a:latin typeface="Calibri" panose="020F0502020204030204" pitchFamily="34" charset="0"/>
+              <a:ea typeface="Calibri" panose="020F0502020204030204" pitchFamily="34" charset="0"/>
+              <a:cs typeface="Times New Roman" panose="02020603050405020304" pitchFamily="18" charset="0"/>
+            </a:endParaRPr>
+          </a:p>
+          <a:p>
+            <a:pPr>
+              <a:lnSpc>
+                <a:spcPct val="107000"/>
+              </a:lnSpc>
+              <a:spcAft>
+                <a:spcPts val="800"/>
+              </a:spcAft>
+              <a:tabLst>
+                <a:tab pos="581660" algn="l"/>
+                <a:tab pos="1163320" algn="l"/>
+                <a:tab pos="1744980" algn="l"/>
+                <a:tab pos="2326640" algn="l"/>
+                <a:tab pos="2908300" algn="l"/>
+                <a:tab pos="3489960" algn="l"/>
+                <a:tab pos="4071620" algn="l"/>
+                <a:tab pos="4653280" algn="l"/>
+                <a:tab pos="5234940" algn="l"/>
+                <a:tab pos="5816600" algn="l"/>
+                <a:tab pos="6398260" algn="l"/>
+                <a:tab pos="6979920" algn="l"/>
+                <a:tab pos="7561580" algn="l"/>
+                <a:tab pos="8143240" algn="l"/>
+                <a:tab pos="8724900" algn="l"/>
+                <a:tab pos="9306560" algn="l"/>
+              </a:tabLst>
+            </a:pPr>
+            <a:endParaRPr lang="en-IN" sz="1600" kern="100" dirty="0">
+              <a:effectLst/>
+              <a:latin typeface="Calibri" panose="020F0502020204030204" pitchFamily="34" charset="0"/>
+              <a:ea typeface="Calibri" panose="020F0502020204030204" pitchFamily="34" charset="0"/>
+              <a:cs typeface="Times New Roman" panose="02020603050405020304" pitchFamily="18" charset="0"/>
+            </a:endParaRPr>
+          </a:p>
+          <a:p>
+            <a:pPr>
+              <a:lnSpc>
+                <a:spcPct val="107000"/>
+              </a:lnSpc>
+              <a:spcAft>
+                <a:spcPts val="800"/>
+              </a:spcAft>
+              <a:tabLst>
+                <a:tab pos="581660" algn="l"/>
+                <a:tab pos="1163320" algn="l"/>
+                <a:tab pos="1744980" algn="l"/>
+                <a:tab pos="2326640" algn="l"/>
+                <a:tab pos="2908300" algn="l"/>
+                <a:tab pos="3489960" algn="l"/>
+                <a:tab pos="4071620" algn="l"/>
+                <a:tab pos="4653280" algn="l"/>
+                <a:tab pos="5234940" algn="l"/>
+                <a:tab pos="5816600" algn="l"/>
+                <a:tab pos="6398260" algn="l"/>
+                <a:tab pos="6979920" algn="l"/>
+                <a:tab pos="7561580" algn="l"/>
+                <a:tab pos="8143240" algn="l"/>
+                <a:tab pos="8724900" algn="l"/>
+                <a:tab pos="9306560" algn="l"/>
+              </a:tabLst>
+            </a:pPr>
+            <a:r>
+              <a:rPr lang="en-IN" sz="1200" kern="0" dirty="0">
+                <a:effectLst/>
+                <a:latin typeface="Courier New" panose="02070309020205020404" pitchFamily="49" charset="0"/>
+                <a:ea typeface="Times New Roman" panose="02020603050405020304" pitchFamily="18" charset="0"/>
+                <a:cs typeface="Times New Roman" panose="02020603050405020304" pitchFamily="18" charset="0"/>
+              </a:rPr>
+              <a:t>git config --global user.name "Your Name"</a:t>
+            </a:r>
+            <a:endParaRPr lang="en-IN" sz="1600" kern="100" dirty="0">
+              <a:effectLst/>
+              <a:latin typeface="Calibri" panose="020F0502020204030204" pitchFamily="34" charset="0"/>
+              <a:ea typeface="Calibri" panose="020F0502020204030204" pitchFamily="34" charset="0"/>
+              <a:cs typeface="Times New Roman" panose="02020603050405020304" pitchFamily="18" charset="0"/>
+            </a:endParaRPr>
+          </a:p>
+          <a:p>
+            <a:pPr>
+              <a:lnSpc>
+                <a:spcPct val="107000"/>
+              </a:lnSpc>
+              <a:spcAft>
+                <a:spcPts val="800"/>
+              </a:spcAft>
+              <a:tabLst>
+                <a:tab pos="581660" algn="l"/>
+                <a:tab pos="1163320" algn="l"/>
+                <a:tab pos="1744980" algn="l"/>
+                <a:tab pos="2326640" algn="l"/>
+                <a:tab pos="2908300" algn="l"/>
+                <a:tab pos="3489960" algn="l"/>
+                <a:tab pos="4071620" algn="l"/>
+                <a:tab pos="4653280" algn="l"/>
+                <a:tab pos="5234940" algn="l"/>
+                <a:tab pos="5816600" algn="l"/>
+                <a:tab pos="6398260" algn="l"/>
+                <a:tab pos="6979920" algn="l"/>
+                <a:tab pos="7561580" algn="l"/>
+                <a:tab pos="8143240" algn="l"/>
+                <a:tab pos="8724900" algn="l"/>
+                <a:tab pos="9306560" algn="l"/>
+              </a:tabLst>
+            </a:pPr>
+            <a:r>
+              <a:rPr lang="en-IN" sz="1200" kern="0" dirty="0">
+                <a:effectLst/>
+                <a:latin typeface="Courier New" panose="02070309020205020404" pitchFamily="49" charset="0"/>
+                <a:ea typeface="Times New Roman" panose="02020603050405020304" pitchFamily="18" charset="0"/>
+                <a:cs typeface="Times New Roman" panose="02020603050405020304" pitchFamily="18" charset="0"/>
+              </a:rPr>
+              <a:t>git config --global </a:t>
+            </a:r>
+            <a:r>
+              <a:rPr lang="en-IN" sz="1200" kern="0" dirty="0" err="1">
+                <a:effectLst/>
+                <a:latin typeface="Courier New" panose="02070309020205020404" pitchFamily="49" charset="0"/>
+                <a:ea typeface="Times New Roman" panose="02020603050405020304" pitchFamily="18" charset="0"/>
+                <a:cs typeface="Times New Roman" panose="02020603050405020304" pitchFamily="18" charset="0"/>
+              </a:rPr>
+              <a:t>user.email</a:t>
+            </a:r>
+            <a:r>
+              <a:rPr lang="en-IN" sz="1200" kern="0" dirty="0">
+                <a:effectLst/>
+                <a:latin typeface="Courier New" panose="02070309020205020404" pitchFamily="49" charset="0"/>
+                <a:ea typeface="Times New Roman" panose="02020603050405020304" pitchFamily="18" charset="0"/>
+                <a:cs typeface="Times New Roman" panose="02020603050405020304" pitchFamily="18" charset="0"/>
+              </a:rPr>
+              <a:t> "your.email@example.com"</a:t>
+            </a:r>
+            <a:endParaRPr lang="en-IN" sz="1600" kern="100" dirty="0">
+              <a:effectLst/>
+              <a:latin typeface="Calibri" panose="020F0502020204030204" pitchFamily="34" charset="0"/>
+              <a:ea typeface="Calibri" panose="020F0502020204030204" pitchFamily="34" charset="0"/>
+              <a:cs typeface="Times New Roman" panose="02020603050405020304" pitchFamily="18" charset="0"/>
+            </a:endParaRPr>
+          </a:p>
+          <a:p>
+            <a:pPr>
+              <a:lnSpc>
+                <a:spcPct val="107000"/>
+              </a:lnSpc>
+              <a:spcAft>
+                <a:spcPts val="800"/>
+              </a:spcAft>
+            </a:pPr>
+            <a:r>
+              <a:rPr lang="en-IN" sz="1600" kern="100" dirty="0">
+                <a:effectLst/>
+                <a:latin typeface="Calibri" panose="020F0502020204030204" pitchFamily="34" charset="0"/>
+                <a:ea typeface="Calibri" panose="020F0502020204030204" pitchFamily="34" charset="0"/>
+                <a:cs typeface="Times New Roman" panose="02020603050405020304" pitchFamily="18" charset="0"/>
+              </a:rPr>
+              <a:t> </a:t>
+            </a:r>
+          </a:p>
+        </p:txBody>
+      </p:sp>
+    </p:spTree>
+    <p:extLst>
+      <p:ext uri="{BB962C8B-B14F-4D97-AF65-F5344CB8AC3E}">
+        <p14:creationId xmlns:p14="http://schemas.microsoft.com/office/powerpoint/2010/main" val="3816093156"/>
+      </p:ext>
+    </p:extLst>
+  </p:cSld>
+  <p:clrMapOvr>
+    <a:masterClrMapping/>
+  </p:clrMapOvr>
+</p:sld>
+</file>
+
+<file path=ppt/slides/slide63.xml><?xml version="1.0" encoding="utf-8"?>
+<p:sld xmlns:a="http://schemas.openxmlformats.org/drawingml/2006/main" xmlns:r="http://schemas.openxmlformats.org/officeDocument/2006/relationships" xmlns:p="http://schemas.openxmlformats.org/presentationml/2006/main">
+  <p:cSld>
+    <p:spTree>
+      <p:nvGrpSpPr>
+        <p:cNvPr id="1" name=""/>
+        <p:cNvGrpSpPr/>
+        <p:nvPr/>
+      </p:nvGrpSpPr>
+      <p:grpSpPr>
+        <a:xfrm>
+          <a:off x="0" y="0"/>
+          <a:ext cx="0" cy="0"/>
+          <a:chOff x="0" y="0"/>
+          <a:chExt cx="0" cy="0"/>
+        </a:xfrm>
+      </p:grpSpPr>
+      <p:sp>
+        <p:nvSpPr>
+          <p:cNvPr id="4" name="TextBox 3">
+            <a:extLst>
+              <a:ext uri="{FF2B5EF4-FFF2-40B4-BE49-F238E27FC236}">
+                <a16:creationId xmlns:a16="http://schemas.microsoft.com/office/drawing/2014/main" id="{751BBF63-3B65-39C2-0609-32A643A17B58}"/>
+              </a:ext>
+            </a:extLst>
+          </p:cNvPr>
+          <p:cNvSpPr txBox="1"/>
+          <p:nvPr/>
+        </p:nvSpPr>
+        <p:spPr>
+          <a:xfrm>
+            <a:off x="4087906" y="878541"/>
+            <a:ext cx="3299012" cy="369332"/>
+          </a:xfrm>
+          <a:prstGeom prst="rect">
+            <a:avLst/>
+          </a:prstGeom>
+          <a:noFill/>
+        </p:spPr>
+        <p:txBody>
+          <a:bodyPr wrap="square" rtlCol="0">
+            <a:spAutoFit/>
+          </a:bodyPr>
+          <a:lstStyle/>
+          <a:p>
+            <a:r>
+              <a:rPr lang="en-IN" dirty="0"/>
+              <a:t>GIT – Central Repository</a:t>
+            </a:r>
+          </a:p>
+        </p:txBody>
+      </p:sp>
+      <p:sp>
+        <p:nvSpPr>
+          <p:cNvPr id="8" name="TextBox 7">
+            <a:extLst>
+              <a:ext uri="{FF2B5EF4-FFF2-40B4-BE49-F238E27FC236}">
+                <a16:creationId xmlns:a16="http://schemas.microsoft.com/office/drawing/2014/main" id="{EFBBEDBE-EA10-2ACF-9A74-1FB44F945D5F}"/>
+              </a:ext>
+            </a:extLst>
+          </p:cNvPr>
+          <p:cNvSpPr txBox="1"/>
+          <p:nvPr/>
+        </p:nvSpPr>
+        <p:spPr>
+          <a:xfrm>
+            <a:off x="887506" y="1862462"/>
+            <a:ext cx="6096000" cy="3139321"/>
+          </a:xfrm>
+          <a:prstGeom prst="rect">
+            <a:avLst/>
+          </a:prstGeom>
+          <a:noFill/>
+        </p:spPr>
+        <p:txBody>
+          <a:bodyPr wrap="square">
+            <a:spAutoFit/>
+          </a:bodyPr>
+          <a:lstStyle/>
+          <a:p>
+            <a:r>
+              <a:rPr lang="en-US" dirty="0"/>
+              <a:t>UPLOAD</a:t>
+            </a:r>
+            <a:br>
+              <a:rPr lang="en-US" dirty="0"/>
+            </a:br>
+            <a:endParaRPr lang="en-US" dirty="0"/>
+          </a:p>
+          <a:p>
+            <a:r>
+              <a:rPr lang="en-US" b="1" dirty="0"/>
+              <a:t>One-time setup</a:t>
+            </a:r>
+            <a:br>
+              <a:rPr lang="en-US" dirty="0"/>
+            </a:br>
+            <a:r>
+              <a:rPr lang="en-US" dirty="0"/>
+              <a:t>git </a:t>
+            </a:r>
+            <a:r>
+              <a:rPr lang="en-US" dirty="0" err="1"/>
+              <a:t>init</a:t>
+            </a:r>
+            <a:r>
+              <a:rPr lang="en-US" dirty="0"/>
+              <a:t> (Initialize the repo in local)</a:t>
+            </a:r>
+            <a:br>
+              <a:rPr lang="en-US" dirty="0"/>
+            </a:br>
+            <a:r>
+              <a:rPr lang="en-US" dirty="0"/>
+              <a:t>git remote add origin &lt;</a:t>
+            </a:r>
+            <a:r>
+              <a:rPr lang="en-US" dirty="0" err="1"/>
+              <a:t>repoURL</a:t>
+            </a:r>
+            <a:r>
+              <a:rPr lang="en-US" dirty="0"/>
+              <a:t>&gt;</a:t>
+            </a:r>
+          </a:p>
+          <a:p>
+            <a:endParaRPr lang="en-US" dirty="0"/>
+          </a:p>
+          <a:p>
+            <a:r>
+              <a:rPr lang="en-US" b="1" dirty="0"/>
+              <a:t>Process to push the changes</a:t>
+            </a:r>
+            <a:br>
+              <a:rPr lang="en-US" dirty="0"/>
+            </a:br>
+            <a:r>
+              <a:rPr lang="en-US" dirty="0"/>
+              <a:t>git status (to check the updated file)</a:t>
+            </a:r>
+            <a:br>
+              <a:rPr lang="en-US" dirty="0"/>
+            </a:br>
+            <a:r>
+              <a:rPr lang="en-US" dirty="0"/>
+              <a:t>git add &lt;updated file&gt;</a:t>
+            </a:r>
+            <a:br>
+              <a:rPr lang="en-US" dirty="0"/>
+            </a:br>
+            <a:r>
+              <a:rPr lang="en-US" dirty="0"/>
+              <a:t>git commit -m "commit message"</a:t>
+            </a:r>
+            <a:br>
+              <a:rPr lang="en-US" dirty="0"/>
+            </a:br>
+            <a:r>
+              <a:rPr lang="en-US" dirty="0"/>
+              <a:t>git push origin &lt;</a:t>
+            </a:r>
+            <a:r>
+              <a:rPr lang="en-US" dirty="0" err="1"/>
+              <a:t>branchname</a:t>
+            </a:r>
+            <a:r>
+              <a:rPr lang="en-US" dirty="0"/>
+              <a:t>&gt;</a:t>
+            </a:r>
+            <a:endParaRPr lang="en-IN" dirty="0"/>
+          </a:p>
+        </p:txBody>
+      </p:sp>
+      <p:sp>
+        <p:nvSpPr>
+          <p:cNvPr id="9" name="TextBox 8">
+            <a:extLst>
+              <a:ext uri="{FF2B5EF4-FFF2-40B4-BE49-F238E27FC236}">
+                <a16:creationId xmlns:a16="http://schemas.microsoft.com/office/drawing/2014/main" id="{84DDD532-0FAD-B513-2E5C-5CD9C45935F7}"/>
+              </a:ext>
+            </a:extLst>
+          </p:cNvPr>
+          <p:cNvSpPr txBox="1"/>
+          <p:nvPr/>
+        </p:nvSpPr>
+        <p:spPr>
+          <a:xfrm>
+            <a:off x="6329080" y="1961074"/>
+            <a:ext cx="6096000" cy="3139321"/>
+          </a:xfrm>
+          <a:prstGeom prst="rect">
+            <a:avLst/>
+          </a:prstGeom>
+          <a:noFill/>
+        </p:spPr>
+        <p:txBody>
+          <a:bodyPr wrap="square">
+            <a:spAutoFit/>
+          </a:bodyPr>
+          <a:lstStyle/>
+          <a:p>
+            <a:r>
+              <a:rPr lang="en-US" dirty="0"/>
+              <a:t>Download</a:t>
+            </a:r>
+            <a:br>
+              <a:rPr lang="en-US" dirty="0"/>
+            </a:br>
+            <a:endParaRPr lang="en-US" dirty="0"/>
+          </a:p>
+          <a:p>
+            <a:r>
+              <a:rPr lang="en-US" b="1" dirty="0"/>
+              <a:t>One-time setup</a:t>
+            </a:r>
+            <a:br>
+              <a:rPr lang="en-US" dirty="0"/>
+            </a:br>
+            <a:r>
+              <a:rPr lang="en-US" dirty="0"/>
+              <a:t>git clone &lt;</a:t>
+            </a:r>
+            <a:r>
+              <a:rPr lang="en-US" dirty="0" err="1"/>
+              <a:t>repouri</a:t>
+            </a:r>
+            <a:r>
+              <a:rPr lang="en-US" dirty="0"/>
+              <a:t>&gt;</a:t>
+            </a:r>
+          </a:p>
+          <a:p>
+            <a:r>
+              <a:rPr lang="en-US" dirty="0"/>
+              <a:t>Cd &lt;</a:t>
+            </a:r>
+            <a:r>
+              <a:rPr lang="en-US" dirty="0" err="1"/>
+              <a:t>reponame</a:t>
+            </a:r>
+            <a:r>
+              <a:rPr lang="en-US" dirty="0"/>
+              <a:t>&gt;</a:t>
+            </a:r>
+          </a:p>
+          <a:p>
+            <a:endParaRPr lang="en-US" dirty="0"/>
+          </a:p>
+          <a:p>
+            <a:r>
+              <a:rPr lang="en-US" b="1" dirty="0"/>
+              <a:t>Process to pull changes</a:t>
+            </a:r>
+          </a:p>
+          <a:p>
+            <a:r>
+              <a:rPr lang="en-US" dirty="0"/>
+              <a:t>Git pull origin master</a:t>
+            </a:r>
+          </a:p>
+          <a:p>
+            <a:endParaRPr lang="en-US" dirty="0"/>
+          </a:p>
+          <a:p>
+            <a:r>
+              <a:rPr lang="en-IN" dirty="0"/>
+              <a:t>Switch Branch</a:t>
+            </a:r>
+          </a:p>
+          <a:p>
+            <a:r>
+              <a:rPr lang="en-IN" dirty="0"/>
+              <a:t>Git checkout &lt;</a:t>
+            </a:r>
+            <a:r>
+              <a:rPr lang="en-IN" dirty="0" err="1"/>
+              <a:t>branchname</a:t>
+            </a:r>
+            <a:r>
+              <a:rPr lang="en-IN" dirty="0"/>
+              <a:t>&gt;</a:t>
+            </a:r>
+            <a:endParaRPr lang="en-US"/>
+          </a:p>
+        </p:txBody>
+      </p:sp>
+    </p:spTree>
+    <p:extLst>
+      <p:ext uri="{BB962C8B-B14F-4D97-AF65-F5344CB8AC3E}">
+        <p14:creationId xmlns:p14="http://schemas.microsoft.com/office/powerpoint/2010/main" val="2852817155"/>
+      </p:ext>
+    </p:extLst>
+  </p:cSld>
+  <p:clrMapOvr>
+    <a:masterClrMapping/>
+  </p:clrMapOvr>
+</p:sld>
+</file>
+
+<file path=ppt/slides/slide64.xml><?xml version="1.0" encoding="utf-8"?>
+<p:sld xmlns:a="http://schemas.openxmlformats.org/drawingml/2006/main" xmlns:r="http://schemas.openxmlformats.org/officeDocument/2006/relationships" xmlns:p="http://schemas.openxmlformats.org/presentationml/2006/main">
+  <p:cSld>
+    <p:spTree>
+      <p:nvGrpSpPr>
+        <p:cNvPr id="1" name=""/>
+        <p:cNvGrpSpPr/>
+        <p:nvPr/>
+      </p:nvGrpSpPr>
+      <p:grpSpPr>
+        <a:xfrm>
+          <a:off x="0" y="0"/>
+          <a:ext cx="0" cy="0"/>
+          <a:chOff x="0" y="0"/>
+          <a:chExt cx="0" cy="0"/>
+        </a:xfrm>
+      </p:grpSpPr>
+      <p:sp>
+        <p:nvSpPr>
           <p:cNvPr id="2" name="Rectangle 1">
             <a:extLst>
               <a:ext uri="{FF2B5EF4-FFF2-40B4-BE49-F238E27FC236}">
